--- a/PräKL.pptx
+++ b/PräKL.pptx
@@ -78,8 +78,8 @@
         </p:nvSpPr>
         <p:spPr>
           <a:xfrm>
-            <a:off x="360000" y="301320"/>
-            <a:ext cx="9360000" cy="958680"/>
+            <a:off x="504000" y="301320"/>
+            <a:ext cx="9072000" cy="1261800"/>
           </a:xfrm>
           <a:prstGeom prst="rect">
             <a:avLst/>
@@ -88,16 +88,17 @@
         <p:txBody>
           <a:bodyPr lIns="0" rIns="0" tIns="0" bIns="0" anchor="ctr"/>
           <a:p>
-            <a:endParaRPr b="1" lang="de-DE" sz="3600" spc="-1" strike="noStrike">
-              <a:solidFill>
-                <a:srgbClr val="ffffff"/>
-              </a:solidFill>
-              <a:uFill>
-                <a:solidFill>
-                  <a:srgbClr val="ffffff"/>
-                </a:solidFill>
-              </a:uFill>
-              <a:latin typeface="Source Sans Pro Black"/>
+            <a:pPr algn="ctr"/>
+            <a:endParaRPr b="0" lang="de-DE" sz="4400" spc="-1" strike="noStrike">
+              <a:solidFill>
+                <a:srgbClr val="000000"/>
+              </a:solidFill>
+              <a:uFill>
+                <a:solidFill>
+                  <a:srgbClr val="ffffff"/>
+                </a:solidFill>
+              </a:uFill>
+              <a:latin typeface="Arial"/>
             </a:endParaRPr>
           </a:p>
         </p:txBody>
@@ -114,8 +115,8 @@
         </p:nvSpPr>
         <p:spPr>
           <a:xfrm>
-            <a:off x="360000" y="1980000"/>
-            <a:ext cx="9360000" cy="2403720"/>
+            <a:off x="504000" y="1768680"/>
+            <a:ext cx="9072000" cy="2090880"/>
           </a:xfrm>
           <a:prstGeom prst="rect">
             <a:avLst/>
@@ -124,16 +125,16 @@
         <p:txBody>
           <a:bodyPr lIns="0" rIns="0" tIns="0" bIns="0"/>
           <a:p>
-            <a:endParaRPr b="1" lang="de-DE" sz="3200" spc="-1" strike="noStrike">
-              <a:solidFill>
-                <a:srgbClr val="2c3e50"/>
-              </a:solidFill>
-              <a:uFill>
-                <a:solidFill>
-                  <a:srgbClr val="ffffff"/>
-                </a:solidFill>
-              </a:uFill>
-              <a:latin typeface="Source Sans Pro Semibold"/>
+            <a:endParaRPr b="0" lang="de-DE" sz="3200" spc="-1" strike="noStrike">
+              <a:solidFill>
+                <a:srgbClr val="000000"/>
+              </a:solidFill>
+              <a:uFill>
+                <a:solidFill>
+                  <a:srgbClr val="ffffff"/>
+                </a:solidFill>
+              </a:uFill>
+              <a:latin typeface="Arial"/>
             </a:endParaRPr>
           </a:p>
         </p:txBody>
@@ -150,8 +151,8 @@
         </p:nvSpPr>
         <p:spPr>
           <a:xfrm>
-            <a:off x="360000" y="4612320"/>
-            <a:ext cx="9360000" cy="2403720"/>
+            <a:off x="504000" y="4058640"/>
+            <a:ext cx="9072000" cy="2090880"/>
           </a:xfrm>
           <a:prstGeom prst="rect">
             <a:avLst/>
@@ -160,16 +161,16 @@
         <p:txBody>
           <a:bodyPr lIns="0" rIns="0" tIns="0" bIns="0"/>
           <a:p>
-            <a:endParaRPr b="1" lang="de-DE" sz="3200" spc="-1" strike="noStrike">
-              <a:solidFill>
-                <a:srgbClr val="2c3e50"/>
-              </a:solidFill>
-              <a:uFill>
-                <a:solidFill>
-                  <a:srgbClr val="ffffff"/>
-                </a:solidFill>
-              </a:uFill>
-              <a:latin typeface="Source Sans Pro Semibold"/>
+            <a:endParaRPr b="0" lang="de-DE" sz="3200" spc="-1" strike="noStrike">
+              <a:solidFill>
+                <a:srgbClr val="000000"/>
+              </a:solidFill>
+              <a:uFill>
+                <a:solidFill>
+                  <a:srgbClr val="ffffff"/>
+                </a:solidFill>
+              </a:uFill>
+              <a:latin typeface="Arial"/>
             </a:endParaRPr>
           </a:p>
         </p:txBody>
@@ -208,8 +209,8 @@
         </p:nvSpPr>
         <p:spPr>
           <a:xfrm>
-            <a:off x="360000" y="301320"/>
-            <a:ext cx="9360000" cy="958680"/>
+            <a:off x="504000" y="301320"/>
+            <a:ext cx="9072000" cy="1261800"/>
           </a:xfrm>
           <a:prstGeom prst="rect">
             <a:avLst/>
@@ -218,16 +219,17 @@
         <p:txBody>
           <a:bodyPr lIns="0" rIns="0" tIns="0" bIns="0" anchor="ctr"/>
           <a:p>
-            <a:endParaRPr b="1" lang="de-DE" sz="3600" spc="-1" strike="noStrike">
-              <a:solidFill>
-                <a:srgbClr val="ffffff"/>
-              </a:solidFill>
-              <a:uFill>
-                <a:solidFill>
-                  <a:srgbClr val="ffffff"/>
-                </a:solidFill>
-              </a:uFill>
-              <a:latin typeface="Source Sans Pro Black"/>
+            <a:pPr algn="ctr"/>
+            <a:endParaRPr b="0" lang="de-DE" sz="4400" spc="-1" strike="noStrike">
+              <a:solidFill>
+                <a:srgbClr val="000000"/>
+              </a:solidFill>
+              <a:uFill>
+                <a:solidFill>
+                  <a:srgbClr val="ffffff"/>
+                </a:solidFill>
+              </a:uFill>
+              <a:latin typeface="Arial"/>
             </a:endParaRPr>
           </a:p>
         </p:txBody>
@@ -244,8 +246,8 @@
         </p:nvSpPr>
         <p:spPr>
           <a:xfrm>
-            <a:off x="360000" y="1980000"/>
-            <a:ext cx="4567320" cy="2403720"/>
+            <a:off x="504000" y="1768680"/>
+            <a:ext cx="4426920" cy="2090880"/>
           </a:xfrm>
           <a:prstGeom prst="rect">
             <a:avLst/>
@@ -254,16 +256,16 @@
         <p:txBody>
           <a:bodyPr lIns="0" rIns="0" tIns="0" bIns="0"/>
           <a:p>
-            <a:endParaRPr b="1" lang="de-DE" sz="3200" spc="-1" strike="noStrike">
-              <a:solidFill>
-                <a:srgbClr val="2c3e50"/>
-              </a:solidFill>
-              <a:uFill>
-                <a:solidFill>
-                  <a:srgbClr val="ffffff"/>
-                </a:solidFill>
-              </a:uFill>
-              <a:latin typeface="Source Sans Pro Semibold"/>
+            <a:endParaRPr b="0" lang="de-DE" sz="3200" spc="-1" strike="noStrike">
+              <a:solidFill>
+                <a:srgbClr val="000000"/>
+              </a:solidFill>
+              <a:uFill>
+                <a:solidFill>
+                  <a:srgbClr val="ffffff"/>
+                </a:solidFill>
+              </a:uFill>
+              <a:latin typeface="Arial"/>
             </a:endParaRPr>
           </a:p>
         </p:txBody>
@@ -280,8 +282,8 @@
         </p:nvSpPr>
         <p:spPr>
           <a:xfrm>
-            <a:off x="5155920" y="1980000"/>
-            <a:ext cx="4567320" cy="2403720"/>
+            <a:off x="5152680" y="1768680"/>
+            <a:ext cx="4426920" cy="2090880"/>
           </a:xfrm>
           <a:prstGeom prst="rect">
             <a:avLst/>
@@ -290,16 +292,16 @@
         <p:txBody>
           <a:bodyPr lIns="0" rIns="0" tIns="0" bIns="0"/>
           <a:p>
-            <a:endParaRPr b="1" lang="de-DE" sz="3200" spc="-1" strike="noStrike">
-              <a:solidFill>
-                <a:srgbClr val="2c3e50"/>
-              </a:solidFill>
-              <a:uFill>
-                <a:solidFill>
-                  <a:srgbClr val="ffffff"/>
-                </a:solidFill>
-              </a:uFill>
-              <a:latin typeface="Source Sans Pro Semibold"/>
+            <a:endParaRPr b="0" lang="de-DE" sz="3200" spc="-1" strike="noStrike">
+              <a:solidFill>
+                <a:srgbClr val="000000"/>
+              </a:solidFill>
+              <a:uFill>
+                <a:solidFill>
+                  <a:srgbClr val="ffffff"/>
+                </a:solidFill>
+              </a:uFill>
+              <a:latin typeface="Arial"/>
             </a:endParaRPr>
           </a:p>
         </p:txBody>
@@ -316,8 +318,8 @@
         </p:nvSpPr>
         <p:spPr>
           <a:xfrm>
-            <a:off x="5155920" y="4612320"/>
-            <a:ext cx="4567320" cy="2403720"/>
+            <a:off x="5152680" y="4058640"/>
+            <a:ext cx="4426920" cy="2090880"/>
           </a:xfrm>
           <a:prstGeom prst="rect">
             <a:avLst/>
@@ -326,16 +328,16 @@
         <p:txBody>
           <a:bodyPr lIns="0" rIns="0" tIns="0" bIns="0"/>
           <a:p>
-            <a:endParaRPr b="1" lang="de-DE" sz="3200" spc="-1" strike="noStrike">
-              <a:solidFill>
-                <a:srgbClr val="2c3e50"/>
-              </a:solidFill>
-              <a:uFill>
-                <a:solidFill>
-                  <a:srgbClr val="ffffff"/>
-                </a:solidFill>
-              </a:uFill>
-              <a:latin typeface="Source Sans Pro Semibold"/>
+            <a:endParaRPr b="0" lang="de-DE" sz="3200" spc="-1" strike="noStrike">
+              <a:solidFill>
+                <a:srgbClr val="000000"/>
+              </a:solidFill>
+              <a:uFill>
+                <a:solidFill>
+                  <a:srgbClr val="ffffff"/>
+                </a:solidFill>
+              </a:uFill>
+              <a:latin typeface="Arial"/>
             </a:endParaRPr>
           </a:p>
         </p:txBody>
@@ -352,8 +354,8 @@
         </p:nvSpPr>
         <p:spPr>
           <a:xfrm>
-            <a:off x="360000" y="4612320"/>
-            <a:ext cx="4567320" cy="2403720"/>
+            <a:off x="504000" y="4058640"/>
+            <a:ext cx="4426920" cy="2090880"/>
           </a:xfrm>
           <a:prstGeom prst="rect">
             <a:avLst/>
@@ -362,16 +364,16 @@
         <p:txBody>
           <a:bodyPr lIns="0" rIns="0" tIns="0" bIns="0"/>
           <a:p>
-            <a:endParaRPr b="1" lang="de-DE" sz="3200" spc="-1" strike="noStrike">
-              <a:solidFill>
-                <a:srgbClr val="2c3e50"/>
-              </a:solidFill>
-              <a:uFill>
-                <a:solidFill>
-                  <a:srgbClr val="ffffff"/>
-                </a:solidFill>
-              </a:uFill>
-              <a:latin typeface="Source Sans Pro Semibold"/>
+            <a:endParaRPr b="0" lang="de-DE" sz="3200" spc="-1" strike="noStrike">
+              <a:solidFill>
+                <a:srgbClr val="000000"/>
+              </a:solidFill>
+              <a:uFill>
+                <a:solidFill>
+                  <a:srgbClr val="ffffff"/>
+                </a:solidFill>
+              </a:uFill>
+              <a:latin typeface="Arial"/>
             </a:endParaRPr>
           </a:p>
         </p:txBody>
@@ -410,8 +412,8 @@
         </p:nvSpPr>
         <p:spPr>
           <a:xfrm>
-            <a:off x="360000" y="301320"/>
-            <a:ext cx="9360000" cy="958680"/>
+            <a:off x="504000" y="301320"/>
+            <a:ext cx="9072000" cy="1261800"/>
           </a:xfrm>
           <a:prstGeom prst="rect">
             <a:avLst/>
@@ -420,16 +422,17 @@
         <p:txBody>
           <a:bodyPr lIns="0" rIns="0" tIns="0" bIns="0" anchor="ctr"/>
           <a:p>
-            <a:endParaRPr b="1" lang="de-DE" sz="3600" spc="-1" strike="noStrike">
-              <a:solidFill>
-                <a:srgbClr val="ffffff"/>
-              </a:solidFill>
-              <a:uFill>
-                <a:solidFill>
-                  <a:srgbClr val="ffffff"/>
-                </a:solidFill>
-              </a:uFill>
-              <a:latin typeface="Source Sans Pro Black"/>
+            <a:pPr algn="ctr"/>
+            <a:endParaRPr b="0" lang="de-DE" sz="4400" spc="-1" strike="noStrike">
+              <a:solidFill>
+                <a:srgbClr val="000000"/>
+              </a:solidFill>
+              <a:uFill>
+                <a:solidFill>
+                  <a:srgbClr val="ffffff"/>
+                </a:solidFill>
+              </a:uFill>
+              <a:latin typeface="Arial"/>
             </a:endParaRPr>
           </a:p>
         </p:txBody>
@@ -446,8 +449,8 @@
         </p:nvSpPr>
         <p:spPr>
           <a:xfrm>
-            <a:off x="360000" y="1980000"/>
-            <a:ext cx="9360000" cy="5040000"/>
+            <a:off x="504000" y="1768680"/>
+            <a:ext cx="9072000" cy="4384080"/>
           </a:xfrm>
           <a:prstGeom prst="rect">
             <a:avLst/>
@@ -456,16 +459,16 @@
         <p:txBody>
           <a:bodyPr lIns="0" rIns="0" tIns="0" bIns="0"/>
           <a:p>
-            <a:endParaRPr b="1" lang="de-DE" sz="3200" spc="-1" strike="noStrike">
-              <a:solidFill>
-                <a:srgbClr val="2c3e50"/>
-              </a:solidFill>
-              <a:uFill>
-                <a:solidFill>
-                  <a:srgbClr val="ffffff"/>
-                </a:solidFill>
-              </a:uFill>
-              <a:latin typeface="Source Sans Pro Semibold"/>
+            <a:endParaRPr b="0" lang="de-DE" sz="3200" spc="-1" strike="noStrike">
+              <a:solidFill>
+                <a:srgbClr val="000000"/>
+              </a:solidFill>
+              <a:uFill>
+                <a:solidFill>
+                  <a:srgbClr val="ffffff"/>
+                </a:solidFill>
+              </a:uFill>
+              <a:latin typeface="Arial"/>
             </a:endParaRPr>
           </a:p>
         </p:txBody>
@@ -482,8 +485,8 @@
         </p:nvSpPr>
         <p:spPr>
           <a:xfrm>
-            <a:off x="360000" y="1980000"/>
-            <a:ext cx="9360000" cy="5040000"/>
+            <a:off x="504000" y="1768680"/>
+            <a:ext cx="9072000" cy="4384080"/>
           </a:xfrm>
           <a:prstGeom prst="rect">
             <a:avLst/>
@@ -492,16 +495,16 @@
         <p:txBody>
           <a:bodyPr lIns="0" rIns="0" tIns="0" bIns="0"/>
           <a:p>
-            <a:endParaRPr b="1" lang="de-DE" sz="3200" spc="-1" strike="noStrike">
-              <a:solidFill>
-                <a:srgbClr val="2c3e50"/>
-              </a:solidFill>
-              <a:uFill>
-                <a:solidFill>
-                  <a:srgbClr val="ffffff"/>
-                </a:solidFill>
-              </a:uFill>
-              <a:latin typeface="Source Sans Pro Semibold"/>
+            <a:endParaRPr b="0" lang="de-DE" sz="3200" spc="-1" strike="noStrike">
+              <a:solidFill>
+                <a:srgbClr val="000000"/>
+              </a:solidFill>
+              <a:uFill>
+                <a:solidFill>
+                  <a:srgbClr val="ffffff"/>
+                </a:solidFill>
+              </a:uFill>
+              <a:latin typeface="Arial"/>
             </a:endParaRPr>
           </a:p>
         </p:txBody>
@@ -518,8 +521,8 @@
         </p:blipFill>
         <p:spPr>
           <a:xfrm>
-            <a:off x="1881720" y="1980000"/>
-            <a:ext cx="6316560" cy="5040000"/>
+            <a:off x="2292480" y="1768680"/>
+            <a:ext cx="5494680" cy="4384080"/>
           </a:xfrm>
           <a:prstGeom prst="rect">
             <a:avLst/>
@@ -541,8 +544,8 @@
         </p:blipFill>
         <p:spPr>
           <a:xfrm>
-            <a:off x="1881720" y="1980000"/>
-            <a:ext cx="6316560" cy="5040000"/>
+            <a:off x="2292480" y="1768680"/>
+            <a:ext cx="5494680" cy="4384080"/>
           </a:xfrm>
           <a:prstGeom prst="rect">
             <a:avLst/>
@@ -598,7 +601,7 @@
       </p:grpSpPr>
       <p:sp>
         <p:nvSpPr>
-          <p:cNvPr id="47" name="PlaceHolder 1"/>
+          <p:cNvPr id="44" name="PlaceHolder 1"/>
           <p:cNvSpPr>
             <a:spLocks noGrp="1"/>
           </p:cNvSpPr>
@@ -608,8 +611,8 @@
         </p:nvSpPr>
         <p:spPr>
           <a:xfrm>
-            <a:off x="360000" y="301320"/>
-            <a:ext cx="9360000" cy="958680"/>
+            <a:off x="504000" y="301320"/>
+            <a:ext cx="9072000" cy="1261800"/>
           </a:xfrm>
           <a:prstGeom prst="rect">
             <a:avLst/>
@@ -618,23 +621,24 @@
         <p:txBody>
           <a:bodyPr lIns="0" rIns="0" tIns="0" bIns="0" anchor="ctr"/>
           <a:p>
-            <a:endParaRPr b="1" lang="de-DE" sz="3600" spc="-1" strike="noStrike">
-              <a:solidFill>
-                <a:srgbClr val="ffffff"/>
-              </a:solidFill>
-              <a:uFill>
-                <a:solidFill>
-                  <a:srgbClr val="ffffff"/>
-                </a:solidFill>
-              </a:uFill>
-              <a:latin typeface="Source Sans Pro Black"/>
-            </a:endParaRPr>
-          </a:p>
-        </p:txBody>
-      </p:sp>
-      <p:sp>
-        <p:nvSpPr>
-          <p:cNvPr id="48" name="PlaceHolder 2"/>
+            <a:pPr algn="ctr"/>
+            <a:endParaRPr b="0" lang="de-DE" sz="4400" spc="-1" strike="noStrike">
+              <a:solidFill>
+                <a:srgbClr val="000000"/>
+              </a:solidFill>
+              <a:uFill>
+                <a:solidFill>
+                  <a:srgbClr val="ffffff"/>
+                </a:solidFill>
+              </a:uFill>
+              <a:latin typeface="Arial"/>
+            </a:endParaRPr>
+          </a:p>
+        </p:txBody>
+      </p:sp>
+      <p:sp>
+        <p:nvSpPr>
+          <p:cNvPr id="45" name="PlaceHolder 2"/>
           <p:cNvSpPr>
             <a:spLocks noGrp="1"/>
           </p:cNvSpPr>
@@ -644,8 +648,8 @@
         </p:nvSpPr>
         <p:spPr>
           <a:xfrm>
-            <a:off x="360000" y="1980000"/>
-            <a:ext cx="9360000" cy="5040000"/>
+            <a:off x="504000" y="1768680"/>
+            <a:ext cx="9072000" cy="4384080"/>
           </a:xfrm>
           <a:prstGeom prst="rect">
             <a:avLst/>
@@ -657,14 +661,14 @@
             <a:pPr algn="ctr"/>
             <a:endParaRPr b="0" lang="de-DE" sz="3200" spc="-1" strike="noStrike">
               <a:solidFill>
-                <a:srgbClr val="2c3e50"/>
-              </a:solidFill>
-              <a:uFill>
-                <a:solidFill>
-                  <a:srgbClr val="ffffff"/>
-                </a:solidFill>
-              </a:uFill>
-              <a:latin typeface="Source Sans Pro"/>
+                <a:srgbClr val="000000"/>
+              </a:solidFill>
+              <a:uFill>
+                <a:solidFill>
+                  <a:srgbClr val="ffffff"/>
+                </a:solidFill>
+              </a:uFill>
+              <a:latin typeface="Arial"/>
             </a:endParaRPr>
           </a:p>
         </p:txBody>
@@ -693,7 +697,7 @@
       </p:grpSpPr>
       <p:sp>
         <p:nvSpPr>
-          <p:cNvPr id="49" name="PlaceHolder 1"/>
+          <p:cNvPr id="46" name="PlaceHolder 1"/>
           <p:cNvSpPr>
             <a:spLocks noGrp="1"/>
           </p:cNvSpPr>
@@ -703,8 +707,8 @@
         </p:nvSpPr>
         <p:spPr>
           <a:xfrm>
-            <a:off x="360000" y="301320"/>
-            <a:ext cx="9360000" cy="958680"/>
+            <a:off x="504000" y="301320"/>
+            <a:ext cx="9072000" cy="1261800"/>
           </a:xfrm>
           <a:prstGeom prst="rect">
             <a:avLst/>
@@ -713,23 +717,24 @@
         <p:txBody>
           <a:bodyPr lIns="0" rIns="0" tIns="0" bIns="0" anchor="ctr"/>
           <a:p>
-            <a:endParaRPr b="1" lang="de-DE" sz="3600" spc="-1" strike="noStrike">
-              <a:solidFill>
-                <a:srgbClr val="ffffff"/>
-              </a:solidFill>
-              <a:uFill>
-                <a:solidFill>
-                  <a:srgbClr val="ffffff"/>
-                </a:solidFill>
-              </a:uFill>
-              <a:latin typeface="Source Sans Pro Black"/>
-            </a:endParaRPr>
-          </a:p>
-        </p:txBody>
-      </p:sp>
-      <p:sp>
-        <p:nvSpPr>
-          <p:cNvPr id="50" name="PlaceHolder 2"/>
+            <a:pPr algn="ctr"/>
+            <a:endParaRPr b="0" lang="de-DE" sz="4400" spc="-1" strike="noStrike">
+              <a:solidFill>
+                <a:srgbClr val="000000"/>
+              </a:solidFill>
+              <a:uFill>
+                <a:solidFill>
+                  <a:srgbClr val="ffffff"/>
+                </a:solidFill>
+              </a:uFill>
+              <a:latin typeface="Arial"/>
+            </a:endParaRPr>
+          </a:p>
+        </p:txBody>
+      </p:sp>
+      <p:sp>
+        <p:nvSpPr>
+          <p:cNvPr id="47" name="PlaceHolder 2"/>
           <p:cNvSpPr>
             <a:spLocks noGrp="1"/>
           </p:cNvSpPr>
@@ -739,8 +744,8 @@
         </p:nvSpPr>
         <p:spPr>
           <a:xfrm>
-            <a:off x="360000" y="1980000"/>
-            <a:ext cx="9360000" cy="5040000"/>
+            <a:off x="504000" y="1768680"/>
+            <a:ext cx="9072000" cy="4384080"/>
           </a:xfrm>
           <a:prstGeom prst="rect">
             <a:avLst/>
@@ -749,16 +754,16 @@
         <p:txBody>
           <a:bodyPr lIns="0" rIns="0" tIns="0" bIns="0"/>
           <a:p>
-            <a:endParaRPr b="1" lang="de-DE" sz="3200" spc="-1" strike="noStrike">
-              <a:solidFill>
-                <a:srgbClr val="2c3e50"/>
-              </a:solidFill>
-              <a:uFill>
-                <a:solidFill>
-                  <a:srgbClr val="ffffff"/>
-                </a:solidFill>
-              </a:uFill>
-              <a:latin typeface="Source Sans Pro Semibold"/>
+            <a:endParaRPr b="0" lang="de-DE" sz="3200" spc="-1" strike="noStrike">
+              <a:solidFill>
+                <a:srgbClr val="000000"/>
+              </a:solidFill>
+              <a:uFill>
+                <a:solidFill>
+                  <a:srgbClr val="ffffff"/>
+                </a:solidFill>
+              </a:uFill>
+              <a:latin typeface="Arial"/>
             </a:endParaRPr>
           </a:p>
         </p:txBody>
@@ -787,7 +792,7 @@
       </p:grpSpPr>
       <p:sp>
         <p:nvSpPr>
-          <p:cNvPr id="51" name="PlaceHolder 1"/>
+          <p:cNvPr id="48" name="PlaceHolder 1"/>
           <p:cNvSpPr>
             <a:spLocks noGrp="1"/>
           </p:cNvSpPr>
@@ -797,8 +802,8 @@
         </p:nvSpPr>
         <p:spPr>
           <a:xfrm>
-            <a:off x="360000" y="301320"/>
-            <a:ext cx="9360000" cy="958680"/>
+            <a:off x="504000" y="301320"/>
+            <a:ext cx="9072000" cy="1261800"/>
           </a:xfrm>
           <a:prstGeom prst="rect">
             <a:avLst/>
@@ -807,23 +812,24 @@
         <p:txBody>
           <a:bodyPr lIns="0" rIns="0" tIns="0" bIns="0" anchor="ctr"/>
           <a:p>
-            <a:endParaRPr b="1" lang="de-DE" sz="3600" spc="-1" strike="noStrike">
-              <a:solidFill>
-                <a:srgbClr val="ffffff"/>
-              </a:solidFill>
-              <a:uFill>
-                <a:solidFill>
-                  <a:srgbClr val="ffffff"/>
-                </a:solidFill>
-              </a:uFill>
-              <a:latin typeface="Source Sans Pro Black"/>
-            </a:endParaRPr>
-          </a:p>
-        </p:txBody>
-      </p:sp>
-      <p:sp>
-        <p:nvSpPr>
-          <p:cNvPr id="52" name="PlaceHolder 2"/>
+            <a:pPr algn="ctr"/>
+            <a:endParaRPr b="0" lang="de-DE" sz="4400" spc="-1" strike="noStrike">
+              <a:solidFill>
+                <a:srgbClr val="000000"/>
+              </a:solidFill>
+              <a:uFill>
+                <a:solidFill>
+                  <a:srgbClr val="ffffff"/>
+                </a:solidFill>
+              </a:uFill>
+              <a:latin typeface="Arial"/>
+            </a:endParaRPr>
+          </a:p>
+        </p:txBody>
+      </p:sp>
+      <p:sp>
+        <p:nvSpPr>
+          <p:cNvPr id="49" name="PlaceHolder 2"/>
           <p:cNvSpPr>
             <a:spLocks noGrp="1"/>
           </p:cNvSpPr>
@@ -833,8 +839,8 @@
         </p:nvSpPr>
         <p:spPr>
           <a:xfrm>
-            <a:off x="360000" y="1980000"/>
-            <a:ext cx="4567320" cy="5040000"/>
+            <a:off x="504000" y="1768680"/>
+            <a:ext cx="4426920" cy="4384080"/>
           </a:xfrm>
           <a:prstGeom prst="rect">
             <a:avLst/>
@@ -843,23 +849,23 @@
         <p:txBody>
           <a:bodyPr lIns="0" rIns="0" tIns="0" bIns="0"/>
           <a:p>
-            <a:endParaRPr b="1" lang="de-DE" sz="3200" spc="-1" strike="noStrike">
-              <a:solidFill>
-                <a:srgbClr val="2c3e50"/>
-              </a:solidFill>
-              <a:uFill>
-                <a:solidFill>
-                  <a:srgbClr val="ffffff"/>
-                </a:solidFill>
-              </a:uFill>
-              <a:latin typeface="Source Sans Pro Semibold"/>
-            </a:endParaRPr>
-          </a:p>
-        </p:txBody>
-      </p:sp>
-      <p:sp>
-        <p:nvSpPr>
-          <p:cNvPr id="53" name="PlaceHolder 3"/>
+            <a:endParaRPr b="0" lang="de-DE" sz="3200" spc="-1" strike="noStrike">
+              <a:solidFill>
+                <a:srgbClr val="000000"/>
+              </a:solidFill>
+              <a:uFill>
+                <a:solidFill>
+                  <a:srgbClr val="ffffff"/>
+                </a:solidFill>
+              </a:uFill>
+              <a:latin typeface="Arial"/>
+            </a:endParaRPr>
+          </a:p>
+        </p:txBody>
+      </p:sp>
+      <p:sp>
+        <p:nvSpPr>
+          <p:cNvPr id="50" name="PlaceHolder 3"/>
           <p:cNvSpPr>
             <a:spLocks noGrp="1"/>
           </p:cNvSpPr>
@@ -869,8 +875,8 @@
         </p:nvSpPr>
         <p:spPr>
           <a:xfrm>
-            <a:off x="5155920" y="1980000"/>
-            <a:ext cx="4567320" cy="5040000"/>
+            <a:off x="5152680" y="1768680"/>
+            <a:ext cx="4426920" cy="4384080"/>
           </a:xfrm>
           <a:prstGeom prst="rect">
             <a:avLst/>
@@ -879,16 +885,16 @@
         <p:txBody>
           <a:bodyPr lIns="0" rIns="0" tIns="0" bIns="0"/>
           <a:p>
-            <a:endParaRPr b="1" lang="de-DE" sz="3200" spc="-1" strike="noStrike">
-              <a:solidFill>
-                <a:srgbClr val="2c3e50"/>
-              </a:solidFill>
-              <a:uFill>
-                <a:solidFill>
-                  <a:srgbClr val="ffffff"/>
-                </a:solidFill>
-              </a:uFill>
-              <a:latin typeface="Source Sans Pro Semibold"/>
+            <a:endParaRPr b="0" lang="de-DE" sz="3200" spc="-1" strike="noStrike">
+              <a:solidFill>
+                <a:srgbClr val="000000"/>
+              </a:solidFill>
+              <a:uFill>
+                <a:solidFill>
+                  <a:srgbClr val="ffffff"/>
+                </a:solidFill>
+              </a:uFill>
+              <a:latin typeface="Arial"/>
             </a:endParaRPr>
           </a:p>
         </p:txBody>
@@ -917,7 +923,7 @@
       </p:grpSpPr>
       <p:sp>
         <p:nvSpPr>
-          <p:cNvPr id="54" name="PlaceHolder 1"/>
+          <p:cNvPr id="51" name="PlaceHolder 1"/>
           <p:cNvSpPr>
             <a:spLocks noGrp="1"/>
           </p:cNvSpPr>
@@ -927,8 +933,8 @@
         </p:nvSpPr>
         <p:spPr>
           <a:xfrm>
-            <a:off x="360000" y="301320"/>
-            <a:ext cx="9360000" cy="958680"/>
+            <a:off x="504000" y="301320"/>
+            <a:ext cx="9072000" cy="1261800"/>
           </a:xfrm>
           <a:prstGeom prst="rect">
             <a:avLst/>
@@ -937,16 +943,17 @@
         <p:txBody>
           <a:bodyPr lIns="0" rIns="0" tIns="0" bIns="0" anchor="ctr"/>
           <a:p>
-            <a:endParaRPr b="1" lang="de-DE" sz="3600" spc="-1" strike="noStrike">
-              <a:solidFill>
-                <a:srgbClr val="ffffff"/>
-              </a:solidFill>
-              <a:uFill>
-                <a:solidFill>
-                  <a:srgbClr val="ffffff"/>
-                </a:solidFill>
-              </a:uFill>
-              <a:latin typeface="Source Sans Pro Black"/>
+            <a:pPr algn="ctr"/>
+            <a:endParaRPr b="0" lang="de-DE" sz="4400" spc="-1" strike="noStrike">
+              <a:solidFill>
+                <a:srgbClr val="000000"/>
+              </a:solidFill>
+              <a:uFill>
+                <a:solidFill>
+                  <a:srgbClr val="ffffff"/>
+                </a:solidFill>
+              </a:uFill>
+              <a:latin typeface="Arial"/>
             </a:endParaRPr>
           </a:p>
         </p:txBody>
@@ -975,7 +982,7 @@
       </p:grpSpPr>
       <p:sp>
         <p:nvSpPr>
-          <p:cNvPr id="55" name="PlaceHolder 1"/>
+          <p:cNvPr id="52" name="PlaceHolder 1"/>
           <p:cNvSpPr>
             <a:spLocks noGrp="1"/>
           </p:cNvSpPr>
@@ -985,8 +992,8 @@
         </p:nvSpPr>
         <p:spPr>
           <a:xfrm>
-            <a:off x="360000" y="301320"/>
-            <a:ext cx="9360000" cy="4445280"/>
+            <a:off x="504000" y="301320"/>
+            <a:ext cx="9072000" cy="5850360"/>
           </a:xfrm>
           <a:prstGeom prst="rect">
             <a:avLst/>
@@ -998,14 +1005,14 @@
             <a:pPr algn="ctr"/>
             <a:endParaRPr b="0" lang="de-DE" sz="3200" spc="-1" strike="noStrike">
               <a:solidFill>
-                <a:srgbClr val="2c3e50"/>
-              </a:solidFill>
-              <a:uFill>
-                <a:solidFill>
-                  <a:srgbClr val="ffffff"/>
-                </a:solidFill>
-              </a:uFill>
-              <a:latin typeface="Source Sans Pro"/>
+                <a:srgbClr val="000000"/>
+              </a:solidFill>
+              <a:uFill>
+                <a:solidFill>
+                  <a:srgbClr val="ffffff"/>
+                </a:solidFill>
+              </a:uFill>
+              <a:latin typeface="Arial"/>
             </a:endParaRPr>
           </a:p>
         </p:txBody>
@@ -1034,7 +1041,7 @@
       </p:grpSpPr>
       <p:sp>
         <p:nvSpPr>
-          <p:cNvPr id="56" name="PlaceHolder 1"/>
+          <p:cNvPr id="53" name="PlaceHolder 1"/>
           <p:cNvSpPr>
             <a:spLocks noGrp="1"/>
           </p:cNvSpPr>
@@ -1044,8 +1051,8 @@
         </p:nvSpPr>
         <p:spPr>
           <a:xfrm>
-            <a:off x="360000" y="301320"/>
-            <a:ext cx="9360000" cy="958680"/>
+            <a:off x="504000" y="301320"/>
+            <a:ext cx="9072000" cy="1261800"/>
           </a:xfrm>
           <a:prstGeom prst="rect">
             <a:avLst/>
@@ -1054,23 +1061,24 @@
         <p:txBody>
           <a:bodyPr lIns="0" rIns="0" tIns="0" bIns="0" anchor="ctr"/>
           <a:p>
-            <a:endParaRPr b="1" lang="de-DE" sz="3600" spc="-1" strike="noStrike">
-              <a:solidFill>
-                <a:srgbClr val="ffffff"/>
-              </a:solidFill>
-              <a:uFill>
-                <a:solidFill>
-                  <a:srgbClr val="ffffff"/>
-                </a:solidFill>
-              </a:uFill>
-              <a:latin typeface="Source Sans Pro Black"/>
-            </a:endParaRPr>
-          </a:p>
-        </p:txBody>
-      </p:sp>
-      <p:sp>
-        <p:nvSpPr>
-          <p:cNvPr id="57" name="PlaceHolder 2"/>
+            <a:pPr algn="ctr"/>
+            <a:endParaRPr b="0" lang="de-DE" sz="4400" spc="-1" strike="noStrike">
+              <a:solidFill>
+                <a:srgbClr val="000000"/>
+              </a:solidFill>
+              <a:uFill>
+                <a:solidFill>
+                  <a:srgbClr val="ffffff"/>
+                </a:solidFill>
+              </a:uFill>
+              <a:latin typeface="Arial"/>
+            </a:endParaRPr>
+          </a:p>
+        </p:txBody>
+      </p:sp>
+      <p:sp>
+        <p:nvSpPr>
+          <p:cNvPr id="54" name="PlaceHolder 2"/>
           <p:cNvSpPr>
             <a:spLocks noGrp="1"/>
           </p:cNvSpPr>
@@ -1080,8 +1088,8 @@
         </p:nvSpPr>
         <p:spPr>
           <a:xfrm>
-            <a:off x="360000" y="1980000"/>
-            <a:ext cx="4567320" cy="2403720"/>
+            <a:off x="504000" y="1768680"/>
+            <a:ext cx="4426920" cy="2090880"/>
           </a:xfrm>
           <a:prstGeom prst="rect">
             <a:avLst/>
@@ -1090,23 +1098,23 @@
         <p:txBody>
           <a:bodyPr lIns="0" rIns="0" tIns="0" bIns="0"/>
           <a:p>
-            <a:endParaRPr b="1" lang="de-DE" sz="3200" spc="-1" strike="noStrike">
-              <a:solidFill>
-                <a:srgbClr val="2c3e50"/>
-              </a:solidFill>
-              <a:uFill>
-                <a:solidFill>
-                  <a:srgbClr val="ffffff"/>
-                </a:solidFill>
-              </a:uFill>
-              <a:latin typeface="Source Sans Pro Semibold"/>
-            </a:endParaRPr>
-          </a:p>
-        </p:txBody>
-      </p:sp>
-      <p:sp>
-        <p:nvSpPr>
-          <p:cNvPr id="58" name="PlaceHolder 3"/>
+            <a:endParaRPr b="0" lang="de-DE" sz="3200" spc="-1" strike="noStrike">
+              <a:solidFill>
+                <a:srgbClr val="000000"/>
+              </a:solidFill>
+              <a:uFill>
+                <a:solidFill>
+                  <a:srgbClr val="ffffff"/>
+                </a:solidFill>
+              </a:uFill>
+              <a:latin typeface="Arial"/>
+            </a:endParaRPr>
+          </a:p>
+        </p:txBody>
+      </p:sp>
+      <p:sp>
+        <p:nvSpPr>
+          <p:cNvPr id="55" name="PlaceHolder 3"/>
           <p:cNvSpPr>
             <a:spLocks noGrp="1"/>
           </p:cNvSpPr>
@@ -1116,8 +1124,8 @@
         </p:nvSpPr>
         <p:spPr>
           <a:xfrm>
-            <a:off x="360000" y="4612320"/>
-            <a:ext cx="4567320" cy="2403720"/>
+            <a:off x="504000" y="4058640"/>
+            <a:ext cx="4426920" cy="2090880"/>
           </a:xfrm>
           <a:prstGeom prst="rect">
             <a:avLst/>
@@ -1126,23 +1134,23 @@
         <p:txBody>
           <a:bodyPr lIns="0" rIns="0" tIns="0" bIns="0"/>
           <a:p>
-            <a:endParaRPr b="1" lang="de-DE" sz="3200" spc="-1" strike="noStrike">
-              <a:solidFill>
-                <a:srgbClr val="2c3e50"/>
-              </a:solidFill>
-              <a:uFill>
-                <a:solidFill>
-                  <a:srgbClr val="ffffff"/>
-                </a:solidFill>
-              </a:uFill>
-              <a:latin typeface="Source Sans Pro Semibold"/>
-            </a:endParaRPr>
-          </a:p>
-        </p:txBody>
-      </p:sp>
-      <p:sp>
-        <p:nvSpPr>
-          <p:cNvPr id="59" name="PlaceHolder 4"/>
+            <a:endParaRPr b="0" lang="de-DE" sz="3200" spc="-1" strike="noStrike">
+              <a:solidFill>
+                <a:srgbClr val="000000"/>
+              </a:solidFill>
+              <a:uFill>
+                <a:solidFill>
+                  <a:srgbClr val="ffffff"/>
+                </a:solidFill>
+              </a:uFill>
+              <a:latin typeface="Arial"/>
+            </a:endParaRPr>
+          </a:p>
+        </p:txBody>
+      </p:sp>
+      <p:sp>
+        <p:nvSpPr>
+          <p:cNvPr id="56" name="PlaceHolder 4"/>
           <p:cNvSpPr>
             <a:spLocks noGrp="1"/>
           </p:cNvSpPr>
@@ -1152,8 +1160,8 @@
         </p:nvSpPr>
         <p:spPr>
           <a:xfrm>
-            <a:off x="5155920" y="1980000"/>
-            <a:ext cx="4567320" cy="5040000"/>
+            <a:off x="5152680" y="1768680"/>
+            <a:ext cx="4426920" cy="4384080"/>
           </a:xfrm>
           <a:prstGeom prst="rect">
             <a:avLst/>
@@ -1162,16 +1170,16 @@
         <p:txBody>
           <a:bodyPr lIns="0" rIns="0" tIns="0" bIns="0"/>
           <a:p>
-            <a:endParaRPr b="1" lang="de-DE" sz="3200" spc="-1" strike="noStrike">
-              <a:solidFill>
-                <a:srgbClr val="2c3e50"/>
-              </a:solidFill>
-              <a:uFill>
-                <a:solidFill>
-                  <a:srgbClr val="ffffff"/>
-                </a:solidFill>
-              </a:uFill>
-              <a:latin typeface="Source Sans Pro Semibold"/>
+            <a:endParaRPr b="0" lang="de-DE" sz="3200" spc="-1" strike="noStrike">
+              <a:solidFill>
+                <a:srgbClr val="000000"/>
+              </a:solidFill>
+              <a:uFill>
+                <a:solidFill>
+                  <a:srgbClr val="ffffff"/>
+                </a:solidFill>
+              </a:uFill>
+              <a:latin typeface="Arial"/>
             </a:endParaRPr>
           </a:p>
         </p:txBody>
@@ -1210,8 +1218,8 @@
         </p:nvSpPr>
         <p:spPr>
           <a:xfrm>
-            <a:off x="360000" y="301320"/>
-            <a:ext cx="9360000" cy="958680"/>
+            <a:off x="504000" y="301320"/>
+            <a:ext cx="9072000" cy="1261800"/>
           </a:xfrm>
           <a:prstGeom prst="rect">
             <a:avLst/>
@@ -1220,16 +1228,17 @@
         <p:txBody>
           <a:bodyPr lIns="0" rIns="0" tIns="0" bIns="0" anchor="ctr"/>
           <a:p>
-            <a:endParaRPr b="1" lang="de-DE" sz="3600" spc="-1" strike="noStrike">
-              <a:solidFill>
-                <a:srgbClr val="ffffff"/>
-              </a:solidFill>
-              <a:uFill>
-                <a:solidFill>
-                  <a:srgbClr val="ffffff"/>
-                </a:solidFill>
-              </a:uFill>
-              <a:latin typeface="Source Sans Pro Black"/>
+            <a:pPr algn="ctr"/>
+            <a:endParaRPr b="0" lang="de-DE" sz="4400" spc="-1" strike="noStrike">
+              <a:solidFill>
+                <a:srgbClr val="000000"/>
+              </a:solidFill>
+              <a:uFill>
+                <a:solidFill>
+                  <a:srgbClr val="ffffff"/>
+                </a:solidFill>
+              </a:uFill>
+              <a:latin typeface="Arial"/>
             </a:endParaRPr>
           </a:p>
         </p:txBody>
@@ -1246,8 +1255,8 @@
         </p:nvSpPr>
         <p:spPr>
           <a:xfrm>
-            <a:off x="360000" y="1980000"/>
-            <a:ext cx="9360000" cy="5040000"/>
+            <a:off x="504000" y="1768680"/>
+            <a:ext cx="9072000" cy="4384080"/>
           </a:xfrm>
           <a:prstGeom prst="rect">
             <a:avLst/>
@@ -1259,14 +1268,14 @@
             <a:pPr algn="ctr"/>
             <a:endParaRPr b="0" lang="de-DE" sz="3200" spc="-1" strike="noStrike">
               <a:solidFill>
-                <a:srgbClr val="2c3e50"/>
-              </a:solidFill>
-              <a:uFill>
-                <a:solidFill>
-                  <a:srgbClr val="ffffff"/>
-                </a:solidFill>
-              </a:uFill>
-              <a:latin typeface="Source Sans Pro"/>
+                <a:srgbClr val="000000"/>
+              </a:solidFill>
+              <a:uFill>
+                <a:solidFill>
+                  <a:srgbClr val="ffffff"/>
+                </a:solidFill>
+              </a:uFill>
+              <a:latin typeface="Arial"/>
             </a:endParaRPr>
           </a:p>
         </p:txBody>
@@ -1295,7 +1304,7 @@
       </p:grpSpPr>
       <p:sp>
         <p:nvSpPr>
-          <p:cNvPr id="60" name="PlaceHolder 1"/>
+          <p:cNvPr id="57" name="PlaceHolder 1"/>
           <p:cNvSpPr>
             <a:spLocks noGrp="1"/>
           </p:cNvSpPr>
@@ -1305,8 +1314,8 @@
         </p:nvSpPr>
         <p:spPr>
           <a:xfrm>
-            <a:off x="360000" y="301320"/>
-            <a:ext cx="9360000" cy="958680"/>
+            <a:off x="504000" y="301320"/>
+            <a:ext cx="9072000" cy="1261800"/>
           </a:xfrm>
           <a:prstGeom prst="rect">
             <a:avLst/>
@@ -1315,23 +1324,24 @@
         <p:txBody>
           <a:bodyPr lIns="0" rIns="0" tIns="0" bIns="0" anchor="ctr"/>
           <a:p>
-            <a:endParaRPr b="1" lang="de-DE" sz="3600" spc="-1" strike="noStrike">
-              <a:solidFill>
-                <a:srgbClr val="ffffff"/>
-              </a:solidFill>
-              <a:uFill>
-                <a:solidFill>
-                  <a:srgbClr val="ffffff"/>
-                </a:solidFill>
-              </a:uFill>
-              <a:latin typeface="Source Sans Pro Black"/>
-            </a:endParaRPr>
-          </a:p>
-        </p:txBody>
-      </p:sp>
-      <p:sp>
-        <p:nvSpPr>
-          <p:cNvPr id="61" name="PlaceHolder 2"/>
+            <a:pPr algn="ctr"/>
+            <a:endParaRPr b="0" lang="de-DE" sz="4400" spc="-1" strike="noStrike">
+              <a:solidFill>
+                <a:srgbClr val="000000"/>
+              </a:solidFill>
+              <a:uFill>
+                <a:solidFill>
+                  <a:srgbClr val="ffffff"/>
+                </a:solidFill>
+              </a:uFill>
+              <a:latin typeface="Arial"/>
+            </a:endParaRPr>
+          </a:p>
+        </p:txBody>
+      </p:sp>
+      <p:sp>
+        <p:nvSpPr>
+          <p:cNvPr id="58" name="PlaceHolder 2"/>
           <p:cNvSpPr>
             <a:spLocks noGrp="1"/>
           </p:cNvSpPr>
@@ -1341,8 +1351,8 @@
         </p:nvSpPr>
         <p:spPr>
           <a:xfrm>
-            <a:off x="360000" y="1980000"/>
-            <a:ext cx="4567320" cy="5040000"/>
+            <a:off x="504000" y="1768680"/>
+            <a:ext cx="4426920" cy="4384080"/>
           </a:xfrm>
           <a:prstGeom prst="rect">
             <a:avLst/>
@@ -1351,23 +1361,23 @@
         <p:txBody>
           <a:bodyPr lIns="0" rIns="0" tIns="0" bIns="0"/>
           <a:p>
-            <a:endParaRPr b="1" lang="de-DE" sz="3200" spc="-1" strike="noStrike">
-              <a:solidFill>
-                <a:srgbClr val="2c3e50"/>
-              </a:solidFill>
-              <a:uFill>
-                <a:solidFill>
-                  <a:srgbClr val="ffffff"/>
-                </a:solidFill>
-              </a:uFill>
-              <a:latin typeface="Source Sans Pro Semibold"/>
-            </a:endParaRPr>
-          </a:p>
-        </p:txBody>
-      </p:sp>
-      <p:sp>
-        <p:nvSpPr>
-          <p:cNvPr id="62" name="PlaceHolder 3"/>
+            <a:endParaRPr b="0" lang="de-DE" sz="3200" spc="-1" strike="noStrike">
+              <a:solidFill>
+                <a:srgbClr val="000000"/>
+              </a:solidFill>
+              <a:uFill>
+                <a:solidFill>
+                  <a:srgbClr val="ffffff"/>
+                </a:solidFill>
+              </a:uFill>
+              <a:latin typeface="Arial"/>
+            </a:endParaRPr>
+          </a:p>
+        </p:txBody>
+      </p:sp>
+      <p:sp>
+        <p:nvSpPr>
+          <p:cNvPr id="59" name="PlaceHolder 3"/>
           <p:cNvSpPr>
             <a:spLocks noGrp="1"/>
           </p:cNvSpPr>
@@ -1377,8 +1387,8 @@
         </p:nvSpPr>
         <p:spPr>
           <a:xfrm>
-            <a:off x="5155920" y="1980000"/>
-            <a:ext cx="4567320" cy="2403720"/>
+            <a:off x="5152680" y="1768680"/>
+            <a:ext cx="4426920" cy="2090880"/>
           </a:xfrm>
           <a:prstGeom prst="rect">
             <a:avLst/>
@@ -1387,23 +1397,23 @@
         <p:txBody>
           <a:bodyPr lIns="0" rIns="0" tIns="0" bIns="0"/>
           <a:p>
-            <a:endParaRPr b="1" lang="de-DE" sz="3200" spc="-1" strike="noStrike">
-              <a:solidFill>
-                <a:srgbClr val="2c3e50"/>
-              </a:solidFill>
-              <a:uFill>
-                <a:solidFill>
-                  <a:srgbClr val="ffffff"/>
-                </a:solidFill>
-              </a:uFill>
-              <a:latin typeface="Source Sans Pro Semibold"/>
-            </a:endParaRPr>
-          </a:p>
-        </p:txBody>
-      </p:sp>
-      <p:sp>
-        <p:nvSpPr>
-          <p:cNvPr id="63" name="PlaceHolder 4"/>
+            <a:endParaRPr b="0" lang="de-DE" sz="3200" spc="-1" strike="noStrike">
+              <a:solidFill>
+                <a:srgbClr val="000000"/>
+              </a:solidFill>
+              <a:uFill>
+                <a:solidFill>
+                  <a:srgbClr val="ffffff"/>
+                </a:solidFill>
+              </a:uFill>
+              <a:latin typeface="Arial"/>
+            </a:endParaRPr>
+          </a:p>
+        </p:txBody>
+      </p:sp>
+      <p:sp>
+        <p:nvSpPr>
+          <p:cNvPr id="60" name="PlaceHolder 4"/>
           <p:cNvSpPr>
             <a:spLocks noGrp="1"/>
           </p:cNvSpPr>
@@ -1413,8 +1423,8 @@
         </p:nvSpPr>
         <p:spPr>
           <a:xfrm>
-            <a:off x="5155920" y="4612320"/>
-            <a:ext cx="4567320" cy="2403720"/>
+            <a:off x="5152680" y="4058640"/>
+            <a:ext cx="4426920" cy="2090880"/>
           </a:xfrm>
           <a:prstGeom prst="rect">
             <a:avLst/>
@@ -1423,16 +1433,16 @@
         <p:txBody>
           <a:bodyPr lIns="0" rIns="0" tIns="0" bIns="0"/>
           <a:p>
-            <a:endParaRPr b="1" lang="de-DE" sz="3200" spc="-1" strike="noStrike">
-              <a:solidFill>
-                <a:srgbClr val="2c3e50"/>
-              </a:solidFill>
-              <a:uFill>
-                <a:solidFill>
-                  <a:srgbClr val="ffffff"/>
-                </a:solidFill>
-              </a:uFill>
-              <a:latin typeface="Source Sans Pro Semibold"/>
+            <a:endParaRPr b="0" lang="de-DE" sz="3200" spc="-1" strike="noStrike">
+              <a:solidFill>
+                <a:srgbClr val="000000"/>
+              </a:solidFill>
+              <a:uFill>
+                <a:solidFill>
+                  <a:srgbClr val="ffffff"/>
+                </a:solidFill>
+              </a:uFill>
+              <a:latin typeface="Arial"/>
             </a:endParaRPr>
           </a:p>
         </p:txBody>
@@ -1461,7 +1471,7 @@
       </p:grpSpPr>
       <p:sp>
         <p:nvSpPr>
-          <p:cNvPr id="64" name="PlaceHolder 1"/>
+          <p:cNvPr id="61" name="PlaceHolder 1"/>
           <p:cNvSpPr>
             <a:spLocks noGrp="1"/>
           </p:cNvSpPr>
@@ -1471,8 +1481,8 @@
         </p:nvSpPr>
         <p:spPr>
           <a:xfrm>
-            <a:off x="360000" y="301320"/>
-            <a:ext cx="9360000" cy="958680"/>
+            <a:off x="504000" y="301320"/>
+            <a:ext cx="9072000" cy="1261800"/>
           </a:xfrm>
           <a:prstGeom prst="rect">
             <a:avLst/>
@@ -1481,23 +1491,24 @@
         <p:txBody>
           <a:bodyPr lIns="0" rIns="0" tIns="0" bIns="0" anchor="ctr"/>
           <a:p>
-            <a:endParaRPr b="1" lang="de-DE" sz="3600" spc="-1" strike="noStrike">
-              <a:solidFill>
-                <a:srgbClr val="ffffff"/>
-              </a:solidFill>
-              <a:uFill>
-                <a:solidFill>
-                  <a:srgbClr val="ffffff"/>
-                </a:solidFill>
-              </a:uFill>
-              <a:latin typeface="Source Sans Pro Black"/>
-            </a:endParaRPr>
-          </a:p>
-        </p:txBody>
-      </p:sp>
-      <p:sp>
-        <p:nvSpPr>
-          <p:cNvPr id="65" name="PlaceHolder 2"/>
+            <a:pPr algn="ctr"/>
+            <a:endParaRPr b="0" lang="de-DE" sz="4400" spc="-1" strike="noStrike">
+              <a:solidFill>
+                <a:srgbClr val="000000"/>
+              </a:solidFill>
+              <a:uFill>
+                <a:solidFill>
+                  <a:srgbClr val="ffffff"/>
+                </a:solidFill>
+              </a:uFill>
+              <a:latin typeface="Arial"/>
+            </a:endParaRPr>
+          </a:p>
+        </p:txBody>
+      </p:sp>
+      <p:sp>
+        <p:nvSpPr>
+          <p:cNvPr id="62" name="PlaceHolder 2"/>
           <p:cNvSpPr>
             <a:spLocks noGrp="1"/>
           </p:cNvSpPr>
@@ -1507,8 +1518,8 @@
         </p:nvSpPr>
         <p:spPr>
           <a:xfrm>
-            <a:off x="360000" y="1980000"/>
-            <a:ext cx="4567320" cy="2403720"/>
+            <a:off x="504000" y="1768680"/>
+            <a:ext cx="4426920" cy="2090880"/>
           </a:xfrm>
           <a:prstGeom prst="rect">
             <a:avLst/>
@@ -1517,23 +1528,23 @@
         <p:txBody>
           <a:bodyPr lIns="0" rIns="0" tIns="0" bIns="0"/>
           <a:p>
-            <a:endParaRPr b="1" lang="de-DE" sz="3200" spc="-1" strike="noStrike">
-              <a:solidFill>
-                <a:srgbClr val="2c3e50"/>
-              </a:solidFill>
-              <a:uFill>
-                <a:solidFill>
-                  <a:srgbClr val="ffffff"/>
-                </a:solidFill>
-              </a:uFill>
-              <a:latin typeface="Source Sans Pro Semibold"/>
-            </a:endParaRPr>
-          </a:p>
-        </p:txBody>
-      </p:sp>
-      <p:sp>
-        <p:nvSpPr>
-          <p:cNvPr id="66" name="PlaceHolder 3"/>
+            <a:endParaRPr b="0" lang="de-DE" sz="3200" spc="-1" strike="noStrike">
+              <a:solidFill>
+                <a:srgbClr val="000000"/>
+              </a:solidFill>
+              <a:uFill>
+                <a:solidFill>
+                  <a:srgbClr val="ffffff"/>
+                </a:solidFill>
+              </a:uFill>
+              <a:latin typeface="Arial"/>
+            </a:endParaRPr>
+          </a:p>
+        </p:txBody>
+      </p:sp>
+      <p:sp>
+        <p:nvSpPr>
+          <p:cNvPr id="63" name="PlaceHolder 3"/>
           <p:cNvSpPr>
             <a:spLocks noGrp="1"/>
           </p:cNvSpPr>
@@ -1543,8 +1554,8 @@
         </p:nvSpPr>
         <p:spPr>
           <a:xfrm>
-            <a:off x="5155920" y="1980000"/>
-            <a:ext cx="4567320" cy="2403720"/>
+            <a:off x="5152680" y="1768680"/>
+            <a:ext cx="4426920" cy="2090880"/>
           </a:xfrm>
           <a:prstGeom prst="rect">
             <a:avLst/>
@@ -1553,23 +1564,23 @@
         <p:txBody>
           <a:bodyPr lIns="0" rIns="0" tIns="0" bIns="0"/>
           <a:p>
-            <a:endParaRPr b="1" lang="de-DE" sz="3200" spc="-1" strike="noStrike">
-              <a:solidFill>
-                <a:srgbClr val="2c3e50"/>
-              </a:solidFill>
-              <a:uFill>
-                <a:solidFill>
-                  <a:srgbClr val="ffffff"/>
-                </a:solidFill>
-              </a:uFill>
-              <a:latin typeface="Source Sans Pro Semibold"/>
-            </a:endParaRPr>
-          </a:p>
-        </p:txBody>
-      </p:sp>
-      <p:sp>
-        <p:nvSpPr>
-          <p:cNvPr id="67" name="PlaceHolder 4"/>
+            <a:endParaRPr b="0" lang="de-DE" sz="3200" spc="-1" strike="noStrike">
+              <a:solidFill>
+                <a:srgbClr val="000000"/>
+              </a:solidFill>
+              <a:uFill>
+                <a:solidFill>
+                  <a:srgbClr val="ffffff"/>
+                </a:solidFill>
+              </a:uFill>
+              <a:latin typeface="Arial"/>
+            </a:endParaRPr>
+          </a:p>
+        </p:txBody>
+      </p:sp>
+      <p:sp>
+        <p:nvSpPr>
+          <p:cNvPr id="64" name="PlaceHolder 4"/>
           <p:cNvSpPr>
             <a:spLocks noGrp="1"/>
           </p:cNvSpPr>
@@ -1579,8 +1590,8 @@
         </p:nvSpPr>
         <p:spPr>
           <a:xfrm>
-            <a:off x="360000" y="4612320"/>
-            <a:ext cx="9360000" cy="2403720"/>
+            <a:off x="504000" y="4058640"/>
+            <a:ext cx="9072000" cy="2090880"/>
           </a:xfrm>
           <a:prstGeom prst="rect">
             <a:avLst/>
@@ -1589,16 +1600,16 @@
         <p:txBody>
           <a:bodyPr lIns="0" rIns="0" tIns="0" bIns="0"/>
           <a:p>
-            <a:endParaRPr b="1" lang="de-DE" sz="3200" spc="-1" strike="noStrike">
-              <a:solidFill>
-                <a:srgbClr val="2c3e50"/>
-              </a:solidFill>
-              <a:uFill>
-                <a:solidFill>
-                  <a:srgbClr val="ffffff"/>
-                </a:solidFill>
-              </a:uFill>
-              <a:latin typeface="Source Sans Pro Semibold"/>
+            <a:endParaRPr b="0" lang="de-DE" sz="3200" spc="-1" strike="noStrike">
+              <a:solidFill>
+                <a:srgbClr val="000000"/>
+              </a:solidFill>
+              <a:uFill>
+                <a:solidFill>
+                  <a:srgbClr val="ffffff"/>
+                </a:solidFill>
+              </a:uFill>
+              <a:latin typeface="Arial"/>
             </a:endParaRPr>
           </a:p>
         </p:txBody>
@@ -1627,7 +1638,7 @@
       </p:grpSpPr>
       <p:sp>
         <p:nvSpPr>
-          <p:cNvPr id="68" name="PlaceHolder 1"/>
+          <p:cNvPr id="65" name="PlaceHolder 1"/>
           <p:cNvSpPr>
             <a:spLocks noGrp="1"/>
           </p:cNvSpPr>
@@ -1637,8 +1648,8 @@
         </p:nvSpPr>
         <p:spPr>
           <a:xfrm>
-            <a:off x="360000" y="301320"/>
-            <a:ext cx="9360000" cy="958680"/>
+            <a:off x="504000" y="301320"/>
+            <a:ext cx="9072000" cy="1261800"/>
           </a:xfrm>
           <a:prstGeom prst="rect">
             <a:avLst/>
@@ -1647,23 +1658,24 @@
         <p:txBody>
           <a:bodyPr lIns="0" rIns="0" tIns="0" bIns="0" anchor="ctr"/>
           <a:p>
-            <a:endParaRPr b="1" lang="de-DE" sz="3600" spc="-1" strike="noStrike">
-              <a:solidFill>
-                <a:srgbClr val="ffffff"/>
-              </a:solidFill>
-              <a:uFill>
-                <a:solidFill>
-                  <a:srgbClr val="ffffff"/>
-                </a:solidFill>
-              </a:uFill>
-              <a:latin typeface="Source Sans Pro Black"/>
-            </a:endParaRPr>
-          </a:p>
-        </p:txBody>
-      </p:sp>
-      <p:sp>
-        <p:nvSpPr>
-          <p:cNvPr id="69" name="PlaceHolder 2"/>
+            <a:pPr algn="ctr"/>
+            <a:endParaRPr b="0" lang="de-DE" sz="4400" spc="-1" strike="noStrike">
+              <a:solidFill>
+                <a:srgbClr val="000000"/>
+              </a:solidFill>
+              <a:uFill>
+                <a:solidFill>
+                  <a:srgbClr val="ffffff"/>
+                </a:solidFill>
+              </a:uFill>
+              <a:latin typeface="Arial"/>
+            </a:endParaRPr>
+          </a:p>
+        </p:txBody>
+      </p:sp>
+      <p:sp>
+        <p:nvSpPr>
+          <p:cNvPr id="66" name="PlaceHolder 2"/>
           <p:cNvSpPr>
             <a:spLocks noGrp="1"/>
           </p:cNvSpPr>
@@ -1673,8 +1685,8 @@
         </p:nvSpPr>
         <p:spPr>
           <a:xfrm>
-            <a:off x="360000" y="1980000"/>
-            <a:ext cx="9360000" cy="2403720"/>
+            <a:off x="504000" y="1768680"/>
+            <a:ext cx="9072000" cy="2090880"/>
           </a:xfrm>
           <a:prstGeom prst="rect">
             <a:avLst/>
@@ -1683,23 +1695,23 @@
         <p:txBody>
           <a:bodyPr lIns="0" rIns="0" tIns="0" bIns="0"/>
           <a:p>
-            <a:endParaRPr b="1" lang="de-DE" sz="3200" spc="-1" strike="noStrike">
-              <a:solidFill>
-                <a:srgbClr val="2c3e50"/>
-              </a:solidFill>
-              <a:uFill>
-                <a:solidFill>
-                  <a:srgbClr val="ffffff"/>
-                </a:solidFill>
-              </a:uFill>
-              <a:latin typeface="Source Sans Pro Semibold"/>
-            </a:endParaRPr>
-          </a:p>
-        </p:txBody>
-      </p:sp>
-      <p:sp>
-        <p:nvSpPr>
-          <p:cNvPr id="70" name="PlaceHolder 3"/>
+            <a:endParaRPr b="0" lang="de-DE" sz="3200" spc="-1" strike="noStrike">
+              <a:solidFill>
+                <a:srgbClr val="000000"/>
+              </a:solidFill>
+              <a:uFill>
+                <a:solidFill>
+                  <a:srgbClr val="ffffff"/>
+                </a:solidFill>
+              </a:uFill>
+              <a:latin typeface="Arial"/>
+            </a:endParaRPr>
+          </a:p>
+        </p:txBody>
+      </p:sp>
+      <p:sp>
+        <p:nvSpPr>
+          <p:cNvPr id="67" name="PlaceHolder 3"/>
           <p:cNvSpPr>
             <a:spLocks noGrp="1"/>
           </p:cNvSpPr>
@@ -1709,8 +1721,8 @@
         </p:nvSpPr>
         <p:spPr>
           <a:xfrm>
-            <a:off x="360000" y="4612320"/>
-            <a:ext cx="9360000" cy="2403720"/>
+            <a:off x="504000" y="4058640"/>
+            <a:ext cx="9072000" cy="2090880"/>
           </a:xfrm>
           <a:prstGeom prst="rect">
             <a:avLst/>
@@ -1719,16 +1731,16 @@
         <p:txBody>
           <a:bodyPr lIns="0" rIns="0" tIns="0" bIns="0"/>
           <a:p>
-            <a:endParaRPr b="1" lang="de-DE" sz="3200" spc="-1" strike="noStrike">
-              <a:solidFill>
-                <a:srgbClr val="2c3e50"/>
-              </a:solidFill>
-              <a:uFill>
-                <a:solidFill>
-                  <a:srgbClr val="ffffff"/>
-                </a:solidFill>
-              </a:uFill>
-              <a:latin typeface="Source Sans Pro Semibold"/>
+            <a:endParaRPr b="0" lang="de-DE" sz="3200" spc="-1" strike="noStrike">
+              <a:solidFill>
+                <a:srgbClr val="000000"/>
+              </a:solidFill>
+              <a:uFill>
+                <a:solidFill>
+                  <a:srgbClr val="ffffff"/>
+                </a:solidFill>
+              </a:uFill>
+              <a:latin typeface="Arial"/>
             </a:endParaRPr>
           </a:p>
         </p:txBody>
@@ -1757,7 +1769,7 @@
       </p:grpSpPr>
       <p:sp>
         <p:nvSpPr>
-          <p:cNvPr id="71" name="PlaceHolder 1"/>
+          <p:cNvPr id="68" name="PlaceHolder 1"/>
           <p:cNvSpPr>
             <a:spLocks noGrp="1"/>
           </p:cNvSpPr>
@@ -1767,8 +1779,8 @@
         </p:nvSpPr>
         <p:spPr>
           <a:xfrm>
-            <a:off x="360000" y="301320"/>
-            <a:ext cx="9360000" cy="958680"/>
+            <a:off x="504000" y="301320"/>
+            <a:ext cx="9072000" cy="1261800"/>
           </a:xfrm>
           <a:prstGeom prst="rect">
             <a:avLst/>
@@ -1777,23 +1789,24 @@
         <p:txBody>
           <a:bodyPr lIns="0" rIns="0" tIns="0" bIns="0" anchor="ctr"/>
           <a:p>
-            <a:endParaRPr b="1" lang="de-DE" sz="3600" spc="-1" strike="noStrike">
-              <a:solidFill>
-                <a:srgbClr val="ffffff"/>
-              </a:solidFill>
-              <a:uFill>
-                <a:solidFill>
-                  <a:srgbClr val="ffffff"/>
-                </a:solidFill>
-              </a:uFill>
-              <a:latin typeface="Source Sans Pro Black"/>
-            </a:endParaRPr>
-          </a:p>
-        </p:txBody>
-      </p:sp>
-      <p:sp>
-        <p:nvSpPr>
-          <p:cNvPr id="72" name="PlaceHolder 2"/>
+            <a:pPr algn="ctr"/>
+            <a:endParaRPr b="0" lang="de-DE" sz="4400" spc="-1" strike="noStrike">
+              <a:solidFill>
+                <a:srgbClr val="000000"/>
+              </a:solidFill>
+              <a:uFill>
+                <a:solidFill>
+                  <a:srgbClr val="ffffff"/>
+                </a:solidFill>
+              </a:uFill>
+              <a:latin typeface="Arial"/>
+            </a:endParaRPr>
+          </a:p>
+        </p:txBody>
+      </p:sp>
+      <p:sp>
+        <p:nvSpPr>
+          <p:cNvPr id="69" name="PlaceHolder 2"/>
           <p:cNvSpPr>
             <a:spLocks noGrp="1"/>
           </p:cNvSpPr>
@@ -1803,8 +1816,8 @@
         </p:nvSpPr>
         <p:spPr>
           <a:xfrm>
-            <a:off x="360000" y="1980000"/>
-            <a:ext cx="4567320" cy="2403720"/>
+            <a:off x="504000" y="1768680"/>
+            <a:ext cx="4426920" cy="2090880"/>
           </a:xfrm>
           <a:prstGeom prst="rect">
             <a:avLst/>
@@ -1813,23 +1826,23 @@
         <p:txBody>
           <a:bodyPr lIns="0" rIns="0" tIns="0" bIns="0"/>
           <a:p>
-            <a:endParaRPr b="1" lang="de-DE" sz="3200" spc="-1" strike="noStrike">
-              <a:solidFill>
-                <a:srgbClr val="2c3e50"/>
-              </a:solidFill>
-              <a:uFill>
-                <a:solidFill>
-                  <a:srgbClr val="ffffff"/>
-                </a:solidFill>
-              </a:uFill>
-              <a:latin typeface="Source Sans Pro Semibold"/>
-            </a:endParaRPr>
-          </a:p>
-        </p:txBody>
-      </p:sp>
-      <p:sp>
-        <p:nvSpPr>
-          <p:cNvPr id="73" name="PlaceHolder 3"/>
+            <a:endParaRPr b="0" lang="de-DE" sz="3200" spc="-1" strike="noStrike">
+              <a:solidFill>
+                <a:srgbClr val="000000"/>
+              </a:solidFill>
+              <a:uFill>
+                <a:solidFill>
+                  <a:srgbClr val="ffffff"/>
+                </a:solidFill>
+              </a:uFill>
+              <a:latin typeface="Arial"/>
+            </a:endParaRPr>
+          </a:p>
+        </p:txBody>
+      </p:sp>
+      <p:sp>
+        <p:nvSpPr>
+          <p:cNvPr id="70" name="PlaceHolder 3"/>
           <p:cNvSpPr>
             <a:spLocks noGrp="1"/>
           </p:cNvSpPr>
@@ -1839,8 +1852,8 @@
         </p:nvSpPr>
         <p:spPr>
           <a:xfrm>
-            <a:off x="5155920" y="1980000"/>
-            <a:ext cx="4567320" cy="2403720"/>
+            <a:off x="5152680" y="1768680"/>
+            <a:ext cx="4426920" cy="2090880"/>
           </a:xfrm>
           <a:prstGeom prst="rect">
             <a:avLst/>
@@ -1849,23 +1862,23 @@
         <p:txBody>
           <a:bodyPr lIns="0" rIns="0" tIns="0" bIns="0"/>
           <a:p>
-            <a:endParaRPr b="1" lang="de-DE" sz="3200" spc="-1" strike="noStrike">
-              <a:solidFill>
-                <a:srgbClr val="2c3e50"/>
-              </a:solidFill>
-              <a:uFill>
-                <a:solidFill>
-                  <a:srgbClr val="ffffff"/>
-                </a:solidFill>
-              </a:uFill>
-              <a:latin typeface="Source Sans Pro Semibold"/>
-            </a:endParaRPr>
-          </a:p>
-        </p:txBody>
-      </p:sp>
-      <p:sp>
-        <p:nvSpPr>
-          <p:cNvPr id="74" name="PlaceHolder 4"/>
+            <a:endParaRPr b="0" lang="de-DE" sz="3200" spc="-1" strike="noStrike">
+              <a:solidFill>
+                <a:srgbClr val="000000"/>
+              </a:solidFill>
+              <a:uFill>
+                <a:solidFill>
+                  <a:srgbClr val="ffffff"/>
+                </a:solidFill>
+              </a:uFill>
+              <a:latin typeface="Arial"/>
+            </a:endParaRPr>
+          </a:p>
+        </p:txBody>
+      </p:sp>
+      <p:sp>
+        <p:nvSpPr>
+          <p:cNvPr id="71" name="PlaceHolder 4"/>
           <p:cNvSpPr>
             <a:spLocks noGrp="1"/>
           </p:cNvSpPr>
@@ -1875,8 +1888,8 @@
         </p:nvSpPr>
         <p:spPr>
           <a:xfrm>
-            <a:off x="5155920" y="4612320"/>
-            <a:ext cx="4567320" cy="2403720"/>
+            <a:off x="5152680" y="4058640"/>
+            <a:ext cx="4426920" cy="2090880"/>
           </a:xfrm>
           <a:prstGeom prst="rect">
             <a:avLst/>
@@ -1885,23 +1898,23 @@
         <p:txBody>
           <a:bodyPr lIns="0" rIns="0" tIns="0" bIns="0"/>
           <a:p>
-            <a:endParaRPr b="1" lang="de-DE" sz="3200" spc="-1" strike="noStrike">
-              <a:solidFill>
-                <a:srgbClr val="2c3e50"/>
-              </a:solidFill>
-              <a:uFill>
-                <a:solidFill>
-                  <a:srgbClr val="ffffff"/>
-                </a:solidFill>
-              </a:uFill>
-              <a:latin typeface="Source Sans Pro Semibold"/>
-            </a:endParaRPr>
-          </a:p>
-        </p:txBody>
-      </p:sp>
-      <p:sp>
-        <p:nvSpPr>
-          <p:cNvPr id="75" name="PlaceHolder 5"/>
+            <a:endParaRPr b="0" lang="de-DE" sz="3200" spc="-1" strike="noStrike">
+              <a:solidFill>
+                <a:srgbClr val="000000"/>
+              </a:solidFill>
+              <a:uFill>
+                <a:solidFill>
+                  <a:srgbClr val="ffffff"/>
+                </a:solidFill>
+              </a:uFill>
+              <a:latin typeface="Arial"/>
+            </a:endParaRPr>
+          </a:p>
+        </p:txBody>
+      </p:sp>
+      <p:sp>
+        <p:nvSpPr>
+          <p:cNvPr id="72" name="PlaceHolder 5"/>
           <p:cNvSpPr>
             <a:spLocks noGrp="1"/>
           </p:cNvSpPr>
@@ -1911,8 +1924,8 @@
         </p:nvSpPr>
         <p:spPr>
           <a:xfrm>
-            <a:off x="360000" y="4612320"/>
-            <a:ext cx="4567320" cy="2403720"/>
+            <a:off x="504000" y="4058640"/>
+            <a:ext cx="4426920" cy="2090880"/>
           </a:xfrm>
           <a:prstGeom prst="rect">
             <a:avLst/>
@@ -1921,16 +1934,16 @@
         <p:txBody>
           <a:bodyPr lIns="0" rIns="0" tIns="0" bIns="0"/>
           <a:p>
-            <a:endParaRPr b="1" lang="de-DE" sz="3200" spc="-1" strike="noStrike">
-              <a:solidFill>
-                <a:srgbClr val="2c3e50"/>
-              </a:solidFill>
-              <a:uFill>
-                <a:solidFill>
-                  <a:srgbClr val="ffffff"/>
-                </a:solidFill>
-              </a:uFill>
-              <a:latin typeface="Source Sans Pro Semibold"/>
+            <a:endParaRPr b="0" lang="de-DE" sz="3200" spc="-1" strike="noStrike">
+              <a:solidFill>
+                <a:srgbClr val="000000"/>
+              </a:solidFill>
+              <a:uFill>
+                <a:solidFill>
+                  <a:srgbClr val="ffffff"/>
+                </a:solidFill>
+              </a:uFill>
+              <a:latin typeface="Arial"/>
             </a:endParaRPr>
           </a:p>
         </p:txBody>
@@ -1959,7 +1972,7 @@
       </p:grpSpPr>
       <p:sp>
         <p:nvSpPr>
-          <p:cNvPr id="76" name="PlaceHolder 1"/>
+          <p:cNvPr id="73" name="PlaceHolder 1"/>
           <p:cNvSpPr>
             <a:spLocks noGrp="1"/>
           </p:cNvSpPr>
@@ -1969,8 +1982,8 @@
         </p:nvSpPr>
         <p:spPr>
           <a:xfrm>
-            <a:off x="360000" y="301320"/>
-            <a:ext cx="9360000" cy="958680"/>
+            <a:off x="504000" y="301320"/>
+            <a:ext cx="9072000" cy="1261800"/>
           </a:xfrm>
           <a:prstGeom prst="rect">
             <a:avLst/>
@@ -1979,23 +1992,24 @@
         <p:txBody>
           <a:bodyPr lIns="0" rIns="0" tIns="0" bIns="0" anchor="ctr"/>
           <a:p>
-            <a:endParaRPr b="1" lang="de-DE" sz="3600" spc="-1" strike="noStrike">
-              <a:solidFill>
-                <a:srgbClr val="ffffff"/>
-              </a:solidFill>
-              <a:uFill>
-                <a:solidFill>
-                  <a:srgbClr val="ffffff"/>
-                </a:solidFill>
-              </a:uFill>
-              <a:latin typeface="Source Sans Pro Black"/>
-            </a:endParaRPr>
-          </a:p>
-        </p:txBody>
-      </p:sp>
-      <p:sp>
-        <p:nvSpPr>
-          <p:cNvPr id="77" name="PlaceHolder 2"/>
+            <a:pPr algn="ctr"/>
+            <a:endParaRPr b="0" lang="de-DE" sz="4400" spc="-1" strike="noStrike">
+              <a:solidFill>
+                <a:srgbClr val="000000"/>
+              </a:solidFill>
+              <a:uFill>
+                <a:solidFill>
+                  <a:srgbClr val="ffffff"/>
+                </a:solidFill>
+              </a:uFill>
+              <a:latin typeface="Arial"/>
+            </a:endParaRPr>
+          </a:p>
+        </p:txBody>
+      </p:sp>
+      <p:sp>
+        <p:nvSpPr>
+          <p:cNvPr id="74" name="PlaceHolder 2"/>
           <p:cNvSpPr>
             <a:spLocks noGrp="1"/>
           </p:cNvSpPr>
@@ -2005,8 +2019,8 @@
         </p:nvSpPr>
         <p:spPr>
           <a:xfrm>
-            <a:off x="360000" y="1980000"/>
-            <a:ext cx="9360000" cy="5040000"/>
+            <a:off x="504000" y="1768680"/>
+            <a:ext cx="9072000" cy="4384080"/>
           </a:xfrm>
           <a:prstGeom prst="rect">
             <a:avLst/>
@@ -2015,23 +2029,23 @@
         <p:txBody>
           <a:bodyPr lIns="0" rIns="0" tIns="0" bIns="0"/>
           <a:p>
-            <a:endParaRPr b="1" lang="de-DE" sz="3200" spc="-1" strike="noStrike">
-              <a:solidFill>
-                <a:srgbClr val="2c3e50"/>
-              </a:solidFill>
-              <a:uFill>
-                <a:solidFill>
-                  <a:srgbClr val="ffffff"/>
-                </a:solidFill>
-              </a:uFill>
-              <a:latin typeface="Source Sans Pro Semibold"/>
-            </a:endParaRPr>
-          </a:p>
-        </p:txBody>
-      </p:sp>
-      <p:sp>
-        <p:nvSpPr>
-          <p:cNvPr id="78" name="PlaceHolder 3"/>
+            <a:endParaRPr b="0" lang="de-DE" sz="3200" spc="-1" strike="noStrike">
+              <a:solidFill>
+                <a:srgbClr val="000000"/>
+              </a:solidFill>
+              <a:uFill>
+                <a:solidFill>
+                  <a:srgbClr val="ffffff"/>
+                </a:solidFill>
+              </a:uFill>
+              <a:latin typeface="Arial"/>
+            </a:endParaRPr>
+          </a:p>
+        </p:txBody>
+      </p:sp>
+      <p:sp>
+        <p:nvSpPr>
+          <p:cNvPr id="75" name="PlaceHolder 3"/>
           <p:cNvSpPr>
             <a:spLocks noGrp="1"/>
           </p:cNvSpPr>
@@ -2041,8 +2055,8 @@
         </p:nvSpPr>
         <p:spPr>
           <a:xfrm>
-            <a:off x="360000" y="1980000"/>
-            <a:ext cx="9360000" cy="5040000"/>
+            <a:off x="504000" y="1768680"/>
+            <a:ext cx="9072000" cy="4384080"/>
           </a:xfrm>
           <a:prstGeom prst="rect">
             <a:avLst/>
@@ -2051,23 +2065,23 @@
         <p:txBody>
           <a:bodyPr lIns="0" rIns="0" tIns="0" bIns="0"/>
           <a:p>
-            <a:endParaRPr b="1" lang="de-DE" sz="3200" spc="-1" strike="noStrike">
-              <a:solidFill>
-                <a:srgbClr val="2c3e50"/>
-              </a:solidFill>
-              <a:uFill>
-                <a:solidFill>
-                  <a:srgbClr val="ffffff"/>
-                </a:solidFill>
-              </a:uFill>
-              <a:latin typeface="Source Sans Pro Semibold"/>
+            <a:endParaRPr b="0" lang="de-DE" sz="3200" spc="-1" strike="noStrike">
+              <a:solidFill>
+                <a:srgbClr val="000000"/>
+              </a:solidFill>
+              <a:uFill>
+                <a:solidFill>
+                  <a:srgbClr val="ffffff"/>
+                </a:solidFill>
+              </a:uFill>
+              <a:latin typeface="Arial"/>
             </a:endParaRPr>
           </a:p>
         </p:txBody>
       </p:sp>
       <p:pic>
         <p:nvPicPr>
-          <p:cNvPr id="79" name="" descr=""/>
+          <p:cNvPr id="76" name="" descr=""/>
           <p:cNvPicPr/>
           <p:nvPr/>
         </p:nvPicPr>
@@ -2077,8 +2091,8 @@
         </p:blipFill>
         <p:spPr>
           <a:xfrm>
-            <a:off x="1881720" y="1980000"/>
-            <a:ext cx="6316560" cy="5040000"/>
+            <a:off x="2292480" y="1768680"/>
+            <a:ext cx="5494680" cy="4384080"/>
           </a:xfrm>
           <a:prstGeom prst="rect">
             <a:avLst/>
@@ -2090,7 +2104,7 @@
       </p:pic>
       <p:pic>
         <p:nvPicPr>
-          <p:cNvPr id="80" name="" descr=""/>
+          <p:cNvPr id="77" name="" descr=""/>
           <p:cNvPicPr/>
           <p:nvPr/>
         </p:nvPicPr>
@@ -2100,8 +2114,8 @@
         </p:blipFill>
         <p:spPr>
           <a:xfrm>
-            <a:off x="1881720" y="1980000"/>
-            <a:ext cx="6316560" cy="5040000"/>
+            <a:off x="2292480" y="1768680"/>
+            <a:ext cx="5494680" cy="4384080"/>
           </a:xfrm>
           <a:prstGeom prst="rect">
             <a:avLst/>
@@ -2145,8 +2159,8 @@
         </p:nvSpPr>
         <p:spPr>
           <a:xfrm>
-            <a:off x="360000" y="301320"/>
-            <a:ext cx="9360000" cy="958680"/>
+            <a:off x="504000" y="301320"/>
+            <a:ext cx="9072000" cy="1261800"/>
           </a:xfrm>
           <a:prstGeom prst="rect">
             <a:avLst/>
@@ -2155,16 +2169,17 @@
         <p:txBody>
           <a:bodyPr lIns="0" rIns="0" tIns="0" bIns="0" anchor="ctr"/>
           <a:p>
-            <a:endParaRPr b="1" lang="de-DE" sz="3600" spc="-1" strike="noStrike">
-              <a:solidFill>
-                <a:srgbClr val="ffffff"/>
-              </a:solidFill>
-              <a:uFill>
-                <a:solidFill>
-                  <a:srgbClr val="ffffff"/>
-                </a:solidFill>
-              </a:uFill>
-              <a:latin typeface="Source Sans Pro Black"/>
+            <a:pPr algn="ctr"/>
+            <a:endParaRPr b="0" lang="de-DE" sz="4400" spc="-1" strike="noStrike">
+              <a:solidFill>
+                <a:srgbClr val="000000"/>
+              </a:solidFill>
+              <a:uFill>
+                <a:solidFill>
+                  <a:srgbClr val="ffffff"/>
+                </a:solidFill>
+              </a:uFill>
+              <a:latin typeface="Arial"/>
             </a:endParaRPr>
           </a:p>
         </p:txBody>
@@ -2181,8 +2196,8 @@
         </p:nvSpPr>
         <p:spPr>
           <a:xfrm>
-            <a:off x="360000" y="1980000"/>
-            <a:ext cx="9360000" cy="5040000"/>
+            <a:off x="504000" y="1768680"/>
+            <a:ext cx="9072000" cy="4384080"/>
           </a:xfrm>
           <a:prstGeom prst="rect">
             <a:avLst/>
@@ -2191,16 +2206,16 @@
         <p:txBody>
           <a:bodyPr lIns="0" rIns="0" tIns="0" bIns="0"/>
           <a:p>
-            <a:endParaRPr b="1" lang="de-DE" sz="3200" spc="-1" strike="noStrike">
-              <a:solidFill>
-                <a:srgbClr val="2c3e50"/>
-              </a:solidFill>
-              <a:uFill>
-                <a:solidFill>
-                  <a:srgbClr val="ffffff"/>
-                </a:solidFill>
-              </a:uFill>
-              <a:latin typeface="Source Sans Pro Semibold"/>
+            <a:endParaRPr b="0" lang="de-DE" sz="3200" spc="-1" strike="noStrike">
+              <a:solidFill>
+                <a:srgbClr val="000000"/>
+              </a:solidFill>
+              <a:uFill>
+                <a:solidFill>
+                  <a:srgbClr val="ffffff"/>
+                </a:solidFill>
+              </a:uFill>
+              <a:latin typeface="Arial"/>
             </a:endParaRPr>
           </a:p>
         </p:txBody>
@@ -2239,8 +2254,8 @@
         </p:nvSpPr>
         <p:spPr>
           <a:xfrm>
-            <a:off x="360000" y="301320"/>
-            <a:ext cx="9360000" cy="958680"/>
+            <a:off x="504000" y="301320"/>
+            <a:ext cx="9072000" cy="1261800"/>
           </a:xfrm>
           <a:prstGeom prst="rect">
             <a:avLst/>
@@ -2249,16 +2264,17 @@
         <p:txBody>
           <a:bodyPr lIns="0" rIns="0" tIns="0" bIns="0" anchor="ctr"/>
           <a:p>
-            <a:endParaRPr b="1" lang="de-DE" sz="3600" spc="-1" strike="noStrike">
-              <a:solidFill>
-                <a:srgbClr val="ffffff"/>
-              </a:solidFill>
-              <a:uFill>
-                <a:solidFill>
-                  <a:srgbClr val="ffffff"/>
-                </a:solidFill>
-              </a:uFill>
-              <a:latin typeface="Source Sans Pro Black"/>
+            <a:pPr algn="ctr"/>
+            <a:endParaRPr b="0" lang="de-DE" sz="4400" spc="-1" strike="noStrike">
+              <a:solidFill>
+                <a:srgbClr val="000000"/>
+              </a:solidFill>
+              <a:uFill>
+                <a:solidFill>
+                  <a:srgbClr val="ffffff"/>
+                </a:solidFill>
+              </a:uFill>
+              <a:latin typeface="Arial"/>
             </a:endParaRPr>
           </a:p>
         </p:txBody>
@@ -2275,8 +2291,8 @@
         </p:nvSpPr>
         <p:spPr>
           <a:xfrm>
-            <a:off x="360000" y="1980000"/>
-            <a:ext cx="4567320" cy="5040000"/>
+            <a:off x="504000" y="1768680"/>
+            <a:ext cx="4426920" cy="4384080"/>
           </a:xfrm>
           <a:prstGeom prst="rect">
             <a:avLst/>
@@ -2285,16 +2301,16 @@
         <p:txBody>
           <a:bodyPr lIns="0" rIns="0" tIns="0" bIns="0"/>
           <a:p>
-            <a:endParaRPr b="1" lang="de-DE" sz="3200" spc="-1" strike="noStrike">
-              <a:solidFill>
-                <a:srgbClr val="2c3e50"/>
-              </a:solidFill>
-              <a:uFill>
-                <a:solidFill>
-                  <a:srgbClr val="ffffff"/>
-                </a:solidFill>
-              </a:uFill>
-              <a:latin typeface="Source Sans Pro Semibold"/>
+            <a:endParaRPr b="0" lang="de-DE" sz="3200" spc="-1" strike="noStrike">
+              <a:solidFill>
+                <a:srgbClr val="000000"/>
+              </a:solidFill>
+              <a:uFill>
+                <a:solidFill>
+                  <a:srgbClr val="ffffff"/>
+                </a:solidFill>
+              </a:uFill>
+              <a:latin typeface="Arial"/>
             </a:endParaRPr>
           </a:p>
         </p:txBody>
@@ -2311,8 +2327,8 @@
         </p:nvSpPr>
         <p:spPr>
           <a:xfrm>
-            <a:off x="5155920" y="1980000"/>
-            <a:ext cx="4567320" cy="5040000"/>
+            <a:off x="5152680" y="1768680"/>
+            <a:ext cx="4426920" cy="4384080"/>
           </a:xfrm>
           <a:prstGeom prst="rect">
             <a:avLst/>
@@ -2321,16 +2337,16 @@
         <p:txBody>
           <a:bodyPr lIns="0" rIns="0" tIns="0" bIns="0"/>
           <a:p>
-            <a:endParaRPr b="1" lang="de-DE" sz="3200" spc="-1" strike="noStrike">
-              <a:solidFill>
-                <a:srgbClr val="2c3e50"/>
-              </a:solidFill>
-              <a:uFill>
-                <a:solidFill>
-                  <a:srgbClr val="ffffff"/>
-                </a:solidFill>
-              </a:uFill>
-              <a:latin typeface="Source Sans Pro Semibold"/>
+            <a:endParaRPr b="0" lang="de-DE" sz="3200" spc="-1" strike="noStrike">
+              <a:solidFill>
+                <a:srgbClr val="000000"/>
+              </a:solidFill>
+              <a:uFill>
+                <a:solidFill>
+                  <a:srgbClr val="ffffff"/>
+                </a:solidFill>
+              </a:uFill>
+              <a:latin typeface="Arial"/>
             </a:endParaRPr>
           </a:p>
         </p:txBody>
@@ -2369,8 +2385,8 @@
         </p:nvSpPr>
         <p:spPr>
           <a:xfrm>
-            <a:off x="360000" y="301320"/>
-            <a:ext cx="9360000" cy="958680"/>
+            <a:off x="504000" y="301320"/>
+            <a:ext cx="9072000" cy="1261800"/>
           </a:xfrm>
           <a:prstGeom prst="rect">
             <a:avLst/>
@@ -2379,16 +2395,17 @@
         <p:txBody>
           <a:bodyPr lIns="0" rIns="0" tIns="0" bIns="0" anchor="ctr"/>
           <a:p>
-            <a:endParaRPr b="1" lang="de-DE" sz="3600" spc="-1" strike="noStrike">
-              <a:solidFill>
-                <a:srgbClr val="ffffff"/>
-              </a:solidFill>
-              <a:uFill>
-                <a:solidFill>
-                  <a:srgbClr val="ffffff"/>
-                </a:solidFill>
-              </a:uFill>
-              <a:latin typeface="Source Sans Pro Black"/>
+            <a:pPr algn="ctr"/>
+            <a:endParaRPr b="0" lang="de-DE" sz="4400" spc="-1" strike="noStrike">
+              <a:solidFill>
+                <a:srgbClr val="000000"/>
+              </a:solidFill>
+              <a:uFill>
+                <a:solidFill>
+                  <a:srgbClr val="ffffff"/>
+                </a:solidFill>
+              </a:uFill>
+              <a:latin typeface="Arial"/>
             </a:endParaRPr>
           </a:p>
         </p:txBody>
@@ -2427,8 +2444,8 @@
         </p:nvSpPr>
         <p:spPr>
           <a:xfrm>
-            <a:off x="360000" y="301320"/>
-            <a:ext cx="9360000" cy="4445280"/>
+            <a:off x="504000" y="301320"/>
+            <a:ext cx="9072000" cy="5850360"/>
           </a:xfrm>
           <a:prstGeom prst="rect">
             <a:avLst/>
@@ -2440,14 +2457,14 @@
             <a:pPr algn="ctr"/>
             <a:endParaRPr b="0" lang="de-DE" sz="3200" spc="-1" strike="noStrike">
               <a:solidFill>
-                <a:srgbClr val="2c3e50"/>
-              </a:solidFill>
-              <a:uFill>
-                <a:solidFill>
-                  <a:srgbClr val="ffffff"/>
-                </a:solidFill>
-              </a:uFill>
-              <a:latin typeface="Source Sans Pro"/>
+                <a:srgbClr val="000000"/>
+              </a:solidFill>
+              <a:uFill>
+                <a:solidFill>
+                  <a:srgbClr val="ffffff"/>
+                </a:solidFill>
+              </a:uFill>
+              <a:latin typeface="Arial"/>
             </a:endParaRPr>
           </a:p>
         </p:txBody>
@@ -2486,8 +2503,8 @@
         </p:nvSpPr>
         <p:spPr>
           <a:xfrm>
-            <a:off x="360000" y="301320"/>
-            <a:ext cx="9360000" cy="958680"/>
+            <a:off x="504000" y="301320"/>
+            <a:ext cx="9072000" cy="1261800"/>
           </a:xfrm>
           <a:prstGeom prst="rect">
             <a:avLst/>
@@ -2496,16 +2513,17 @@
         <p:txBody>
           <a:bodyPr lIns="0" rIns="0" tIns="0" bIns="0" anchor="ctr"/>
           <a:p>
-            <a:endParaRPr b="1" lang="de-DE" sz="3600" spc="-1" strike="noStrike">
-              <a:solidFill>
-                <a:srgbClr val="ffffff"/>
-              </a:solidFill>
-              <a:uFill>
-                <a:solidFill>
-                  <a:srgbClr val="ffffff"/>
-                </a:solidFill>
-              </a:uFill>
-              <a:latin typeface="Source Sans Pro Black"/>
+            <a:pPr algn="ctr"/>
+            <a:endParaRPr b="0" lang="de-DE" sz="4400" spc="-1" strike="noStrike">
+              <a:solidFill>
+                <a:srgbClr val="000000"/>
+              </a:solidFill>
+              <a:uFill>
+                <a:solidFill>
+                  <a:srgbClr val="ffffff"/>
+                </a:solidFill>
+              </a:uFill>
+              <a:latin typeface="Arial"/>
             </a:endParaRPr>
           </a:p>
         </p:txBody>
@@ -2522,8 +2540,8 @@
         </p:nvSpPr>
         <p:spPr>
           <a:xfrm>
-            <a:off x="360000" y="1980000"/>
-            <a:ext cx="4567320" cy="2403720"/>
+            <a:off x="504000" y="1768680"/>
+            <a:ext cx="4426920" cy="2090880"/>
           </a:xfrm>
           <a:prstGeom prst="rect">
             <a:avLst/>
@@ -2532,16 +2550,16 @@
         <p:txBody>
           <a:bodyPr lIns="0" rIns="0" tIns="0" bIns="0"/>
           <a:p>
-            <a:endParaRPr b="1" lang="de-DE" sz="3200" spc="-1" strike="noStrike">
-              <a:solidFill>
-                <a:srgbClr val="2c3e50"/>
-              </a:solidFill>
-              <a:uFill>
-                <a:solidFill>
-                  <a:srgbClr val="ffffff"/>
-                </a:solidFill>
-              </a:uFill>
-              <a:latin typeface="Source Sans Pro Semibold"/>
+            <a:endParaRPr b="0" lang="de-DE" sz="3200" spc="-1" strike="noStrike">
+              <a:solidFill>
+                <a:srgbClr val="000000"/>
+              </a:solidFill>
+              <a:uFill>
+                <a:solidFill>
+                  <a:srgbClr val="ffffff"/>
+                </a:solidFill>
+              </a:uFill>
+              <a:latin typeface="Arial"/>
             </a:endParaRPr>
           </a:p>
         </p:txBody>
@@ -2558,8 +2576,8 @@
         </p:nvSpPr>
         <p:spPr>
           <a:xfrm>
-            <a:off x="360000" y="4612320"/>
-            <a:ext cx="4567320" cy="2403720"/>
+            <a:off x="504000" y="4058640"/>
+            <a:ext cx="4426920" cy="2090880"/>
           </a:xfrm>
           <a:prstGeom prst="rect">
             <a:avLst/>
@@ -2568,16 +2586,16 @@
         <p:txBody>
           <a:bodyPr lIns="0" rIns="0" tIns="0" bIns="0"/>
           <a:p>
-            <a:endParaRPr b="1" lang="de-DE" sz="3200" spc="-1" strike="noStrike">
-              <a:solidFill>
-                <a:srgbClr val="2c3e50"/>
-              </a:solidFill>
-              <a:uFill>
-                <a:solidFill>
-                  <a:srgbClr val="ffffff"/>
-                </a:solidFill>
-              </a:uFill>
-              <a:latin typeface="Source Sans Pro Semibold"/>
+            <a:endParaRPr b="0" lang="de-DE" sz="3200" spc="-1" strike="noStrike">
+              <a:solidFill>
+                <a:srgbClr val="000000"/>
+              </a:solidFill>
+              <a:uFill>
+                <a:solidFill>
+                  <a:srgbClr val="ffffff"/>
+                </a:solidFill>
+              </a:uFill>
+              <a:latin typeface="Arial"/>
             </a:endParaRPr>
           </a:p>
         </p:txBody>
@@ -2594,8 +2612,8 @@
         </p:nvSpPr>
         <p:spPr>
           <a:xfrm>
-            <a:off x="5155920" y="1980000"/>
-            <a:ext cx="4567320" cy="5040000"/>
+            <a:off x="5152680" y="1768680"/>
+            <a:ext cx="4426920" cy="4384080"/>
           </a:xfrm>
           <a:prstGeom prst="rect">
             <a:avLst/>
@@ -2604,16 +2622,16 @@
         <p:txBody>
           <a:bodyPr lIns="0" rIns="0" tIns="0" bIns="0"/>
           <a:p>
-            <a:endParaRPr b="1" lang="de-DE" sz="3200" spc="-1" strike="noStrike">
-              <a:solidFill>
-                <a:srgbClr val="2c3e50"/>
-              </a:solidFill>
-              <a:uFill>
-                <a:solidFill>
-                  <a:srgbClr val="ffffff"/>
-                </a:solidFill>
-              </a:uFill>
-              <a:latin typeface="Source Sans Pro Semibold"/>
+            <a:endParaRPr b="0" lang="de-DE" sz="3200" spc="-1" strike="noStrike">
+              <a:solidFill>
+                <a:srgbClr val="000000"/>
+              </a:solidFill>
+              <a:uFill>
+                <a:solidFill>
+                  <a:srgbClr val="ffffff"/>
+                </a:solidFill>
+              </a:uFill>
+              <a:latin typeface="Arial"/>
             </a:endParaRPr>
           </a:p>
         </p:txBody>
@@ -2652,8 +2670,8 @@
         </p:nvSpPr>
         <p:spPr>
           <a:xfrm>
-            <a:off x="360000" y="301320"/>
-            <a:ext cx="9360000" cy="958680"/>
+            <a:off x="504000" y="301320"/>
+            <a:ext cx="9072000" cy="1261800"/>
           </a:xfrm>
           <a:prstGeom prst="rect">
             <a:avLst/>
@@ -2662,16 +2680,17 @@
         <p:txBody>
           <a:bodyPr lIns="0" rIns="0" tIns="0" bIns="0" anchor="ctr"/>
           <a:p>
-            <a:endParaRPr b="1" lang="de-DE" sz="3600" spc="-1" strike="noStrike">
-              <a:solidFill>
-                <a:srgbClr val="ffffff"/>
-              </a:solidFill>
-              <a:uFill>
-                <a:solidFill>
-                  <a:srgbClr val="ffffff"/>
-                </a:solidFill>
-              </a:uFill>
-              <a:latin typeface="Source Sans Pro Black"/>
+            <a:pPr algn="ctr"/>
+            <a:endParaRPr b="0" lang="de-DE" sz="4400" spc="-1" strike="noStrike">
+              <a:solidFill>
+                <a:srgbClr val="000000"/>
+              </a:solidFill>
+              <a:uFill>
+                <a:solidFill>
+                  <a:srgbClr val="ffffff"/>
+                </a:solidFill>
+              </a:uFill>
+              <a:latin typeface="Arial"/>
             </a:endParaRPr>
           </a:p>
         </p:txBody>
@@ -2688,8 +2707,8 @@
         </p:nvSpPr>
         <p:spPr>
           <a:xfrm>
-            <a:off x="360000" y="1980000"/>
-            <a:ext cx="4567320" cy="5040000"/>
+            <a:off x="504000" y="1768680"/>
+            <a:ext cx="4426920" cy="4384080"/>
           </a:xfrm>
           <a:prstGeom prst="rect">
             <a:avLst/>
@@ -2698,16 +2717,16 @@
         <p:txBody>
           <a:bodyPr lIns="0" rIns="0" tIns="0" bIns="0"/>
           <a:p>
-            <a:endParaRPr b="1" lang="de-DE" sz="3200" spc="-1" strike="noStrike">
-              <a:solidFill>
-                <a:srgbClr val="2c3e50"/>
-              </a:solidFill>
-              <a:uFill>
-                <a:solidFill>
-                  <a:srgbClr val="ffffff"/>
-                </a:solidFill>
-              </a:uFill>
-              <a:latin typeface="Source Sans Pro Semibold"/>
+            <a:endParaRPr b="0" lang="de-DE" sz="3200" spc="-1" strike="noStrike">
+              <a:solidFill>
+                <a:srgbClr val="000000"/>
+              </a:solidFill>
+              <a:uFill>
+                <a:solidFill>
+                  <a:srgbClr val="ffffff"/>
+                </a:solidFill>
+              </a:uFill>
+              <a:latin typeface="Arial"/>
             </a:endParaRPr>
           </a:p>
         </p:txBody>
@@ -2724,8 +2743,8 @@
         </p:nvSpPr>
         <p:spPr>
           <a:xfrm>
-            <a:off x="5155920" y="1980000"/>
-            <a:ext cx="4567320" cy="2403720"/>
+            <a:off x="5152680" y="1768680"/>
+            <a:ext cx="4426920" cy="2090880"/>
           </a:xfrm>
           <a:prstGeom prst="rect">
             <a:avLst/>
@@ -2734,16 +2753,16 @@
         <p:txBody>
           <a:bodyPr lIns="0" rIns="0" tIns="0" bIns="0"/>
           <a:p>
-            <a:endParaRPr b="1" lang="de-DE" sz="3200" spc="-1" strike="noStrike">
-              <a:solidFill>
-                <a:srgbClr val="2c3e50"/>
-              </a:solidFill>
-              <a:uFill>
-                <a:solidFill>
-                  <a:srgbClr val="ffffff"/>
-                </a:solidFill>
-              </a:uFill>
-              <a:latin typeface="Source Sans Pro Semibold"/>
+            <a:endParaRPr b="0" lang="de-DE" sz="3200" spc="-1" strike="noStrike">
+              <a:solidFill>
+                <a:srgbClr val="000000"/>
+              </a:solidFill>
+              <a:uFill>
+                <a:solidFill>
+                  <a:srgbClr val="ffffff"/>
+                </a:solidFill>
+              </a:uFill>
+              <a:latin typeface="Arial"/>
             </a:endParaRPr>
           </a:p>
         </p:txBody>
@@ -2760,8 +2779,8 @@
         </p:nvSpPr>
         <p:spPr>
           <a:xfrm>
-            <a:off x="5155920" y="4612320"/>
-            <a:ext cx="4567320" cy="2403720"/>
+            <a:off x="5152680" y="4058640"/>
+            <a:ext cx="4426920" cy="2090880"/>
           </a:xfrm>
           <a:prstGeom prst="rect">
             <a:avLst/>
@@ -2770,16 +2789,16 @@
         <p:txBody>
           <a:bodyPr lIns="0" rIns="0" tIns="0" bIns="0"/>
           <a:p>
-            <a:endParaRPr b="1" lang="de-DE" sz="3200" spc="-1" strike="noStrike">
-              <a:solidFill>
-                <a:srgbClr val="2c3e50"/>
-              </a:solidFill>
-              <a:uFill>
-                <a:solidFill>
-                  <a:srgbClr val="ffffff"/>
-                </a:solidFill>
-              </a:uFill>
-              <a:latin typeface="Source Sans Pro Semibold"/>
+            <a:endParaRPr b="0" lang="de-DE" sz="3200" spc="-1" strike="noStrike">
+              <a:solidFill>
+                <a:srgbClr val="000000"/>
+              </a:solidFill>
+              <a:uFill>
+                <a:solidFill>
+                  <a:srgbClr val="ffffff"/>
+                </a:solidFill>
+              </a:uFill>
+              <a:latin typeface="Arial"/>
             </a:endParaRPr>
           </a:p>
         </p:txBody>
@@ -2818,8 +2837,8 @@
         </p:nvSpPr>
         <p:spPr>
           <a:xfrm>
-            <a:off x="360000" y="301320"/>
-            <a:ext cx="9360000" cy="958680"/>
+            <a:off x="504000" y="301320"/>
+            <a:ext cx="9072000" cy="1261800"/>
           </a:xfrm>
           <a:prstGeom prst="rect">
             <a:avLst/>
@@ -2828,16 +2847,17 @@
         <p:txBody>
           <a:bodyPr lIns="0" rIns="0" tIns="0" bIns="0" anchor="ctr"/>
           <a:p>
-            <a:endParaRPr b="1" lang="de-DE" sz="3600" spc="-1" strike="noStrike">
-              <a:solidFill>
-                <a:srgbClr val="ffffff"/>
-              </a:solidFill>
-              <a:uFill>
-                <a:solidFill>
-                  <a:srgbClr val="ffffff"/>
-                </a:solidFill>
-              </a:uFill>
-              <a:latin typeface="Source Sans Pro Black"/>
+            <a:pPr algn="ctr"/>
+            <a:endParaRPr b="0" lang="de-DE" sz="4400" spc="-1" strike="noStrike">
+              <a:solidFill>
+                <a:srgbClr val="000000"/>
+              </a:solidFill>
+              <a:uFill>
+                <a:solidFill>
+                  <a:srgbClr val="ffffff"/>
+                </a:solidFill>
+              </a:uFill>
+              <a:latin typeface="Arial"/>
             </a:endParaRPr>
           </a:p>
         </p:txBody>
@@ -2854,8 +2874,8 @@
         </p:nvSpPr>
         <p:spPr>
           <a:xfrm>
-            <a:off x="360000" y="1980000"/>
-            <a:ext cx="4567320" cy="2403720"/>
+            <a:off x="504000" y="1768680"/>
+            <a:ext cx="4426920" cy="2090880"/>
           </a:xfrm>
           <a:prstGeom prst="rect">
             <a:avLst/>
@@ -2864,16 +2884,16 @@
         <p:txBody>
           <a:bodyPr lIns="0" rIns="0" tIns="0" bIns="0"/>
           <a:p>
-            <a:endParaRPr b="1" lang="de-DE" sz="3200" spc="-1" strike="noStrike">
-              <a:solidFill>
-                <a:srgbClr val="2c3e50"/>
-              </a:solidFill>
-              <a:uFill>
-                <a:solidFill>
-                  <a:srgbClr val="ffffff"/>
-                </a:solidFill>
-              </a:uFill>
-              <a:latin typeface="Source Sans Pro Semibold"/>
+            <a:endParaRPr b="0" lang="de-DE" sz="3200" spc="-1" strike="noStrike">
+              <a:solidFill>
+                <a:srgbClr val="000000"/>
+              </a:solidFill>
+              <a:uFill>
+                <a:solidFill>
+                  <a:srgbClr val="ffffff"/>
+                </a:solidFill>
+              </a:uFill>
+              <a:latin typeface="Arial"/>
             </a:endParaRPr>
           </a:p>
         </p:txBody>
@@ -2890,8 +2910,8 @@
         </p:nvSpPr>
         <p:spPr>
           <a:xfrm>
-            <a:off x="5155920" y="1980000"/>
-            <a:ext cx="4567320" cy="2403720"/>
+            <a:off x="5152680" y="1768680"/>
+            <a:ext cx="4426920" cy="2090880"/>
           </a:xfrm>
           <a:prstGeom prst="rect">
             <a:avLst/>
@@ -2900,16 +2920,16 @@
         <p:txBody>
           <a:bodyPr lIns="0" rIns="0" tIns="0" bIns="0"/>
           <a:p>
-            <a:endParaRPr b="1" lang="de-DE" sz="3200" spc="-1" strike="noStrike">
-              <a:solidFill>
-                <a:srgbClr val="2c3e50"/>
-              </a:solidFill>
-              <a:uFill>
-                <a:solidFill>
-                  <a:srgbClr val="ffffff"/>
-                </a:solidFill>
-              </a:uFill>
-              <a:latin typeface="Source Sans Pro Semibold"/>
+            <a:endParaRPr b="0" lang="de-DE" sz="3200" spc="-1" strike="noStrike">
+              <a:solidFill>
+                <a:srgbClr val="000000"/>
+              </a:solidFill>
+              <a:uFill>
+                <a:solidFill>
+                  <a:srgbClr val="ffffff"/>
+                </a:solidFill>
+              </a:uFill>
+              <a:latin typeface="Arial"/>
             </a:endParaRPr>
           </a:p>
         </p:txBody>
@@ -2926,8 +2946,8 @@
         </p:nvSpPr>
         <p:spPr>
           <a:xfrm>
-            <a:off x="360000" y="4612320"/>
-            <a:ext cx="9360000" cy="2403720"/>
+            <a:off x="504000" y="4058640"/>
+            <a:ext cx="9072000" cy="2090880"/>
           </a:xfrm>
           <a:prstGeom prst="rect">
             <a:avLst/>
@@ -2936,16 +2956,16 @@
         <p:txBody>
           <a:bodyPr lIns="0" rIns="0" tIns="0" bIns="0"/>
           <a:p>
-            <a:endParaRPr b="1" lang="de-DE" sz="3200" spc="-1" strike="noStrike">
-              <a:solidFill>
-                <a:srgbClr val="2c3e50"/>
-              </a:solidFill>
-              <a:uFill>
-                <a:solidFill>
-                  <a:srgbClr val="ffffff"/>
-                </a:solidFill>
-              </a:uFill>
-              <a:latin typeface="Source Sans Pro Semibold"/>
+            <a:endParaRPr b="0" lang="de-DE" sz="3200" spc="-1" strike="noStrike">
+              <a:solidFill>
+                <a:srgbClr val="000000"/>
+              </a:solidFill>
+              <a:uFill>
+                <a:solidFill>
+                  <a:srgbClr val="ffffff"/>
+                </a:solidFill>
+              </a:uFill>
+              <a:latin typeface="Arial"/>
             </a:endParaRPr>
           </a:p>
         </p:txBody>
@@ -2974,7 +2994,91 @@
       </p:grpSpPr>
       <p:sp>
         <p:nvSpPr>
-          <p:cNvPr id="0" name="PlaceHolder 1"/>
+          <p:cNvPr id="0" name="CustomShape 1"/>
+          <p:cNvSpPr/>
+          <p:nvPr/>
+        </p:nvSpPr>
+        <p:spPr>
+          <a:xfrm>
+            <a:off x="0" y="7200000"/>
+            <a:ext cx="10078920" cy="358920"/>
+          </a:xfrm>
+          <a:prstGeom prst="rect">
+            <a:avLst/>
+          </a:prstGeom>
+          <a:solidFill>
+            <a:srgbClr val="2c3e50"/>
+          </a:solidFill>
+          <a:ln w="72000">
+            <a:noFill/>
+          </a:ln>
+        </p:spPr>
+        <p:style>
+          <a:lnRef idx="0"/>
+          <a:fillRef idx="0"/>
+          <a:effectRef idx="0"/>
+          <a:fontRef idx="minor"/>
+        </p:style>
+      </p:sp>
+      <p:sp>
+        <p:nvSpPr>
+          <p:cNvPr id="1" name="CustomShape 2"/>
+          <p:cNvSpPr/>
+          <p:nvPr/>
+        </p:nvSpPr>
+        <p:spPr>
+          <a:xfrm>
+            <a:off x="0" y="0"/>
+            <a:ext cx="10078920" cy="1618920"/>
+          </a:xfrm>
+          <a:prstGeom prst="rect">
+            <a:avLst/>
+          </a:prstGeom>
+          <a:solidFill>
+            <a:srgbClr val="2c3e50"/>
+          </a:solidFill>
+          <a:ln w="72000">
+            <a:noFill/>
+          </a:ln>
+        </p:spPr>
+        <p:style>
+          <a:lnRef idx="0"/>
+          <a:fillRef idx="0"/>
+          <a:effectRef idx="0"/>
+          <a:fontRef idx="minor"/>
+        </p:style>
+      </p:sp>
+      <p:sp>
+        <p:nvSpPr>
+          <p:cNvPr id="2" name="CustomShape 3"/>
+          <p:cNvSpPr/>
+          <p:nvPr/>
+        </p:nvSpPr>
+        <p:spPr>
+          <a:xfrm>
+            <a:off x="9270000" y="6894000"/>
+            <a:ext cx="538920" cy="538920"/>
+          </a:xfrm>
+          <a:prstGeom prst="ellipse">
+            <a:avLst/>
+          </a:prstGeom>
+          <a:solidFill>
+            <a:srgbClr val="1abc9c"/>
+          </a:solidFill>
+          <a:ln w="72000">
+            <a:noFill/>
+          </a:ln>
+        </p:spPr>
+        <p:style>
+          <a:lnRef idx="0"/>
+          <a:fillRef idx="0"/>
+          <a:effectRef idx="0"/>
+          <a:fontRef idx="minor"/>
+        </p:style>
+      </p:sp>
+      <p:sp>
+        <p:nvSpPr>
+          <p:cNvPr id="3" name="PlaceHolder 4"/>
           <p:cNvSpPr>
             <a:spLocks noGrp="1"/>
           </p:cNvSpPr>
@@ -2985,7 +3089,7 @@
         <p:spPr>
           <a:xfrm>
             <a:off x="504000" y="301320"/>
-            <a:ext cx="9071640" cy="1262160"/>
+            <a:ext cx="9072000" cy="1261800"/>
           </a:xfrm>
           <a:prstGeom prst="rect">
             <a:avLst/>
@@ -3025,7 +3129,7 @@
       </p:sp>
       <p:sp>
         <p:nvSpPr>
-          <p:cNvPr id="1" name="PlaceHolder 2"/>
+          <p:cNvPr id="4" name="PlaceHolder 5"/>
           <p:cNvSpPr>
             <a:spLocks noGrp="1"/>
           </p:cNvSpPr>
@@ -3035,8 +3139,8 @@
         </p:nvSpPr>
         <p:spPr>
           <a:xfrm>
-            <a:off x="504000" y="1769040"/>
-            <a:ext cx="9071640" cy="4384440"/>
+            <a:off x="504000" y="1768680"/>
+            <a:ext cx="9072000" cy="4384080"/>
           </a:xfrm>
           <a:prstGeom prst="rect">
             <a:avLst/>
@@ -3287,158 +3391,6 @@
                 </a:solidFill>
               </a:uFill>
               <a:latin typeface="Arial"/>
-            </a:endParaRPr>
-          </a:p>
-        </p:txBody>
-      </p:sp>
-      <p:sp>
-        <p:nvSpPr>
-          <p:cNvPr id="2" name="PlaceHolder 3"/>
-          <p:cNvSpPr>
-            <a:spLocks noGrp="1"/>
-          </p:cNvSpPr>
-          <p:nvPr>
-            <p:ph type="dt"/>
-          </p:nvPr>
-        </p:nvSpPr>
-        <p:spPr>
-          <a:xfrm>
-            <a:off x="504000" y="6887160"/>
-            <a:ext cx="2348280" cy="521280"/>
-          </a:xfrm>
-          <a:prstGeom prst="rect">
-            <a:avLst/>
-          </a:prstGeom>
-        </p:spPr>
-        <p:txBody>
-          <a:bodyPr lIns="0" rIns="0" tIns="0" bIns="0"/>
-          <a:p>
-            <a:r>
-              <a:rPr b="0" lang="de-DE" sz="1400" spc="-1" strike="noStrike">
-                <a:solidFill>
-                  <a:srgbClr val="000000"/>
-                </a:solidFill>
-                <a:uFill>
-                  <a:solidFill>
-                    <a:srgbClr val="ffffff"/>
-                  </a:solidFill>
-                </a:uFill>
-                <a:latin typeface="Times New Roman"/>
-              </a:rPr>
-              <a:t>&lt;Datum/Uhrzeit&gt;</a:t>
-            </a:r>
-            <a:endParaRPr b="0" lang="de-DE" sz="1400" spc="-1" strike="noStrike">
-              <a:solidFill>
-                <a:srgbClr val="000000"/>
-              </a:solidFill>
-              <a:uFill>
-                <a:solidFill>
-                  <a:srgbClr val="ffffff"/>
-                </a:solidFill>
-              </a:uFill>
-              <a:latin typeface="Times New Roman"/>
-            </a:endParaRPr>
-          </a:p>
-        </p:txBody>
-      </p:sp>
-      <p:sp>
-        <p:nvSpPr>
-          <p:cNvPr id="3" name="PlaceHolder 4"/>
-          <p:cNvSpPr>
-            <a:spLocks noGrp="1"/>
-          </p:cNvSpPr>
-          <p:nvPr>
-            <p:ph type="ftr"/>
-          </p:nvPr>
-        </p:nvSpPr>
-        <p:spPr>
-          <a:xfrm>
-            <a:off x="3447360" y="6887160"/>
-            <a:ext cx="3195000" cy="521280"/>
-          </a:xfrm>
-          <a:prstGeom prst="rect">
-            <a:avLst/>
-          </a:prstGeom>
-        </p:spPr>
-        <p:txBody>
-          <a:bodyPr lIns="0" rIns="0" tIns="0" bIns="0"/>
-          <a:p>
-            <a:pPr algn="ctr"/>
-            <a:r>
-              <a:rPr b="0" lang="de-DE" sz="1400" spc="-1" strike="noStrike">
-                <a:solidFill>
-                  <a:srgbClr val="000000"/>
-                </a:solidFill>
-                <a:uFill>
-                  <a:solidFill>
-                    <a:srgbClr val="ffffff"/>
-                  </a:solidFill>
-                </a:uFill>
-                <a:latin typeface="Times New Roman"/>
-              </a:rPr>
-              <a:t>&lt;Fußzeile&gt;</a:t>
-            </a:r>
-            <a:endParaRPr b="0" lang="de-DE" sz="1400" spc="-1" strike="noStrike">
-              <a:solidFill>
-                <a:srgbClr val="000000"/>
-              </a:solidFill>
-              <a:uFill>
-                <a:solidFill>
-                  <a:srgbClr val="ffffff"/>
-                </a:solidFill>
-              </a:uFill>
-              <a:latin typeface="Times New Roman"/>
-            </a:endParaRPr>
-          </a:p>
-        </p:txBody>
-      </p:sp>
-      <p:sp>
-        <p:nvSpPr>
-          <p:cNvPr id="4" name="PlaceHolder 5"/>
-          <p:cNvSpPr>
-            <a:spLocks noGrp="1"/>
-          </p:cNvSpPr>
-          <p:nvPr>
-            <p:ph type="sldNum"/>
-          </p:nvPr>
-        </p:nvSpPr>
-        <p:spPr>
-          <a:xfrm>
-            <a:off x="7227360" y="6887160"/>
-            <a:ext cx="2348280" cy="521280"/>
-          </a:xfrm>
-          <a:prstGeom prst="rect">
-            <a:avLst/>
-          </a:prstGeom>
-        </p:spPr>
-        <p:txBody>
-          <a:bodyPr lIns="0" rIns="0" tIns="0" bIns="0"/>
-          <a:p>
-            <a:pPr algn="r"/>
-            <a:fld id="{A5C2FA46-83C5-4938-BC59-37CC0734F225}" type="slidenum">
-              <a:rPr b="0" lang="de-DE" sz="1400" spc="-1" strike="noStrike">
-                <a:solidFill>
-                  <a:srgbClr val="000000"/>
-                </a:solidFill>
-                <a:uFill>
-                  <a:solidFill>
-                    <a:srgbClr val="ffffff"/>
-                  </a:solidFill>
-                </a:uFill>
-                <a:latin typeface="Times New Roman"/>
-              </a:rPr>
-              <a:t>&lt;Foliennummer&gt;</a:t>
-            </a:fld>
-            <a:endParaRPr b="0" lang="de-DE" sz="1400" spc="-1" strike="noStrike">
-              <a:solidFill>
-                <a:srgbClr val="000000"/>
-              </a:solidFill>
-              <a:uFill>
-                <a:solidFill>
-                  <a:srgbClr val="ffffff"/>
-                </a:solidFill>
-              </a:uFill>
-              <a:latin typeface="Times New Roman"/>
             </a:endParaRPr>
           </a:p>
         </p:txBody>
@@ -3489,7 +3441,7 @@
         <p:spPr>
           <a:xfrm>
             <a:off x="0" y="7200000"/>
-            <a:ext cx="10080000" cy="360000"/>
+            <a:ext cx="10078920" cy="358920"/>
           </a:xfrm>
           <a:prstGeom prst="rect">
             <a:avLst/>
@@ -3517,7 +3469,7 @@
         <p:spPr>
           <a:xfrm>
             <a:off x="0" y="0"/>
-            <a:ext cx="10080000" cy="1620000"/>
+            <a:ext cx="10078920" cy="1618920"/>
           </a:xfrm>
           <a:prstGeom prst="rect">
             <a:avLst/>
@@ -3538,7 +3490,35 @@
       </p:sp>
       <p:sp>
         <p:nvSpPr>
-          <p:cNvPr id="41" name="PlaceHolder 3"/>
+          <p:cNvPr id="41" name="CustomShape 3"/>
+          <p:cNvSpPr/>
+          <p:nvPr/>
+        </p:nvSpPr>
+        <p:spPr>
+          <a:xfrm>
+            <a:off x="9270000" y="6894000"/>
+            <a:ext cx="538920" cy="538920"/>
+          </a:xfrm>
+          <a:prstGeom prst="ellipse">
+            <a:avLst/>
+          </a:prstGeom>
+          <a:solidFill>
+            <a:srgbClr val="1abc9c"/>
+          </a:solidFill>
+          <a:ln w="72000">
+            <a:noFill/>
+          </a:ln>
+        </p:spPr>
+        <p:style>
+          <a:lnRef idx="0"/>
+          <a:fillRef idx="0"/>
+          <a:effectRef idx="0"/>
+          <a:fontRef idx="minor"/>
+        </p:style>
+      </p:sp>
+      <p:sp>
+        <p:nvSpPr>
+          <p:cNvPr id="42" name="PlaceHolder 4"/>
           <p:cNvSpPr>
             <a:spLocks noGrp="1"/>
           </p:cNvSpPr>
@@ -3548,8 +3528,8 @@
         </p:nvSpPr>
         <p:spPr>
           <a:xfrm>
-            <a:off x="360000" y="301320"/>
-            <a:ext cx="9360000" cy="958680"/>
+            <a:off x="504000" y="301320"/>
+            <a:ext cx="9072000" cy="1261800"/>
           </a:xfrm>
           <a:prstGeom prst="rect">
             <a:avLst/>
@@ -3558,37 +3538,38 @@
         <p:txBody>
           <a:bodyPr lIns="0" rIns="0" tIns="0" bIns="0" anchor="ctr"/>
           <a:p>
-            <a:r>
-              <a:rPr b="1" lang="de-DE" sz="3600" spc="-1" strike="noStrike">
-                <a:solidFill>
-                  <a:srgbClr val="ffffff"/>
-                </a:solidFill>
-                <a:uFill>
-                  <a:solidFill>
-                    <a:srgbClr val="ffffff"/>
-                  </a:solidFill>
-                </a:uFill>
-                <a:latin typeface="Source Sans Pro Black"/>
+            <a:pPr algn="ctr"/>
+            <a:r>
+              <a:rPr b="0" lang="de-DE" sz="4400" spc="-1" strike="noStrike">
+                <a:solidFill>
+                  <a:srgbClr val="000000"/>
+                </a:solidFill>
+                <a:uFill>
+                  <a:solidFill>
+                    <a:srgbClr val="ffffff"/>
+                  </a:solidFill>
+                </a:uFill>
+                <a:latin typeface="Arial"/>
               </a:rPr>
               <a:t>Format des Titeltextes durch Klicken bearbeiten</a:t>
             </a:r>
-            <a:endParaRPr b="1" lang="de-DE" sz="3600" spc="-1" strike="noStrike">
-              <a:solidFill>
-                <a:srgbClr val="ffffff"/>
-              </a:solidFill>
-              <a:uFill>
-                <a:solidFill>
-                  <a:srgbClr val="ffffff"/>
-                </a:solidFill>
-              </a:uFill>
-              <a:latin typeface="Source Sans Pro Black"/>
-            </a:endParaRPr>
-          </a:p>
-        </p:txBody>
-      </p:sp>
-      <p:sp>
-        <p:nvSpPr>
-          <p:cNvPr id="42" name="PlaceHolder 4"/>
+            <a:endParaRPr b="0" lang="de-DE" sz="4400" spc="-1" strike="noStrike">
+              <a:solidFill>
+                <a:srgbClr val="000000"/>
+              </a:solidFill>
+              <a:uFill>
+                <a:solidFill>
+                  <a:srgbClr val="ffffff"/>
+                </a:solidFill>
+              </a:uFill>
+              <a:latin typeface="Arial"/>
+            </a:endParaRPr>
+          </a:p>
+        </p:txBody>
+      </p:sp>
+      <p:sp>
+        <p:nvSpPr>
+          <p:cNvPr id="43" name="PlaceHolder 5"/>
           <p:cNvSpPr>
             <a:spLocks noGrp="1"/>
           </p:cNvSpPr>
@@ -3598,8 +3579,8 @@
         </p:nvSpPr>
         <p:spPr>
           <a:xfrm>
-            <a:off x="360000" y="1980000"/>
-            <a:ext cx="9360000" cy="5040000"/>
+            <a:off x="504000" y="1768680"/>
+            <a:ext cx="9072000" cy="4384080"/>
           </a:xfrm>
           <a:prstGeom prst="rect">
             <a:avLst/>
@@ -3610,42 +3591,42 @@
           <a:p>
             <a:pPr marL="432000" indent="-324000">
               <a:buClr>
-                <a:srgbClr val="2c3e50"/>
+                <a:srgbClr val="000000"/>
               </a:buClr>
               <a:buSzPct val="45000"/>
               <a:buFont typeface="Wingdings" charset="2"/>
               <a:buChar char=""/>
             </a:pPr>
             <a:r>
-              <a:rPr b="1" lang="de-DE" sz="3200" spc="-1" strike="noStrike">
-                <a:solidFill>
-                  <a:srgbClr val="2c3e50"/>
-                </a:solidFill>
-                <a:uFill>
-                  <a:solidFill>
-                    <a:srgbClr val="ffffff"/>
-                  </a:solidFill>
-                </a:uFill>
-                <a:latin typeface="Source Sans Pro Semibold"/>
+              <a:rPr b="0" lang="de-DE" sz="3200" spc="-1" strike="noStrike">
+                <a:solidFill>
+                  <a:srgbClr val="000000"/>
+                </a:solidFill>
+                <a:uFill>
+                  <a:solidFill>
+                    <a:srgbClr val="ffffff"/>
+                  </a:solidFill>
+                </a:uFill>
+                <a:latin typeface="Arial"/>
               </a:rPr>
               <a:t>Format des Gliederungstextes durch Klicken bearbeiten</a:t>
             </a:r>
-            <a:endParaRPr b="1" lang="de-DE" sz="3200" spc="-1" strike="noStrike">
-              <a:solidFill>
-                <a:srgbClr val="2c3e50"/>
-              </a:solidFill>
-              <a:uFill>
-                <a:solidFill>
-                  <a:srgbClr val="ffffff"/>
-                </a:solidFill>
-              </a:uFill>
-              <a:latin typeface="Source Sans Pro Semibold"/>
+            <a:endParaRPr b="0" lang="de-DE" sz="3200" spc="-1" strike="noStrike">
+              <a:solidFill>
+                <a:srgbClr val="000000"/>
+              </a:solidFill>
+              <a:uFill>
+                <a:solidFill>
+                  <a:srgbClr val="ffffff"/>
+                </a:solidFill>
+              </a:uFill>
+              <a:latin typeface="Arial"/>
             </a:endParaRPr>
           </a:p>
           <a:p>
             <a:pPr lvl="1" marL="864000" indent="-324000">
               <a:buClr>
-                <a:srgbClr val="2c3e50"/>
+                <a:srgbClr val="000000"/>
               </a:buClr>
               <a:buSzPct val="75000"/>
               <a:buFont typeface="Symbol" charset="2"/>
@@ -3654,33 +3635,33 @@
             <a:r>
               <a:rPr b="0" lang="de-DE" sz="2800" spc="-1" strike="noStrike">
                 <a:solidFill>
-                  <a:srgbClr val="2c3e50"/>
-                </a:solidFill>
-                <a:uFill>
-                  <a:solidFill>
-                    <a:srgbClr val="ffffff"/>
-                  </a:solidFill>
-                </a:uFill>
-                <a:latin typeface="Source Sans Pro"/>
+                  <a:srgbClr val="000000"/>
+                </a:solidFill>
+                <a:uFill>
+                  <a:solidFill>
+                    <a:srgbClr val="ffffff"/>
+                  </a:solidFill>
+                </a:uFill>
+                <a:latin typeface="Arial"/>
               </a:rPr>
               <a:t>Zweite Gliederungsebene</a:t>
             </a:r>
             <a:endParaRPr b="0" lang="de-DE" sz="2800" spc="-1" strike="noStrike">
               <a:solidFill>
-                <a:srgbClr val="2c3e50"/>
-              </a:solidFill>
-              <a:uFill>
-                <a:solidFill>
-                  <a:srgbClr val="ffffff"/>
-                </a:solidFill>
-              </a:uFill>
-              <a:latin typeface="Source Sans Pro"/>
+                <a:srgbClr val="000000"/>
+              </a:solidFill>
+              <a:uFill>
+                <a:solidFill>
+                  <a:srgbClr val="ffffff"/>
+                </a:solidFill>
+              </a:uFill>
+              <a:latin typeface="Arial"/>
             </a:endParaRPr>
           </a:p>
           <a:p>
             <a:pPr lvl="2" marL="1296000" indent="-288000">
               <a:buClr>
-                <a:srgbClr val="2c3e50"/>
+                <a:srgbClr val="000000"/>
               </a:buClr>
               <a:buSzPct val="45000"/>
               <a:buFont typeface="Wingdings" charset="2"/>
@@ -3689,33 +3670,33 @@
             <a:r>
               <a:rPr b="0" lang="de-DE" sz="2400" spc="-1" strike="noStrike">
                 <a:solidFill>
-                  <a:srgbClr val="2c3e50"/>
-                </a:solidFill>
-                <a:uFill>
-                  <a:solidFill>
-                    <a:srgbClr val="ffffff"/>
-                  </a:solidFill>
-                </a:uFill>
-                <a:latin typeface="Source Sans Pro"/>
+                  <a:srgbClr val="000000"/>
+                </a:solidFill>
+                <a:uFill>
+                  <a:solidFill>
+                    <a:srgbClr val="ffffff"/>
+                  </a:solidFill>
+                </a:uFill>
+                <a:latin typeface="Arial"/>
               </a:rPr>
               <a:t>Dritte Gliederungsebene</a:t>
             </a:r>
             <a:endParaRPr b="0" lang="de-DE" sz="2400" spc="-1" strike="noStrike">
               <a:solidFill>
-                <a:srgbClr val="2c3e50"/>
-              </a:solidFill>
-              <a:uFill>
-                <a:solidFill>
-                  <a:srgbClr val="ffffff"/>
-                </a:solidFill>
-              </a:uFill>
-              <a:latin typeface="Source Sans Pro"/>
+                <a:srgbClr val="000000"/>
+              </a:solidFill>
+              <a:uFill>
+                <a:solidFill>
+                  <a:srgbClr val="ffffff"/>
+                </a:solidFill>
+              </a:uFill>
+              <a:latin typeface="Arial"/>
             </a:endParaRPr>
           </a:p>
           <a:p>
             <a:pPr lvl="3" marL="1728000" indent="-216000">
               <a:buClr>
-                <a:srgbClr val="2c3e50"/>
+                <a:srgbClr val="000000"/>
               </a:buClr>
               <a:buSzPct val="75000"/>
               <a:buFont typeface="Symbol" charset="2"/>
@@ -3724,33 +3705,33 @@
             <a:r>
               <a:rPr b="0" lang="de-DE" sz="2000" spc="-1" strike="noStrike">
                 <a:solidFill>
-                  <a:srgbClr val="2c3e50"/>
-                </a:solidFill>
-                <a:uFill>
-                  <a:solidFill>
-                    <a:srgbClr val="ffffff"/>
-                  </a:solidFill>
-                </a:uFill>
-                <a:latin typeface="Source Sans Pro"/>
+                  <a:srgbClr val="000000"/>
+                </a:solidFill>
+                <a:uFill>
+                  <a:solidFill>
+                    <a:srgbClr val="ffffff"/>
+                  </a:solidFill>
+                </a:uFill>
+                <a:latin typeface="Arial"/>
               </a:rPr>
               <a:t>Vierte Gliederungsebene</a:t>
             </a:r>
             <a:endParaRPr b="0" lang="de-DE" sz="2000" spc="-1" strike="noStrike">
               <a:solidFill>
-                <a:srgbClr val="2c3e50"/>
-              </a:solidFill>
-              <a:uFill>
-                <a:solidFill>
-                  <a:srgbClr val="ffffff"/>
-                </a:solidFill>
-              </a:uFill>
-              <a:latin typeface="Source Sans Pro"/>
+                <a:srgbClr val="000000"/>
+              </a:solidFill>
+              <a:uFill>
+                <a:solidFill>
+                  <a:srgbClr val="ffffff"/>
+                </a:solidFill>
+              </a:uFill>
+              <a:latin typeface="Arial"/>
             </a:endParaRPr>
           </a:p>
           <a:p>
             <a:pPr lvl="4" marL="2160000" indent="-216000">
               <a:buClr>
-                <a:srgbClr val="2c3e50"/>
+                <a:srgbClr val="000000"/>
               </a:buClr>
               <a:buSzPct val="45000"/>
               <a:buFont typeface="Wingdings" charset="2"/>
@@ -3759,33 +3740,33 @@
             <a:r>
               <a:rPr b="0" lang="de-DE" sz="2000" spc="-1" strike="noStrike">
                 <a:solidFill>
-                  <a:srgbClr val="2c3e50"/>
-                </a:solidFill>
-                <a:uFill>
-                  <a:solidFill>
-                    <a:srgbClr val="ffffff"/>
-                  </a:solidFill>
-                </a:uFill>
-                <a:latin typeface="Source Sans Pro"/>
+                  <a:srgbClr val="000000"/>
+                </a:solidFill>
+                <a:uFill>
+                  <a:solidFill>
+                    <a:srgbClr val="ffffff"/>
+                  </a:solidFill>
+                </a:uFill>
+                <a:latin typeface="Arial"/>
               </a:rPr>
               <a:t>Fünfte Gliederungsebene</a:t>
             </a:r>
             <a:endParaRPr b="0" lang="de-DE" sz="2000" spc="-1" strike="noStrike">
               <a:solidFill>
-                <a:srgbClr val="2c3e50"/>
-              </a:solidFill>
-              <a:uFill>
-                <a:solidFill>
-                  <a:srgbClr val="ffffff"/>
-                </a:solidFill>
-              </a:uFill>
-              <a:latin typeface="Source Sans Pro"/>
+                <a:srgbClr val="000000"/>
+              </a:solidFill>
+              <a:uFill>
+                <a:solidFill>
+                  <a:srgbClr val="ffffff"/>
+                </a:solidFill>
+              </a:uFill>
+              <a:latin typeface="Arial"/>
             </a:endParaRPr>
           </a:p>
           <a:p>
             <a:pPr lvl="5" marL="2592000" indent="-216000">
               <a:buClr>
-                <a:srgbClr val="2c3e50"/>
+                <a:srgbClr val="000000"/>
               </a:buClr>
               <a:buSzPct val="45000"/>
               <a:buFont typeface="Wingdings" charset="2"/>
@@ -3794,33 +3775,33 @@
             <a:r>
               <a:rPr b="0" lang="de-DE" sz="2000" spc="-1" strike="noStrike">
                 <a:solidFill>
-                  <a:srgbClr val="2c3e50"/>
-                </a:solidFill>
-                <a:uFill>
-                  <a:solidFill>
-                    <a:srgbClr val="ffffff"/>
-                  </a:solidFill>
-                </a:uFill>
-                <a:latin typeface="Source Sans Pro"/>
+                  <a:srgbClr val="000000"/>
+                </a:solidFill>
+                <a:uFill>
+                  <a:solidFill>
+                    <a:srgbClr val="ffffff"/>
+                  </a:solidFill>
+                </a:uFill>
+                <a:latin typeface="Arial"/>
               </a:rPr>
               <a:t>Sechste Gliederungsebene</a:t>
             </a:r>
             <a:endParaRPr b="0" lang="de-DE" sz="2000" spc="-1" strike="noStrike">
               <a:solidFill>
-                <a:srgbClr val="2c3e50"/>
-              </a:solidFill>
-              <a:uFill>
-                <a:solidFill>
-                  <a:srgbClr val="ffffff"/>
-                </a:solidFill>
-              </a:uFill>
-              <a:latin typeface="Source Sans Pro"/>
+                <a:srgbClr val="000000"/>
+              </a:solidFill>
+              <a:uFill>
+                <a:solidFill>
+                  <a:srgbClr val="ffffff"/>
+                </a:solidFill>
+              </a:uFill>
+              <a:latin typeface="Arial"/>
             </a:endParaRPr>
           </a:p>
           <a:p>
             <a:pPr lvl="6" marL="3024000" indent="-216000">
               <a:buClr>
-                <a:srgbClr val="2c3e50"/>
+                <a:srgbClr val="000000"/>
               </a:buClr>
               <a:buSzPct val="45000"/>
               <a:buFont typeface="Wingdings" charset="2"/>
@@ -3829,207 +3810,27 @@
             <a:r>
               <a:rPr b="0" lang="de-DE" sz="2000" spc="-1" strike="noStrike">
                 <a:solidFill>
-                  <a:srgbClr val="2c3e50"/>
-                </a:solidFill>
-                <a:uFill>
-                  <a:solidFill>
-                    <a:srgbClr val="ffffff"/>
-                  </a:solidFill>
-                </a:uFill>
-                <a:latin typeface="Source Sans Pro"/>
+                  <a:srgbClr val="000000"/>
+                </a:solidFill>
+                <a:uFill>
+                  <a:solidFill>
+                    <a:srgbClr val="ffffff"/>
+                  </a:solidFill>
+                </a:uFill>
+                <a:latin typeface="Arial"/>
               </a:rPr>
               <a:t>Siebte Gliederungsebene</a:t>
             </a:r>
             <a:endParaRPr b="0" lang="de-DE" sz="2000" spc="-1" strike="noStrike">
               <a:solidFill>
-                <a:srgbClr val="2c3e50"/>
-              </a:solidFill>
-              <a:uFill>
-                <a:solidFill>
-                  <a:srgbClr val="ffffff"/>
-                </a:solidFill>
-              </a:uFill>
-              <a:latin typeface="Source Sans Pro"/>
-            </a:endParaRPr>
-          </a:p>
-        </p:txBody>
-      </p:sp>
-      <p:sp>
-        <p:nvSpPr>
-          <p:cNvPr id="43" name="PlaceHolder 5"/>
-          <p:cNvSpPr>
-            <a:spLocks noGrp="1"/>
-          </p:cNvSpPr>
-          <p:nvPr>
-            <p:ph type="dt"/>
-          </p:nvPr>
-        </p:nvSpPr>
-        <p:spPr>
-          <a:xfrm>
-            <a:off x="360000" y="7200000"/>
-            <a:ext cx="2880000" cy="360000"/>
-          </a:xfrm>
-          <a:prstGeom prst="rect">
-            <a:avLst/>
-          </a:prstGeom>
-        </p:spPr>
-        <p:txBody>
-          <a:bodyPr lIns="0" rIns="0" tIns="0" bIns="0"/>
-          <a:p>
-            <a:r>
-              <a:rPr b="1" lang="en-US" sz="1800" spc="-1" strike="noStrike">
-                <a:solidFill>
-                  <a:srgbClr val="ffffff"/>
-                </a:solidFill>
-                <a:uFill>
-                  <a:solidFill>
-                    <a:srgbClr val="ffffff"/>
-                  </a:solidFill>
-                </a:uFill>
-                <a:latin typeface="Source Sans Pro Black"/>
-              </a:rPr>
-              <a:t>&lt;Datum/Uhrzeit&gt;</a:t>
-            </a:r>
-            <a:endParaRPr b="1" lang="de-DE" sz="1800" spc="-1" strike="noStrike">
-              <a:solidFill>
-                <a:srgbClr val="ffffff"/>
-              </a:solidFill>
-              <a:uFill>
-                <a:solidFill>
-                  <a:srgbClr val="ffffff"/>
-                </a:solidFill>
-              </a:uFill>
-              <a:latin typeface="Source Sans Pro Black"/>
-            </a:endParaRPr>
-          </a:p>
-        </p:txBody>
-      </p:sp>
-      <p:sp>
-        <p:nvSpPr>
-          <p:cNvPr id="44" name="PlaceHolder 6"/>
-          <p:cNvSpPr>
-            <a:spLocks noGrp="1"/>
-          </p:cNvSpPr>
-          <p:nvPr>
-            <p:ph type="ftr"/>
-          </p:nvPr>
-        </p:nvSpPr>
-        <p:spPr>
-          <a:xfrm>
-            <a:off x="3420000" y="7200000"/>
-            <a:ext cx="3240000" cy="360000"/>
-          </a:xfrm>
-          <a:prstGeom prst="rect">
-            <a:avLst/>
-          </a:prstGeom>
-        </p:spPr>
-        <p:txBody>
-          <a:bodyPr lIns="0" rIns="0" tIns="0" bIns="0"/>
-          <a:p>
-            <a:pPr algn="ctr"/>
-            <a:r>
-              <a:rPr b="1" lang="de-DE" sz="1800" spc="-1" strike="noStrike">
-                <a:solidFill>
-                  <a:srgbClr val="ffffff"/>
-                </a:solidFill>
-                <a:uFill>
-                  <a:solidFill>
-                    <a:srgbClr val="ffffff"/>
-                  </a:solidFill>
-                </a:uFill>
-                <a:latin typeface="Source Sans Pro Black"/>
-              </a:rPr>
-              <a:t>&lt;Fußzeile&gt;</a:t>
-            </a:r>
-            <a:endParaRPr b="1" lang="de-DE" sz="1800" spc="-1" strike="noStrike">
-              <a:solidFill>
-                <a:srgbClr val="ffffff"/>
-              </a:solidFill>
-              <a:uFill>
-                <a:solidFill>
-                  <a:srgbClr val="ffffff"/>
-                </a:solidFill>
-              </a:uFill>
-              <a:latin typeface="Source Sans Pro Black"/>
-            </a:endParaRPr>
-          </a:p>
-        </p:txBody>
-      </p:sp>
-      <p:sp>
-        <p:nvSpPr>
-          <p:cNvPr id="45" name="CustomShape 7"/>
-          <p:cNvSpPr/>
-          <p:nvPr/>
-        </p:nvSpPr>
-        <p:spPr>
-          <a:xfrm>
-            <a:off x="9270000" y="6894000"/>
-            <a:ext cx="540000" cy="540000"/>
-          </a:xfrm>
-          <a:prstGeom prst="ellipse">
-            <a:avLst/>
-          </a:prstGeom>
-          <a:solidFill>
-            <a:srgbClr val="1abc9c"/>
-          </a:solidFill>
-          <a:ln w="72000">
-            <a:noFill/>
-          </a:ln>
-        </p:spPr>
-        <p:style>
-          <a:lnRef idx="0"/>
-          <a:fillRef idx="0"/>
-          <a:effectRef idx="0"/>
-          <a:fontRef idx="minor"/>
-        </p:style>
-      </p:sp>
-      <p:sp>
-        <p:nvSpPr>
-          <p:cNvPr id="46" name="PlaceHolder 8"/>
-          <p:cNvSpPr>
-            <a:spLocks noGrp="1"/>
-          </p:cNvSpPr>
-          <p:nvPr>
-            <p:ph type="sldNum"/>
-          </p:nvPr>
-        </p:nvSpPr>
-        <p:spPr>
-          <a:xfrm>
-            <a:off x="9180000" y="6804000"/>
-            <a:ext cx="720000" cy="720000"/>
-          </a:xfrm>
-          <a:prstGeom prst="rect">
-            <a:avLst/>
-          </a:prstGeom>
-        </p:spPr>
-        <p:txBody>
-          <a:bodyPr lIns="0" rIns="0" tIns="0" bIns="0" anchor="ctr"/>
-          <a:p>
-            <a:pPr algn="ctr"/>
-            <a:fld id="{EA3C30CF-B23A-468F-A4CD-3D1433579E7A}" type="slidenum">
-              <a:rPr b="1" lang="de-DE" sz="1800" spc="-1" strike="noStrike">
-                <a:solidFill>
-                  <a:srgbClr val="ffffff"/>
-                </a:solidFill>
-                <a:uFill>
-                  <a:solidFill>
-                    <a:srgbClr val="ffffff"/>
-                  </a:solidFill>
-                </a:uFill>
-                <a:latin typeface="Source Sans Pro Black"/>
-              </a:rPr>
-              <a:t>&lt;Foliennummer&gt;</a:t>
-            </a:fld>
-            <a:endParaRPr b="1" lang="de-DE" sz="1800" spc="-1" strike="noStrike">
-              <a:solidFill>
-                <a:srgbClr val="ffffff"/>
-              </a:solidFill>
-              <a:uFill>
-                <a:solidFill>
-                  <a:srgbClr val="ffffff"/>
-                </a:solidFill>
-              </a:uFill>
-              <a:latin typeface="Source Sans Pro Black"/>
+                <a:srgbClr val="000000"/>
+              </a:solidFill>
+              <a:uFill>
+                <a:solidFill>
+                  <a:srgbClr val="ffffff"/>
+                </a:solidFill>
+              </a:uFill>
+              <a:latin typeface="Arial"/>
             </a:endParaRPr>
           </a:p>
         </p:txBody>
@@ -4073,14 +3874,14 @@
       </p:grpSpPr>
       <p:sp>
         <p:nvSpPr>
-          <p:cNvPr id="81" name="TextShape 1"/>
-          <p:cNvSpPr txBox="1"/>
+          <p:cNvPr id="78" name="CustomShape 1"/>
+          <p:cNvSpPr/>
           <p:nvPr/>
         </p:nvSpPr>
         <p:spPr>
           <a:xfrm>
             <a:off x="360000" y="301320"/>
-            <a:ext cx="9360000" cy="958680"/>
+            <a:ext cx="9358920" cy="957600"/>
           </a:xfrm>
           <a:prstGeom prst="rect">
             <a:avLst/>
@@ -4090,6 +3891,12 @@
             <a:noFill/>
           </a:ln>
         </p:spPr>
+        <p:style>
+          <a:lnRef idx="0"/>
+          <a:fillRef idx="0"/>
+          <a:effectRef idx="0"/>
+          <a:fontRef idx="minor"/>
+        </p:style>
         <p:txBody>
           <a:bodyPr lIns="0" rIns="0" tIns="0" bIns="0" anchor="ctr"/>
           <a:p>
@@ -4104,6 +3911,7 @@
                   </a:solidFill>
                 </a:uFill>
                 <a:latin typeface="Source Sans Pro Black"/>
+                <a:ea typeface="DejaVu Sans"/>
               </a:rPr>
               <a:t>Komplexe Leistung  </a:t>
             </a:r>
@@ -4118,6 +3926,7 @@
                   </a:solidFill>
                 </a:uFill>
                 <a:latin typeface="Source Sans Pro Black"/>
+                <a:ea typeface="DejaVu Sans"/>
               </a:rPr>
               <a:t>	</a:t>
             </a:r>
@@ -4132,6 +3941,7 @@
                   </a:solidFill>
                 </a:uFill>
                 <a:latin typeface="Source Sans Pro Black"/>
+                <a:ea typeface="DejaVu Sans"/>
               </a:rPr>
               <a:t>	</a:t>
             </a:r>
@@ -4146,6 +3956,7 @@
                   </a:solidFill>
                 </a:uFill>
                 <a:latin typeface="Source Sans Pro Black"/>
+                <a:ea typeface="DejaVu Sans"/>
               </a:rPr>
               <a:t>	</a:t>
             </a:r>
@@ -4160,6 +3971,7 @@
                   </a:solidFill>
                 </a:uFill>
                 <a:latin typeface="Source Sans Pro Black"/>
+                <a:ea typeface="DejaVu Sans"/>
               </a:rPr>
               <a:t>	</a:t>
             </a:r>
@@ -4174,6 +3986,7 @@
                   </a:solidFill>
                 </a:uFill>
                 <a:latin typeface="Source Sans Pro Black"/>
+                <a:ea typeface="DejaVu Sans"/>
               </a:rPr>
               <a:t>	</a:t>
             </a:r>
@@ -4188,6 +4001,7 @@
                   </a:solidFill>
                 </a:uFill>
                 <a:latin typeface="Source Sans Pro Black"/>
+                <a:ea typeface="DejaVu Sans"/>
               </a:rPr>
               <a:t>	</a:t>
             </a:r>
@@ -4202,6 +4016,7 @@
                   </a:solidFill>
                 </a:uFill>
                 <a:latin typeface="Source Sans Pro Black"/>
+                <a:ea typeface="DejaVu Sans"/>
               </a:rPr>
               <a:t>    </a:t>
             </a:r>
@@ -4216,33 +4031,34 @@
                   </a:solidFill>
                 </a:uFill>
                 <a:latin typeface="Source Sans Pro Black"/>
+                <a:ea typeface="DejaVu Sans"/>
               </a:rPr>
               <a:t>Moritz Enge 11MA1 </a:t>
             </a:r>
-            <a:endParaRPr b="1" lang="de-DE" sz="3600" spc="-1" strike="noStrike">
-              <a:solidFill>
-                <a:srgbClr val="ffffff"/>
-              </a:solidFill>
-              <a:uFill>
-                <a:solidFill>
-                  <a:srgbClr val="ffffff"/>
-                </a:solidFill>
-              </a:uFill>
-              <a:latin typeface="Source Sans Pro Black"/>
-            </a:endParaRPr>
-          </a:p>
-        </p:txBody>
-      </p:sp>
-      <p:sp>
-        <p:nvSpPr>
-          <p:cNvPr id="82" name="TextShape 2"/>
-          <p:cNvSpPr txBox="1"/>
+            <a:endParaRPr b="0" lang="de-DE" sz="1800" spc="-1" strike="noStrike">
+              <a:solidFill>
+                <a:srgbClr val="000000"/>
+              </a:solidFill>
+              <a:uFill>
+                <a:solidFill>
+                  <a:srgbClr val="ffffff"/>
+                </a:solidFill>
+              </a:uFill>
+              <a:latin typeface="Arial"/>
+            </a:endParaRPr>
+          </a:p>
+        </p:txBody>
+      </p:sp>
+      <p:sp>
+        <p:nvSpPr>
+          <p:cNvPr id="79" name="CustomShape 2"/>
+          <p:cNvSpPr/>
           <p:nvPr/>
         </p:nvSpPr>
         <p:spPr>
           <a:xfrm>
             <a:off x="360000" y="1980000"/>
-            <a:ext cx="9360000" cy="5040000"/>
+            <a:ext cx="9358920" cy="5038920"/>
           </a:xfrm>
           <a:prstGeom prst="rect">
             <a:avLst/>
@@ -4252,10 +4068,20 @@
             <a:noFill/>
           </a:ln>
         </p:spPr>
+        <p:style>
+          <a:lnRef idx="0"/>
+          <a:fillRef idx="0"/>
+          <a:effectRef idx="0"/>
+          <a:fontRef idx="minor"/>
+        </p:style>
         <p:txBody>
           <a:bodyPr lIns="0" rIns="0" tIns="0" bIns="0" anchor="ctr"/>
           <a:p>
-            <a:pPr algn="ctr"/>
+            <a:pPr algn="ctr">
+              <a:lnSpc>
+                <a:spcPct val="100000"/>
+              </a:lnSpc>
+            </a:pPr>
             <a:r>
               <a:rPr b="0" lang="de-DE" sz="3200" spc="-1" strike="noStrike">
                 <a:solidFill>
@@ -4267,37 +4093,26 @@
                   </a:solidFill>
                 </a:uFill>
                 <a:latin typeface="Source Sans Pro"/>
+                <a:ea typeface="DejaVu Sans"/>
               </a:rPr>
               <a:t>Darstellung der Funktionsweise von Verschlüsselungsverfahren</a:t>
             </a:r>
-            <a:endParaRPr b="0" lang="de-DE" sz="3200" spc="-1" strike="noStrike">
-              <a:solidFill>
-                <a:srgbClr val="2c3e50"/>
-              </a:solidFill>
-              <a:uFill>
-                <a:solidFill>
-                  <a:srgbClr val="ffffff"/>
-                </a:solidFill>
-              </a:uFill>
-              <a:latin typeface="Source Sans Pro"/>
+            <a:endParaRPr b="0" lang="de-DE" sz="1800" spc="-1" strike="noStrike">
+              <a:solidFill>
+                <a:srgbClr val="000000"/>
+              </a:solidFill>
+              <a:uFill>
+                <a:solidFill>
+                  <a:srgbClr val="ffffff"/>
+                </a:solidFill>
+              </a:uFill>
+              <a:latin typeface="Arial"/>
             </a:endParaRPr>
           </a:p>
         </p:txBody>
       </p:sp>
     </p:spTree>
   </p:cSld>
-  <mc:AlternateContent>
-    <mc:Choice Requires="p14">
-      <p:transition spd="med">
-        <p14:flip dir="l"/>
-      </p:transition>
-    </mc:Choice>
-    <mc:Fallback>
-      <p:transition spd="med">
-        <p:fade/>
-      </p:transition>
-    </mc:Fallback>
-  </mc:AlternateContent>
   <p:timing>
     <p:tnLst>
       <p:par>
@@ -4347,14 +4162,14 @@
       </p:grpSpPr>
       <p:sp>
         <p:nvSpPr>
-          <p:cNvPr id="99" name="TextShape 1"/>
-          <p:cNvSpPr txBox="1"/>
+          <p:cNvPr id="96" name="CustomShape 1"/>
+          <p:cNvSpPr/>
           <p:nvPr/>
         </p:nvSpPr>
         <p:spPr>
           <a:xfrm>
             <a:off x="360000" y="301320"/>
-            <a:ext cx="9360000" cy="958680"/>
+            <a:ext cx="9358920" cy="957600"/>
           </a:xfrm>
           <a:prstGeom prst="rect">
             <a:avLst/>
@@ -4364,6 +4179,12 @@
             <a:noFill/>
           </a:ln>
         </p:spPr>
+        <p:style>
+          <a:lnRef idx="0"/>
+          <a:fillRef idx="0"/>
+          <a:effectRef idx="0"/>
+          <a:fontRef idx="minor"/>
+        </p:style>
         <p:txBody>
           <a:bodyPr lIns="0" rIns="0" tIns="0" bIns="0" anchor="ctr"/>
           <a:p>
@@ -4378,33 +4199,34 @@
                   </a:solidFill>
                 </a:uFill>
                 <a:latin typeface="Source Sans Pro Black"/>
+                <a:ea typeface="DejaVu Sans"/>
               </a:rPr>
               <a:t>3. Vorstellung zweier Verfahren</a:t>
             </a:r>
-            <a:endParaRPr b="1" lang="de-DE" sz="3600" spc="-1" strike="noStrike">
-              <a:solidFill>
-                <a:srgbClr val="ffffff"/>
-              </a:solidFill>
-              <a:uFill>
-                <a:solidFill>
-                  <a:srgbClr val="ffffff"/>
-                </a:solidFill>
-              </a:uFill>
-              <a:latin typeface="Source Sans Pro Black"/>
-            </a:endParaRPr>
-          </a:p>
-        </p:txBody>
-      </p:sp>
-      <p:sp>
-        <p:nvSpPr>
-          <p:cNvPr id="100" name="TextShape 2"/>
-          <p:cNvSpPr txBox="1"/>
+            <a:endParaRPr b="0" lang="de-DE" sz="1800" spc="-1" strike="noStrike">
+              <a:solidFill>
+                <a:srgbClr val="000000"/>
+              </a:solidFill>
+              <a:uFill>
+                <a:solidFill>
+                  <a:srgbClr val="ffffff"/>
+                </a:solidFill>
+              </a:uFill>
+              <a:latin typeface="Arial"/>
+            </a:endParaRPr>
+          </a:p>
+        </p:txBody>
+      </p:sp>
+      <p:sp>
+        <p:nvSpPr>
+          <p:cNvPr id="97" name="CustomShape 2"/>
+          <p:cNvSpPr/>
           <p:nvPr/>
         </p:nvSpPr>
         <p:spPr>
           <a:xfrm>
             <a:off x="360000" y="1980000"/>
-            <a:ext cx="9360000" cy="5040000"/>
+            <a:ext cx="9358920" cy="5038920"/>
           </a:xfrm>
           <a:prstGeom prst="rect">
             <a:avLst/>
@@ -4414,10 +4236,19 @@
             <a:noFill/>
           </a:ln>
         </p:spPr>
+        <p:style>
+          <a:lnRef idx="0"/>
+          <a:fillRef idx="0"/>
+          <a:effectRef idx="0"/>
+          <a:fontRef idx="minor"/>
+        </p:style>
         <p:txBody>
           <a:bodyPr lIns="0" rIns="0" tIns="0" bIns="0"/>
           <a:p>
-            <a:pPr marL="432000" indent="-324000">
+            <a:pPr marL="432000" indent="-322920">
+              <a:lnSpc>
+                <a:spcPct val="100000"/>
+              </a:lnSpc>
               <a:buClr>
                 <a:srgbClr val="2c3e50"/>
               </a:buClr>
@@ -4436,23 +4267,27 @@
                   </a:solidFill>
                 </a:uFill>
                 <a:latin typeface="Source Sans Pro Semibold"/>
+                <a:ea typeface="DejaVu Sans"/>
               </a:rPr>
               <a:t>Funktionsweise</a:t>
             </a:r>
-            <a:endParaRPr b="1" lang="de-DE" sz="3200" spc="-1" strike="noStrike" u="sng">
-              <a:solidFill>
-                <a:srgbClr val="2c3e50"/>
-              </a:solidFill>
-              <a:uFill>
-                <a:solidFill>
-                  <a:srgbClr val="ffffff"/>
-                </a:solidFill>
-              </a:uFill>
-              <a:latin typeface="Source Sans Pro Semibold"/>
-            </a:endParaRPr>
-          </a:p>
-          <a:p>
-            <a:pPr marL="432000" indent="-324000">
+            <a:endParaRPr b="0" lang="de-DE" sz="1800" spc="-1" strike="noStrike">
+              <a:solidFill>
+                <a:srgbClr val="000000"/>
+              </a:solidFill>
+              <a:uFill>
+                <a:solidFill>
+                  <a:srgbClr val="ffffff"/>
+                </a:solidFill>
+              </a:uFill>
+              <a:latin typeface="Arial"/>
+            </a:endParaRPr>
+          </a:p>
+          <a:p>
+            <a:pPr marL="432000" indent="-322920">
+              <a:lnSpc>
+                <a:spcPct val="100000"/>
+              </a:lnSpc>
               <a:buClr>
                 <a:srgbClr val="2c3e50"/>
               </a:buClr>
@@ -4470,6 +4305,7 @@
                   </a:solidFill>
                 </a:uFill>
                 <a:latin typeface="Source Sans Pro Semibold"/>
+                <a:ea typeface="DejaVu Sans"/>
               </a:rPr>
               <a:t> </a:t>
             </a:r>
@@ -4484,23 +4320,27 @@
                   </a:solidFill>
                 </a:uFill>
                 <a:latin typeface="Source Sans Pro Semibold"/>
+                <a:ea typeface="DejaVu Sans"/>
               </a:rPr>
               <a:t>Auswahl eines Schlüssels</a:t>
             </a:r>
-            <a:endParaRPr b="1" lang="de-DE" sz="3200" spc="-1" strike="noStrike" u="sng">
-              <a:solidFill>
-                <a:srgbClr val="2c3e50"/>
-              </a:solidFill>
-              <a:uFill>
-                <a:solidFill>
-                  <a:srgbClr val="ffffff"/>
-                </a:solidFill>
-              </a:uFill>
-              <a:latin typeface="Source Sans Pro Semibold"/>
-            </a:endParaRPr>
-          </a:p>
-          <a:p>
-            <a:pPr marL="432000" indent="-324000">
+            <a:endParaRPr b="0" lang="de-DE" sz="1800" spc="-1" strike="noStrike">
+              <a:solidFill>
+                <a:srgbClr val="000000"/>
+              </a:solidFill>
+              <a:uFill>
+                <a:solidFill>
+                  <a:srgbClr val="ffffff"/>
+                </a:solidFill>
+              </a:uFill>
+              <a:latin typeface="Arial"/>
+            </a:endParaRPr>
+          </a:p>
+          <a:p>
+            <a:pPr marL="432000" indent="-322920">
+              <a:lnSpc>
+                <a:spcPct val="100000"/>
+              </a:lnSpc>
               <a:buClr>
                 <a:srgbClr val="2c3e50"/>
               </a:buClr>
@@ -4518,6 +4358,7 @@
                   </a:solidFill>
                 </a:uFill>
                 <a:latin typeface="Source Sans Pro Semibold"/>
+                <a:ea typeface="DejaVu Sans"/>
               </a:rPr>
               <a:t> </a:t>
             </a:r>
@@ -4532,23 +4373,27 @@
                   </a:solidFill>
                 </a:uFill>
                 <a:latin typeface="Source Sans Pro Semibold"/>
+                <a:ea typeface="DejaVu Sans"/>
               </a:rPr>
               <a:t>Auswahl der Geheimbuchstaben durch Krezungspunkt des Schlüsselbuchstabens und des Klartextbuchstabens</a:t>
             </a:r>
-            <a:endParaRPr b="1" lang="de-DE" sz="3200" spc="-1" strike="noStrike" u="sng">
-              <a:solidFill>
-                <a:srgbClr val="2c3e50"/>
-              </a:solidFill>
-              <a:uFill>
-                <a:solidFill>
-                  <a:srgbClr val="ffffff"/>
-                </a:solidFill>
-              </a:uFill>
-              <a:latin typeface="Source Sans Pro Semibold"/>
-            </a:endParaRPr>
-          </a:p>
-          <a:p>
-            <a:pPr lvl="1" marL="864000" indent="-324000">
+            <a:endParaRPr b="0" lang="de-DE" sz="1800" spc="-1" strike="noStrike">
+              <a:solidFill>
+                <a:srgbClr val="000000"/>
+              </a:solidFill>
+              <a:uFill>
+                <a:solidFill>
+                  <a:srgbClr val="ffffff"/>
+                </a:solidFill>
+              </a:uFill>
+              <a:latin typeface="Arial"/>
+            </a:endParaRPr>
+          </a:p>
+          <a:p>
+            <a:pPr lvl="1" marL="864000" indent="-322920">
+              <a:lnSpc>
+                <a:spcPct val="100000"/>
+              </a:lnSpc>
               <a:buClr>
                 <a:srgbClr val="2c3e50"/>
               </a:buClr>
@@ -4566,77 +4411,62 @@
                   </a:solidFill>
                 </a:uFill>
                 <a:latin typeface="Source Sans Pro"/>
+                <a:ea typeface="DejaVu Sans"/>
               </a:rPr>
               <a:t>Schlüssel wird solange wiederholt , bis der Klartext zu Ende ist</a:t>
             </a:r>
-            <a:endParaRPr b="0" lang="de-DE" sz="2800" spc="-1" strike="noStrike">
-              <a:solidFill>
-                <a:srgbClr val="2c3e50"/>
-              </a:solidFill>
-              <a:uFill>
-                <a:solidFill>
-                  <a:srgbClr val="ffffff"/>
-                </a:solidFill>
-              </a:uFill>
-              <a:latin typeface="Source Sans Pro"/>
-            </a:endParaRPr>
-          </a:p>
-          <a:p>
-            <a:pPr lvl="1" marL="864000" indent="-324000">
-              <a:buClr>
-                <a:srgbClr val="2c3e50"/>
-              </a:buClr>
-              <a:buFont typeface="StarSymbol"/>
-              <a:buAutoNum type="arabicPeriod"/>
+            <a:endParaRPr b="0" lang="de-DE" sz="1800" spc="-1" strike="noStrike">
+              <a:solidFill>
+                <a:srgbClr val="000000"/>
+              </a:solidFill>
+              <a:uFill>
+                <a:solidFill>
+                  <a:srgbClr val="ffffff"/>
+                </a:solidFill>
+              </a:uFill>
+              <a:latin typeface="Arial"/>
+            </a:endParaRPr>
+          </a:p>
+          <a:p>
+            <a:pPr>
+              <a:lnSpc>
+                <a:spcPct val="100000"/>
+              </a:lnSpc>
             </a:pPr>
-            <a:endParaRPr b="0" lang="de-DE" sz="2800" spc="-1" strike="noStrike">
-              <a:solidFill>
-                <a:srgbClr val="2c3e50"/>
-              </a:solidFill>
-              <a:uFill>
-                <a:solidFill>
-                  <a:srgbClr val="ffffff"/>
-                </a:solidFill>
-              </a:uFill>
-              <a:latin typeface="Source Sans Pro"/>
-            </a:endParaRPr>
-          </a:p>
-          <a:p>
-            <a:pPr marL="432000" indent="-324000">
-              <a:buClr>
-                <a:srgbClr val="2c3e50"/>
-              </a:buClr>
-              <a:buFont typeface="StarSymbol"/>
-              <a:buAutoNum type="arabicPeriod"/>
+            <a:endParaRPr b="0" lang="de-DE" sz="1800" spc="-1" strike="noStrike">
+              <a:solidFill>
+                <a:srgbClr val="000000"/>
+              </a:solidFill>
+              <a:uFill>
+                <a:solidFill>
+                  <a:srgbClr val="ffffff"/>
+                </a:solidFill>
+              </a:uFill>
+              <a:latin typeface="Arial"/>
+            </a:endParaRPr>
+          </a:p>
+          <a:p>
+            <a:pPr>
+              <a:lnSpc>
+                <a:spcPct val="100000"/>
+              </a:lnSpc>
             </a:pPr>
-            <a:endParaRPr b="1" lang="de-DE" sz="3200" spc="-1" strike="noStrike" u="sng">
-              <a:solidFill>
-                <a:srgbClr val="2c3e50"/>
-              </a:solidFill>
-              <a:uFill>
-                <a:solidFill>
-                  <a:srgbClr val="ffffff"/>
-                </a:solidFill>
-              </a:uFill>
-              <a:latin typeface="Source Sans Pro Semibold"/>
+            <a:endParaRPr b="0" lang="de-DE" sz="1800" spc="-1" strike="noStrike">
+              <a:solidFill>
+                <a:srgbClr val="000000"/>
+              </a:solidFill>
+              <a:uFill>
+                <a:solidFill>
+                  <a:srgbClr val="ffffff"/>
+                </a:solidFill>
+              </a:uFill>
+              <a:latin typeface="Arial"/>
             </a:endParaRPr>
           </a:p>
         </p:txBody>
       </p:sp>
     </p:spTree>
   </p:cSld>
-  <mc:AlternateContent>
-    <mc:Choice Requires="p14">
-      <p:transition spd="med">
-        <p14:flip dir="l"/>
-      </p:transition>
-    </mc:Choice>
-    <mc:Fallback>
-      <p:transition spd="med">
-        <p:fade/>
-      </p:transition>
-    </mc:Fallback>
-  </mc:AlternateContent>
   <p:timing>
     <p:tnLst>
       <p:par>
@@ -4686,14 +4516,14 @@
       </p:grpSpPr>
       <p:sp>
         <p:nvSpPr>
-          <p:cNvPr id="101" name="TextShape 1"/>
-          <p:cNvSpPr txBox="1"/>
+          <p:cNvPr id="98" name="CustomShape 1"/>
+          <p:cNvSpPr/>
           <p:nvPr/>
         </p:nvSpPr>
         <p:spPr>
           <a:xfrm>
             <a:off x="360000" y="301320"/>
-            <a:ext cx="9360000" cy="958680"/>
+            <a:ext cx="9358920" cy="957600"/>
           </a:xfrm>
           <a:prstGeom prst="rect">
             <a:avLst/>
@@ -4703,26 +4533,16 @@
             <a:noFill/>
           </a:ln>
         </p:spPr>
-        <p:txBody>
-          <a:bodyPr lIns="0" rIns="0" tIns="0" bIns="0" anchor="ctr"/>
-          <a:p>
-            <a:endParaRPr b="1" lang="de-DE" sz="3600" spc="-1" strike="noStrike">
-              <a:solidFill>
-                <a:srgbClr val="ffffff"/>
-              </a:solidFill>
-              <a:uFill>
-                <a:solidFill>
-                  <a:srgbClr val="ffffff"/>
-                </a:solidFill>
-              </a:uFill>
-              <a:latin typeface="Source Sans Pro Black"/>
-            </a:endParaRPr>
-          </a:p>
-        </p:txBody>
+        <p:style>
+          <a:lnRef idx="0"/>
+          <a:fillRef idx="0"/>
+          <a:effectRef idx="0"/>
+          <a:fontRef idx="minor"/>
+        </p:style>
       </p:sp>
       <p:pic>
         <p:nvPicPr>
-          <p:cNvPr id="102" name="" descr=""/>
+          <p:cNvPr id="99" name="" descr=""/>
           <p:cNvPicPr/>
           <p:nvPr/>
         </p:nvPicPr>
@@ -4733,7 +4553,7 @@
         <p:spPr>
           <a:xfrm>
             <a:off x="2628000" y="1980000"/>
-            <a:ext cx="4824000" cy="5040000"/>
+            <a:ext cx="4822920" cy="5038920"/>
           </a:xfrm>
           <a:prstGeom prst="rect">
             <a:avLst/>
@@ -4745,18 +4565,6 @@
       </p:pic>
     </p:spTree>
   </p:cSld>
-  <mc:AlternateContent>
-    <mc:Choice Requires="p14">
-      <p:transition spd="med">
-        <p14:flip dir="l"/>
-      </p:transition>
-    </mc:Choice>
-    <mc:Fallback>
-      <p:transition spd="med">
-        <p:fade/>
-      </p:transition>
-    </mc:Fallback>
-  </mc:AlternateContent>
   <p:timing>
     <p:tnLst>
       <p:par>
@@ -4806,14 +4614,14 @@
       </p:grpSpPr>
       <p:sp>
         <p:nvSpPr>
-          <p:cNvPr id="103" name="TextShape 1"/>
-          <p:cNvSpPr txBox="1"/>
+          <p:cNvPr id="100" name="CustomShape 1"/>
+          <p:cNvSpPr/>
           <p:nvPr/>
         </p:nvSpPr>
         <p:spPr>
           <a:xfrm>
             <a:off x="360000" y="301320"/>
-            <a:ext cx="9360000" cy="958680"/>
+            <a:ext cx="9358920" cy="957600"/>
           </a:xfrm>
           <a:prstGeom prst="rect">
             <a:avLst/>
@@ -4823,6 +4631,12 @@
             <a:noFill/>
           </a:ln>
         </p:spPr>
+        <p:style>
+          <a:lnRef idx="0"/>
+          <a:fillRef idx="0"/>
+          <a:effectRef idx="0"/>
+          <a:fontRef idx="minor"/>
+        </p:style>
         <p:txBody>
           <a:bodyPr lIns="0" rIns="0" tIns="0" bIns="0" anchor="ctr"/>
           <a:p>
@@ -4837,33 +4651,34 @@
                   </a:solidFill>
                 </a:uFill>
                 <a:latin typeface="Source Sans Pro Black"/>
+                <a:ea typeface="DejaVu Sans"/>
               </a:rPr>
               <a:t>3. Vorstellung zweier Verfahren</a:t>
             </a:r>
-            <a:endParaRPr b="1" lang="de-DE" sz="3600" spc="-1" strike="noStrike">
-              <a:solidFill>
-                <a:srgbClr val="ffffff"/>
-              </a:solidFill>
-              <a:uFill>
-                <a:solidFill>
-                  <a:srgbClr val="ffffff"/>
-                </a:solidFill>
-              </a:uFill>
-              <a:latin typeface="Source Sans Pro Black"/>
-            </a:endParaRPr>
-          </a:p>
-        </p:txBody>
-      </p:sp>
-      <p:sp>
-        <p:nvSpPr>
-          <p:cNvPr id="104" name="TextShape 2"/>
-          <p:cNvSpPr txBox="1"/>
+            <a:endParaRPr b="0" lang="de-DE" sz="1800" spc="-1" strike="noStrike">
+              <a:solidFill>
+                <a:srgbClr val="000000"/>
+              </a:solidFill>
+              <a:uFill>
+                <a:solidFill>
+                  <a:srgbClr val="ffffff"/>
+                </a:solidFill>
+              </a:uFill>
+              <a:latin typeface="Arial"/>
+            </a:endParaRPr>
+          </a:p>
+        </p:txBody>
+      </p:sp>
+      <p:sp>
+        <p:nvSpPr>
+          <p:cNvPr id="101" name="CustomShape 2"/>
+          <p:cNvSpPr/>
           <p:nvPr/>
         </p:nvSpPr>
         <p:spPr>
           <a:xfrm>
             <a:off x="360000" y="1980000"/>
-            <a:ext cx="9360000" cy="5040000"/>
+            <a:ext cx="9358920" cy="5038920"/>
           </a:xfrm>
           <a:prstGeom prst="rect">
             <a:avLst/>
@@ -4873,10 +4688,19 @@
             <a:noFill/>
           </a:ln>
         </p:spPr>
+        <p:style>
+          <a:lnRef idx="0"/>
+          <a:fillRef idx="0"/>
+          <a:effectRef idx="0"/>
+          <a:fontRef idx="minor"/>
+        </p:style>
         <p:txBody>
           <a:bodyPr lIns="0" rIns="0" tIns="0" bIns="0"/>
           <a:p>
-            <a:pPr marL="432000" indent="-324000">
+            <a:pPr marL="432000" indent="-322920">
+              <a:lnSpc>
+                <a:spcPct val="100000"/>
+              </a:lnSpc>
               <a:buClr>
                 <a:srgbClr val="2c3e50"/>
               </a:buClr>
@@ -4895,23 +4719,27 @@
                   </a:solidFill>
                 </a:uFill>
                 <a:latin typeface="Source Sans Pro Semibold"/>
+                <a:ea typeface="DejaVu Sans"/>
               </a:rPr>
               <a:t>3.2. RSA-Verfahren</a:t>
             </a:r>
-            <a:endParaRPr b="1" lang="de-DE" sz="3200" spc="-1" strike="noStrike">
-              <a:solidFill>
-                <a:srgbClr val="2c3e50"/>
-              </a:solidFill>
-              <a:uFill>
-                <a:solidFill>
-                  <a:srgbClr val="ffffff"/>
-                </a:solidFill>
-              </a:uFill>
-              <a:latin typeface="Source Sans Pro Semibold"/>
-            </a:endParaRPr>
-          </a:p>
-          <a:p>
-            <a:pPr marL="432000" indent="-324000">
+            <a:endParaRPr b="0" lang="de-DE" sz="1800" spc="-1" strike="noStrike">
+              <a:solidFill>
+                <a:srgbClr val="000000"/>
+              </a:solidFill>
+              <a:uFill>
+                <a:solidFill>
+                  <a:srgbClr val="ffffff"/>
+                </a:solidFill>
+              </a:uFill>
+              <a:latin typeface="Arial"/>
+            </a:endParaRPr>
+          </a:p>
+          <a:p>
+            <a:pPr marL="432000" indent="-322920">
+              <a:lnSpc>
+                <a:spcPct val="100000"/>
+              </a:lnSpc>
               <a:buClr>
                 <a:srgbClr val="2c3e50"/>
               </a:buClr>
@@ -4930,23 +4758,27 @@
                   </a:solidFill>
                 </a:uFill>
                 <a:latin typeface="Source Sans Pro Semibold"/>
+                <a:ea typeface="DejaVu Sans"/>
               </a:rPr>
               <a:t>Eines der sichersten Verschlüsselungsalgorithmen der Welt</a:t>
             </a:r>
-            <a:endParaRPr b="1" lang="de-DE" sz="3200" spc="-1" strike="noStrike">
-              <a:solidFill>
-                <a:srgbClr val="2c3e50"/>
-              </a:solidFill>
-              <a:uFill>
-                <a:solidFill>
-                  <a:srgbClr val="ffffff"/>
-                </a:solidFill>
-              </a:uFill>
-              <a:latin typeface="Source Sans Pro Semibold"/>
-            </a:endParaRPr>
-          </a:p>
-          <a:p>
-            <a:pPr marL="432000" indent="-324000">
+            <a:endParaRPr b="0" lang="de-DE" sz="1800" spc="-1" strike="noStrike">
+              <a:solidFill>
+                <a:srgbClr val="000000"/>
+              </a:solidFill>
+              <a:uFill>
+                <a:solidFill>
+                  <a:srgbClr val="ffffff"/>
+                </a:solidFill>
+              </a:uFill>
+              <a:latin typeface="Arial"/>
+            </a:endParaRPr>
+          </a:p>
+          <a:p>
+            <a:pPr marL="432000" indent="-322920">
+              <a:lnSpc>
+                <a:spcPct val="100000"/>
+              </a:lnSpc>
               <a:buClr>
                 <a:srgbClr val="2c3e50"/>
               </a:buClr>
@@ -4965,51 +4797,27 @@
                   </a:solidFill>
                 </a:uFill>
                 <a:latin typeface="Source Sans Pro Semibold"/>
-              </a:rPr>
-              <a:t>Das erste veröffentlichte a</a:t>
-            </a:r>
-            <a:r>
-              <a:rPr b="1" lang="de-DE" sz="3200" spc="-1" strike="noStrike">
-                <a:solidFill>
-                  <a:srgbClr val="2c3e50"/>
-                </a:solidFill>
-                <a:uFill>
-                  <a:solidFill>
-                    <a:srgbClr val="ffffff"/>
-                  </a:solidFill>
-                </a:uFill>
-                <a:latin typeface="Source Sans Pro Semibold"/>
-              </a:rPr>
-              <a:t>sym</a:t>
-            </a:r>
-            <a:r>
-              <a:rPr b="1" lang="de-DE" sz="3200" spc="-1" strike="noStrike">
-                <a:solidFill>
-                  <a:srgbClr val="2c3e50"/>
-                </a:solidFill>
-                <a:uFill>
-                  <a:solidFill>
-                    <a:srgbClr val="ffffff"/>
-                  </a:solidFill>
-                </a:uFill>
-                <a:latin typeface="Source Sans Pro Semibold"/>
-              </a:rPr>
-              <a:t>metrische Verschlüsselungsverfahren</a:t>
-            </a:r>
-            <a:endParaRPr b="1" lang="de-DE" sz="3200" spc="-1" strike="noStrike">
-              <a:solidFill>
-                <a:srgbClr val="2c3e50"/>
-              </a:solidFill>
-              <a:uFill>
-                <a:solidFill>
-                  <a:srgbClr val="ffffff"/>
-                </a:solidFill>
-              </a:uFill>
-              <a:latin typeface="Source Sans Pro Semibold"/>
-            </a:endParaRPr>
-          </a:p>
-          <a:p>
-            <a:pPr marL="432000" indent="-324000">
+                <a:ea typeface="DejaVu Sans"/>
+              </a:rPr>
+              <a:t>Das erste veröffentlichte asymmetrische Verschlüsselungsverfahren</a:t>
+            </a:r>
+            <a:endParaRPr b="0" lang="de-DE" sz="1800" spc="-1" strike="noStrike">
+              <a:solidFill>
+                <a:srgbClr val="000000"/>
+              </a:solidFill>
+              <a:uFill>
+                <a:solidFill>
+                  <a:srgbClr val="ffffff"/>
+                </a:solidFill>
+              </a:uFill>
+              <a:latin typeface="Arial"/>
+            </a:endParaRPr>
+          </a:p>
+          <a:p>
+            <a:pPr marL="432000" indent="-322920">
+              <a:lnSpc>
+                <a:spcPct val="100000"/>
+              </a:lnSpc>
               <a:buClr>
                 <a:srgbClr val="2c3e50"/>
               </a:buClr>
@@ -5028,65 +4836,26 @@
                   </a:solidFill>
                 </a:uFill>
                 <a:latin typeface="Source Sans Pro Semibold"/>
-              </a:rPr>
-              <a:t>Erfunden von Ronald </a:t>
-            </a:r>
-            <a:r>
-              <a:rPr b="1" lang="de-DE" sz="3200" spc="-1" strike="noStrike">
-                <a:solidFill>
-                  <a:srgbClr val="2c3e50"/>
-                </a:solidFill>
-                <a:uFill>
-                  <a:solidFill>
-                    <a:srgbClr val="ffffff"/>
-                  </a:solidFill>
-                </a:uFill>
-                <a:latin typeface="Source Sans Pro Semibold"/>
-              </a:rPr>
-              <a:t>R</a:t>
-            </a:r>
-            <a:r>
-              <a:rPr b="1" lang="de-DE" sz="3200" spc="-1" strike="noStrike">
-                <a:solidFill>
-                  <a:srgbClr val="2c3e50"/>
-                </a:solidFill>
-                <a:uFill>
-                  <a:solidFill>
-                    <a:srgbClr val="ffffff"/>
-                  </a:solidFill>
-                </a:uFill>
-                <a:latin typeface="Source Sans Pro Semibold"/>
-              </a:rPr>
-              <a:t>ivest, Adi Shamir und Max Adleman =&gt; RSA</a:t>
-            </a:r>
-            <a:endParaRPr b="1" lang="de-DE" sz="3200" spc="-1" strike="noStrike">
-              <a:solidFill>
-                <a:srgbClr val="2c3e50"/>
-              </a:solidFill>
-              <a:uFill>
-                <a:solidFill>
-                  <a:srgbClr val="ffffff"/>
-                </a:solidFill>
-              </a:uFill>
-              <a:latin typeface="Source Sans Pro Semibold"/>
+                <a:ea typeface="DejaVu Sans"/>
+              </a:rPr>
+              <a:t>Erfunden von Ronald Rivest, Adi Shamir und Max Adleman =&gt; RSA</a:t>
+            </a:r>
+            <a:endParaRPr b="0" lang="de-DE" sz="1800" spc="-1" strike="noStrike">
+              <a:solidFill>
+                <a:srgbClr val="000000"/>
+              </a:solidFill>
+              <a:uFill>
+                <a:solidFill>
+                  <a:srgbClr val="ffffff"/>
+                </a:solidFill>
+              </a:uFill>
+              <a:latin typeface="Arial"/>
             </a:endParaRPr>
           </a:p>
         </p:txBody>
       </p:sp>
     </p:spTree>
   </p:cSld>
-  <mc:AlternateContent>
-    <mc:Choice Requires="p14">
-      <p:transition spd="med">
-        <p14:flip dir="l"/>
-      </p:transition>
-    </mc:Choice>
-    <mc:Fallback>
-      <p:transition spd="med">
-        <p:fade/>
-      </p:transition>
-    </mc:Fallback>
-  </mc:AlternateContent>
   <p:timing>
     <p:tnLst>
       <p:par>
@@ -5136,14 +4905,14 @@
       </p:grpSpPr>
       <p:sp>
         <p:nvSpPr>
-          <p:cNvPr id="105" name="TextShape 1"/>
-          <p:cNvSpPr txBox="1"/>
+          <p:cNvPr id="102" name="CustomShape 1"/>
+          <p:cNvSpPr/>
           <p:nvPr/>
         </p:nvSpPr>
         <p:spPr>
           <a:xfrm>
             <a:off x="360000" y="301320"/>
-            <a:ext cx="9360000" cy="958680"/>
+            <a:ext cx="9358920" cy="957600"/>
           </a:xfrm>
           <a:prstGeom prst="rect">
             <a:avLst/>
@@ -5153,6 +4922,12 @@
             <a:noFill/>
           </a:ln>
         </p:spPr>
+        <p:style>
+          <a:lnRef idx="0"/>
+          <a:fillRef idx="0"/>
+          <a:effectRef idx="0"/>
+          <a:fontRef idx="minor"/>
+        </p:style>
         <p:txBody>
           <a:bodyPr lIns="0" rIns="0" tIns="0" bIns="0" anchor="ctr"/>
           <a:p>
@@ -5167,33 +4942,34 @@
                   </a:solidFill>
                 </a:uFill>
                 <a:latin typeface="Source Sans Pro Black"/>
+                <a:ea typeface="DejaVu Sans"/>
               </a:rPr>
               <a:t>3. Vorstellung zweier Verfahren</a:t>
             </a:r>
-            <a:endParaRPr b="1" lang="de-DE" sz="3600" spc="-1" strike="noStrike">
-              <a:solidFill>
-                <a:srgbClr val="ffffff"/>
-              </a:solidFill>
-              <a:uFill>
-                <a:solidFill>
-                  <a:srgbClr val="ffffff"/>
-                </a:solidFill>
-              </a:uFill>
-              <a:latin typeface="Source Sans Pro Black"/>
-            </a:endParaRPr>
-          </a:p>
-        </p:txBody>
-      </p:sp>
-      <p:sp>
-        <p:nvSpPr>
-          <p:cNvPr id="106" name="TextShape 2"/>
-          <p:cNvSpPr txBox="1"/>
+            <a:endParaRPr b="0" lang="de-DE" sz="1800" spc="-1" strike="noStrike">
+              <a:solidFill>
+                <a:srgbClr val="000000"/>
+              </a:solidFill>
+              <a:uFill>
+                <a:solidFill>
+                  <a:srgbClr val="ffffff"/>
+                </a:solidFill>
+              </a:uFill>
+              <a:latin typeface="Arial"/>
+            </a:endParaRPr>
+          </a:p>
+        </p:txBody>
+      </p:sp>
+      <p:sp>
+        <p:nvSpPr>
+          <p:cNvPr id="103" name="CustomShape 2"/>
+          <p:cNvSpPr/>
           <p:nvPr/>
         </p:nvSpPr>
         <p:spPr>
           <a:xfrm>
             <a:off x="360000" y="1980000"/>
-            <a:ext cx="9360000" cy="5040000"/>
+            <a:ext cx="9358920" cy="5038920"/>
           </a:xfrm>
           <a:prstGeom prst="rect">
             <a:avLst/>
@@ -5203,10 +4979,19 @@
             <a:noFill/>
           </a:ln>
         </p:spPr>
+        <p:style>
+          <a:lnRef idx="0"/>
+          <a:fillRef idx="0"/>
+          <a:effectRef idx="0"/>
+          <a:fontRef idx="minor"/>
+        </p:style>
         <p:txBody>
           <a:bodyPr lIns="0" rIns="0" tIns="0" bIns="0"/>
           <a:p>
-            <a:pPr marL="432000" indent="-324000">
+            <a:pPr marL="432000" indent="-322920">
+              <a:lnSpc>
+                <a:spcPct val="100000"/>
+              </a:lnSpc>
               <a:buClr>
                 <a:srgbClr val="2c3e50"/>
               </a:buClr>
@@ -5225,23 +5010,27 @@
                   </a:solidFill>
                 </a:uFill>
                 <a:latin typeface="Source Sans Pro Semibold"/>
+                <a:ea typeface="DejaVu Sans"/>
               </a:rPr>
               <a:t>Funktionsweise</a:t>
             </a:r>
-            <a:endParaRPr b="1" lang="de-DE" sz="3200" spc="-1" strike="noStrike" u="sng">
-              <a:solidFill>
-                <a:srgbClr val="2c3e50"/>
-              </a:solidFill>
-              <a:uFill>
-                <a:solidFill>
-                  <a:srgbClr val="ffffff"/>
-                </a:solidFill>
-              </a:uFill>
-              <a:latin typeface="Source Sans Pro Semibold"/>
-            </a:endParaRPr>
-          </a:p>
-          <a:p>
-            <a:pPr marL="432000" indent="-324000">
+            <a:endParaRPr b="0" lang="de-DE" sz="1800" spc="-1" strike="noStrike">
+              <a:solidFill>
+                <a:srgbClr val="000000"/>
+              </a:solidFill>
+              <a:uFill>
+                <a:solidFill>
+                  <a:srgbClr val="ffffff"/>
+                </a:solidFill>
+              </a:uFill>
+              <a:latin typeface="Arial"/>
+            </a:endParaRPr>
+          </a:p>
+          <a:p>
+            <a:pPr marL="432000" indent="-322920">
+              <a:lnSpc>
+                <a:spcPct val="100000"/>
+              </a:lnSpc>
               <a:buClr>
                 <a:srgbClr val="2c3e50"/>
               </a:buClr>
@@ -5260,37 +5049,26 @@
                   </a:solidFill>
                 </a:uFill>
                 <a:latin typeface="Source Sans Pro Semibold"/>
+                <a:ea typeface="DejaVu Sans"/>
               </a:rPr>
               <a:t>Komplizierte Algorithmen zur Schlüsselgenerierung und zur Verschlüsselung</a:t>
             </a:r>
-            <a:endParaRPr b="1" lang="de-DE" sz="3200" spc="-1" strike="noStrike" u="sng">
-              <a:solidFill>
-                <a:srgbClr val="2c3e50"/>
-              </a:solidFill>
-              <a:uFill>
-                <a:solidFill>
-                  <a:srgbClr val="ffffff"/>
-                </a:solidFill>
-              </a:uFill>
-              <a:latin typeface="Source Sans Pro Semibold"/>
+            <a:endParaRPr b="0" lang="de-DE" sz="1800" spc="-1" strike="noStrike">
+              <a:solidFill>
+                <a:srgbClr val="000000"/>
+              </a:solidFill>
+              <a:uFill>
+                <a:solidFill>
+                  <a:srgbClr val="ffffff"/>
+                </a:solidFill>
+              </a:uFill>
+              <a:latin typeface="Arial"/>
             </a:endParaRPr>
           </a:p>
         </p:txBody>
       </p:sp>
     </p:spTree>
   </p:cSld>
-  <mc:AlternateContent>
-    <mc:Choice Requires="p14">
-      <p:transition spd="med">
-        <p14:flip dir="l"/>
-      </p:transition>
-    </mc:Choice>
-    <mc:Fallback>
-      <p:transition spd="med">
-        <p:fade/>
-      </p:transition>
-    </mc:Fallback>
-  </mc:AlternateContent>
   <p:timing>
     <p:tnLst>
       <p:par>
@@ -5340,14 +5118,14 @@
       </p:grpSpPr>
       <p:sp>
         <p:nvSpPr>
-          <p:cNvPr id="107" name="TextShape 1"/>
-          <p:cNvSpPr txBox="1"/>
+          <p:cNvPr id="104" name="CustomShape 1"/>
+          <p:cNvSpPr/>
           <p:nvPr/>
         </p:nvSpPr>
         <p:spPr>
           <a:xfrm>
             <a:off x="360000" y="301320"/>
-            <a:ext cx="9360000" cy="958680"/>
+            <a:ext cx="9358920" cy="957600"/>
           </a:xfrm>
           <a:prstGeom prst="rect">
             <a:avLst/>
@@ -5357,6 +5135,12 @@
             <a:noFill/>
           </a:ln>
         </p:spPr>
+        <p:style>
+          <a:lnRef idx="0"/>
+          <a:fillRef idx="0"/>
+          <a:effectRef idx="0"/>
+          <a:fontRef idx="minor"/>
+        </p:style>
         <p:txBody>
           <a:bodyPr lIns="0" rIns="0" tIns="0" bIns="0" anchor="ctr"/>
           <a:p>
@@ -5371,33 +5155,34 @@
                   </a:solidFill>
                 </a:uFill>
                 <a:latin typeface="Source Sans Pro Black"/>
+                <a:ea typeface="DejaVu Sans"/>
               </a:rPr>
               <a:t>4. Präsentation der Eigenleistung</a:t>
             </a:r>
-            <a:endParaRPr b="1" lang="de-DE" sz="3600" spc="-1" strike="noStrike">
-              <a:solidFill>
-                <a:srgbClr val="ffffff"/>
-              </a:solidFill>
-              <a:uFill>
-                <a:solidFill>
-                  <a:srgbClr val="ffffff"/>
-                </a:solidFill>
-              </a:uFill>
-              <a:latin typeface="Source Sans Pro Black"/>
-            </a:endParaRPr>
-          </a:p>
-        </p:txBody>
-      </p:sp>
-      <p:sp>
-        <p:nvSpPr>
-          <p:cNvPr id="108" name="TextShape 2"/>
-          <p:cNvSpPr txBox="1"/>
+            <a:endParaRPr b="0" lang="de-DE" sz="1800" spc="-1" strike="noStrike">
+              <a:solidFill>
+                <a:srgbClr val="000000"/>
+              </a:solidFill>
+              <a:uFill>
+                <a:solidFill>
+                  <a:srgbClr val="ffffff"/>
+                </a:solidFill>
+              </a:uFill>
+              <a:latin typeface="Arial"/>
+            </a:endParaRPr>
+          </a:p>
+        </p:txBody>
+      </p:sp>
+      <p:sp>
+        <p:nvSpPr>
+          <p:cNvPr id="105" name="CustomShape 2"/>
+          <p:cNvSpPr/>
           <p:nvPr/>
         </p:nvSpPr>
         <p:spPr>
           <a:xfrm>
             <a:off x="360000" y="1980000"/>
-            <a:ext cx="9360000" cy="5040000"/>
+            <a:ext cx="9358920" cy="5038920"/>
           </a:xfrm>
           <a:prstGeom prst="rect">
             <a:avLst/>
@@ -5407,10 +5192,19 @@
             <a:noFill/>
           </a:ln>
         </p:spPr>
+        <p:style>
+          <a:lnRef idx="0"/>
+          <a:fillRef idx="0"/>
+          <a:effectRef idx="0"/>
+          <a:fontRef idx="minor"/>
+        </p:style>
         <p:txBody>
           <a:bodyPr lIns="0" rIns="0" tIns="0" bIns="0"/>
           <a:p>
-            <a:pPr marL="432000" indent="-324000">
+            <a:pPr marL="432000" indent="-322920">
+              <a:lnSpc>
+                <a:spcPct val="100000"/>
+              </a:lnSpc>
               <a:buClr>
                 <a:srgbClr val="2c3e50"/>
               </a:buClr>
@@ -5429,23 +5223,27 @@
                   </a:solidFill>
                 </a:uFill>
                 <a:latin typeface="Source Sans Pro Semibold"/>
+                <a:ea typeface="DejaVu Sans"/>
               </a:rPr>
               <a:t>Entwicklung eines Programms in der Programmiersprache „Java“</a:t>
             </a:r>
-            <a:endParaRPr b="1" lang="de-DE" sz="3200" spc="-1" strike="noStrike">
-              <a:solidFill>
-                <a:srgbClr val="2c3e50"/>
-              </a:solidFill>
-              <a:uFill>
-                <a:solidFill>
-                  <a:srgbClr val="ffffff"/>
-                </a:solidFill>
-              </a:uFill>
-              <a:latin typeface="Source Sans Pro Semibold"/>
-            </a:endParaRPr>
-          </a:p>
-          <a:p>
-            <a:pPr marL="432000" indent="-324000">
+            <a:endParaRPr b="0" lang="de-DE" sz="1800" spc="-1" strike="noStrike">
+              <a:solidFill>
+                <a:srgbClr val="000000"/>
+              </a:solidFill>
+              <a:uFill>
+                <a:solidFill>
+                  <a:srgbClr val="ffffff"/>
+                </a:solidFill>
+              </a:uFill>
+              <a:latin typeface="Arial"/>
+            </a:endParaRPr>
+          </a:p>
+          <a:p>
+            <a:pPr marL="432000" indent="-322920">
+              <a:lnSpc>
+                <a:spcPct val="100000"/>
+              </a:lnSpc>
               <a:buClr>
                 <a:srgbClr val="2c3e50"/>
               </a:buClr>
@@ -5464,23 +5262,27 @@
                   </a:solidFill>
                 </a:uFill>
                 <a:latin typeface="Source Sans Pro Semibold"/>
-              </a:rPr>
-              <a:t>Mit Hilfe des Programms kann man, die drei in der Komplexen Leistung vorgestellten Verfahren testen</a:t>
-            </a:r>
-            <a:endParaRPr b="1" lang="de-DE" sz="3200" spc="-1" strike="noStrike">
-              <a:solidFill>
-                <a:srgbClr val="2c3e50"/>
-              </a:solidFill>
-              <a:uFill>
-                <a:solidFill>
-                  <a:srgbClr val="ffffff"/>
-                </a:solidFill>
-              </a:uFill>
-              <a:latin typeface="Source Sans Pro Semibold"/>
-            </a:endParaRPr>
-          </a:p>
-          <a:p>
-            <a:pPr marL="432000" indent="-324000">
+                <a:ea typeface="DejaVu Sans"/>
+              </a:rPr>
+              <a:t>Mit Hilfe des Programms kann man, drei Verfahren testen</a:t>
+            </a:r>
+            <a:endParaRPr b="0" lang="de-DE" sz="1800" spc="-1" strike="noStrike">
+              <a:solidFill>
+                <a:srgbClr val="000000"/>
+              </a:solidFill>
+              <a:uFill>
+                <a:solidFill>
+                  <a:srgbClr val="ffffff"/>
+                </a:solidFill>
+              </a:uFill>
+              <a:latin typeface="Arial"/>
+            </a:endParaRPr>
+          </a:p>
+          <a:p>
+            <a:pPr marL="432000" indent="-322920">
+              <a:lnSpc>
+                <a:spcPct val="100000"/>
+              </a:lnSpc>
               <a:buClr>
                 <a:srgbClr val="2c3e50"/>
               </a:buClr>
@@ -5499,6 +5301,7 @@
                   </a:solidFill>
                 </a:uFill>
                 <a:latin typeface="Source Sans Pro Semibold"/>
+                <a:ea typeface="DejaVu Sans"/>
               </a:rPr>
               <a:t>Es wurde das Framework „JavaFX“, </a:t>
             </a:r>
@@ -5513,6 +5316,7 @@
                   </a:solidFill>
                 </a:uFill>
                 <a:latin typeface="Source Sans Pro Semibold"/>
+                <a:ea typeface="DejaVu Sans"/>
               </a:rPr>
               <a:t>	</a:t>
             </a:r>
@@ -5527,6 +5331,7 @@
                   </a:solidFill>
                 </a:uFill>
                 <a:latin typeface="Source Sans Pro Semibold"/>
+                <a:ea typeface="DejaVu Sans"/>
               </a:rPr>
               <a:t>	</a:t>
             </a:r>
@@ -5541,6 +5346,7 @@
                   </a:solidFill>
                 </a:uFill>
                 <a:latin typeface="Source Sans Pro Semibold"/>
+                <a:ea typeface="DejaVu Sans"/>
               </a:rPr>
               <a:t>	</a:t>
             </a:r>
@@ -5555,6 +5361,7 @@
                   </a:solidFill>
                 </a:uFill>
                 <a:latin typeface="Source Sans Pro Semibold"/>
+                <a:ea typeface="DejaVu Sans"/>
               </a:rPr>
               <a:t>	</a:t>
             </a:r>
@@ -5569,6 +5376,7 @@
                   </a:solidFill>
                 </a:uFill>
                 <a:latin typeface="Source Sans Pro Semibold"/>
+                <a:ea typeface="DejaVu Sans"/>
               </a:rPr>
               <a:t>	</a:t>
             </a:r>
@@ -5583,6 +5391,7 @@
                   </a:solidFill>
                 </a:uFill>
                 <a:latin typeface="Source Sans Pro Semibold"/>
+                <a:ea typeface="DejaVu Sans"/>
               </a:rPr>
               <a:t>	</a:t>
             </a:r>
@@ -5597,6 +5406,7 @@
                   </a:solidFill>
                 </a:uFill>
                 <a:latin typeface="Source Sans Pro Semibold"/>
+                <a:ea typeface="DejaVu Sans"/>
               </a:rPr>
               <a:t>die IDE „IntelliJ“ und das Programm </a:t>
             </a:r>
@@ -5611,6 +5421,7 @@
                   </a:solidFill>
                 </a:uFill>
                 <a:latin typeface="Source Sans Pro Semibold"/>
+                <a:ea typeface="DejaVu Sans"/>
               </a:rPr>
               <a:t>	</a:t>
             </a:r>
@@ -5625,6 +5436,7 @@
                   </a:solidFill>
                 </a:uFill>
                 <a:latin typeface="Source Sans Pro Semibold"/>
+                <a:ea typeface="DejaVu Sans"/>
               </a:rPr>
               <a:t>	</a:t>
             </a:r>
@@ -5639,6 +5451,7 @@
                   </a:solidFill>
                 </a:uFill>
                 <a:latin typeface="Source Sans Pro Semibold"/>
+                <a:ea typeface="DejaVu Sans"/>
               </a:rPr>
               <a:t>	</a:t>
             </a:r>
@@ -5653,37 +5466,26 @@
                   </a:solidFill>
                 </a:uFill>
                 <a:latin typeface="Source Sans Pro Semibold"/>
+                <a:ea typeface="DejaVu Sans"/>
               </a:rPr>
               <a:t>„JavaFX Scene Builder 2.0“  verwendet</a:t>
             </a:r>
-            <a:endParaRPr b="1" lang="de-DE" sz="3200" spc="-1" strike="noStrike">
-              <a:solidFill>
-                <a:srgbClr val="2c3e50"/>
-              </a:solidFill>
-              <a:uFill>
-                <a:solidFill>
-                  <a:srgbClr val="ffffff"/>
-                </a:solidFill>
-              </a:uFill>
-              <a:latin typeface="Source Sans Pro Semibold"/>
+            <a:endParaRPr b="0" lang="de-DE" sz="1800" spc="-1" strike="noStrike">
+              <a:solidFill>
+                <a:srgbClr val="000000"/>
+              </a:solidFill>
+              <a:uFill>
+                <a:solidFill>
+                  <a:srgbClr val="ffffff"/>
+                </a:solidFill>
+              </a:uFill>
+              <a:latin typeface="Arial"/>
             </a:endParaRPr>
           </a:p>
         </p:txBody>
       </p:sp>
     </p:spTree>
   </p:cSld>
-  <mc:AlternateContent>
-    <mc:Choice Requires="p14">
-      <p:transition spd="med">
-        <p14:flip dir="l"/>
-      </p:transition>
-    </mc:Choice>
-    <mc:Fallback>
-      <p:transition spd="med">
-        <p:fade/>
-      </p:transition>
-    </mc:Fallback>
-  </mc:AlternateContent>
   <p:timing>
     <p:tnLst>
       <p:par>
@@ -5733,14 +5535,14 @@
       </p:grpSpPr>
       <p:sp>
         <p:nvSpPr>
-          <p:cNvPr id="109" name="TextShape 1"/>
-          <p:cNvSpPr txBox="1"/>
+          <p:cNvPr id="106" name="CustomShape 1"/>
+          <p:cNvSpPr/>
           <p:nvPr/>
         </p:nvSpPr>
         <p:spPr>
           <a:xfrm>
             <a:off x="360000" y="301320"/>
-            <a:ext cx="9360000" cy="958680"/>
+            <a:ext cx="9358920" cy="957600"/>
           </a:xfrm>
           <a:prstGeom prst="rect">
             <a:avLst/>
@@ -5750,6 +5552,12 @@
             <a:noFill/>
           </a:ln>
         </p:spPr>
+        <p:style>
+          <a:lnRef idx="0"/>
+          <a:fillRef idx="0"/>
+          <a:effectRef idx="0"/>
+          <a:fontRef idx="minor"/>
+        </p:style>
         <p:txBody>
           <a:bodyPr lIns="0" rIns="0" tIns="0" bIns="0" anchor="ctr"/>
           <a:p>
@@ -5764,33 +5572,34 @@
                   </a:solidFill>
                 </a:uFill>
                 <a:latin typeface="Source Sans Pro Black"/>
+                <a:ea typeface="DejaVu Sans"/>
               </a:rPr>
               <a:t>5. Quellen</a:t>
             </a:r>
-            <a:endParaRPr b="1" lang="de-DE" sz="3600" spc="-1" strike="noStrike">
-              <a:solidFill>
-                <a:srgbClr val="ffffff"/>
-              </a:solidFill>
-              <a:uFill>
-                <a:solidFill>
-                  <a:srgbClr val="ffffff"/>
-                </a:solidFill>
-              </a:uFill>
-              <a:latin typeface="Source Sans Pro Black"/>
-            </a:endParaRPr>
-          </a:p>
-        </p:txBody>
-      </p:sp>
-      <p:sp>
-        <p:nvSpPr>
-          <p:cNvPr id="110" name="TextShape 2"/>
-          <p:cNvSpPr txBox="1"/>
+            <a:endParaRPr b="0" lang="de-DE" sz="1800" spc="-1" strike="noStrike">
+              <a:solidFill>
+                <a:srgbClr val="000000"/>
+              </a:solidFill>
+              <a:uFill>
+                <a:solidFill>
+                  <a:srgbClr val="ffffff"/>
+                </a:solidFill>
+              </a:uFill>
+              <a:latin typeface="Arial"/>
+            </a:endParaRPr>
+          </a:p>
+        </p:txBody>
+      </p:sp>
+      <p:sp>
+        <p:nvSpPr>
+          <p:cNvPr id="107" name="CustomShape 2"/>
+          <p:cNvSpPr/>
           <p:nvPr/>
         </p:nvSpPr>
         <p:spPr>
           <a:xfrm>
             <a:off x="360000" y="1980000"/>
-            <a:ext cx="9360000" cy="5040000"/>
+            <a:ext cx="9358920" cy="5038920"/>
           </a:xfrm>
           <a:prstGeom prst="rect">
             <a:avLst/>
@@ -5800,10 +5609,19 @@
             <a:noFill/>
           </a:ln>
         </p:spPr>
+        <p:style>
+          <a:lnRef idx="0"/>
+          <a:fillRef idx="0"/>
+          <a:effectRef idx="0"/>
+          <a:fontRef idx="minor"/>
+        </p:style>
         <p:txBody>
           <a:bodyPr lIns="0" rIns="0" tIns="0" bIns="0"/>
           <a:p>
-            <a:pPr marL="432000" indent="-324000">
+            <a:pPr marL="432000" indent="-322920">
+              <a:lnSpc>
+                <a:spcPct val="100000"/>
+              </a:lnSpc>
               <a:buClr>
                 <a:srgbClr val="2c3e50"/>
               </a:buClr>
@@ -5822,23 +5640,27 @@
                   </a:solidFill>
                 </a:uFill>
                 <a:latin typeface="Source Sans Pro Semibold"/>
+                <a:ea typeface="DejaVu Sans"/>
               </a:rPr>
               <a:t>https://upload.wikimedia.org/wikipedia/commons/3/3d/Code-1076536.jpg</a:t>
             </a:r>
-            <a:endParaRPr b="1" lang="de-DE" sz="3200" spc="-1" strike="noStrike">
-              <a:solidFill>
-                <a:srgbClr val="2c3e50"/>
-              </a:solidFill>
-              <a:uFill>
-                <a:solidFill>
-                  <a:srgbClr val="ffffff"/>
-                </a:solidFill>
-              </a:uFill>
-              <a:latin typeface="Source Sans Pro Semibold"/>
-            </a:endParaRPr>
-          </a:p>
-          <a:p>
-            <a:pPr marL="432000" indent="-324000">
+            <a:endParaRPr b="0" lang="de-DE" sz="1800" spc="-1" strike="noStrike">
+              <a:solidFill>
+                <a:srgbClr val="000000"/>
+              </a:solidFill>
+              <a:uFill>
+                <a:solidFill>
+                  <a:srgbClr val="ffffff"/>
+                </a:solidFill>
+              </a:uFill>
+              <a:latin typeface="Arial"/>
+            </a:endParaRPr>
+          </a:p>
+          <a:p>
+            <a:pPr marL="432000" indent="-322920">
+              <a:lnSpc>
+                <a:spcPct val="100000"/>
+              </a:lnSpc>
               <a:buClr>
                 <a:srgbClr val="2c3e50"/>
               </a:buClr>
@@ -5857,23 +5679,27 @@
                   </a:solidFill>
                 </a:uFill>
                 <a:latin typeface="Source Sans Pro Semibold"/>
+                <a:ea typeface="DejaVu Sans"/>
               </a:rPr>
               <a:t>https://pixabay.com/p-1294045/?no_redirect</a:t>
             </a:r>
-            <a:endParaRPr b="1" lang="de-DE" sz="3200" spc="-1" strike="noStrike">
-              <a:solidFill>
-                <a:srgbClr val="2c3e50"/>
-              </a:solidFill>
-              <a:uFill>
-                <a:solidFill>
-                  <a:srgbClr val="ffffff"/>
-                </a:solidFill>
-              </a:uFill>
-              <a:latin typeface="Source Sans Pro Semibold"/>
-            </a:endParaRPr>
-          </a:p>
-          <a:p>
-            <a:pPr marL="432000" indent="-324000">
+            <a:endParaRPr b="0" lang="de-DE" sz="1800" spc="-1" strike="noStrike">
+              <a:solidFill>
+                <a:srgbClr val="000000"/>
+              </a:solidFill>
+              <a:uFill>
+                <a:solidFill>
+                  <a:srgbClr val="ffffff"/>
+                </a:solidFill>
+              </a:uFill>
+              <a:latin typeface="Arial"/>
+            </a:endParaRPr>
+          </a:p>
+          <a:p>
+            <a:pPr marL="432000" indent="-322920">
+              <a:lnSpc>
+                <a:spcPct val="100000"/>
+              </a:lnSpc>
               <a:buClr>
                 <a:srgbClr val="2c3e50"/>
               </a:buClr>
@@ -5892,23 +5718,27 @@
                   </a:solidFill>
                 </a:uFill>
                 <a:latin typeface="Source Sans Pro Semibold"/>
+                <a:ea typeface="DejaVu Sans"/>
               </a:rPr>
               <a:t>https://de.wikipedia.org/wiki/Hybride_Verschl%C3%BCsselung#/media/File:Hybride_Verschl%C3%BCsselung.png</a:t>
             </a:r>
-            <a:endParaRPr b="1" lang="de-DE" sz="3200" spc="-1" strike="noStrike">
-              <a:solidFill>
-                <a:srgbClr val="2c3e50"/>
-              </a:solidFill>
-              <a:uFill>
-                <a:solidFill>
-                  <a:srgbClr val="ffffff"/>
-                </a:solidFill>
-              </a:uFill>
-              <a:latin typeface="Source Sans Pro Semibold"/>
-            </a:endParaRPr>
-          </a:p>
-          <a:p>
-            <a:pPr marL="432000" indent="-324000">
+            <a:endParaRPr b="0" lang="de-DE" sz="1800" spc="-1" strike="noStrike">
+              <a:solidFill>
+                <a:srgbClr val="000000"/>
+              </a:solidFill>
+              <a:uFill>
+                <a:solidFill>
+                  <a:srgbClr val="ffffff"/>
+                </a:solidFill>
+              </a:uFill>
+              <a:latin typeface="Arial"/>
+            </a:endParaRPr>
+          </a:p>
+          <a:p>
+            <a:pPr marL="432000" indent="-322920">
+              <a:lnSpc>
+                <a:spcPct val="100000"/>
+              </a:lnSpc>
               <a:buClr>
                 <a:srgbClr val="2c3e50"/>
               </a:buClr>
@@ -5927,37 +5757,26 @@
                   </a:solidFill>
                 </a:uFill>
                 <a:latin typeface="Source Sans Pro Semibold"/>
+                <a:ea typeface="DejaVu Sans"/>
               </a:rPr>
               <a:t>Meine Komplexe Leistung</a:t>
             </a:r>
-            <a:endParaRPr b="1" lang="de-DE" sz="3200" spc="-1" strike="noStrike">
-              <a:solidFill>
-                <a:srgbClr val="2c3e50"/>
-              </a:solidFill>
-              <a:uFill>
-                <a:solidFill>
-                  <a:srgbClr val="ffffff"/>
-                </a:solidFill>
-              </a:uFill>
-              <a:latin typeface="Source Sans Pro Semibold"/>
+            <a:endParaRPr b="0" lang="de-DE" sz="1800" spc="-1" strike="noStrike">
+              <a:solidFill>
+                <a:srgbClr val="000000"/>
+              </a:solidFill>
+              <a:uFill>
+                <a:solidFill>
+                  <a:srgbClr val="ffffff"/>
+                </a:solidFill>
+              </a:uFill>
+              <a:latin typeface="Arial"/>
             </a:endParaRPr>
           </a:p>
         </p:txBody>
       </p:sp>
     </p:spTree>
   </p:cSld>
-  <mc:AlternateContent>
-    <mc:Choice Requires="p14">
-      <p:transition spd="med">
-        <p14:flip dir="l"/>
-      </p:transition>
-    </mc:Choice>
-    <mc:Fallback>
-      <p:transition spd="med">
-        <p:fade/>
-      </p:transition>
-    </mc:Fallback>
-  </mc:AlternateContent>
   <p:timing>
     <p:tnLst>
       <p:par>
@@ -6007,14 +5826,14 @@
       </p:grpSpPr>
       <p:sp>
         <p:nvSpPr>
-          <p:cNvPr id="83" name="TextShape 1"/>
-          <p:cNvSpPr txBox="1"/>
+          <p:cNvPr id="80" name="CustomShape 1"/>
+          <p:cNvSpPr/>
           <p:nvPr/>
         </p:nvSpPr>
         <p:spPr>
           <a:xfrm>
             <a:off x="360000" y="301320"/>
-            <a:ext cx="9360000" cy="958680"/>
+            <a:ext cx="9358920" cy="957600"/>
           </a:xfrm>
           <a:prstGeom prst="rect">
             <a:avLst/>
@@ -6024,6 +5843,12 @@
             <a:noFill/>
           </a:ln>
         </p:spPr>
+        <p:style>
+          <a:lnRef idx="0"/>
+          <a:fillRef idx="0"/>
+          <a:effectRef idx="0"/>
+          <a:fontRef idx="minor"/>
+        </p:style>
         <p:txBody>
           <a:bodyPr lIns="0" rIns="0" tIns="0" bIns="0" anchor="ctr"/>
           <a:p>
@@ -6038,33 +5863,34 @@
                   </a:solidFill>
                 </a:uFill>
                 <a:latin typeface="Source Sans Pro Black"/>
+                <a:ea typeface="DejaVu Sans"/>
               </a:rPr>
               <a:t>Gliederung</a:t>
             </a:r>
-            <a:endParaRPr b="1" lang="de-DE" sz="3600" spc="-1" strike="noStrike">
-              <a:solidFill>
-                <a:srgbClr val="ffffff"/>
-              </a:solidFill>
-              <a:uFill>
-                <a:solidFill>
-                  <a:srgbClr val="ffffff"/>
-                </a:solidFill>
-              </a:uFill>
-              <a:latin typeface="Source Sans Pro Black"/>
-            </a:endParaRPr>
-          </a:p>
-        </p:txBody>
-      </p:sp>
-      <p:sp>
-        <p:nvSpPr>
-          <p:cNvPr id="84" name="TextShape 2"/>
-          <p:cNvSpPr txBox="1"/>
+            <a:endParaRPr b="0" lang="de-DE" sz="1800" spc="-1" strike="noStrike">
+              <a:solidFill>
+                <a:srgbClr val="000000"/>
+              </a:solidFill>
+              <a:uFill>
+                <a:solidFill>
+                  <a:srgbClr val="ffffff"/>
+                </a:solidFill>
+              </a:uFill>
+              <a:latin typeface="Arial"/>
+            </a:endParaRPr>
+          </a:p>
+        </p:txBody>
+      </p:sp>
+      <p:sp>
+        <p:nvSpPr>
+          <p:cNvPr id="81" name="CustomShape 2"/>
+          <p:cNvSpPr/>
           <p:nvPr/>
         </p:nvSpPr>
         <p:spPr>
           <a:xfrm>
             <a:off x="504000" y="1769040"/>
-            <a:ext cx="9071640" cy="4384440"/>
+            <a:ext cx="9070560" cy="4383360"/>
           </a:xfrm>
           <a:prstGeom prst="rect">
             <a:avLst/>
@@ -6074,10 +5900,19 @@
             <a:noFill/>
           </a:ln>
         </p:spPr>
+        <p:style>
+          <a:lnRef idx="0"/>
+          <a:fillRef idx="0"/>
+          <a:effectRef idx="0"/>
+          <a:fontRef idx="minor"/>
+        </p:style>
         <p:txBody>
           <a:bodyPr lIns="0" rIns="0" tIns="0" bIns="0"/>
           <a:p>
-            <a:pPr marL="432000" indent="-324000">
+            <a:pPr marL="432000" indent="-322920">
+              <a:lnSpc>
+                <a:spcPct val="100000"/>
+              </a:lnSpc>
               <a:buClr>
                 <a:srgbClr val="000000"/>
               </a:buClr>
@@ -6095,6 +5930,7 @@
                   </a:solidFill>
                 </a:uFill>
                 <a:latin typeface="Source Sans Pro Semibold"/>
+                <a:ea typeface="DejaVu Sans"/>
               </a:rPr>
               <a:t> </a:t>
             </a:r>
@@ -6109,23 +5945,27 @@
                   </a:solidFill>
                 </a:uFill>
                 <a:latin typeface="Source Sans Pro Semibold"/>
+                <a:ea typeface="DejaVu Sans"/>
               </a:rPr>
               <a:t>Einleitung</a:t>
             </a:r>
-            <a:endParaRPr b="1" lang="de-DE" sz="3200" spc="-1" strike="noStrike">
-              <a:solidFill>
-                <a:srgbClr val="2c3e50"/>
-              </a:solidFill>
-              <a:uFill>
-                <a:solidFill>
-                  <a:srgbClr val="ffffff"/>
-                </a:solidFill>
-              </a:uFill>
-              <a:latin typeface="Source Sans Pro Semibold"/>
-            </a:endParaRPr>
-          </a:p>
-          <a:p>
-            <a:pPr marL="432000" indent="-324000">
+            <a:endParaRPr b="0" lang="de-DE" sz="1800" spc="-1" strike="noStrike">
+              <a:solidFill>
+                <a:srgbClr val="000000"/>
+              </a:solidFill>
+              <a:uFill>
+                <a:solidFill>
+                  <a:srgbClr val="ffffff"/>
+                </a:solidFill>
+              </a:uFill>
+              <a:latin typeface="Arial"/>
+            </a:endParaRPr>
+          </a:p>
+          <a:p>
+            <a:pPr marL="432000" indent="-322920">
+              <a:lnSpc>
+                <a:spcPct val="100000"/>
+              </a:lnSpc>
               <a:buClr>
                 <a:srgbClr val="000000"/>
               </a:buClr>
@@ -6143,23 +5983,27 @@
                   </a:solidFill>
                 </a:uFill>
                 <a:latin typeface="Source Sans Pro Semibold"/>
+                <a:ea typeface="DejaVu Sans"/>
               </a:rPr>
               <a:t>Arten der Verschlüsselung</a:t>
             </a:r>
-            <a:endParaRPr b="1" lang="de-DE" sz="3200" spc="-1" strike="noStrike">
-              <a:solidFill>
-                <a:srgbClr val="2c3e50"/>
-              </a:solidFill>
-              <a:uFill>
-                <a:solidFill>
-                  <a:srgbClr val="ffffff"/>
-                </a:solidFill>
-              </a:uFill>
-              <a:latin typeface="Source Sans Pro Semibold"/>
-            </a:endParaRPr>
-          </a:p>
-          <a:p>
-            <a:pPr lvl="1" marL="864000" indent="-324000">
+            <a:endParaRPr b="0" lang="de-DE" sz="1800" spc="-1" strike="noStrike">
+              <a:solidFill>
+                <a:srgbClr val="000000"/>
+              </a:solidFill>
+              <a:uFill>
+                <a:solidFill>
+                  <a:srgbClr val="ffffff"/>
+                </a:solidFill>
+              </a:uFill>
+              <a:latin typeface="Arial"/>
+            </a:endParaRPr>
+          </a:p>
+          <a:p>
+            <a:pPr lvl="1" marL="864000" indent="-322920">
+              <a:lnSpc>
+                <a:spcPct val="100000"/>
+              </a:lnSpc>
               <a:buClr>
                 <a:srgbClr val="000000"/>
               </a:buClr>
@@ -6177,23 +6021,27 @@
                   </a:solidFill>
                 </a:uFill>
                 <a:latin typeface="Source Sans Pro"/>
+                <a:ea typeface="DejaVu Sans"/>
               </a:rPr>
               <a:t>Symmetrische Verschlüsselung</a:t>
             </a:r>
-            <a:endParaRPr b="0" lang="de-DE" sz="2800" spc="-1" strike="noStrike">
-              <a:solidFill>
-                <a:srgbClr val="2c3e50"/>
-              </a:solidFill>
-              <a:uFill>
-                <a:solidFill>
-                  <a:srgbClr val="ffffff"/>
-                </a:solidFill>
-              </a:uFill>
-              <a:latin typeface="Source Sans Pro"/>
-            </a:endParaRPr>
-          </a:p>
-          <a:p>
-            <a:pPr lvl="1" marL="864000" indent="-324000">
+            <a:endParaRPr b="0" lang="de-DE" sz="1800" spc="-1" strike="noStrike">
+              <a:solidFill>
+                <a:srgbClr val="000000"/>
+              </a:solidFill>
+              <a:uFill>
+                <a:solidFill>
+                  <a:srgbClr val="ffffff"/>
+                </a:solidFill>
+              </a:uFill>
+              <a:latin typeface="Arial"/>
+            </a:endParaRPr>
+          </a:p>
+          <a:p>
+            <a:pPr lvl="1" marL="864000" indent="-322920">
+              <a:lnSpc>
+                <a:spcPct val="100000"/>
+              </a:lnSpc>
               <a:buClr>
                 <a:srgbClr val="000000"/>
               </a:buClr>
@@ -6211,23 +6059,27 @@
                   </a:solidFill>
                 </a:uFill>
                 <a:latin typeface="Source Sans Pro"/>
+                <a:ea typeface="DejaVu Sans"/>
               </a:rPr>
               <a:t>Asymmetrische Verschlüsselung</a:t>
             </a:r>
-            <a:endParaRPr b="0" lang="de-DE" sz="2800" spc="-1" strike="noStrike">
-              <a:solidFill>
-                <a:srgbClr val="2c3e50"/>
-              </a:solidFill>
-              <a:uFill>
-                <a:solidFill>
-                  <a:srgbClr val="ffffff"/>
-                </a:solidFill>
-              </a:uFill>
-              <a:latin typeface="Source Sans Pro"/>
-            </a:endParaRPr>
-          </a:p>
-          <a:p>
-            <a:pPr lvl="1" marL="864000" indent="-324000">
+            <a:endParaRPr b="0" lang="de-DE" sz="1800" spc="-1" strike="noStrike">
+              <a:solidFill>
+                <a:srgbClr val="000000"/>
+              </a:solidFill>
+              <a:uFill>
+                <a:solidFill>
+                  <a:srgbClr val="ffffff"/>
+                </a:solidFill>
+              </a:uFill>
+              <a:latin typeface="Arial"/>
+            </a:endParaRPr>
+          </a:p>
+          <a:p>
+            <a:pPr lvl="1" marL="864000" indent="-322920">
+              <a:lnSpc>
+                <a:spcPct val="100000"/>
+              </a:lnSpc>
               <a:buClr>
                 <a:srgbClr val="000000"/>
               </a:buClr>
@@ -6245,23 +6097,27 @@
                   </a:solidFill>
                 </a:uFill>
                 <a:latin typeface="Source Sans Pro"/>
+                <a:ea typeface="DejaVu Sans"/>
               </a:rPr>
               <a:t>Hybride Verschlüsselung</a:t>
             </a:r>
-            <a:endParaRPr b="0" lang="de-DE" sz="2800" spc="-1" strike="noStrike">
-              <a:solidFill>
-                <a:srgbClr val="2c3e50"/>
-              </a:solidFill>
-              <a:uFill>
-                <a:solidFill>
-                  <a:srgbClr val="ffffff"/>
-                </a:solidFill>
-              </a:uFill>
-              <a:latin typeface="Source Sans Pro"/>
-            </a:endParaRPr>
-          </a:p>
-          <a:p>
-            <a:pPr marL="432000" indent="-324000">
+            <a:endParaRPr b="0" lang="de-DE" sz="1800" spc="-1" strike="noStrike">
+              <a:solidFill>
+                <a:srgbClr val="000000"/>
+              </a:solidFill>
+              <a:uFill>
+                <a:solidFill>
+                  <a:srgbClr val="ffffff"/>
+                </a:solidFill>
+              </a:uFill>
+              <a:latin typeface="Arial"/>
+            </a:endParaRPr>
+          </a:p>
+          <a:p>
+            <a:pPr marL="432000" indent="-322920">
+              <a:lnSpc>
+                <a:spcPct val="100000"/>
+              </a:lnSpc>
               <a:buClr>
                 <a:srgbClr val="000000"/>
               </a:buClr>
@@ -6279,6 +6135,7 @@
                   </a:solidFill>
                 </a:uFill>
                 <a:latin typeface="Source Sans Pro Semibold"/>
+                <a:ea typeface="DejaVu Sans"/>
               </a:rPr>
               <a:t> </a:t>
             </a:r>
@@ -6293,23 +6150,27 @@
                   </a:solidFill>
                 </a:uFill>
                 <a:latin typeface="Source Sans Pro Semibold"/>
+                <a:ea typeface="DejaVu Sans"/>
               </a:rPr>
               <a:t>Vorstellung zweier Verfahren</a:t>
             </a:r>
-            <a:endParaRPr b="1" lang="de-DE" sz="3200" spc="-1" strike="noStrike">
-              <a:solidFill>
-                <a:srgbClr val="2c3e50"/>
-              </a:solidFill>
-              <a:uFill>
-                <a:solidFill>
-                  <a:srgbClr val="ffffff"/>
-                </a:solidFill>
-              </a:uFill>
-              <a:latin typeface="Source Sans Pro Semibold"/>
-            </a:endParaRPr>
-          </a:p>
-          <a:p>
-            <a:pPr lvl="1" marL="864000" indent="-324000">
+            <a:endParaRPr b="0" lang="de-DE" sz="1800" spc="-1" strike="noStrike">
+              <a:solidFill>
+                <a:srgbClr val="000000"/>
+              </a:solidFill>
+              <a:uFill>
+                <a:solidFill>
+                  <a:srgbClr val="ffffff"/>
+                </a:solidFill>
+              </a:uFill>
+              <a:latin typeface="Arial"/>
+            </a:endParaRPr>
+          </a:p>
+          <a:p>
+            <a:pPr lvl="1" marL="864000" indent="-322920">
+              <a:lnSpc>
+                <a:spcPct val="100000"/>
+              </a:lnSpc>
               <a:buClr>
                 <a:srgbClr val="000000"/>
               </a:buClr>
@@ -6327,23 +6188,27 @@
                   </a:solidFill>
                 </a:uFill>
                 <a:latin typeface="Source Sans Pro"/>
+                <a:ea typeface="DejaVu Sans"/>
               </a:rPr>
               <a:t>Vigenère - Chiffre</a:t>
             </a:r>
-            <a:endParaRPr b="0" lang="de-DE" sz="2800" spc="-1" strike="noStrike">
-              <a:solidFill>
-                <a:srgbClr val="2c3e50"/>
-              </a:solidFill>
-              <a:uFill>
-                <a:solidFill>
-                  <a:srgbClr val="ffffff"/>
-                </a:solidFill>
-              </a:uFill>
-              <a:latin typeface="Source Sans Pro"/>
-            </a:endParaRPr>
-          </a:p>
-          <a:p>
-            <a:pPr lvl="1" marL="864000" indent="-324000">
+            <a:endParaRPr b="0" lang="de-DE" sz="1800" spc="-1" strike="noStrike">
+              <a:solidFill>
+                <a:srgbClr val="000000"/>
+              </a:solidFill>
+              <a:uFill>
+                <a:solidFill>
+                  <a:srgbClr val="ffffff"/>
+                </a:solidFill>
+              </a:uFill>
+              <a:latin typeface="Arial"/>
+            </a:endParaRPr>
+          </a:p>
+          <a:p>
+            <a:pPr lvl="1" marL="864000" indent="-322920">
+              <a:lnSpc>
+                <a:spcPct val="100000"/>
+              </a:lnSpc>
               <a:buClr>
                 <a:srgbClr val="000000"/>
               </a:buClr>
@@ -6361,23 +6226,27 @@
                   </a:solidFill>
                 </a:uFill>
                 <a:latin typeface="Source Sans Pro"/>
+                <a:ea typeface="DejaVu Sans"/>
               </a:rPr>
               <a:t>RSA - Verschlüsselung</a:t>
             </a:r>
-            <a:endParaRPr b="0" lang="de-DE" sz="2800" spc="-1" strike="noStrike">
-              <a:solidFill>
-                <a:srgbClr val="2c3e50"/>
-              </a:solidFill>
-              <a:uFill>
-                <a:solidFill>
-                  <a:srgbClr val="ffffff"/>
-                </a:solidFill>
-              </a:uFill>
-              <a:latin typeface="Source Sans Pro"/>
-            </a:endParaRPr>
-          </a:p>
-          <a:p>
-            <a:pPr marL="432000" indent="-324000">
+            <a:endParaRPr b="0" lang="de-DE" sz="1800" spc="-1" strike="noStrike">
+              <a:solidFill>
+                <a:srgbClr val="000000"/>
+              </a:solidFill>
+              <a:uFill>
+                <a:solidFill>
+                  <a:srgbClr val="ffffff"/>
+                </a:solidFill>
+              </a:uFill>
+              <a:latin typeface="Arial"/>
+            </a:endParaRPr>
+          </a:p>
+          <a:p>
+            <a:pPr marL="432000" indent="-322920">
+              <a:lnSpc>
+                <a:spcPct val="100000"/>
+              </a:lnSpc>
               <a:buClr>
                 <a:srgbClr val="000000"/>
               </a:buClr>
@@ -6395,6 +6264,7 @@
                   </a:solidFill>
                 </a:uFill>
                 <a:latin typeface="Source Sans Pro Semibold"/>
+                <a:ea typeface="DejaVu Sans"/>
               </a:rPr>
               <a:t> </a:t>
             </a:r>
@@ -6409,23 +6279,27 @@
                   </a:solidFill>
                 </a:uFill>
                 <a:latin typeface="Source Sans Pro Semibold"/>
+                <a:ea typeface="DejaVu Sans"/>
               </a:rPr>
               <a:t>Präsentation der Eigenleistung</a:t>
             </a:r>
-            <a:endParaRPr b="1" lang="de-DE" sz="3200" spc="-1" strike="noStrike">
-              <a:solidFill>
-                <a:srgbClr val="2c3e50"/>
-              </a:solidFill>
-              <a:uFill>
-                <a:solidFill>
-                  <a:srgbClr val="ffffff"/>
-                </a:solidFill>
-              </a:uFill>
-              <a:latin typeface="Source Sans Pro Semibold"/>
-            </a:endParaRPr>
-          </a:p>
-          <a:p>
-            <a:pPr marL="432000" indent="-324000">
+            <a:endParaRPr b="0" lang="de-DE" sz="1800" spc="-1" strike="noStrike">
+              <a:solidFill>
+                <a:srgbClr val="000000"/>
+              </a:solidFill>
+              <a:uFill>
+                <a:solidFill>
+                  <a:srgbClr val="ffffff"/>
+                </a:solidFill>
+              </a:uFill>
+              <a:latin typeface="Arial"/>
+            </a:endParaRPr>
+          </a:p>
+          <a:p>
+            <a:pPr marL="432000" indent="-322920">
+              <a:lnSpc>
+                <a:spcPct val="100000"/>
+              </a:lnSpc>
               <a:buClr>
                 <a:srgbClr val="000000"/>
               </a:buClr>
@@ -6443,37 +6317,26 @@
                   </a:solidFill>
                 </a:uFill>
                 <a:latin typeface="Source Sans Pro Semibold"/>
+                <a:ea typeface="DejaVu Sans"/>
               </a:rPr>
               <a:t>Quellen</a:t>
             </a:r>
-            <a:endParaRPr b="1" lang="de-DE" sz="3200" spc="-1" strike="noStrike">
-              <a:solidFill>
-                <a:srgbClr val="2c3e50"/>
-              </a:solidFill>
-              <a:uFill>
-                <a:solidFill>
-                  <a:srgbClr val="ffffff"/>
-                </a:solidFill>
-              </a:uFill>
-              <a:latin typeface="Source Sans Pro Semibold"/>
+            <a:endParaRPr b="0" lang="de-DE" sz="1800" spc="-1" strike="noStrike">
+              <a:solidFill>
+                <a:srgbClr val="000000"/>
+              </a:solidFill>
+              <a:uFill>
+                <a:solidFill>
+                  <a:srgbClr val="ffffff"/>
+                </a:solidFill>
+              </a:uFill>
+              <a:latin typeface="Arial"/>
             </a:endParaRPr>
           </a:p>
         </p:txBody>
       </p:sp>
     </p:spTree>
   </p:cSld>
-  <mc:AlternateContent>
-    <mc:Choice Requires="p14">
-      <p:transition spd="med">
-        <p14:flip dir="l"/>
-      </p:transition>
-    </mc:Choice>
-    <mc:Fallback>
-      <p:transition spd="med">
-        <p:fade/>
-      </p:transition>
-    </mc:Fallback>
-  </mc:AlternateContent>
   <p:timing>
     <p:tnLst>
       <p:par>
@@ -6523,14 +6386,14 @@
       </p:grpSpPr>
       <p:sp>
         <p:nvSpPr>
-          <p:cNvPr id="85" name="TextShape 1"/>
-          <p:cNvSpPr txBox="1"/>
+          <p:cNvPr id="82" name="CustomShape 1"/>
+          <p:cNvSpPr/>
           <p:nvPr/>
         </p:nvSpPr>
         <p:spPr>
           <a:xfrm>
             <a:off x="360000" y="301320"/>
-            <a:ext cx="9360000" cy="958680"/>
+            <a:ext cx="9358920" cy="957600"/>
           </a:xfrm>
           <a:prstGeom prst="rect">
             <a:avLst/>
@@ -6540,6 +6403,12 @@
             <a:noFill/>
           </a:ln>
         </p:spPr>
+        <p:style>
+          <a:lnRef idx="0"/>
+          <a:fillRef idx="0"/>
+          <a:effectRef idx="0"/>
+          <a:fontRef idx="minor"/>
+        </p:style>
         <p:txBody>
           <a:bodyPr lIns="0" rIns="0" tIns="0" bIns="0" anchor="ctr"/>
           <a:p>
@@ -6554,33 +6423,34 @@
                   </a:solidFill>
                 </a:uFill>
                 <a:latin typeface="Source Sans Pro Black"/>
+                <a:ea typeface="DejaVu Sans"/>
               </a:rPr>
               <a:t>1 . Einleitung</a:t>
             </a:r>
-            <a:endParaRPr b="1" lang="de-DE" sz="3600" spc="-1" strike="noStrike">
-              <a:solidFill>
-                <a:srgbClr val="ffffff"/>
-              </a:solidFill>
-              <a:uFill>
-                <a:solidFill>
-                  <a:srgbClr val="ffffff"/>
-                </a:solidFill>
-              </a:uFill>
-              <a:latin typeface="Source Sans Pro Black"/>
-            </a:endParaRPr>
-          </a:p>
-        </p:txBody>
-      </p:sp>
-      <p:sp>
-        <p:nvSpPr>
-          <p:cNvPr id="86" name="TextShape 2"/>
-          <p:cNvSpPr txBox="1"/>
+            <a:endParaRPr b="0" lang="de-DE" sz="1800" spc="-1" strike="noStrike">
+              <a:solidFill>
+                <a:srgbClr val="000000"/>
+              </a:solidFill>
+              <a:uFill>
+                <a:solidFill>
+                  <a:srgbClr val="ffffff"/>
+                </a:solidFill>
+              </a:uFill>
+              <a:latin typeface="Arial"/>
+            </a:endParaRPr>
+          </a:p>
+        </p:txBody>
+      </p:sp>
+      <p:sp>
+        <p:nvSpPr>
+          <p:cNvPr id="83" name="CustomShape 2"/>
+          <p:cNvSpPr/>
           <p:nvPr/>
         </p:nvSpPr>
         <p:spPr>
           <a:xfrm>
             <a:off x="360000" y="1980000"/>
-            <a:ext cx="9360000" cy="5040000"/>
+            <a:ext cx="9358920" cy="5038920"/>
           </a:xfrm>
           <a:prstGeom prst="rect">
             <a:avLst/>
@@ -6590,10 +6460,19 @@
             <a:noFill/>
           </a:ln>
         </p:spPr>
+        <p:style>
+          <a:lnRef idx="0"/>
+          <a:fillRef idx="0"/>
+          <a:effectRef idx="0"/>
+          <a:fontRef idx="minor"/>
+        </p:style>
         <p:txBody>
           <a:bodyPr lIns="0" rIns="0" tIns="0" bIns="0"/>
           <a:p>
-            <a:pPr marL="432000" indent="-324000">
+            <a:pPr marL="432000" indent="-322920">
+              <a:lnSpc>
+                <a:spcPct val="100000"/>
+              </a:lnSpc>
               <a:buClr>
                 <a:srgbClr val="2c3e50"/>
               </a:buClr>
@@ -6612,23 +6491,27 @@
                   </a:solidFill>
                 </a:uFill>
                 <a:latin typeface="Source Sans Pro Semibold"/>
+                <a:ea typeface="DejaVu Sans"/>
               </a:rPr>
               <a:t>Essentielle Errungenschaft der Neuzeit</a:t>
             </a:r>
-            <a:endParaRPr b="1" lang="de-DE" sz="3200" spc="-1" strike="noStrike">
-              <a:solidFill>
-                <a:srgbClr val="2c3e50"/>
-              </a:solidFill>
-              <a:uFill>
-                <a:solidFill>
-                  <a:srgbClr val="ffffff"/>
-                </a:solidFill>
-              </a:uFill>
-              <a:latin typeface="Source Sans Pro Semibold"/>
-            </a:endParaRPr>
-          </a:p>
-          <a:p>
-            <a:pPr marL="432000" indent="-324000">
+            <a:endParaRPr b="0" lang="de-DE" sz="1800" spc="-1" strike="noStrike">
+              <a:solidFill>
+                <a:srgbClr val="000000"/>
+              </a:solidFill>
+              <a:uFill>
+                <a:solidFill>
+                  <a:srgbClr val="ffffff"/>
+                </a:solidFill>
+              </a:uFill>
+              <a:latin typeface="Arial"/>
+            </a:endParaRPr>
+          </a:p>
+          <a:p>
+            <a:pPr marL="432000" indent="-322920">
+              <a:lnSpc>
+                <a:spcPct val="100000"/>
+              </a:lnSpc>
               <a:buClr>
                 <a:srgbClr val="2c3e50"/>
               </a:buClr>
@@ -6647,23 +6530,27 @@
                   </a:solidFill>
                 </a:uFill>
                 <a:latin typeface="Source Sans Pro Semibold"/>
+                <a:ea typeface="DejaVu Sans"/>
               </a:rPr>
               <a:t>Beginn war circa 1900 vor Christus in Ägypten</a:t>
             </a:r>
-            <a:endParaRPr b="1" lang="de-DE" sz="3200" spc="-1" strike="noStrike">
-              <a:solidFill>
-                <a:srgbClr val="2c3e50"/>
-              </a:solidFill>
-              <a:uFill>
-                <a:solidFill>
-                  <a:srgbClr val="ffffff"/>
-                </a:solidFill>
-              </a:uFill>
-              <a:latin typeface="Source Sans Pro Semibold"/>
-            </a:endParaRPr>
-          </a:p>
-          <a:p>
-            <a:pPr marL="432000" indent="-324000">
+            <a:endParaRPr b="0" lang="de-DE" sz="1800" spc="-1" strike="noStrike">
+              <a:solidFill>
+                <a:srgbClr val="000000"/>
+              </a:solidFill>
+              <a:uFill>
+                <a:solidFill>
+                  <a:srgbClr val="ffffff"/>
+                </a:solidFill>
+              </a:uFill>
+              <a:latin typeface="Arial"/>
+            </a:endParaRPr>
+          </a:p>
+          <a:p>
+            <a:pPr marL="432000" indent="-322920">
+              <a:lnSpc>
+                <a:spcPct val="100000"/>
+              </a:lnSpc>
               <a:buClr>
                 <a:srgbClr val="2c3e50"/>
               </a:buClr>
@@ -6682,23 +6569,27 @@
                   </a:solidFill>
                 </a:uFill>
                 <a:latin typeface="Source Sans Pro Semibold"/>
+                <a:ea typeface="DejaVu Sans"/>
               </a:rPr>
               <a:t>Einsatz der ENIGMA im zweiten Weltkrieg</a:t>
             </a:r>
-            <a:endParaRPr b="1" lang="de-DE" sz="3200" spc="-1" strike="noStrike">
-              <a:solidFill>
-                <a:srgbClr val="2c3e50"/>
-              </a:solidFill>
-              <a:uFill>
-                <a:solidFill>
-                  <a:srgbClr val="ffffff"/>
-                </a:solidFill>
-              </a:uFill>
-              <a:latin typeface="Source Sans Pro Semibold"/>
-            </a:endParaRPr>
-          </a:p>
-          <a:p>
-            <a:pPr marL="432000" indent="-324000">
+            <a:endParaRPr b="0" lang="de-DE" sz="1800" spc="-1" strike="noStrike">
+              <a:solidFill>
+                <a:srgbClr val="000000"/>
+              </a:solidFill>
+              <a:uFill>
+                <a:solidFill>
+                  <a:srgbClr val="ffffff"/>
+                </a:solidFill>
+              </a:uFill>
+              <a:latin typeface="Arial"/>
+            </a:endParaRPr>
+          </a:p>
+          <a:p>
+            <a:pPr marL="432000" indent="-322920">
+              <a:lnSpc>
+                <a:spcPct val="100000"/>
+              </a:lnSpc>
               <a:buClr>
                 <a:srgbClr val="2c3e50"/>
               </a:buClr>
@@ -6717,28 +6608,32 @@
                   </a:solidFill>
                 </a:uFill>
                 <a:latin typeface="Source Sans Pro Semibold"/>
+                <a:ea typeface="DejaVu Sans"/>
               </a:rPr>
               <a:t>Einteilung der Verschlüsselung in drei Teile</a:t>
             </a:r>
-            <a:endParaRPr b="1" lang="de-DE" sz="3200" spc="-1" strike="noStrike">
-              <a:solidFill>
-                <a:srgbClr val="2c3e50"/>
-              </a:solidFill>
-              <a:uFill>
-                <a:solidFill>
-                  <a:srgbClr val="ffffff"/>
-                </a:solidFill>
-              </a:uFill>
-              <a:latin typeface="Source Sans Pro Semibold"/>
-            </a:endParaRPr>
-          </a:p>
-          <a:p>
-            <a:pPr lvl="1" marL="864000" indent="-324000">
+            <a:endParaRPr b="0" lang="de-DE" sz="1800" spc="-1" strike="noStrike">
+              <a:solidFill>
+                <a:srgbClr val="000000"/>
+              </a:solidFill>
+              <a:uFill>
+                <a:solidFill>
+                  <a:srgbClr val="ffffff"/>
+                </a:solidFill>
+              </a:uFill>
+              <a:latin typeface="Arial"/>
+            </a:endParaRPr>
+          </a:p>
+          <a:p>
+            <a:pPr lvl="1" marL="864000" indent="-322920">
+              <a:lnSpc>
+                <a:spcPct val="100000"/>
+              </a:lnSpc>
               <a:buClr>
                 <a:srgbClr val="2c3e50"/>
               </a:buClr>
               <a:buSzPct val="75000"/>
-              <a:buFont typeface="Symbol" charset="2"/>
+              <a:buFont typeface="Symbol"/>
               <a:buChar char=""/>
             </a:pPr>
             <a:r>
@@ -6752,28 +6647,32 @@
                   </a:solidFill>
                 </a:uFill>
                 <a:latin typeface="Source Sans Pro"/>
+                <a:ea typeface="DejaVu Sans"/>
               </a:rPr>
               <a:t>Schlüsselerzeugung</a:t>
             </a:r>
-            <a:endParaRPr b="0" lang="de-DE" sz="2800" spc="-1" strike="noStrike">
-              <a:solidFill>
-                <a:srgbClr val="2c3e50"/>
-              </a:solidFill>
-              <a:uFill>
-                <a:solidFill>
-                  <a:srgbClr val="ffffff"/>
-                </a:solidFill>
-              </a:uFill>
-              <a:latin typeface="Source Sans Pro"/>
-            </a:endParaRPr>
-          </a:p>
-          <a:p>
-            <a:pPr lvl="1" marL="864000" indent="-324000">
+            <a:endParaRPr b="0" lang="de-DE" sz="1800" spc="-1" strike="noStrike">
+              <a:solidFill>
+                <a:srgbClr val="000000"/>
+              </a:solidFill>
+              <a:uFill>
+                <a:solidFill>
+                  <a:srgbClr val="ffffff"/>
+                </a:solidFill>
+              </a:uFill>
+              <a:latin typeface="Arial"/>
+            </a:endParaRPr>
+          </a:p>
+          <a:p>
+            <a:pPr lvl="1" marL="864000" indent="-322920">
+              <a:lnSpc>
+                <a:spcPct val="100000"/>
+              </a:lnSpc>
               <a:buClr>
                 <a:srgbClr val="2c3e50"/>
               </a:buClr>
               <a:buSzPct val="75000"/>
-              <a:buFont typeface="Symbol" charset="2"/>
+              <a:buFont typeface="Symbol"/>
               <a:buChar char=""/>
             </a:pPr>
             <a:r>
@@ -6787,28 +6686,32 @@
                   </a:solidFill>
                 </a:uFill>
                 <a:latin typeface="Source Sans Pro"/>
+                <a:ea typeface="DejaVu Sans"/>
               </a:rPr>
               <a:t>Verschlüsselung</a:t>
             </a:r>
-            <a:endParaRPr b="0" lang="de-DE" sz="2800" spc="-1" strike="noStrike">
-              <a:solidFill>
-                <a:srgbClr val="2c3e50"/>
-              </a:solidFill>
-              <a:uFill>
-                <a:solidFill>
-                  <a:srgbClr val="ffffff"/>
-                </a:solidFill>
-              </a:uFill>
-              <a:latin typeface="Source Sans Pro"/>
-            </a:endParaRPr>
-          </a:p>
-          <a:p>
-            <a:pPr lvl="1" marL="864000" indent="-324000">
+            <a:endParaRPr b="0" lang="de-DE" sz="1800" spc="-1" strike="noStrike">
+              <a:solidFill>
+                <a:srgbClr val="000000"/>
+              </a:solidFill>
+              <a:uFill>
+                <a:solidFill>
+                  <a:srgbClr val="ffffff"/>
+                </a:solidFill>
+              </a:uFill>
+              <a:latin typeface="Arial"/>
+            </a:endParaRPr>
+          </a:p>
+          <a:p>
+            <a:pPr lvl="1" marL="864000" indent="-322920">
+              <a:lnSpc>
+                <a:spcPct val="100000"/>
+              </a:lnSpc>
               <a:buClr>
                 <a:srgbClr val="2c3e50"/>
               </a:buClr>
               <a:buSzPct val="75000"/>
-              <a:buFont typeface="Symbol" charset="2"/>
+              <a:buFont typeface="Symbol"/>
               <a:buChar char=""/>
             </a:pPr>
             <a:r>
@@ -6822,37 +6725,26 @@
                   </a:solidFill>
                 </a:uFill>
                 <a:latin typeface="Source Sans Pro"/>
+                <a:ea typeface="DejaVu Sans"/>
               </a:rPr>
               <a:t>Entschlüsselung</a:t>
             </a:r>
-            <a:endParaRPr b="0" lang="de-DE" sz="2800" spc="-1" strike="noStrike">
-              <a:solidFill>
-                <a:srgbClr val="2c3e50"/>
-              </a:solidFill>
-              <a:uFill>
-                <a:solidFill>
-                  <a:srgbClr val="ffffff"/>
-                </a:solidFill>
-              </a:uFill>
-              <a:latin typeface="Source Sans Pro"/>
+            <a:endParaRPr b="0" lang="de-DE" sz="1800" spc="-1" strike="noStrike">
+              <a:solidFill>
+                <a:srgbClr val="000000"/>
+              </a:solidFill>
+              <a:uFill>
+                <a:solidFill>
+                  <a:srgbClr val="ffffff"/>
+                </a:solidFill>
+              </a:uFill>
+              <a:latin typeface="Arial"/>
             </a:endParaRPr>
           </a:p>
         </p:txBody>
       </p:sp>
     </p:spTree>
   </p:cSld>
-  <mc:AlternateContent>
-    <mc:Choice Requires="p14">
-      <p:transition spd="med">
-        <p14:flip dir="l"/>
-      </p:transition>
-    </mc:Choice>
-    <mc:Fallback>
-      <p:transition spd="med">
-        <p:fade/>
-      </p:transition>
-    </mc:Fallback>
-  </mc:AlternateContent>
   <p:timing>
     <p:tnLst>
       <p:par>
@@ -6902,14 +6794,14 @@
       </p:grpSpPr>
       <p:sp>
         <p:nvSpPr>
-          <p:cNvPr id="87" name="TextShape 1"/>
-          <p:cNvSpPr txBox="1"/>
+          <p:cNvPr id="84" name="CustomShape 1"/>
+          <p:cNvSpPr/>
           <p:nvPr/>
         </p:nvSpPr>
         <p:spPr>
           <a:xfrm>
             <a:off x="360000" y="301320"/>
-            <a:ext cx="9360000" cy="958680"/>
+            <a:ext cx="9358920" cy="957600"/>
           </a:xfrm>
           <a:prstGeom prst="rect">
             <a:avLst/>
@@ -6919,6 +6811,12 @@
             <a:noFill/>
           </a:ln>
         </p:spPr>
+        <p:style>
+          <a:lnRef idx="0"/>
+          <a:fillRef idx="0"/>
+          <a:effectRef idx="0"/>
+          <a:fontRef idx="minor"/>
+        </p:style>
         <p:txBody>
           <a:bodyPr lIns="0" rIns="0" tIns="0" bIns="0" anchor="ctr"/>
           <a:p>
@@ -6933,33 +6831,34 @@
                   </a:solidFill>
                 </a:uFill>
                 <a:latin typeface="Source Sans Pro Black"/>
+                <a:ea typeface="DejaVu Sans"/>
               </a:rPr>
               <a:t>2. Arten der Verschlüsselung</a:t>
             </a:r>
-            <a:endParaRPr b="1" lang="de-DE" sz="3600" spc="-1" strike="noStrike">
-              <a:solidFill>
-                <a:srgbClr val="ffffff"/>
-              </a:solidFill>
-              <a:uFill>
-                <a:solidFill>
-                  <a:srgbClr val="ffffff"/>
-                </a:solidFill>
-              </a:uFill>
-              <a:latin typeface="Source Sans Pro Black"/>
-            </a:endParaRPr>
-          </a:p>
-        </p:txBody>
-      </p:sp>
-      <p:sp>
-        <p:nvSpPr>
-          <p:cNvPr id="88" name="TextShape 2"/>
-          <p:cNvSpPr txBox="1"/>
+            <a:endParaRPr b="0" lang="de-DE" sz="1800" spc="-1" strike="noStrike">
+              <a:solidFill>
+                <a:srgbClr val="000000"/>
+              </a:solidFill>
+              <a:uFill>
+                <a:solidFill>
+                  <a:srgbClr val="ffffff"/>
+                </a:solidFill>
+              </a:uFill>
+              <a:latin typeface="Arial"/>
+            </a:endParaRPr>
+          </a:p>
+        </p:txBody>
+      </p:sp>
+      <p:sp>
+        <p:nvSpPr>
+          <p:cNvPr id="85" name="CustomShape 2"/>
+          <p:cNvSpPr/>
           <p:nvPr/>
         </p:nvSpPr>
         <p:spPr>
           <a:xfrm>
             <a:off x="360000" y="1980000"/>
-            <a:ext cx="9360000" cy="5040000"/>
+            <a:ext cx="9358920" cy="5038920"/>
           </a:xfrm>
           <a:prstGeom prst="rect">
             <a:avLst/>
@@ -6969,10 +6868,19 @@
             <a:noFill/>
           </a:ln>
         </p:spPr>
+        <p:style>
+          <a:lnRef idx="0"/>
+          <a:fillRef idx="0"/>
+          <a:effectRef idx="0"/>
+          <a:fontRef idx="minor"/>
+        </p:style>
         <p:txBody>
           <a:bodyPr lIns="0" rIns="0" tIns="0" bIns="0"/>
           <a:p>
-            <a:pPr marL="432000" indent="-324000">
+            <a:pPr marL="432000" indent="-322920">
+              <a:lnSpc>
+                <a:spcPct val="100000"/>
+              </a:lnSpc>
               <a:buClr>
                 <a:srgbClr val="2c3e50"/>
               </a:buClr>
@@ -6991,23 +6899,27 @@
                   </a:solidFill>
                 </a:uFill>
                 <a:latin typeface="Source Sans Pro Semibold"/>
+                <a:ea typeface="DejaVu Sans"/>
               </a:rPr>
               <a:t>2.1. Symmetrische Verschlüsselung</a:t>
             </a:r>
-            <a:endParaRPr b="1" lang="de-DE" sz="3200" spc="-1" strike="noStrike">
-              <a:solidFill>
-                <a:srgbClr val="2c3e50"/>
-              </a:solidFill>
-              <a:uFill>
-                <a:solidFill>
-                  <a:srgbClr val="ffffff"/>
-                </a:solidFill>
-              </a:uFill>
-              <a:latin typeface="Source Sans Pro Semibold"/>
-            </a:endParaRPr>
-          </a:p>
-          <a:p>
-            <a:pPr marL="432000" indent="-324000">
+            <a:endParaRPr b="0" lang="de-DE" sz="1800" spc="-1" strike="noStrike">
+              <a:solidFill>
+                <a:srgbClr val="000000"/>
+              </a:solidFill>
+              <a:uFill>
+                <a:solidFill>
+                  <a:srgbClr val="ffffff"/>
+                </a:solidFill>
+              </a:uFill>
+              <a:latin typeface="Arial"/>
+            </a:endParaRPr>
+          </a:p>
+          <a:p>
+            <a:pPr marL="432000" indent="-322920">
+              <a:lnSpc>
+                <a:spcPct val="100000"/>
+              </a:lnSpc>
               <a:buClr>
                 <a:srgbClr val="2c3e50"/>
               </a:buClr>
@@ -7026,23 +6938,27 @@
                   </a:solidFill>
                 </a:uFill>
                 <a:latin typeface="Source Sans Pro Semibold"/>
+                <a:ea typeface="DejaVu Sans"/>
               </a:rPr>
               <a:t>Beide Teilnehmer haben meistens den selben Schlüssel</a:t>
             </a:r>
-            <a:endParaRPr b="1" lang="de-DE" sz="3200" spc="-1" strike="noStrike">
-              <a:solidFill>
-                <a:srgbClr val="2c3e50"/>
-              </a:solidFill>
-              <a:uFill>
-                <a:solidFill>
-                  <a:srgbClr val="ffffff"/>
-                </a:solidFill>
-              </a:uFill>
-              <a:latin typeface="Source Sans Pro Semibold"/>
-            </a:endParaRPr>
-          </a:p>
-          <a:p>
-            <a:pPr marL="432000" indent="-324000">
+            <a:endParaRPr b="0" lang="de-DE" sz="1800" spc="-1" strike="noStrike">
+              <a:solidFill>
+                <a:srgbClr val="000000"/>
+              </a:solidFill>
+              <a:uFill>
+                <a:solidFill>
+                  <a:srgbClr val="ffffff"/>
+                </a:solidFill>
+              </a:uFill>
+              <a:latin typeface="Arial"/>
+            </a:endParaRPr>
+          </a:p>
+          <a:p>
+            <a:pPr marL="432000" indent="-322920">
+              <a:lnSpc>
+                <a:spcPct val="100000"/>
+              </a:lnSpc>
               <a:buClr>
                 <a:srgbClr val="2c3e50"/>
               </a:buClr>
@@ -7061,23 +6977,27 @@
                   </a:solidFill>
                 </a:uFill>
                 <a:latin typeface="Source Sans Pro Semibold"/>
+                <a:ea typeface="DejaVu Sans"/>
               </a:rPr>
               <a:t>Einteilung in Block- und Stromchiffren</a:t>
             </a:r>
-            <a:endParaRPr b="1" lang="de-DE" sz="3200" spc="-1" strike="noStrike">
-              <a:solidFill>
-                <a:srgbClr val="2c3e50"/>
-              </a:solidFill>
-              <a:uFill>
-                <a:solidFill>
-                  <a:srgbClr val="ffffff"/>
-                </a:solidFill>
-              </a:uFill>
-              <a:latin typeface="Source Sans Pro Semibold"/>
-            </a:endParaRPr>
-          </a:p>
-          <a:p>
-            <a:pPr marL="432000" indent="-324000">
+            <a:endParaRPr b="0" lang="de-DE" sz="1800" spc="-1" strike="noStrike">
+              <a:solidFill>
+                <a:srgbClr val="000000"/>
+              </a:solidFill>
+              <a:uFill>
+                <a:solidFill>
+                  <a:srgbClr val="ffffff"/>
+                </a:solidFill>
+              </a:uFill>
+              <a:latin typeface="Arial"/>
+            </a:endParaRPr>
+          </a:p>
+          <a:p>
+            <a:pPr marL="432000" indent="-322920">
+              <a:lnSpc>
+                <a:spcPct val="100000"/>
+              </a:lnSpc>
               <a:buClr>
                 <a:srgbClr val="2c3e50"/>
               </a:buClr>
@@ -7096,28 +7016,32 @@
                   </a:solidFill>
                 </a:uFill>
                 <a:latin typeface="Source Sans Pro Semibold"/>
+                <a:ea typeface="DejaVu Sans"/>
               </a:rPr>
               <a:t>Nachteil ist der Transport des Schlüssels</a:t>
             </a:r>
-            <a:endParaRPr b="1" lang="de-DE" sz="3200" spc="-1" strike="noStrike">
-              <a:solidFill>
-                <a:srgbClr val="2c3e50"/>
-              </a:solidFill>
-              <a:uFill>
-                <a:solidFill>
-                  <a:srgbClr val="ffffff"/>
-                </a:solidFill>
-              </a:uFill>
-              <a:latin typeface="Source Sans Pro Semibold"/>
-            </a:endParaRPr>
-          </a:p>
-          <a:p>
-            <a:pPr lvl="1" marL="864000" indent="-324000">
+            <a:endParaRPr b="0" lang="de-DE" sz="1800" spc="-1" strike="noStrike">
+              <a:solidFill>
+                <a:srgbClr val="000000"/>
+              </a:solidFill>
+              <a:uFill>
+                <a:solidFill>
+                  <a:srgbClr val="ffffff"/>
+                </a:solidFill>
+              </a:uFill>
+              <a:latin typeface="Arial"/>
+            </a:endParaRPr>
+          </a:p>
+          <a:p>
+            <a:pPr lvl="1" marL="864000" indent="-322920">
+              <a:lnSpc>
+                <a:spcPct val="100000"/>
+              </a:lnSpc>
               <a:buClr>
                 <a:srgbClr val="2c3e50"/>
               </a:buClr>
               <a:buSzPct val="75000"/>
-              <a:buFont typeface="Symbol" charset="2"/>
+              <a:buFont typeface="Symbol"/>
               <a:buChar char=""/>
             </a:pPr>
             <a:r>
@@ -7131,79 +7055,62 @@
                   </a:solidFill>
                 </a:uFill>
                 <a:latin typeface="Source Sans Pro"/>
+                <a:ea typeface="DejaVu Sans"/>
               </a:rPr>
               <a:t>=&gt; Lösung liegt in hybrider Verschlüsselung</a:t>
             </a:r>
-            <a:endParaRPr b="0" lang="de-DE" sz="2800" spc="-1" strike="noStrike">
-              <a:solidFill>
-                <a:srgbClr val="2c3e50"/>
-              </a:solidFill>
-              <a:uFill>
-                <a:solidFill>
-                  <a:srgbClr val="ffffff"/>
-                </a:solidFill>
-              </a:uFill>
-              <a:latin typeface="Source Sans Pro"/>
-            </a:endParaRPr>
-          </a:p>
-          <a:p>
-            <a:pPr lvl="1" marL="864000" indent="-324000">
-              <a:buClr>
-                <a:srgbClr val="2c3e50"/>
-              </a:buClr>
-              <a:buSzPct val="75000"/>
-              <a:buFont typeface="Symbol" charset="2"/>
-              <a:buChar char=""/>
+            <a:endParaRPr b="0" lang="de-DE" sz="1800" spc="-1" strike="noStrike">
+              <a:solidFill>
+                <a:srgbClr val="000000"/>
+              </a:solidFill>
+              <a:uFill>
+                <a:solidFill>
+                  <a:srgbClr val="ffffff"/>
+                </a:solidFill>
+              </a:uFill>
+              <a:latin typeface="Arial"/>
+            </a:endParaRPr>
+          </a:p>
+          <a:p>
+            <a:pPr>
+              <a:lnSpc>
+                <a:spcPct val="100000"/>
+              </a:lnSpc>
             </a:pPr>
-            <a:endParaRPr b="0" lang="de-DE" sz="2800" spc="-1" strike="noStrike">
-              <a:solidFill>
-                <a:srgbClr val="2c3e50"/>
-              </a:solidFill>
-              <a:uFill>
-                <a:solidFill>
-                  <a:srgbClr val="ffffff"/>
-                </a:solidFill>
-              </a:uFill>
-              <a:latin typeface="Source Sans Pro"/>
-            </a:endParaRPr>
-          </a:p>
-          <a:p>
-            <a:pPr marL="432000" indent="-324000">
-              <a:buClr>
-                <a:srgbClr val="2c3e50"/>
-              </a:buClr>
-              <a:buSzPct val="45000"/>
-              <a:buFont typeface="Wingdings" charset="2"/>
-              <a:buChar char=""/>
+            <a:endParaRPr b="0" lang="de-DE" sz="1800" spc="-1" strike="noStrike">
+              <a:solidFill>
+                <a:srgbClr val="000000"/>
+              </a:solidFill>
+              <a:uFill>
+                <a:solidFill>
+                  <a:srgbClr val="ffffff"/>
+                </a:solidFill>
+              </a:uFill>
+              <a:latin typeface="Arial"/>
+            </a:endParaRPr>
+          </a:p>
+          <a:p>
+            <a:pPr>
+              <a:lnSpc>
+                <a:spcPct val="100000"/>
+              </a:lnSpc>
             </a:pPr>
-            <a:endParaRPr b="1" lang="de-DE" sz="3200" spc="-1" strike="noStrike">
-              <a:solidFill>
-                <a:srgbClr val="2c3e50"/>
-              </a:solidFill>
-              <a:uFill>
-                <a:solidFill>
-                  <a:srgbClr val="ffffff"/>
-                </a:solidFill>
-              </a:uFill>
-              <a:latin typeface="Source Sans Pro Semibold"/>
+            <a:endParaRPr b="0" lang="de-DE" sz="1800" spc="-1" strike="noStrike">
+              <a:solidFill>
+                <a:srgbClr val="000000"/>
+              </a:solidFill>
+              <a:uFill>
+                <a:solidFill>
+                  <a:srgbClr val="ffffff"/>
+                </a:solidFill>
+              </a:uFill>
+              <a:latin typeface="Arial"/>
             </a:endParaRPr>
           </a:p>
         </p:txBody>
       </p:sp>
     </p:spTree>
   </p:cSld>
-  <mc:AlternateContent>
-    <mc:Choice Requires="p14">
-      <p:transition spd="med">
-        <p14:flip dir="l"/>
-      </p:transition>
-    </mc:Choice>
-    <mc:Fallback>
-      <p:transition spd="med">
-        <p:fade/>
-      </p:transition>
-    </mc:Fallback>
-  </mc:AlternateContent>
   <p:timing>
     <p:tnLst>
       <p:par>
@@ -7253,14 +7160,14 @@
       </p:grpSpPr>
       <p:sp>
         <p:nvSpPr>
-          <p:cNvPr id="89" name="TextShape 1"/>
-          <p:cNvSpPr txBox="1"/>
+          <p:cNvPr id="86" name="CustomShape 1"/>
+          <p:cNvSpPr/>
           <p:nvPr/>
         </p:nvSpPr>
         <p:spPr>
           <a:xfrm>
             <a:off x="360000" y="301320"/>
-            <a:ext cx="9360000" cy="958680"/>
+            <a:ext cx="9358920" cy="957600"/>
           </a:xfrm>
           <a:prstGeom prst="rect">
             <a:avLst/>
@@ -7270,6 +7177,12 @@
             <a:noFill/>
           </a:ln>
         </p:spPr>
+        <p:style>
+          <a:lnRef idx="0"/>
+          <a:fillRef idx="0"/>
+          <a:effectRef idx="0"/>
+          <a:fontRef idx="minor"/>
+        </p:style>
         <p:txBody>
           <a:bodyPr lIns="0" rIns="0" tIns="0" bIns="0" anchor="ctr"/>
           <a:p>
@@ -7284,33 +7197,34 @@
                   </a:solidFill>
                 </a:uFill>
                 <a:latin typeface="Source Sans Pro Black"/>
+                <a:ea typeface="DejaVu Sans"/>
               </a:rPr>
               <a:t>2. Arten der Verschlüsselung</a:t>
             </a:r>
-            <a:endParaRPr b="1" lang="de-DE" sz="3600" spc="-1" strike="noStrike">
-              <a:solidFill>
-                <a:srgbClr val="ffffff"/>
-              </a:solidFill>
-              <a:uFill>
-                <a:solidFill>
-                  <a:srgbClr val="ffffff"/>
-                </a:solidFill>
-              </a:uFill>
-              <a:latin typeface="Source Sans Pro Black"/>
-            </a:endParaRPr>
-          </a:p>
-        </p:txBody>
-      </p:sp>
-      <p:sp>
-        <p:nvSpPr>
-          <p:cNvPr id="90" name="TextShape 2"/>
-          <p:cNvSpPr txBox="1"/>
+            <a:endParaRPr b="0" lang="de-DE" sz="1800" spc="-1" strike="noStrike">
+              <a:solidFill>
+                <a:srgbClr val="000000"/>
+              </a:solidFill>
+              <a:uFill>
+                <a:solidFill>
+                  <a:srgbClr val="ffffff"/>
+                </a:solidFill>
+              </a:uFill>
+              <a:latin typeface="Arial"/>
+            </a:endParaRPr>
+          </a:p>
+        </p:txBody>
+      </p:sp>
+      <p:sp>
+        <p:nvSpPr>
+          <p:cNvPr id="87" name="CustomShape 2"/>
+          <p:cNvSpPr/>
           <p:nvPr/>
         </p:nvSpPr>
         <p:spPr>
           <a:xfrm>
             <a:off x="360000" y="1980000"/>
-            <a:ext cx="9360000" cy="5040000"/>
+            <a:ext cx="9358920" cy="5038920"/>
           </a:xfrm>
           <a:prstGeom prst="rect">
             <a:avLst/>
@@ -7320,10 +7234,19 @@
             <a:noFill/>
           </a:ln>
         </p:spPr>
+        <p:style>
+          <a:lnRef idx="0"/>
+          <a:fillRef idx="0"/>
+          <a:effectRef idx="0"/>
+          <a:fontRef idx="minor"/>
+        </p:style>
         <p:txBody>
           <a:bodyPr lIns="0" rIns="0" tIns="0" bIns="0"/>
           <a:p>
-            <a:pPr marL="432000" indent="-324000">
+            <a:pPr marL="432000" indent="-322920">
+              <a:lnSpc>
+                <a:spcPct val="100000"/>
+              </a:lnSpc>
               <a:buClr>
                 <a:srgbClr val="2c3e50"/>
               </a:buClr>
@@ -7342,23 +7265,27 @@
                   </a:solidFill>
                 </a:uFill>
                 <a:latin typeface="Source Sans Pro Semibold"/>
+                <a:ea typeface="DejaVu Sans"/>
               </a:rPr>
               <a:t>2.2 Asymmetrische Verschlüsselung</a:t>
             </a:r>
-            <a:endParaRPr b="1" lang="de-DE" sz="3200" spc="-1" strike="noStrike">
-              <a:solidFill>
-                <a:srgbClr val="2c3e50"/>
-              </a:solidFill>
-              <a:uFill>
-                <a:solidFill>
-                  <a:srgbClr val="ffffff"/>
-                </a:solidFill>
-              </a:uFill>
-              <a:latin typeface="Source Sans Pro Semibold"/>
-            </a:endParaRPr>
-          </a:p>
-          <a:p>
-            <a:pPr marL="432000" indent="-324000">
+            <a:endParaRPr b="0" lang="de-DE" sz="1800" spc="-1" strike="noStrike">
+              <a:solidFill>
+                <a:srgbClr val="000000"/>
+              </a:solidFill>
+              <a:uFill>
+                <a:solidFill>
+                  <a:srgbClr val="ffffff"/>
+                </a:solidFill>
+              </a:uFill>
+              <a:latin typeface="Arial"/>
+            </a:endParaRPr>
+          </a:p>
+          <a:p>
+            <a:pPr marL="432000" indent="-322920">
+              <a:lnSpc>
+                <a:spcPct val="100000"/>
+              </a:lnSpc>
               <a:buClr>
                 <a:srgbClr val="2c3e50"/>
               </a:buClr>
@@ -7377,23 +7304,27 @@
                   </a:solidFill>
                 </a:uFill>
                 <a:latin typeface="Source Sans Pro Semibold"/>
+                <a:ea typeface="DejaVu Sans"/>
               </a:rPr>
               <a:t>Jeder Teilnehmer hat einen anderen Schlüssel</a:t>
             </a:r>
-            <a:endParaRPr b="1" lang="de-DE" sz="3200" spc="-1" strike="noStrike">
-              <a:solidFill>
-                <a:srgbClr val="2c3e50"/>
-              </a:solidFill>
-              <a:uFill>
-                <a:solidFill>
-                  <a:srgbClr val="ffffff"/>
-                </a:solidFill>
-              </a:uFill>
-              <a:latin typeface="Source Sans Pro Semibold"/>
-            </a:endParaRPr>
-          </a:p>
-          <a:p>
-            <a:pPr marL="432000" indent="-324000">
+            <a:endParaRPr b="0" lang="de-DE" sz="1800" spc="-1" strike="noStrike">
+              <a:solidFill>
+                <a:srgbClr val="000000"/>
+              </a:solidFill>
+              <a:uFill>
+                <a:solidFill>
+                  <a:srgbClr val="ffffff"/>
+                </a:solidFill>
+              </a:uFill>
+              <a:latin typeface="Arial"/>
+            </a:endParaRPr>
+          </a:p>
+          <a:p>
+            <a:pPr marL="432000" indent="-322920">
+              <a:lnSpc>
+                <a:spcPct val="100000"/>
+              </a:lnSpc>
               <a:buClr>
                 <a:srgbClr val="2c3e50"/>
               </a:buClr>
@@ -7412,23 +7343,27 @@
                   </a:solidFill>
                 </a:uFill>
                 <a:latin typeface="Source Sans Pro Semibold"/>
+                <a:ea typeface="DejaVu Sans"/>
               </a:rPr>
               <a:t>Öffentlicher Schlüssel : Klartext → Geheimtext</a:t>
             </a:r>
-            <a:endParaRPr b="1" lang="de-DE" sz="3200" spc="-1" strike="noStrike">
-              <a:solidFill>
-                <a:srgbClr val="2c3e50"/>
-              </a:solidFill>
-              <a:uFill>
-                <a:solidFill>
-                  <a:srgbClr val="ffffff"/>
-                </a:solidFill>
-              </a:uFill>
-              <a:latin typeface="Source Sans Pro Semibold"/>
-            </a:endParaRPr>
-          </a:p>
-          <a:p>
-            <a:pPr marL="432000" indent="-324000">
+            <a:endParaRPr b="0" lang="de-DE" sz="1800" spc="-1" strike="noStrike">
+              <a:solidFill>
+                <a:srgbClr val="000000"/>
+              </a:solidFill>
+              <a:uFill>
+                <a:solidFill>
+                  <a:srgbClr val="ffffff"/>
+                </a:solidFill>
+              </a:uFill>
+              <a:latin typeface="Arial"/>
+            </a:endParaRPr>
+          </a:p>
+          <a:p>
+            <a:pPr marL="432000" indent="-322920">
+              <a:lnSpc>
+                <a:spcPct val="100000"/>
+              </a:lnSpc>
               <a:buClr>
                 <a:srgbClr val="2c3e50"/>
               </a:buClr>
@@ -7447,23 +7382,27 @@
                   </a:solidFill>
                 </a:uFill>
                 <a:latin typeface="Source Sans Pro Semibold"/>
+                <a:ea typeface="DejaVu Sans"/>
               </a:rPr>
               <a:t>Privater Schlüssel : Geheimtext → Klartext</a:t>
             </a:r>
-            <a:endParaRPr b="1" lang="de-DE" sz="3200" spc="-1" strike="noStrike">
-              <a:solidFill>
-                <a:srgbClr val="2c3e50"/>
-              </a:solidFill>
-              <a:uFill>
-                <a:solidFill>
-                  <a:srgbClr val="ffffff"/>
-                </a:solidFill>
-              </a:uFill>
-              <a:latin typeface="Source Sans Pro Semibold"/>
-            </a:endParaRPr>
-          </a:p>
-          <a:p>
-            <a:pPr marL="432000" indent="-324000">
+            <a:endParaRPr b="0" lang="de-DE" sz="1800" spc="-1" strike="noStrike">
+              <a:solidFill>
+                <a:srgbClr val="000000"/>
+              </a:solidFill>
+              <a:uFill>
+                <a:solidFill>
+                  <a:srgbClr val="ffffff"/>
+                </a:solidFill>
+              </a:uFill>
+              <a:latin typeface="Arial"/>
+            </a:endParaRPr>
+          </a:p>
+          <a:p>
+            <a:pPr marL="432000" indent="-322920">
+              <a:lnSpc>
+                <a:spcPct val="100000"/>
+              </a:lnSpc>
               <a:buClr>
                 <a:srgbClr val="2c3e50"/>
               </a:buClr>
@@ -7482,28 +7421,32 @@
                   </a:solidFill>
                 </a:uFill>
                 <a:latin typeface="Source Sans Pro Semibold"/>
+                <a:ea typeface="DejaVu Sans"/>
               </a:rPr>
               <a:t>Mindestens drei Algorithmen</a:t>
             </a:r>
-            <a:endParaRPr b="1" lang="de-DE" sz="3200" spc="-1" strike="noStrike">
-              <a:solidFill>
-                <a:srgbClr val="2c3e50"/>
-              </a:solidFill>
-              <a:uFill>
-                <a:solidFill>
-                  <a:srgbClr val="ffffff"/>
-                </a:solidFill>
-              </a:uFill>
-              <a:latin typeface="Source Sans Pro Semibold"/>
-            </a:endParaRPr>
-          </a:p>
-          <a:p>
-            <a:pPr lvl="1" marL="864000" indent="-324000">
+            <a:endParaRPr b="0" lang="de-DE" sz="1800" spc="-1" strike="noStrike">
+              <a:solidFill>
+                <a:srgbClr val="000000"/>
+              </a:solidFill>
+              <a:uFill>
+                <a:solidFill>
+                  <a:srgbClr val="ffffff"/>
+                </a:solidFill>
+              </a:uFill>
+              <a:latin typeface="Arial"/>
+            </a:endParaRPr>
+          </a:p>
+          <a:p>
+            <a:pPr lvl="1" marL="864000" indent="-322920">
+              <a:lnSpc>
+                <a:spcPct val="100000"/>
+              </a:lnSpc>
               <a:buClr>
                 <a:srgbClr val="2c3e50"/>
               </a:buClr>
               <a:buSzPct val="75000"/>
-              <a:buFont typeface="Symbol" charset="2"/>
+              <a:buFont typeface="Symbol"/>
               <a:buChar char=""/>
             </a:pPr>
             <a:r>
@@ -7517,28 +7460,32 @@
                   </a:solidFill>
                 </a:uFill>
                 <a:latin typeface="Source Sans Pro"/>
+                <a:ea typeface="DejaVu Sans"/>
               </a:rPr>
               <a:t>Schlüsselerzeugung</a:t>
             </a:r>
-            <a:endParaRPr b="0" lang="de-DE" sz="2800" spc="-1" strike="noStrike">
-              <a:solidFill>
-                <a:srgbClr val="2c3e50"/>
-              </a:solidFill>
-              <a:uFill>
-                <a:solidFill>
-                  <a:srgbClr val="ffffff"/>
-                </a:solidFill>
-              </a:uFill>
-              <a:latin typeface="Source Sans Pro"/>
-            </a:endParaRPr>
-          </a:p>
-          <a:p>
-            <a:pPr lvl="1" marL="864000" indent="-324000">
+            <a:endParaRPr b="0" lang="de-DE" sz="1800" spc="-1" strike="noStrike">
+              <a:solidFill>
+                <a:srgbClr val="000000"/>
+              </a:solidFill>
+              <a:uFill>
+                <a:solidFill>
+                  <a:srgbClr val="ffffff"/>
+                </a:solidFill>
+              </a:uFill>
+              <a:latin typeface="Arial"/>
+            </a:endParaRPr>
+          </a:p>
+          <a:p>
+            <a:pPr lvl="1" marL="864000" indent="-322920">
+              <a:lnSpc>
+                <a:spcPct val="100000"/>
+              </a:lnSpc>
               <a:buClr>
                 <a:srgbClr val="2c3e50"/>
               </a:buClr>
               <a:buSzPct val="75000"/>
-              <a:buFont typeface="Symbol" charset="2"/>
+              <a:buFont typeface="Symbol"/>
               <a:buChar char=""/>
             </a:pPr>
             <a:r>
@@ -7552,28 +7499,32 @@
                   </a:solidFill>
                 </a:uFill>
                 <a:latin typeface="Source Sans Pro"/>
+                <a:ea typeface="DejaVu Sans"/>
               </a:rPr>
               <a:t>Verschlüsselung</a:t>
             </a:r>
-            <a:endParaRPr b="0" lang="de-DE" sz="2800" spc="-1" strike="noStrike">
-              <a:solidFill>
-                <a:srgbClr val="2c3e50"/>
-              </a:solidFill>
-              <a:uFill>
-                <a:solidFill>
-                  <a:srgbClr val="ffffff"/>
-                </a:solidFill>
-              </a:uFill>
-              <a:latin typeface="Source Sans Pro"/>
-            </a:endParaRPr>
-          </a:p>
-          <a:p>
-            <a:pPr lvl="1" marL="864000" indent="-324000">
+            <a:endParaRPr b="0" lang="de-DE" sz="1800" spc="-1" strike="noStrike">
+              <a:solidFill>
+                <a:srgbClr val="000000"/>
+              </a:solidFill>
+              <a:uFill>
+                <a:solidFill>
+                  <a:srgbClr val="ffffff"/>
+                </a:solidFill>
+              </a:uFill>
+              <a:latin typeface="Arial"/>
+            </a:endParaRPr>
+          </a:p>
+          <a:p>
+            <a:pPr lvl="1" marL="864000" indent="-322920">
+              <a:lnSpc>
+                <a:spcPct val="100000"/>
+              </a:lnSpc>
               <a:buClr>
                 <a:srgbClr val="2c3e50"/>
               </a:buClr>
               <a:buSzPct val="75000"/>
-              <a:buFont typeface="Symbol" charset="2"/>
+              <a:buFont typeface="Symbol"/>
               <a:buChar char=""/>
             </a:pPr>
             <a:r>
@@ -7587,37 +7538,26 @@
                   </a:solidFill>
                 </a:uFill>
                 <a:latin typeface="Source Sans Pro"/>
+                <a:ea typeface="DejaVu Sans"/>
               </a:rPr>
               <a:t>Entschlüsselung</a:t>
             </a:r>
-            <a:endParaRPr b="0" lang="de-DE" sz="2800" spc="-1" strike="noStrike">
-              <a:solidFill>
-                <a:srgbClr val="2c3e50"/>
-              </a:solidFill>
-              <a:uFill>
-                <a:solidFill>
-                  <a:srgbClr val="ffffff"/>
-                </a:solidFill>
-              </a:uFill>
-              <a:latin typeface="Source Sans Pro"/>
+            <a:endParaRPr b="0" lang="de-DE" sz="1800" spc="-1" strike="noStrike">
+              <a:solidFill>
+                <a:srgbClr val="000000"/>
+              </a:solidFill>
+              <a:uFill>
+                <a:solidFill>
+                  <a:srgbClr val="ffffff"/>
+                </a:solidFill>
+              </a:uFill>
+              <a:latin typeface="Arial"/>
             </a:endParaRPr>
           </a:p>
         </p:txBody>
       </p:sp>
     </p:spTree>
   </p:cSld>
-  <mc:AlternateContent>
-    <mc:Choice Requires="p14">
-      <p:transition spd="med">
-        <p14:flip dir="l"/>
-      </p:transition>
-    </mc:Choice>
-    <mc:Fallback>
-      <p:transition spd="med">
-        <p:fade/>
-      </p:transition>
-    </mc:Fallback>
-  </mc:AlternateContent>
   <p:timing>
     <p:tnLst>
       <p:par>
@@ -7667,14 +7607,14 @@
       </p:grpSpPr>
       <p:sp>
         <p:nvSpPr>
-          <p:cNvPr id="91" name="TextShape 1"/>
-          <p:cNvSpPr txBox="1"/>
+          <p:cNvPr id="88" name="CustomShape 1"/>
+          <p:cNvSpPr/>
           <p:nvPr/>
         </p:nvSpPr>
         <p:spPr>
           <a:xfrm>
             <a:off x="360000" y="301320"/>
-            <a:ext cx="9360000" cy="958680"/>
+            <a:ext cx="9358920" cy="957600"/>
           </a:xfrm>
           <a:prstGeom prst="rect">
             <a:avLst/>
@@ -7684,6 +7624,12 @@
             <a:noFill/>
           </a:ln>
         </p:spPr>
+        <p:style>
+          <a:lnRef idx="0"/>
+          <a:fillRef idx="0"/>
+          <a:effectRef idx="0"/>
+          <a:fontRef idx="minor"/>
+        </p:style>
         <p:txBody>
           <a:bodyPr lIns="0" rIns="0" tIns="0" bIns="0" anchor="ctr"/>
           <a:p>
@@ -7698,33 +7644,34 @@
                   </a:solidFill>
                 </a:uFill>
                 <a:latin typeface="Source Sans Pro Black"/>
+                <a:ea typeface="DejaVu Sans"/>
               </a:rPr>
               <a:t>2. Arten der Verschlüsselung</a:t>
             </a:r>
-            <a:endParaRPr b="1" lang="de-DE" sz="3600" spc="-1" strike="noStrike">
-              <a:solidFill>
-                <a:srgbClr val="ffffff"/>
-              </a:solidFill>
-              <a:uFill>
-                <a:solidFill>
-                  <a:srgbClr val="ffffff"/>
-                </a:solidFill>
-              </a:uFill>
-              <a:latin typeface="Source Sans Pro Black"/>
-            </a:endParaRPr>
-          </a:p>
-        </p:txBody>
-      </p:sp>
-      <p:sp>
-        <p:nvSpPr>
-          <p:cNvPr id="92" name="TextShape 2"/>
-          <p:cNvSpPr txBox="1"/>
+            <a:endParaRPr b="0" lang="de-DE" sz="1800" spc="-1" strike="noStrike">
+              <a:solidFill>
+                <a:srgbClr val="000000"/>
+              </a:solidFill>
+              <a:uFill>
+                <a:solidFill>
+                  <a:srgbClr val="ffffff"/>
+                </a:solidFill>
+              </a:uFill>
+              <a:latin typeface="Arial"/>
+            </a:endParaRPr>
+          </a:p>
+        </p:txBody>
+      </p:sp>
+      <p:sp>
+        <p:nvSpPr>
+          <p:cNvPr id="89" name="CustomShape 2"/>
+          <p:cNvSpPr/>
           <p:nvPr/>
         </p:nvSpPr>
         <p:spPr>
           <a:xfrm>
             <a:off x="360000" y="1980000"/>
-            <a:ext cx="9360000" cy="5040000"/>
+            <a:ext cx="9358920" cy="5038920"/>
           </a:xfrm>
           <a:prstGeom prst="rect">
             <a:avLst/>
@@ -7734,10 +7681,19 @@
             <a:noFill/>
           </a:ln>
         </p:spPr>
+        <p:style>
+          <a:lnRef idx="0"/>
+          <a:fillRef idx="0"/>
+          <a:effectRef idx="0"/>
+          <a:fontRef idx="minor"/>
+        </p:style>
         <p:txBody>
           <a:bodyPr lIns="0" rIns="0" tIns="0" bIns="0"/>
           <a:p>
-            <a:pPr marL="432000" indent="-324000">
+            <a:pPr marL="432000" indent="-322920">
+              <a:lnSpc>
+                <a:spcPct val="100000"/>
+              </a:lnSpc>
               <a:buClr>
                 <a:srgbClr val="2c3e50"/>
               </a:buClr>
@@ -7756,23 +7712,27 @@
                   </a:solidFill>
                 </a:uFill>
                 <a:latin typeface="Source Sans Pro Semibold"/>
+                <a:ea typeface="DejaVu Sans"/>
               </a:rPr>
               <a:t>2.3 Hybride Verschlüsselung</a:t>
             </a:r>
-            <a:endParaRPr b="1" lang="de-DE" sz="3200" spc="-1" strike="noStrike">
-              <a:solidFill>
-                <a:srgbClr val="2c3e50"/>
-              </a:solidFill>
-              <a:uFill>
-                <a:solidFill>
-                  <a:srgbClr val="ffffff"/>
-                </a:solidFill>
-              </a:uFill>
-              <a:latin typeface="Source Sans Pro Semibold"/>
-            </a:endParaRPr>
-          </a:p>
-          <a:p>
-            <a:pPr marL="432000" indent="-324000">
+            <a:endParaRPr b="0" lang="de-DE" sz="1800" spc="-1" strike="noStrike">
+              <a:solidFill>
+                <a:srgbClr val="000000"/>
+              </a:solidFill>
+              <a:uFill>
+                <a:solidFill>
+                  <a:srgbClr val="ffffff"/>
+                </a:solidFill>
+              </a:uFill>
+              <a:latin typeface="Arial"/>
+            </a:endParaRPr>
+          </a:p>
+          <a:p>
+            <a:pPr marL="432000" indent="-322920">
+              <a:lnSpc>
+                <a:spcPct val="100000"/>
+              </a:lnSpc>
               <a:buClr>
                 <a:srgbClr val="2c3e50"/>
               </a:buClr>
@@ -7791,23 +7751,27 @@
                   </a:solidFill>
                 </a:uFill>
                 <a:latin typeface="Source Sans Pro Semibold"/>
+                <a:ea typeface="DejaVu Sans"/>
               </a:rPr>
               <a:t>Kombination aus symmetrischer und asymmetrischer Verschlüsselung</a:t>
             </a:r>
-            <a:endParaRPr b="1" lang="de-DE" sz="3200" spc="-1" strike="noStrike">
-              <a:solidFill>
-                <a:srgbClr val="2c3e50"/>
-              </a:solidFill>
-              <a:uFill>
-                <a:solidFill>
-                  <a:srgbClr val="ffffff"/>
-                </a:solidFill>
-              </a:uFill>
-              <a:latin typeface="Source Sans Pro Semibold"/>
-            </a:endParaRPr>
-          </a:p>
-          <a:p>
-            <a:pPr marL="432000" indent="-324000">
+            <a:endParaRPr b="0" lang="de-DE" sz="1800" spc="-1" strike="noStrike">
+              <a:solidFill>
+                <a:srgbClr val="000000"/>
+              </a:solidFill>
+              <a:uFill>
+                <a:solidFill>
+                  <a:srgbClr val="ffffff"/>
+                </a:solidFill>
+              </a:uFill>
+              <a:latin typeface="Arial"/>
+            </a:endParaRPr>
+          </a:p>
+          <a:p>
+            <a:pPr marL="432000" indent="-322920">
+              <a:lnSpc>
+                <a:spcPct val="100000"/>
+              </a:lnSpc>
               <a:buClr>
                 <a:srgbClr val="2c3e50"/>
               </a:buClr>
@@ -7826,23 +7790,27 @@
                   </a:solidFill>
                 </a:uFill>
                 <a:latin typeface="Source Sans Pro Semibold"/>
+                <a:ea typeface="DejaVu Sans"/>
               </a:rPr>
               <a:t>Klartext wird symmetrisch verschlüsselt</a:t>
             </a:r>
-            <a:endParaRPr b="1" lang="de-DE" sz="3200" spc="-1" strike="noStrike">
-              <a:solidFill>
-                <a:srgbClr val="2c3e50"/>
-              </a:solidFill>
-              <a:uFill>
-                <a:solidFill>
-                  <a:srgbClr val="ffffff"/>
-                </a:solidFill>
-              </a:uFill>
-              <a:latin typeface="Source Sans Pro Semibold"/>
-            </a:endParaRPr>
-          </a:p>
-          <a:p>
-            <a:pPr marL="432000" indent="-324000">
+            <a:endParaRPr b="0" lang="de-DE" sz="1800" spc="-1" strike="noStrike">
+              <a:solidFill>
+                <a:srgbClr val="000000"/>
+              </a:solidFill>
+              <a:uFill>
+                <a:solidFill>
+                  <a:srgbClr val="ffffff"/>
+                </a:solidFill>
+              </a:uFill>
+              <a:latin typeface="Arial"/>
+            </a:endParaRPr>
+          </a:p>
+          <a:p>
+            <a:pPr marL="432000" indent="-322920">
+              <a:lnSpc>
+                <a:spcPct val="100000"/>
+              </a:lnSpc>
               <a:buClr>
                 <a:srgbClr val="2c3e50"/>
               </a:buClr>
@@ -7861,37 +7829,26 @@
                   </a:solidFill>
                 </a:uFill>
                 <a:latin typeface="Source Sans Pro Semibold"/>
+                <a:ea typeface="DejaVu Sans"/>
               </a:rPr>
               <a:t>Schlüssel wird asymmetrisch verschlüsselt</a:t>
             </a:r>
-            <a:endParaRPr b="1" lang="de-DE" sz="3200" spc="-1" strike="noStrike">
-              <a:solidFill>
-                <a:srgbClr val="2c3e50"/>
-              </a:solidFill>
-              <a:uFill>
-                <a:solidFill>
-                  <a:srgbClr val="ffffff"/>
-                </a:solidFill>
-              </a:uFill>
-              <a:latin typeface="Source Sans Pro Semibold"/>
+            <a:endParaRPr b="0" lang="de-DE" sz="1800" spc="-1" strike="noStrike">
+              <a:solidFill>
+                <a:srgbClr val="000000"/>
+              </a:solidFill>
+              <a:uFill>
+                <a:solidFill>
+                  <a:srgbClr val="ffffff"/>
+                </a:solidFill>
+              </a:uFill>
+              <a:latin typeface="Arial"/>
             </a:endParaRPr>
           </a:p>
         </p:txBody>
       </p:sp>
     </p:spTree>
   </p:cSld>
-  <mc:AlternateContent>
-    <mc:Choice Requires="p14">
-      <p:transition spd="med">
-        <p14:flip dir="l"/>
-      </p:transition>
-    </mc:Choice>
-    <mc:Fallback>
-      <p:transition spd="med">
-        <p:fade/>
-      </p:transition>
-    </mc:Fallback>
-  </mc:AlternateContent>
   <p:timing>
     <p:tnLst>
       <p:par>
@@ -7941,14 +7898,14 @@
       </p:grpSpPr>
       <p:sp>
         <p:nvSpPr>
-          <p:cNvPr id="93" name="TextShape 1"/>
-          <p:cNvSpPr txBox="1"/>
+          <p:cNvPr id="90" name="CustomShape 1"/>
+          <p:cNvSpPr/>
           <p:nvPr/>
         </p:nvSpPr>
         <p:spPr>
           <a:xfrm>
             <a:off x="360000" y="301320"/>
-            <a:ext cx="9360000" cy="958680"/>
+            <a:ext cx="9358920" cy="957600"/>
           </a:xfrm>
           <a:prstGeom prst="rect">
             <a:avLst/>
@@ -7958,26 +7915,16 @@
             <a:noFill/>
           </a:ln>
         </p:spPr>
-        <p:txBody>
-          <a:bodyPr lIns="0" rIns="0" tIns="0" bIns="0" anchor="ctr"/>
-          <a:p>
-            <a:endParaRPr b="1" lang="de-DE" sz="3600" spc="-1" strike="noStrike">
-              <a:solidFill>
-                <a:srgbClr val="ffffff"/>
-              </a:solidFill>
-              <a:uFill>
-                <a:solidFill>
-                  <a:srgbClr val="ffffff"/>
-                </a:solidFill>
-              </a:uFill>
-              <a:latin typeface="Source Sans Pro Black"/>
-            </a:endParaRPr>
-          </a:p>
-        </p:txBody>
+        <p:style>
+          <a:lnRef idx="0"/>
+          <a:fillRef idx="0"/>
+          <a:effectRef idx="0"/>
+          <a:fontRef idx="minor"/>
+        </p:style>
       </p:sp>
       <p:pic>
         <p:nvPicPr>
-          <p:cNvPr id="94" name="" descr=""/>
+          <p:cNvPr id="91" name="" descr=""/>
           <p:cNvPicPr/>
           <p:nvPr/>
         </p:nvPicPr>
@@ -7988,7 +7935,7 @@
         <p:spPr>
           <a:xfrm>
             <a:off x="1321560" y="1980000"/>
-            <a:ext cx="7436520" cy="5040000"/>
+            <a:ext cx="7435440" cy="5038920"/>
           </a:xfrm>
           <a:prstGeom prst="rect">
             <a:avLst/>
@@ -8000,18 +7947,6 @@
       </p:pic>
     </p:spTree>
   </p:cSld>
-  <mc:AlternateContent>
-    <mc:Choice Requires="p14">
-      <p:transition spd="med">
-        <p14:flip dir="l"/>
-      </p:transition>
-    </mc:Choice>
-    <mc:Fallback>
-      <p:transition spd="med">
-        <p:fade/>
-      </p:transition>
-    </mc:Fallback>
-  </mc:AlternateContent>
   <p:timing>
     <p:tnLst>
       <p:par>
@@ -8061,14 +7996,14 @@
       </p:grpSpPr>
       <p:sp>
         <p:nvSpPr>
-          <p:cNvPr id="95" name="TextShape 1"/>
-          <p:cNvSpPr txBox="1"/>
+          <p:cNvPr id="92" name="CustomShape 1"/>
+          <p:cNvSpPr/>
           <p:nvPr/>
         </p:nvSpPr>
         <p:spPr>
           <a:xfrm>
             <a:off x="360000" y="301320"/>
-            <a:ext cx="9360000" cy="958680"/>
+            <a:ext cx="9358920" cy="957600"/>
           </a:xfrm>
           <a:prstGeom prst="rect">
             <a:avLst/>
@@ -8078,6 +8013,12 @@
             <a:noFill/>
           </a:ln>
         </p:spPr>
+        <p:style>
+          <a:lnRef idx="0"/>
+          <a:fillRef idx="0"/>
+          <a:effectRef idx="0"/>
+          <a:fontRef idx="minor"/>
+        </p:style>
         <p:txBody>
           <a:bodyPr lIns="0" rIns="0" tIns="0" bIns="0" anchor="ctr"/>
           <a:p>
@@ -8092,33 +8033,34 @@
                   </a:solidFill>
                 </a:uFill>
                 <a:latin typeface="Source Sans Pro Black"/>
+                <a:ea typeface="DejaVu Sans"/>
               </a:rPr>
               <a:t>3. Vorstellung zweier Verfahren</a:t>
             </a:r>
-            <a:endParaRPr b="1" lang="de-DE" sz="3600" spc="-1" strike="noStrike">
-              <a:solidFill>
-                <a:srgbClr val="ffffff"/>
-              </a:solidFill>
-              <a:uFill>
-                <a:solidFill>
-                  <a:srgbClr val="ffffff"/>
-                </a:solidFill>
-              </a:uFill>
-              <a:latin typeface="Source Sans Pro Black"/>
-            </a:endParaRPr>
-          </a:p>
-        </p:txBody>
-      </p:sp>
-      <p:sp>
-        <p:nvSpPr>
-          <p:cNvPr id="96" name="TextShape 2"/>
-          <p:cNvSpPr txBox="1"/>
+            <a:endParaRPr b="0" lang="de-DE" sz="1800" spc="-1" strike="noStrike">
+              <a:solidFill>
+                <a:srgbClr val="000000"/>
+              </a:solidFill>
+              <a:uFill>
+                <a:solidFill>
+                  <a:srgbClr val="ffffff"/>
+                </a:solidFill>
+              </a:uFill>
+              <a:latin typeface="Arial"/>
+            </a:endParaRPr>
+          </a:p>
+        </p:txBody>
+      </p:sp>
+      <p:sp>
+        <p:nvSpPr>
+          <p:cNvPr id="93" name="CustomShape 2"/>
+          <p:cNvSpPr/>
           <p:nvPr/>
         </p:nvSpPr>
         <p:spPr>
           <a:xfrm>
             <a:off x="360000" y="1980000"/>
-            <a:ext cx="9360000" cy="5040000"/>
+            <a:ext cx="9358920" cy="5038920"/>
           </a:xfrm>
           <a:prstGeom prst="rect">
             <a:avLst/>
@@ -8128,10 +8070,19 @@
             <a:noFill/>
           </a:ln>
         </p:spPr>
+        <p:style>
+          <a:lnRef idx="0"/>
+          <a:fillRef idx="0"/>
+          <a:effectRef idx="0"/>
+          <a:fontRef idx="minor"/>
+        </p:style>
         <p:txBody>
           <a:bodyPr lIns="0" rIns="0" tIns="0" bIns="0"/>
           <a:p>
-            <a:pPr marL="432000" indent="-324000">
+            <a:pPr marL="432000" indent="-322920">
+              <a:lnSpc>
+                <a:spcPct val="100000"/>
+              </a:lnSpc>
               <a:buClr>
                 <a:srgbClr val="2c3e50"/>
               </a:buClr>
@@ -8150,23 +8101,27 @@
                   </a:solidFill>
                 </a:uFill>
                 <a:latin typeface="Source Sans Pro Semibold"/>
+                <a:ea typeface="DejaVu Sans"/>
               </a:rPr>
               <a:t>3.1 Vigenère – Chiffre</a:t>
             </a:r>
-            <a:endParaRPr b="1" lang="de-DE" sz="3200" spc="-1" strike="noStrike">
-              <a:solidFill>
-                <a:srgbClr val="2c3e50"/>
-              </a:solidFill>
-              <a:uFill>
-                <a:solidFill>
-                  <a:srgbClr val="ffffff"/>
-                </a:solidFill>
-              </a:uFill>
-              <a:latin typeface="Source Sans Pro Semibold"/>
-            </a:endParaRPr>
-          </a:p>
-          <a:p>
-            <a:pPr marL="432000" indent="-324000">
+            <a:endParaRPr b="0" lang="de-DE" sz="1800" spc="-1" strike="noStrike">
+              <a:solidFill>
+                <a:srgbClr val="000000"/>
+              </a:solidFill>
+              <a:uFill>
+                <a:solidFill>
+                  <a:srgbClr val="ffffff"/>
+                </a:solidFill>
+              </a:uFill>
+              <a:latin typeface="Arial"/>
+            </a:endParaRPr>
+          </a:p>
+          <a:p>
+            <a:pPr marL="432000" indent="-322920">
+              <a:lnSpc>
+                <a:spcPct val="100000"/>
+              </a:lnSpc>
               <a:buClr>
                 <a:srgbClr val="2c3e50"/>
               </a:buClr>
@@ -8185,23 +8140,27 @@
                   </a:solidFill>
                 </a:uFill>
                 <a:latin typeface="Source Sans Pro Semibold"/>
+                <a:ea typeface="DejaVu Sans"/>
               </a:rPr>
               <a:t>Entstanden im 16.Jahrhundert und bennant nach dem Erfinder Blaise de Vigenère</a:t>
             </a:r>
-            <a:endParaRPr b="1" lang="de-DE" sz="3200" spc="-1" strike="noStrike">
-              <a:solidFill>
-                <a:srgbClr val="2c3e50"/>
-              </a:solidFill>
-              <a:uFill>
-                <a:solidFill>
-                  <a:srgbClr val="ffffff"/>
-                </a:solidFill>
-              </a:uFill>
-              <a:latin typeface="Source Sans Pro Semibold"/>
-            </a:endParaRPr>
-          </a:p>
-          <a:p>
-            <a:pPr marL="432000" indent="-324000">
+            <a:endParaRPr b="0" lang="de-DE" sz="1800" spc="-1" strike="noStrike">
+              <a:solidFill>
+                <a:srgbClr val="000000"/>
+              </a:solidFill>
+              <a:uFill>
+                <a:solidFill>
+                  <a:srgbClr val="ffffff"/>
+                </a:solidFill>
+              </a:uFill>
+              <a:latin typeface="Arial"/>
+            </a:endParaRPr>
+          </a:p>
+          <a:p>
+            <a:pPr marL="432000" indent="-322920">
+              <a:lnSpc>
+                <a:spcPct val="100000"/>
+              </a:lnSpc>
               <a:buClr>
                 <a:srgbClr val="2c3e50"/>
               </a:buClr>
@@ -8220,23 +8179,27 @@
                   </a:solidFill>
                 </a:uFill>
                 <a:latin typeface="Source Sans Pro Semibold"/>
+                <a:ea typeface="DejaVu Sans"/>
               </a:rPr>
               <a:t>Stromchiffre</a:t>
             </a:r>
-            <a:endParaRPr b="1" lang="de-DE" sz="3200" spc="-1" strike="noStrike">
-              <a:solidFill>
-                <a:srgbClr val="2c3e50"/>
-              </a:solidFill>
-              <a:uFill>
-                <a:solidFill>
-                  <a:srgbClr val="ffffff"/>
-                </a:solidFill>
-              </a:uFill>
-              <a:latin typeface="Source Sans Pro Semibold"/>
-            </a:endParaRPr>
-          </a:p>
-          <a:p>
-            <a:pPr marL="432000" indent="-324000">
+            <a:endParaRPr b="0" lang="de-DE" sz="1800" spc="-1" strike="noStrike">
+              <a:solidFill>
+                <a:srgbClr val="000000"/>
+              </a:solidFill>
+              <a:uFill>
+                <a:solidFill>
+                  <a:srgbClr val="ffffff"/>
+                </a:solidFill>
+              </a:uFill>
+              <a:latin typeface="Arial"/>
+            </a:endParaRPr>
+          </a:p>
+          <a:p>
+            <a:pPr marL="432000" indent="-322920">
+              <a:lnSpc>
+                <a:spcPct val="100000"/>
+              </a:lnSpc>
               <a:buClr>
                 <a:srgbClr val="2c3e50"/>
               </a:buClr>
@@ -8255,37 +8218,26 @@
                   </a:solidFill>
                 </a:uFill>
                 <a:latin typeface="Source Sans Pro Semibold"/>
+                <a:ea typeface="DejaVu Sans"/>
               </a:rPr>
               <a:t>Substituierte Geheimzeichen werden durch das Vigenère-Quadrat bestimmt</a:t>
             </a:r>
-            <a:endParaRPr b="1" lang="de-DE" sz="3200" spc="-1" strike="noStrike">
-              <a:solidFill>
-                <a:srgbClr val="2c3e50"/>
-              </a:solidFill>
-              <a:uFill>
-                <a:solidFill>
-                  <a:srgbClr val="ffffff"/>
-                </a:solidFill>
-              </a:uFill>
-              <a:latin typeface="Source Sans Pro Semibold"/>
+            <a:endParaRPr b="0" lang="de-DE" sz="1800" spc="-1" strike="noStrike">
+              <a:solidFill>
+                <a:srgbClr val="000000"/>
+              </a:solidFill>
+              <a:uFill>
+                <a:solidFill>
+                  <a:srgbClr val="ffffff"/>
+                </a:solidFill>
+              </a:uFill>
+              <a:latin typeface="Arial"/>
             </a:endParaRPr>
           </a:p>
         </p:txBody>
       </p:sp>
     </p:spTree>
   </p:cSld>
-  <mc:AlternateContent>
-    <mc:Choice Requires="p14">
-      <p:transition spd="med">
-        <p14:flip dir="l"/>
-      </p:transition>
-    </mc:Choice>
-    <mc:Fallback>
-      <p:transition spd="med">
-        <p:fade/>
-      </p:transition>
-    </mc:Fallback>
-  </mc:AlternateContent>
   <p:timing>
     <p:tnLst>
       <p:par>
@@ -8335,14 +8287,14 @@
       </p:grpSpPr>
       <p:sp>
         <p:nvSpPr>
-          <p:cNvPr id="97" name="TextShape 1"/>
-          <p:cNvSpPr txBox="1"/>
+          <p:cNvPr id="94" name="CustomShape 1"/>
+          <p:cNvSpPr/>
           <p:nvPr/>
         </p:nvSpPr>
         <p:spPr>
           <a:xfrm>
             <a:off x="360000" y="301320"/>
-            <a:ext cx="9360000" cy="958680"/>
+            <a:ext cx="9358920" cy="957600"/>
           </a:xfrm>
           <a:prstGeom prst="rect">
             <a:avLst/>
@@ -8352,26 +8304,16 @@
             <a:noFill/>
           </a:ln>
         </p:spPr>
-        <p:txBody>
-          <a:bodyPr lIns="0" rIns="0" tIns="0" bIns="0" anchor="ctr"/>
-          <a:p>
-            <a:endParaRPr b="1" lang="de-DE" sz="3600" spc="-1" strike="noStrike">
-              <a:solidFill>
-                <a:srgbClr val="ffffff"/>
-              </a:solidFill>
-              <a:uFill>
-                <a:solidFill>
-                  <a:srgbClr val="ffffff"/>
-                </a:solidFill>
-              </a:uFill>
-              <a:latin typeface="Source Sans Pro Black"/>
-            </a:endParaRPr>
-          </a:p>
-        </p:txBody>
+        <p:style>
+          <a:lnRef idx="0"/>
+          <a:fillRef idx="0"/>
+          <a:effectRef idx="0"/>
+          <a:fontRef idx="minor"/>
+        </p:style>
       </p:sp>
       <p:pic>
         <p:nvPicPr>
-          <p:cNvPr id="98" name="" descr=""/>
+          <p:cNvPr id="95" name="" descr=""/>
           <p:cNvPicPr/>
           <p:nvPr/>
         </p:nvPicPr>
@@ -8382,7 +8324,7 @@
         <p:spPr>
           <a:xfrm>
             <a:off x="2628000" y="1980000"/>
-            <a:ext cx="4824000" cy="5040000"/>
+            <a:ext cx="4822920" cy="5038920"/>
           </a:xfrm>
           <a:prstGeom prst="rect">
             <a:avLst/>
@@ -8394,18 +8336,6 @@
       </p:pic>
     </p:spTree>
   </p:cSld>
-  <mc:AlternateContent>
-    <mc:Choice Requires="p14">
-      <p:transition spd="med">
-        <p14:flip dir="l"/>
-      </p:transition>
-    </mc:Choice>
-    <mc:Fallback>
-      <p:transition spd="med">
-        <p:fade/>
-      </p:transition>
-    </mc:Fallback>
-  </mc:AlternateContent>
   <p:timing>
     <p:tnLst>
       <p:par>

--- a/PräKL.pptx
+++ b/PräKL.pptx
@@ -21,6 +21,7 @@
     <p:sldId id="268" r:id="rId16"/>
     <p:sldId id="269" r:id="rId17"/>
     <p:sldId id="270" r:id="rId18"/>
+    <p:sldId id="271" r:id="rId19"/>
   </p:sldIdLst>
   <p:sldSz cx="10080625" cy="7559675"/>
   <p:notesSz cx="7559675" cy="10691812"/>
@@ -78,8 +79,8 @@
         </p:nvSpPr>
         <p:spPr>
           <a:xfrm>
-            <a:off x="504000" y="301320"/>
-            <a:ext cx="9072000" cy="1261800"/>
+            <a:off x="360000" y="301320"/>
+            <a:ext cx="9360000" cy="958680"/>
           </a:xfrm>
           <a:prstGeom prst="rect">
             <a:avLst/>
@@ -88,17 +89,16 @@
         <p:txBody>
           <a:bodyPr lIns="0" rIns="0" tIns="0" bIns="0" anchor="ctr"/>
           <a:p>
-            <a:pPr algn="ctr"/>
-            <a:endParaRPr b="0" lang="de-DE" sz="4400" spc="-1" strike="noStrike">
-              <a:solidFill>
-                <a:srgbClr val="000000"/>
-              </a:solidFill>
-              <a:uFill>
-                <a:solidFill>
-                  <a:srgbClr val="ffffff"/>
-                </a:solidFill>
-              </a:uFill>
-              <a:latin typeface="Arial"/>
+            <a:endParaRPr b="1" lang="de-DE" sz="3600" spc="-1" strike="noStrike">
+              <a:solidFill>
+                <a:srgbClr val="ffffff"/>
+              </a:solidFill>
+              <a:uFill>
+                <a:solidFill>
+                  <a:srgbClr val="ffffff"/>
+                </a:solidFill>
+              </a:uFill>
+              <a:latin typeface="Source Sans Pro Black"/>
             </a:endParaRPr>
           </a:p>
         </p:txBody>
@@ -115,8 +115,8 @@
         </p:nvSpPr>
         <p:spPr>
           <a:xfrm>
-            <a:off x="504000" y="1768680"/>
-            <a:ext cx="9072000" cy="2090880"/>
+            <a:off x="360000" y="1980000"/>
+            <a:ext cx="9360000" cy="2403720"/>
           </a:xfrm>
           <a:prstGeom prst="rect">
             <a:avLst/>
@@ -125,16 +125,16 @@
         <p:txBody>
           <a:bodyPr lIns="0" rIns="0" tIns="0" bIns="0"/>
           <a:p>
-            <a:endParaRPr b="0" lang="de-DE" sz="3200" spc="-1" strike="noStrike">
-              <a:solidFill>
-                <a:srgbClr val="000000"/>
-              </a:solidFill>
-              <a:uFill>
-                <a:solidFill>
-                  <a:srgbClr val="ffffff"/>
-                </a:solidFill>
-              </a:uFill>
-              <a:latin typeface="Arial"/>
+            <a:endParaRPr b="1" lang="de-DE" sz="3200" spc="-1" strike="noStrike">
+              <a:solidFill>
+                <a:srgbClr val="2c3e50"/>
+              </a:solidFill>
+              <a:uFill>
+                <a:solidFill>
+                  <a:srgbClr val="ffffff"/>
+                </a:solidFill>
+              </a:uFill>
+              <a:latin typeface="Source Sans Pro Semibold"/>
             </a:endParaRPr>
           </a:p>
         </p:txBody>
@@ -151,8 +151,8 @@
         </p:nvSpPr>
         <p:spPr>
           <a:xfrm>
-            <a:off x="504000" y="4058640"/>
-            <a:ext cx="9072000" cy="2090880"/>
+            <a:off x="360000" y="4612320"/>
+            <a:ext cx="9360000" cy="2403720"/>
           </a:xfrm>
           <a:prstGeom prst="rect">
             <a:avLst/>
@@ -161,16 +161,16 @@
         <p:txBody>
           <a:bodyPr lIns="0" rIns="0" tIns="0" bIns="0"/>
           <a:p>
-            <a:endParaRPr b="0" lang="de-DE" sz="3200" spc="-1" strike="noStrike">
-              <a:solidFill>
-                <a:srgbClr val="000000"/>
-              </a:solidFill>
-              <a:uFill>
-                <a:solidFill>
-                  <a:srgbClr val="ffffff"/>
-                </a:solidFill>
-              </a:uFill>
-              <a:latin typeface="Arial"/>
+            <a:endParaRPr b="1" lang="de-DE" sz="3200" spc="-1" strike="noStrike">
+              <a:solidFill>
+                <a:srgbClr val="2c3e50"/>
+              </a:solidFill>
+              <a:uFill>
+                <a:solidFill>
+                  <a:srgbClr val="ffffff"/>
+                </a:solidFill>
+              </a:uFill>
+              <a:latin typeface="Source Sans Pro Semibold"/>
             </a:endParaRPr>
           </a:p>
         </p:txBody>
@@ -209,8 +209,8 @@
         </p:nvSpPr>
         <p:spPr>
           <a:xfrm>
-            <a:off x="504000" y="301320"/>
-            <a:ext cx="9072000" cy="1261800"/>
+            <a:off x="360000" y="301320"/>
+            <a:ext cx="9360000" cy="958680"/>
           </a:xfrm>
           <a:prstGeom prst="rect">
             <a:avLst/>
@@ -219,17 +219,16 @@
         <p:txBody>
           <a:bodyPr lIns="0" rIns="0" tIns="0" bIns="0" anchor="ctr"/>
           <a:p>
-            <a:pPr algn="ctr"/>
-            <a:endParaRPr b="0" lang="de-DE" sz="4400" spc="-1" strike="noStrike">
-              <a:solidFill>
-                <a:srgbClr val="000000"/>
-              </a:solidFill>
-              <a:uFill>
-                <a:solidFill>
-                  <a:srgbClr val="ffffff"/>
-                </a:solidFill>
-              </a:uFill>
-              <a:latin typeface="Arial"/>
+            <a:endParaRPr b="1" lang="de-DE" sz="3600" spc="-1" strike="noStrike">
+              <a:solidFill>
+                <a:srgbClr val="ffffff"/>
+              </a:solidFill>
+              <a:uFill>
+                <a:solidFill>
+                  <a:srgbClr val="ffffff"/>
+                </a:solidFill>
+              </a:uFill>
+              <a:latin typeface="Source Sans Pro Black"/>
             </a:endParaRPr>
           </a:p>
         </p:txBody>
@@ -246,8 +245,8 @@
         </p:nvSpPr>
         <p:spPr>
           <a:xfrm>
-            <a:off x="504000" y="1768680"/>
-            <a:ext cx="4426920" cy="2090880"/>
+            <a:off x="360000" y="1980000"/>
+            <a:ext cx="4567320" cy="2403720"/>
           </a:xfrm>
           <a:prstGeom prst="rect">
             <a:avLst/>
@@ -256,16 +255,16 @@
         <p:txBody>
           <a:bodyPr lIns="0" rIns="0" tIns="0" bIns="0"/>
           <a:p>
-            <a:endParaRPr b="0" lang="de-DE" sz="3200" spc="-1" strike="noStrike">
-              <a:solidFill>
-                <a:srgbClr val="000000"/>
-              </a:solidFill>
-              <a:uFill>
-                <a:solidFill>
-                  <a:srgbClr val="ffffff"/>
-                </a:solidFill>
-              </a:uFill>
-              <a:latin typeface="Arial"/>
+            <a:endParaRPr b="1" lang="de-DE" sz="3200" spc="-1" strike="noStrike">
+              <a:solidFill>
+                <a:srgbClr val="2c3e50"/>
+              </a:solidFill>
+              <a:uFill>
+                <a:solidFill>
+                  <a:srgbClr val="ffffff"/>
+                </a:solidFill>
+              </a:uFill>
+              <a:latin typeface="Source Sans Pro Semibold"/>
             </a:endParaRPr>
           </a:p>
         </p:txBody>
@@ -282,8 +281,8 @@
         </p:nvSpPr>
         <p:spPr>
           <a:xfrm>
-            <a:off x="5152680" y="1768680"/>
-            <a:ext cx="4426920" cy="2090880"/>
+            <a:off x="5155920" y="1980000"/>
+            <a:ext cx="4567320" cy="2403720"/>
           </a:xfrm>
           <a:prstGeom prst="rect">
             <a:avLst/>
@@ -292,16 +291,16 @@
         <p:txBody>
           <a:bodyPr lIns="0" rIns="0" tIns="0" bIns="0"/>
           <a:p>
-            <a:endParaRPr b="0" lang="de-DE" sz="3200" spc="-1" strike="noStrike">
-              <a:solidFill>
-                <a:srgbClr val="000000"/>
-              </a:solidFill>
-              <a:uFill>
-                <a:solidFill>
-                  <a:srgbClr val="ffffff"/>
-                </a:solidFill>
-              </a:uFill>
-              <a:latin typeface="Arial"/>
+            <a:endParaRPr b="1" lang="de-DE" sz="3200" spc="-1" strike="noStrike">
+              <a:solidFill>
+                <a:srgbClr val="2c3e50"/>
+              </a:solidFill>
+              <a:uFill>
+                <a:solidFill>
+                  <a:srgbClr val="ffffff"/>
+                </a:solidFill>
+              </a:uFill>
+              <a:latin typeface="Source Sans Pro Semibold"/>
             </a:endParaRPr>
           </a:p>
         </p:txBody>
@@ -318,8 +317,8 @@
         </p:nvSpPr>
         <p:spPr>
           <a:xfrm>
-            <a:off x="5152680" y="4058640"/>
-            <a:ext cx="4426920" cy="2090880"/>
+            <a:off x="5155920" y="4612320"/>
+            <a:ext cx="4567320" cy="2403720"/>
           </a:xfrm>
           <a:prstGeom prst="rect">
             <a:avLst/>
@@ -328,16 +327,16 @@
         <p:txBody>
           <a:bodyPr lIns="0" rIns="0" tIns="0" bIns="0"/>
           <a:p>
-            <a:endParaRPr b="0" lang="de-DE" sz="3200" spc="-1" strike="noStrike">
-              <a:solidFill>
-                <a:srgbClr val="000000"/>
-              </a:solidFill>
-              <a:uFill>
-                <a:solidFill>
-                  <a:srgbClr val="ffffff"/>
-                </a:solidFill>
-              </a:uFill>
-              <a:latin typeface="Arial"/>
+            <a:endParaRPr b="1" lang="de-DE" sz="3200" spc="-1" strike="noStrike">
+              <a:solidFill>
+                <a:srgbClr val="2c3e50"/>
+              </a:solidFill>
+              <a:uFill>
+                <a:solidFill>
+                  <a:srgbClr val="ffffff"/>
+                </a:solidFill>
+              </a:uFill>
+              <a:latin typeface="Source Sans Pro Semibold"/>
             </a:endParaRPr>
           </a:p>
         </p:txBody>
@@ -354,8 +353,8 @@
         </p:nvSpPr>
         <p:spPr>
           <a:xfrm>
-            <a:off x="504000" y="4058640"/>
-            <a:ext cx="4426920" cy="2090880"/>
+            <a:off x="360000" y="4612320"/>
+            <a:ext cx="4567320" cy="2403720"/>
           </a:xfrm>
           <a:prstGeom prst="rect">
             <a:avLst/>
@@ -364,16 +363,16 @@
         <p:txBody>
           <a:bodyPr lIns="0" rIns="0" tIns="0" bIns="0"/>
           <a:p>
-            <a:endParaRPr b="0" lang="de-DE" sz="3200" spc="-1" strike="noStrike">
-              <a:solidFill>
-                <a:srgbClr val="000000"/>
-              </a:solidFill>
-              <a:uFill>
-                <a:solidFill>
-                  <a:srgbClr val="ffffff"/>
-                </a:solidFill>
-              </a:uFill>
-              <a:latin typeface="Arial"/>
+            <a:endParaRPr b="1" lang="de-DE" sz="3200" spc="-1" strike="noStrike">
+              <a:solidFill>
+                <a:srgbClr val="2c3e50"/>
+              </a:solidFill>
+              <a:uFill>
+                <a:solidFill>
+                  <a:srgbClr val="ffffff"/>
+                </a:solidFill>
+              </a:uFill>
+              <a:latin typeface="Source Sans Pro Semibold"/>
             </a:endParaRPr>
           </a:p>
         </p:txBody>
@@ -412,8 +411,8 @@
         </p:nvSpPr>
         <p:spPr>
           <a:xfrm>
-            <a:off x="504000" y="301320"/>
-            <a:ext cx="9072000" cy="1261800"/>
+            <a:off x="360000" y="301320"/>
+            <a:ext cx="9360000" cy="958680"/>
           </a:xfrm>
           <a:prstGeom prst="rect">
             <a:avLst/>
@@ -422,17 +421,16 @@
         <p:txBody>
           <a:bodyPr lIns="0" rIns="0" tIns="0" bIns="0" anchor="ctr"/>
           <a:p>
-            <a:pPr algn="ctr"/>
-            <a:endParaRPr b="0" lang="de-DE" sz="4400" spc="-1" strike="noStrike">
-              <a:solidFill>
-                <a:srgbClr val="000000"/>
-              </a:solidFill>
-              <a:uFill>
-                <a:solidFill>
-                  <a:srgbClr val="ffffff"/>
-                </a:solidFill>
-              </a:uFill>
-              <a:latin typeface="Arial"/>
+            <a:endParaRPr b="1" lang="de-DE" sz="3600" spc="-1" strike="noStrike">
+              <a:solidFill>
+                <a:srgbClr val="ffffff"/>
+              </a:solidFill>
+              <a:uFill>
+                <a:solidFill>
+                  <a:srgbClr val="ffffff"/>
+                </a:solidFill>
+              </a:uFill>
+              <a:latin typeface="Source Sans Pro Black"/>
             </a:endParaRPr>
           </a:p>
         </p:txBody>
@@ -449,8 +447,8 @@
         </p:nvSpPr>
         <p:spPr>
           <a:xfrm>
-            <a:off x="504000" y="1768680"/>
-            <a:ext cx="9072000" cy="4384080"/>
+            <a:off x="360000" y="1980000"/>
+            <a:ext cx="9360000" cy="5040000"/>
           </a:xfrm>
           <a:prstGeom prst="rect">
             <a:avLst/>
@@ -459,16 +457,16 @@
         <p:txBody>
           <a:bodyPr lIns="0" rIns="0" tIns="0" bIns="0"/>
           <a:p>
-            <a:endParaRPr b="0" lang="de-DE" sz="3200" spc="-1" strike="noStrike">
-              <a:solidFill>
-                <a:srgbClr val="000000"/>
-              </a:solidFill>
-              <a:uFill>
-                <a:solidFill>
-                  <a:srgbClr val="ffffff"/>
-                </a:solidFill>
-              </a:uFill>
-              <a:latin typeface="Arial"/>
+            <a:endParaRPr b="1" lang="de-DE" sz="3200" spc="-1" strike="noStrike">
+              <a:solidFill>
+                <a:srgbClr val="2c3e50"/>
+              </a:solidFill>
+              <a:uFill>
+                <a:solidFill>
+                  <a:srgbClr val="ffffff"/>
+                </a:solidFill>
+              </a:uFill>
+              <a:latin typeface="Source Sans Pro Semibold"/>
             </a:endParaRPr>
           </a:p>
         </p:txBody>
@@ -485,8 +483,8 @@
         </p:nvSpPr>
         <p:spPr>
           <a:xfrm>
-            <a:off x="504000" y="1768680"/>
-            <a:ext cx="9072000" cy="4384080"/>
+            <a:off x="360000" y="1980000"/>
+            <a:ext cx="9360000" cy="5040000"/>
           </a:xfrm>
           <a:prstGeom prst="rect">
             <a:avLst/>
@@ -495,16 +493,16 @@
         <p:txBody>
           <a:bodyPr lIns="0" rIns="0" tIns="0" bIns="0"/>
           <a:p>
-            <a:endParaRPr b="0" lang="de-DE" sz="3200" spc="-1" strike="noStrike">
-              <a:solidFill>
-                <a:srgbClr val="000000"/>
-              </a:solidFill>
-              <a:uFill>
-                <a:solidFill>
-                  <a:srgbClr val="ffffff"/>
-                </a:solidFill>
-              </a:uFill>
-              <a:latin typeface="Arial"/>
+            <a:endParaRPr b="1" lang="de-DE" sz="3200" spc="-1" strike="noStrike">
+              <a:solidFill>
+                <a:srgbClr val="2c3e50"/>
+              </a:solidFill>
+              <a:uFill>
+                <a:solidFill>
+                  <a:srgbClr val="ffffff"/>
+                </a:solidFill>
+              </a:uFill>
+              <a:latin typeface="Source Sans Pro Semibold"/>
             </a:endParaRPr>
           </a:p>
         </p:txBody>
@@ -521,8 +519,8 @@
         </p:blipFill>
         <p:spPr>
           <a:xfrm>
-            <a:off x="2292480" y="1768680"/>
-            <a:ext cx="5494680" cy="4384080"/>
+            <a:off x="1881720" y="1980000"/>
+            <a:ext cx="6316560" cy="5040000"/>
           </a:xfrm>
           <a:prstGeom prst="rect">
             <a:avLst/>
@@ -544,8 +542,8 @@
         </p:blipFill>
         <p:spPr>
           <a:xfrm>
-            <a:off x="2292480" y="1768680"/>
-            <a:ext cx="5494680" cy="4384080"/>
+            <a:off x="1881720" y="1980000"/>
+            <a:ext cx="6316560" cy="5040000"/>
           </a:xfrm>
           <a:prstGeom prst="rect">
             <a:avLst/>
@@ -601,7 +599,7 @@
       </p:grpSpPr>
       <p:sp>
         <p:nvSpPr>
-          <p:cNvPr id="44" name="PlaceHolder 1"/>
+          <p:cNvPr id="47" name="PlaceHolder 1"/>
           <p:cNvSpPr>
             <a:spLocks noGrp="1"/>
           </p:cNvSpPr>
@@ -611,8 +609,8 @@
         </p:nvSpPr>
         <p:spPr>
           <a:xfrm>
-            <a:off x="504000" y="301320"/>
-            <a:ext cx="9072000" cy="1261800"/>
+            <a:off x="360000" y="301320"/>
+            <a:ext cx="9360000" cy="958680"/>
           </a:xfrm>
           <a:prstGeom prst="rect">
             <a:avLst/>
@@ -621,24 +619,23 @@
         <p:txBody>
           <a:bodyPr lIns="0" rIns="0" tIns="0" bIns="0" anchor="ctr"/>
           <a:p>
-            <a:pPr algn="ctr"/>
-            <a:endParaRPr b="0" lang="de-DE" sz="4400" spc="-1" strike="noStrike">
-              <a:solidFill>
-                <a:srgbClr val="000000"/>
-              </a:solidFill>
-              <a:uFill>
-                <a:solidFill>
-                  <a:srgbClr val="ffffff"/>
-                </a:solidFill>
-              </a:uFill>
-              <a:latin typeface="Arial"/>
-            </a:endParaRPr>
-          </a:p>
-        </p:txBody>
-      </p:sp>
-      <p:sp>
-        <p:nvSpPr>
-          <p:cNvPr id="45" name="PlaceHolder 2"/>
+            <a:endParaRPr b="1" lang="de-DE" sz="3600" spc="-1" strike="noStrike">
+              <a:solidFill>
+                <a:srgbClr val="ffffff"/>
+              </a:solidFill>
+              <a:uFill>
+                <a:solidFill>
+                  <a:srgbClr val="ffffff"/>
+                </a:solidFill>
+              </a:uFill>
+              <a:latin typeface="Source Sans Pro Black"/>
+            </a:endParaRPr>
+          </a:p>
+        </p:txBody>
+      </p:sp>
+      <p:sp>
+        <p:nvSpPr>
+          <p:cNvPr id="48" name="PlaceHolder 2"/>
           <p:cNvSpPr>
             <a:spLocks noGrp="1"/>
           </p:cNvSpPr>
@@ -648,8 +645,8 @@
         </p:nvSpPr>
         <p:spPr>
           <a:xfrm>
-            <a:off x="504000" y="1768680"/>
-            <a:ext cx="9072000" cy="4384080"/>
+            <a:off x="360000" y="1980000"/>
+            <a:ext cx="9360000" cy="5040000"/>
           </a:xfrm>
           <a:prstGeom prst="rect">
             <a:avLst/>
@@ -661,14 +658,14 @@
             <a:pPr algn="ctr"/>
             <a:endParaRPr b="0" lang="de-DE" sz="3200" spc="-1" strike="noStrike">
               <a:solidFill>
-                <a:srgbClr val="000000"/>
-              </a:solidFill>
-              <a:uFill>
-                <a:solidFill>
-                  <a:srgbClr val="ffffff"/>
-                </a:solidFill>
-              </a:uFill>
-              <a:latin typeface="Arial"/>
+                <a:srgbClr val="2c3e50"/>
+              </a:solidFill>
+              <a:uFill>
+                <a:solidFill>
+                  <a:srgbClr val="ffffff"/>
+                </a:solidFill>
+              </a:uFill>
+              <a:latin typeface="Source Sans Pro"/>
             </a:endParaRPr>
           </a:p>
         </p:txBody>
@@ -697,7 +694,7 @@
       </p:grpSpPr>
       <p:sp>
         <p:nvSpPr>
-          <p:cNvPr id="46" name="PlaceHolder 1"/>
+          <p:cNvPr id="49" name="PlaceHolder 1"/>
           <p:cNvSpPr>
             <a:spLocks noGrp="1"/>
           </p:cNvSpPr>
@@ -707,8 +704,8 @@
         </p:nvSpPr>
         <p:spPr>
           <a:xfrm>
-            <a:off x="504000" y="301320"/>
-            <a:ext cx="9072000" cy="1261800"/>
+            <a:off x="360000" y="301320"/>
+            <a:ext cx="9360000" cy="958680"/>
           </a:xfrm>
           <a:prstGeom prst="rect">
             <a:avLst/>
@@ -717,24 +714,23 @@
         <p:txBody>
           <a:bodyPr lIns="0" rIns="0" tIns="0" bIns="0" anchor="ctr"/>
           <a:p>
-            <a:pPr algn="ctr"/>
-            <a:endParaRPr b="0" lang="de-DE" sz="4400" spc="-1" strike="noStrike">
-              <a:solidFill>
-                <a:srgbClr val="000000"/>
-              </a:solidFill>
-              <a:uFill>
-                <a:solidFill>
-                  <a:srgbClr val="ffffff"/>
-                </a:solidFill>
-              </a:uFill>
-              <a:latin typeface="Arial"/>
-            </a:endParaRPr>
-          </a:p>
-        </p:txBody>
-      </p:sp>
-      <p:sp>
-        <p:nvSpPr>
-          <p:cNvPr id="47" name="PlaceHolder 2"/>
+            <a:endParaRPr b="1" lang="de-DE" sz="3600" spc="-1" strike="noStrike">
+              <a:solidFill>
+                <a:srgbClr val="ffffff"/>
+              </a:solidFill>
+              <a:uFill>
+                <a:solidFill>
+                  <a:srgbClr val="ffffff"/>
+                </a:solidFill>
+              </a:uFill>
+              <a:latin typeface="Source Sans Pro Black"/>
+            </a:endParaRPr>
+          </a:p>
+        </p:txBody>
+      </p:sp>
+      <p:sp>
+        <p:nvSpPr>
+          <p:cNvPr id="50" name="PlaceHolder 2"/>
           <p:cNvSpPr>
             <a:spLocks noGrp="1"/>
           </p:cNvSpPr>
@@ -744,8 +740,8 @@
         </p:nvSpPr>
         <p:spPr>
           <a:xfrm>
-            <a:off x="504000" y="1768680"/>
-            <a:ext cx="9072000" cy="4384080"/>
+            <a:off x="360000" y="1980000"/>
+            <a:ext cx="9360000" cy="5040000"/>
           </a:xfrm>
           <a:prstGeom prst="rect">
             <a:avLst/>
@@ -754,16 +750,16 @@
         <p:txBody>
           <a:bodyPr lIns="0" rIns="0" tIns="0" bIns="0"/>
           <a:p>
-            <a:endParaRPr b="0" lang="de-DE" sz="3200" spc="-1" strike="noStrike">
-              <a:solidFill>
-                <a:srgbClr val="000000"/>
-              </a:solidFill>
-              <a:uFill>
-                <a:solidFill>
-                  <a:srgbClr val="ffffff"/>
-                </a:solidFill>
-              </a:uFill>
-              <a:latin typeface="Arial"/>
+            <a:endParaRPr b="1" lang="de-DE" sz="3200" spc="-1" strike="noStrike">
+              <a:solidFill>
+                <a:srgbClr val="2c3e50"/>
+              </a:solidFill>
+              <a:uFill>
+                <a:solidFill>
+                  <a:srgbClr val="ffffff"/>
+                </a:solidFill>
+              </a:uFill>
+              <a:latin typeface="Source Sans Pro Semibold"/>
             </a:endParaRPr>
           </a:p>
         </p:txBody>
@@ -792,7 +788,7 @@
       </p:grpSpPr>
       <p:sp>
         <p:nvSpPr>
-          <p:cNvPr id="48" name="PlaceHolder 1"/>
+          <p:cNvPr id="51" name="PlaceHolder 1"/>
           <p:cNvSpPr>
             <a:spLocks noGrp="1"/>
           </p:cNvSpPr>
@@ -802,8 +798,8 @@
         </p:nvSpPr>
         <p:spPr>
           <a:xfrm>
-            <a:off x="504000" y="301320"/>
-            <a:ext cx="9072000" cy="1261800"/>
+            <a:off x="360000" y="301320"/>
+            <a:ext cx="9360000" cy="958680"/>
           </a:xfrm>
           <a:prstGeom prst="rect">
             <a:avLst/>
@@ -812,24 +808,23 @@
         <p:txBody>
           <a:bodyPr lIns="0" rIns="0" tIns="0" bIns="0" anchor="ctr"/>
           <a:p>
-            <a:pPr algn="ctr"/>
-            <a:endParaRPr b="0" lang="de-DE" sz="4400" spc="-1" strike="noStrike">
-              <a:solidFill>
-                <a:srgbClr val="000000"/>
-              </a:solidFill>
-              <a:uFill>
-                <a:solidFill>
-                  <a:srgbClr val="ffffff"/>
-                </a:solidFill>
-              </a:uFill>
-              <a:latin typeface="Arial"/>
-            </a:endParaRPr>
-          </a:p>
-        </p:txBody>
-      </p:sp>
-      <p:sp>
-        <p:nvSpPr>
-          <p:cNvPr id="49" name="PlaceHolder 2"/>
+            <a:endParaRPr b="1" lang="de-DE" sz="3600" spc="-1" strike="noStrike">
+              <a:solidFill>
+                <a:srgbClr val="ffffff"/>
+              </a:solidFill>
+              <a:uFill>
+                <a:solidFill>
+                  <a:srgbClr val="ffffff"/>
+                </a:solidFill>
+              </a:uFill>
+              <a:latin typeface="Source Sans Pro Black"/>
+            </a:endParaRPr>
+          </a:p>
+        </p:txBody>
+      </p:sp>
+      <p:sp>
+        <p:nvSpPr>
+          <p:cNvPr id="52" name="PlaceHolder 2"/>
           <p:cNvSpPr>
             <a:spLocks noGrp="1"/>
           </p:cNvSpPr>
@@ -839,8 +834,8 @@
         </p:nvSpPr>
         <p:spPr>
           <a:xfrm>
-            <a:off x="504000" y="1768680"/>
-            <a:ext cx="4426920" cy="4384080"/>
+            <a:off x="360000" y="1980000"/>
+            <a:ext cx="4567320" cy="5040000"/>
           </a:xfrm>
           <a:prstGeom prst="rect">
             <a:avLst/>
@@ -849,23 +844,23 @@
         <p:txBody>
           <a:bodyPr lIns="0" rIns="0" tIns="0" bIns="0"/>
           <a:p>
-            <a:endParaRPr b="0" lang="de-DE" sz="3200" spc="-1" strike="noStrike">
-              <a:solidFill>
-                <a:srgbClr val="000000"/>
-              </a:solidFill>
-              <a:uFill>
-                <a:solidFill>
-                  <a:srgbClr val="ffffff"/>
-                </a:solidFill>
-              </a:uFill>
-              <a:latin typeface="Arial"/>
-            </a:endParaRPr>
-          </a:p>
-        </p:txBody>
-      </p:sp>
-      <p:sp>
-        <p:nvSpPr>
-          <p:cNvPr id="50" name="PlaceHolder 3"/>
+            <a:endParaRPr b="1" lang="de-DE" sz="3200" spc="-1" strike="noStrike">
+              <a:solidFill>
+                <a:srgbClr val="2c3e50"/>
+              </a:solidFill>
+              <a:uFill>
+                <a:solidFill>
+                  <a:srgbClr val="ffffff"/>
+                </a:solidFill>
+              </a:uFill>
+              <a:latin typeface="Source Sans Pro Semibold"/>
+            </a:endParaRPr>
+          </a:p>
+        </p:txBody>
+      </p:sp>
+      <p:sp>
+        <p:nvSpPr>
+          <p:cNvPr id="53" name="PlaceHolder 3"/>
           <p:cNvSpPr>
             <a:spLocks noGrp="1"/>
           </p:cNvSpPr>
@@ -875,8 +870,8 @@
         </p:nvSpPr>
         <p:spPr>
           <a:xfrm>
-            <a:off x="5152680" y="1768680"/>
-            <a:ext cx="4426920" cy="4384080"/>
+            <a:off x="5155920" y="1980000"/>
+            <a:ext cx="4567320" cy="5040000"/>
           </a:xfrm>
           <a:prstGeom prst="rect">
             <a:avLst/>
@@ -885,16 +880,16 @@
         <p:txBody>
           <a:bodyPr lIns="0" rIns="0" tIns="0" bIns="0"/>
           <a:p>
-            <a:endParaRPr b="0" lang="de-DE" sz="3200" spc="-1" strike="noStrike">
-              <a:solidFill>
-                <a:srgbClr val="000000"/>
-              </a:solidFill>
-              <a:uFill>
-                <a:solidFill>
-                  <a:srgbClr val="ffffff"/>
-                </a:solidFill>
-              </a:uFill>
-              <a:latin typeface="Arial"/>
+            <a:endParaRPr b="1" lang="de-DE" sz="3200" spc="-1" strike="noStrike">
+              <a:solidFill>
+                <a:srgbClr val="2c3e50"/>
+              </a:solidFill>
+              <a:uFill>
+                <a:solidFill>
+                  <a:srgbClr val="ffffff"/>
+                </a:solidFill>
+              </a:uFill>
+              <a:latin typeface="Source Sans Pro Semibold"/>
             </a:endParaRPr>
           </a:p>
         </p:txBody>
@@ -923,7 +918,7 @@
       </p:grpSpPr>
       <p:sp>
         <p:nvSpPr>
-          <p:cNvPr id="51" name="PlaceHolder 1"/>
+          <p:cNvPr id="54" name="PlaceHolder 1"/>
           <p:cNvSpPr>
             <a:spLocks noGrp="1"/>
           </p:cNvSpPr>
@@ -933,8 +928,8 @@
         </p:nvSpPr>
         <p:spPr>
           <a:xfrm>
-            <a:off x="504000" y="301320"/>
-            <a:ext cx="9072000" cy="1261800"/>
+            <a:off x="360000" y="301320"/>
+            <a:ext cx="9360000" cy="958680"/>
           </a:xfrm>
           <a:prstGeom prst="rect">
             <a:avLst/>
@@ -943,17 +938,16 @@
         <p:txBody>
           <a:bodyPr lIns="0" rIns="0" tIns="0" bIns="0" anchor="ctr"/>
           <a:p>
-            <a:pPr algn="ctr"/>
-            <a:endParaRPr b="0" lang="de-DE" sz="4400" spc="-1" strike="noStrike">
-              <a:solidFill>
-                <a:srgbClr val="000000"/>
-              </a:solidFill>
-              <a:uFill>
-                <a:solidFill>
-                  <a:srgbClr val="ffffff"/>
-                </a:solidFill>
-              </a:uFill>
-              <a:latin typeface="Arial"/>
+            <a:endParaRPr b="1" lang="de-DE" sz="3600" spc="-1" strike="noStrike">
+              <a:solidFill>
+                <a:srgbClr val="ffffff"/>
+              </a:solidFill>
+              <a:uFill>
+                <a:solidFill>
+                  <a:srgbClr val="ffffff"/>
+                </a:solidFill>
+              </a:uFill>
+              <a:latin typeface="Source Sans Pro Black"/>
             </a:endParaRPr>
           </a:p>
         </p:txBody>
@@ -982,7 +976,7 @@
       </p:grpSpPr>
       <p:sp>
         <p:nvSpPr>
-          <p:cNvPr id="52" name="PlaceHolder 1"/>
+          <p:cNvPr id="55" name="PlaceHolder 1"/>
           <p:cNvSpPr>
             <a:spLocks noGrp="1"/>
           </p:cNvSpPr>
@@ -992,8 +986,8 @@
         </p:nvSpPr>
         <p:spPr>
           <a:xfrm>
-            <a:off x="504000" y="301320"/>
-            <a:ext cx="9072000" cy="5850360"/>
+            <a:off x="360000" y="301320"/>
+            <a:ext cx="9360000" cy="4445280"/>
           </a:xfrm>
           <a:prstGeom prst="rect">
             <a:avLst/>
@@ -1005,14 +999,14 @@
             <a:pPr algn="ctr"/>
             <a:endParaRPr b="0" lang="de-DE" sz="3200" spc="-1" strike="noStrike">
               <a:solidFill>
-                <a:srgbClr val="000000"/>
-              </a:solidFill>
-              <a:uFill>
-                <a:solidFill>
-                  <a:srgbClr val="ffffff"/>
-                </a:solidFill>
-              </a:uFill>
-              <a:latin typeface="Arial"/>
+                <a:srgbClr val="2c3e50"/>
+              </a:solidFill>
+              <a:uFill>
+                <a:solidFill>
+                  <a:srgbClr val="ffffff"/>
+                </a:solidFill>
+              </a:uFill>
+              <a:latin typeface="Source Sans Pro"/>
             </a:endParaRPr>
           </a:p>
         </p:txBody>
@@ -1041,7 +1035,7 @@
       </p:grpSpPr>
       <p:sp>
         <p:nvSpPr>
-          <p:cNvPr id="53" name="PlaceHolder 1"/>
+          <p:cNvPr id="56" name="PlaceHolder 1"/>
           <p:cNvSpPr>
             <a:spLocks noGrp="1"/>
           </p:cNvSpPr>
@@ -1051,8 +1045,8 @@
         </p:nvSpPr>
         <p:spPr>
           <a:xfrm>
-            <a:off x="504000" y="301320"/>
-            <a:ext cx="9072000" cy="1261800"/>
+            <a:off x="360000" y="301320"/>
+            <a:ext cx="9360000" cy="958680"/>
           </a:xfrm>
           <a:prstGeom prst="rect">
             <a:avLst/>
@@ -1061,24 +1055,23 @@
         <p:txBody>
           <a:bodyPr lIns="0" rIns="0" tIns="0" bIns="0" anchor="ctr"/>
           <a:p>
-            <a:pPr algn="ctr"/>
-            <a:endParaRPr b="0" lang="de-DE" sz="4400" spc="-1" strike="noStrike">
-              <a:solidFill>
-                <a:srgbClr val="000000"/>
-              </a:solidFill>
-              <a:uFill>
-                <a:solidFill>
-                  <a:srgbClr val="ffffff"/>
-                </a:solidFill>
-              </a:uFill>
-              <a:latin typeface="Arial"/>
-            </a:endParaRPr>
-          </a:p>
-        </p:txBody>
-      </p:sp>
-      <p:sp>
-        <p:nvSpPr>
-          <p:cNvPr id="54" name="PlaceHolder 2"/>
+            <a:endParaRPr b="1" lang="de-DE" sz="3600" spc="-1" strike="noStrike">
+              <a:solidFill>
+                <a:srgbClr val="ffffff"/>
+              </a:solidFill>
+              <a:uFill>
+                <a:solidFill>
+                  <a:srgbClr val="ffffff"/>
+                </a:solidFill>
+              </a:uFill>
+              <a:latin typeface="Source Sans Pro Black"/>
+            </a:endParaRPr>
+          </a:p>
+        </p:txBody>
+      </p:sp>
+      <p:sp>
+        <p:nvSpPr>
+          <p:cNvPr id="57" name="PlaceHolder 2"/>
           <p:cNvSpPr>
             <a:spLocks noGrp="1"/>
           </p:cNvSpPr>
@@ -1088,8 +1081,8 @@
         </p:nvSpPr>
         <p:spPr>
           <a:xfrm>
-            <a:off x="504000" y="1768680"/>
-            <a:ext cx="4426920" cy="2090880"/>
+            <a:off x="360000" y="1980000"/>
+            <a:ext cx="4567320" cy="2403720"/>
           </a:xfrm>
           <a:prstGeom prst="rect">
             <a:avLst/>
@@ -1098,23 +1091,23 @@
         <p:txBody>
           <a:bodyPr lIns="0" rIns="0" tIns="0" bIns="0"/>
           <a:p>
-            <a:endParaRPr b="0" lang="de-DE" sz="3200" spc="-1" strike="noStrike">
-              <a:solidFill>
-                <a:srgbClr val="000000"/>
-              </a:solidFill>
-              <a:uFill>
-                <a:solidFill>
-                  <a:srgbClr val="ffffff"/>
-                </a:solidFill>
-              </a:uFill>
-              <a:latin typeface="Arial"/>
-            </a:endParaRPr>
-          </a:p>
-        </p:txBody>
-      </p:sp>
-      <p:sp>
-        <p:nvSpPr>
-          <p:cNvPr id="55" name="PlaceHolder 3"/>
+            <a:endParaRPr b="1" lang="de-DE" sz="3200" spc="-1" strike="noStrike">
+              <a:solidFill>
+                <a:srgbClr val="2c3e50"/>
+              </a:solidFill>
+              <a:uFill>
+                <a:solidFill>
+                  <a:srgbClr val="ffffff"/>
+                </a:solidFill>
+              </a:uFill>
+              <a:latin typeface="Source Sans Pro Semibold"/>
+            </a:endParaRPr>
+          </a:p>
+        </p:txBody>
+      </p:sp>
+      <p:sp>
+        <p:nvSpPr>
+          <p:cNvPr id="58" name="PlaceHolder 3"/>
           <p:cNvSpPr>
             <a:spLocks noGrp="1"/>
           </p:cNvSpPr>
@@ -1124,8 +1117,8 @@
         </p:nvSpPr>
         <p:spPr>
           <a:xfrm>
-            <a:off x="504000" y="4058640"/>
-            <a:ext cx="4426920" cy="2090880"/>
+            <a:off x="360000" y="4612320"/>
+            <a:ext cx="4567320" cy="2403720"/>
           </a:xfrm>
           <a:prstGeom prst="rect">
             <a:avLst/>
@@ -1134,23 +1127,23 @@
         <p:txBody>
           <a:bodyPr lIns="0" rIns="0" tIns="0" bIns="0"/>
           <a:p>
-            <a:endParaRPr b="0" lang="de-DE" sz="3200" spc="-1" strike="noStrike">
-              <a:solidFill>
-                <a:srgbClr val="000000"/>
-              </a:solidFill>
-              <a:uFill>
-                <a:solidFill>
-                  <a:srgbClr val="ffffff"/>
-                </a:solidFill>
-              </a:uFill>
-              <a:latin typeface="Arial"/>
-            </a:endParaRPr>
-          </a:p>
-        </p:txBody>
-      </p:sp>
-      <p:sp>
-        <p:nvSpPr>
-          <p:cNvPr id="56" name="PlaceHolder 4"/>
+            <a:endParaRPr b="1" lang="de-DE" sz="3200" spc="-1" strike="noStrike">
+              <a:solidFill>
+                <a:srgbClr val="2c3e50"/>
+              </a:solidFill>
+              <a:uFill>
+                <a:solidFill>
+                  <a:srgbClr val="ffffff"/>
+                </a:solidFill>
+              </a:uFill>
+              <a:latin typeface="Source Sans Pro Semibold"/>
+            </a:endParaRPr>
+          </a:p>
+        </p:txBody>
+      </p:sp>
+      <p:sp>
+        <p:nvSpPr>
+          <p:cNvPr id="59" name="PlaceHolder 4"/>
           <p:cNvSpPr>
             <a:spLocks noGrp="1"/>
           </p:cNvSpPr>
@@ -1160,8 +1153,8 @@
         </p:nvSpPr>
         <p:spPr>
           <a:xfrm>
-            <a:off x="5152680" y="1768680"/>
-            <a:ext cx="4426920" cy="4384080"/>
+            <a:off x="5155920" y="1980000"/>
+            <a:ext cx="4567320" cy="5040000"/>
           </a:xfrm>
           <a:prstGeom prst="rect">
             <a:avLst/>
@@ -1170,16 +1163,16 @@
         <p:txBody>
           <a:bodyPr lIns="0" rIns="0" tIns="0" bIns="0"/>
           <a:p>
-            <a:endParaRPr b="0" lang="de-DE" sz="3200" spc="-1" strike="noStrike">
-              <a:solidFill>
-                <a:srgbClr val="000000"/>
-              </a:solidFill>
-              <a:uFill>
-                <a:solidFill>
-                  <a:srgbClr val="ffffff"/>
-                </a:solidFill>
-              </a:uFill>
-              <a:latin typeface="Arial"/>
+            <a:endParaRPr b="1" lang="de-DE" sz="3200" spc="-1" strike="noStrike">
+              <a:solidFill>
+                <a:srgbClr val="2c3e50"/>
+              </a:solidFill>
+              <a:uFill>
+                <a:solidFill>
+                  <a:srgbClr val="ffffff"/>
+                </a:solidFill>
+              </a:uFill>
+              <a:latin typeface="Source Sans Pro Semibold"/>
             </a:endParaRPr>
           </a:p>
         </p:txBody>
@@ -1218,8 +1211,8 @@
         </p:nvSpPr>
         <p:spPr>
           <a:xfrm>
-            <a:off x="504000" y="301320"/>
-            <a:ext cx="9072000" cy="1261800"/>
+            <a:off x="360000" y="301320"/>
+            <a:ext cx="9360000" cy="958680"/>
           </a:xfrm>
           <a:prstGeom prst="rect">
             <a:avLst/>
@@ -1228,17 +1221,16 @@
         <p:txBody>
           <a:bodyPr lIns="0" rIns="0" tIns="0" bIns="0" anchor="ctr"/>
           <a:p>
-            <a:pPr algn="ctr"/>
-            <a:endParaRPr b="0" lang="de-DE" sz="4400" spc="-1" strike="noStrike">
-              <a:solidFill>
-                <a:srgbClr val="000000"/>
-              </a:solidFill>
-              <a:uFill>
-                <a:solidFill>
-                  <a:srgbClr val="ffffff"/>
-                </a:solidFill>
-              </a:uFill>
-              <a:latin typeface="Arial"/>
+            <a:endParaRPr b="1" lang="de-DE" sz="3600" spc="-1" strike="noStrike">
+              <a:solidFill>
+                <a:srgbClr val="ffffff"/>
+              </a:solidFill>
+              <a:uFill>
+                <a:solidFill>
+                  <a:srgbClr val="ffffff"/>
+                </a:solidFill>
+              </a:uFill>
+              <a:latin typeface="Source Sans Pro Black"/>
             </a:endParaRPr>
           </a:p>
         </p:txBody>
@@ -1255,8 +1247,8 @@
         </p:nvSpPr>
         <p:spPr>
           <a:xfrm>
-            <a:off x="504000" y="1768680"/>
-            <a:ext cx="9072000" cy="4384080"/>
+            <a:off x="360000" y="1980000"/>
+            <a:ext cx="9360000" cy="5040000"/>
           </a:xfrm>
           <a:prstGeom prst="rect">
             <a:avLst/>
@@ -1268,14 +1260,14 @@
             <a:pPr algn="ctr"/>
             <a:endParaRPr b="0" lang="de-DE" sz="3200" spc="-1" strike="noStrike">
               <a:solidFill>
-                <a:srgbClr val="000000"/>
-              </a:solidFill>
-              <a:uFill>
-                <a:solidFill>
-                  <a:srgbClr val="ffffff"/>
-                </a:solidFill>
-              </a:uFill>
-              <a:latin typeface="Arial"/>
+                <a:srgbClr val="2c3e50"/>
+              </a:solidFill>
+              <a:uFill>
+                <a:solidFill>
+                  <a:srgbClr val="ffffff"/>
+                </a:solidFill>
+              </a:uFill>
+              <a:latin typeface="Source Sans Pro"/>
             </a:endParaRPr>
           </a:p>
         </p:txBody>
@@ -1304,7 +1296,7 @@
       </p:grpSpPr>
       <p:sp>
         <p:nvSpPr>
-          <p:cNvPr id="57" name="PlaceHolder 1"/>
+          <p:cNvPr id="60" name="PlaceHolder 1"/>
           <p:cNvSpPr>
             <a:spLocks noGrp="1"/>
           </p:cNvSpPr>
@@ -1314,8 +1306,8 @@
         </p:nvSpPr>
         <p:spPr>
           <a:xfrm>
-            <a:off x="504000" y="301320"/>
-            <a:ext cx="9072000" cy="1261800"/>
+            <a:off x="360000" y="301320"/>
+            <a:ext cx="9360000" cy="958680"/>
           </a:xfrm>
           <a:prstGeom prst="rect">
             <a:avLst/>
@@ -1324,24 +1316,23 @@
         <p:txBody>
           <a:bodyPr lIns="0" rIns="0" tIns="0" bIns="0" anchor="ctr"/>
           <a:p>
-            <a:pPr algn="ctr"/>
-            <a:endParaRPr b="0" lang="de-DE" sz="4400" spc="-1" strike="noStrike">
-              <a:solidFill>
-                <a:srgbClr val="000000"/>
-              </a:solidFill>
-              <a:uFill>
-                <a:solidFill>
-                  <a:srgbClr val="ffffff"/>
-                </a:solidFill>
-              </a:uFill>
-              <a:latin typeface="Arial"/>
-            </a:endParaRPr>
-          </a:p>
-        </p:txBody>
-      </p:sp>
-      <p:sp>
-        <p:nvSpPr>
-          <p:cNvPr id="58" name="PlaceHolder 2"/>
+            <a:endParaRPr b="1" lang="de-DE" sz="3600" spc="-1" strike="noStrike">
+              <a:solidFill>
+                <a:srgbClr val="ffffff"/>
+              </a:solidFill>
+              <a:uFill>
+                <a:solidFill>
+                  <a:srgbClr val="ffffff"/>
+                </a:solidFill>
+              </a:uFill>
+              <a:latin typeface="Source Sans Pro Black"/>
+            </a:endParaRPr>
+          </a:p>
+        </p:txBody>
+      </p:sp>
+      <p:sp>
+        <p:nvSpPr>
+          <p:cNvPr id="61" name="PlaceHolder 2"/>
           <p:cNvSpPr>
             <a:spLocks noGrp="1"/>
           </p:cNvSpPr>
@@ -1351,8 +1342,8 @@
         </p:nvSpPr>
         <p:spPr>
           <a:xfrm>
-            <a:off x="504000" y="1768680"/>
-            <a:ext cx="4426920" cy="4384080"/>
+            <a:off x="360000" y="1980000"/>
+            <a:ext cx="4567320" cy="5040000"/>
           </a:xfrm>
           <a:prstGeom prst="rect">
             <a:avLst/>
@@ -1361,23 +1352,23 @@
         <p:txBody>
           <a:bodyPr lIns="0" rIns="0" tIns="0" bIns="0"/>
           <a:p>
-            <a:endParaRPr b="0" lang="de-DE" sz="3200" spc="-1" strike="noStrike">
-              <a:solidFill>
-                <a:srgbClr val="000000"/>
-              </a:solidFill>
-              <a:uFill>
-                <a:solidFill>
-                  <a:srgbClr val="ffffff"/>
-                </a:solidFill>
-              </a:uFill>
-              <a:latin typeface="Arial"/>
-            </a:endParaRPr>
-          </a:p>
-        </p:txBody>
-      </p:sp>
-      <p:sp>
-        <p:nvSpPr>
-          <p:cNvPr id="59" name="PlaceHolder 3"/>
+            <a:endParaRPr b="1" lang="de-DE" sz="3200" spc="-1" strike="noStrike">
+              <a:solidFill>
+                <a:srgbClr val="2c3e50"/>
+              </a:solidFill>
+              <a:uFill>
+                <a:solidFill>
+                  <a:srgbClr val="ffffff"/>
+                </a:solidFill>
+              </a:uFill>
+              <a:latin typeface="Source Sans Pro Semibold"/>
+            </a:endParaRPr>
+          </a:p>
+        </p:txBody>
+      </p:sp>
+      <p:sp>
+        <p:nvSpPr>
+          <p:cNvPr id="62" name="PlaceHolder 3"/>
           <p:cNvSpPr>
             <a:spLocks noGrp="1"/>
           </p:cNvSpPr>
@@ -1387,8 +1378,8 @@
         </p:nvSpPr>
         <p:spPr>
           <a:xfrm>
-            <a:off x="5152680" y="1768680"/>
-            <a:ext cx="4426920" cy="2090880"/>
+            <a:off x="5155920" y="1980000"/>
+            <a:ext cx="4567320" cy="2403720"/>
           </a:xfrm>
           <a:prstGeom prst="rect">
             <a:avLst/>
@@ -1397,23 +1388,23 @@
         <p:txBody>
           <a:bodyPr lIns="0" rIns="0" tIns="0" bIns="0"/>
           <a:p>
-            <a:endParaRPr b="0" lang="de-DE" sz="3200" spc="-1" strike="noStrike">
-              <a:solidFill>
-                <a:srgbClr val="000000"/>
-              </a:solidFill>
-              <a:uFill>
-                <a:solidFill>
-                  <a:srgbClr val="ffffff"/>
-                </a:solidFill>
-              </a:uFill>
-              <a:latin typeface="Arial"/>
-            </a:endParaRPr>
-          </a:p>
-        </p:txBody>
-      </p:sp>
-      <p:sp>
-        <p:nvSpPr>
-          <p:cNvPr id="60" name="PlaceHolder 4"/>
+            <a:endParaRPr b="1" lang="de-DE" sz="3200" spc="-1" strike="noStrike">
+              <a:solidFill>
+                <a:srgbClr val="2c3e50"/>
+              </a:solidFill>
+              <a:uFill>
+                <a:solidFill>
+                  <a:srgbClr val="ffffff"/>
+                </a:solidFill>
+              </a:uFill>
+              <a:latin typeface="Source Sans Pro Semibold"/>
+            </a:endParaRPr>
+          </a:p>
+        </p:txBody>
+      </p:sp>
+      <p:sp>
+        <p:nvSpPr>
+          <p:cNvPr id="63" name="PlaceHolder 4"/>
           <p:cNvSpPr>
             <a:spLocks noGrp="1"/>
           </p:cNvSpPr>
@@ -1423,8 +1414,8 @@
         </p:nvSpPr>
         <p:spPr>
           <a:xfrm>
-            <a:off x="5152680" y="4058640"/>
-            <a:ext cx="4426920" cy="2090880"/>
+            <a:off x="5155920" y="4612320"/>
+            <a:ext cx="4567320" cy="2403720"/>
           </a:xfrm>
           <a:prstGeom prst="rect">
             <a:avLst/>
@@ -1433,16 +1424,16 @@
         <p:txBody>
           <a:bodyPr lIns="0" rIns="0" tIns="0" bIns="0"/>
           <a:p>
-            <a:endParaRPr b="0" lang="de-DE" sz="3200" spc="-1" strike="noStrike">
-              <a:solidFill>
-                <a:srgbClr val="000000"/>
-              </a:solidFill>
-              <a:uFill>
-                <a:solidFill>
-                  <a:srgbClr val="ffffff"/>
-                </a:solidFill>
-              </a:uFill>
-              <a:latin typeface="Arial"/>
+            <a:endParaRPr b="1" lang="de-DE" sz="3200" spc="-1" strike="noStrike">
+              <a:solidFill>
+                <a:srgbClr val="2c3e50"/>
+              </a:solidFill>
+              <a:uFill>
+                <a:solidFill>
+                  <a:srgbClr val="ffffff"/>
+                </a:solidFill>
+              </a:uFill>
+              <a:latin typeface="Source Sans Pro Semibold"/>
             </a:endParaRPr>
           </a:p>
         </p:txBody>
@@ -1471,7 +1462,7 @@
       </p:grpSpPr>
       <p:sp>
         <p:nvSpPr>
-          <p:cNvPr id="61" name="PlaceHolder 1"/>
+          <p:cNvPr id="64" name="PlaceHolder 1"/>
           <p:cNvSpPr>
             <a:spLocks noGrp="1"/>
           </p:cNvSpPr>
@@ -1481,8 +1472,8 @@
         </p:nvSpPr>
         <p:spPr>
           <a:xfrm>
-            <a:off x="504000" y="301320"/>
-            <a:ext cx="9072000" cy="1261800"/>
+            <a:off x="360000" y="301320"/>
+            <a:ext cx="9360000" cy="958680"/>
           </a:xfrm>
           <a:prstGeom prst="rect">
             <a:avLst/>
@@ -1491,24 +1482,23 @@
         <p:txBody>
           <a:bodyPr lIns="0" rIns="0" tIns="0" bIns="0" anchor="ctr"/>
           <a:p>
-            <a:pPr algn="ctr"/>
-            <a:endParaRPr b="0" lang="de-DE" sz="4400" spc="-1" strike="noStrike">
-              <a:solidFill>
-                <a:srgbClr val="000000"/>
-              </a:solidFill>
-              <a:uFill>
-                <a:solidFill>
-                  <a:srgbClr val="ffffff"/>
-                </a:solidFill>
-              </a:uFill>
-              <a:latin typeface="Arial"/>
-            </a:endParaRPr>
-          </a:p>
-        </p:txBody>
-      </p:sp>
-      <p:sp>
-        <p:nvSpPr>
-          <p:cNvPr id="62" name="PlaceHolder 2"/>
+            <a:endParaRPr b="1" lang="de-DE" sz="3600" spc="-1" strike="noStrike">
+              <a:solidFill>
+                <a:srgbClr val="ffffff"/>
+              </a:solidFill>
+              <a:uFill>
+                <a:solidFill>
+                  <a:srgbClr val="ffffff"/>
+                </a:solidFill>
+              </a:uFill>
+              <a:latin typeface="Source Sans Pro Black"/>
+            </a:endParaRPr>
+          </a:p>
+        </p:txBody>
+      </p:sp>
+      <p:sp>
+        <p:nvSpPr>
+          <p:cNvPr id="65" name="PlaceHolder 2"/>
           <p:cNvSpPr>
             <a:spLocks noGrp="1"/>
           </p:cNvSpPr>
@@ -1518,8 +1508,8 @@
         </p:nvSpPr>
         <p:spPr>
           <a:xfrm>
-            <a:off x="504000" y="1768680"/>
-            <a:ext cx="4426920" cy="2090880"/>
+            <a:off x="360000" y="1980000"/>
+            <a:ext cx="4567320" cy="2403720"/>
           </a:xfrm>
           <a:prstGeom prst="rect">
             <a:avLst/>
@@ -1528,23 +1518,23 @@
         <p:txBody>
           <a:bodyPr lIns="0" rIns="0" tIns="0" bIns="0"/>
           <a:p>
-            <a:endParaRPr b="0" lang="de-DE" sz="3200" spc="-1" strike="noStrike">
-              <a:solidFill>
-                <a:srgbClr val="000000"/>
-              </a:solidFill>
-              <a:uFill>
-                <a:solidFill>
-                  <a:srgbClr val="ffffff"/>
-                </a:solidFill>
-              </a:uFill>
-              <a:latin typeface="Arial"/>
-            </a:endParaRPr>
-          </a:p>
-        </p:txBody>
-      </p:sp>
-      <p:sp>
-        <p:nvSpPr>
-          <p:cNvPr id="63" name="PlaceHolder 3"/>
+            <a:endParaRPr b="1" lang="de-DE" sz="3200" spc="-1" strike="noStrike">
+              <a:solidFill>
+                <a:srgbClr val="2c3e50"/>
+              </a:solidFill>
+              <a:uFill>
+                <a:solidFill>
+                  <a:srgbClr val="ffffff"/>
+                </a:solidFill>
+              </a:uFill>
+              <a:latin typeface="Source Sans Pro Semibold"/>
+            </a:endParaRPr>
+          </a:p>
+        </p:txBody>
+      </p:sp>
+      <p:sp>
+        <p:nvSpPr>
+          <p:cNvPr id="66" name="PlaceHolder 3"/>
           <p:cNvSpPr>
             <a:spLocks noGrp="1"/>
           </p:cNvSpPr>
@@ -1554,8 +1544,8 @@
         </p:nvSpPr>
         <p:spPr>
           <a:xfrm>
-            <a:off x="5152680" y="1768680"/>
-            <a:ext cx="4426920" cy="2090880"/>
+            <a:off x="5155920" y="1980000"/>
+            <a:ext cx="4567320" cy="2403720"/>
           </a:xfrm>
           <a:prstGeom prst="rect">
             <a:avLst/>
@@ -1564,23 +1554,23 @@
         <p:txBody>
           <a:bodyPr lIns="0" rIns="0" tIns="0" bIns="0"/>
           <a:p>
-            <a:endParaRPr b="0" lang="de-DE" sz="3200" spc="-1" strike="noStrike">
-              <a:solidFill>
-                <a:srgbClr val="000000"/>
-              </a:solidFill>
-              <a:uFill>
-                <a:solidFill>
-                  <a:srgbClr val="ffffff"/>
-                </a:solidFill>
-              </a:uFill>
-              <a:latin typeface="Arial"/>
-            </a:endParaRPr>
-          </a:p>
-        </p:txBody>
-      </p:sp>
-      <p:sp>
-        <p:nvSpPr>
-          <p:cNvPr id="64" name="PlaceHolder 4"/>
+            <a:endParaRPr b="1" lang="de-DE" sz="3200" spc="-1" strike="noStrike">
+              <a:solidFill>
+                <a:srgbClr val="2c3e50"/>
+              </a:solidFill>
+              <a:uFill>
+                <a:solidFill>
+                  <a:srgbClr val="ffffff"/>
+                </a:solidFill>
+              </a:uFill>
+              <a:latin typeface="Source Sans Pro Semibold"/>
+            </a:endParaRPr>
+          </a:p>
+        </p:txBody>
+      </p:sp>
+      <p:sp>
+        <p:nvSpPr>
+          <p:cNvPr id="67" name="PlaceHolder 4"/>
           <p:cNvSpPr>
             <a:spLocks noGrp="1"/>
           </p:cNvSpPr>
@@ -1590,8 +1580,8 @@
         </p:nvSpPr>
         <p:spPr>
           <a:xfrm>
-            <a:off x="504000" y="4058640"/>
-            <a:ext cx="9072000" cy="2090880"/>
+            <a:off x="360000" y="4612320"/>
+            <a:ext cx="9360000" cy="2403720"/>
           </a:xfrm>
           <a:prstGeom prst="rect">
             <a:avLst/>
@@ -1600,16 +1590,16 @@
         <p:txBody>
           <a:bodyPr lIns="0" rIns="0" tIns="0" bIns="0"/>
           <a:p>
-            <a:endParaRPr b="0" lang="de-DE" sz="3200" spc="-1" strike="noStrike">
-              <a:solidFill>
-                <a:srgbClr val="000000"/>
-              </a:solidFill>
-              <a:uFill>
-                <a:solidFill>
-                  <a:srgbClr val="ffffff"/>
-                </a:solidFill>
-              </a:uFill>
-              <a:latin typeface="Arial"/>
+            <a:endParaRPr b="1" lang="de-DE" sz="3200" spc="-1" strike="noStrike">
+              <a:solidFill>
+                <a:srgbClr val="2c3e50"/>
+              </a:solidFill>
+              <a:uFill>
+                <a:solidFill>
+                  <a:srgbClr val="ffffff"/>
+                </a:solidFill>
+              </a:uFill>
+              <a:latin typeface="Source Sans Pro Semibold"/>
             </a:endParaRPr>
           </a:p>
         </p:txBody>
@@ -1638,7 +1628,7 @@
       </p:grpSpPr>
       <p:sp>
         <p:nvSpPr>
-          <p:cNvPr id="65" name="PlaceHolder 1"/>
+          <p:cNvPr id="68" name="PlaceHolder 1"/>
           <p:cNvSpPr>
             <a:spLocks noGrp="1"/>
           </p:cNvSpPr>
@@ -1648,8 +1638,8 @@
         </p:nvSpPr>
         <p:spPr>
           <a:xfrm>
-            <a:off x="504000" y="301320"/>
-            <a:ext cx="9072000" cy="1261800"/>
+            <a:off x="360000" y="301320"/>
+            <a:ext cx="9360000" cy="958680"/>
           </a:xfrm>
           <a:prstGeom prst="rect">
             <a:avLst/>
@@ -1658,24 +1648,23 @@
         <p:txBody>
           <a:bodyPr lIns="0" rIns="0" tIns="0" bIns="0" anchor="ctr"/>
           <a:p>
-            <a:pPr algn="ctr"/>
-            <a:endParaRPr b="0" lang="de-DE" sz="4400" spc="-1" strike="noStrike">
-              <a:solidFill>
-                <a:srgbClr val="000000"/>
-              </a:solidFill>
-              <a:uFill>
-                <a:solidFill>
-                  <a:srgbClr val="ffffff"/>
-                </a:solidFill>
-              </a:uFill>
-              <a:latin typeface="Arial"/>
-            </a:endParaRPr>
-          </a:p>
-        </p:txBody>
-      </p:sp>
-      <p:sp>
-        <p:nvSpPr>
-          <p:cNvPr id="66" name="PlaceHolder 2"/>
+            <a:endParaRPr b="1" lang="de-DE" sz="3600" spc="-1" strike="noStrike">
+              <a:solidFill>
+                <a:srgbClr val="ffffff"/>
+              </a:solidFill>
+              <a:uFill>
+                <a:solidFill>
+                  <a:srgbClr val="ffffff"/>
+                </a:solidFill>
+              </a:uFill>
+              <a:latin typeface="Source Sans Pro Black"/>
+            </a:endParaRPr>
+          </a:p>
+        </p:txBody>
+      </p:sp>
+      <p:sp>
+        <p:nvSpPr>
+          <p:cNvPr id="69" name="PlaceHolder 2"/>
           <p:cNvSpPr>
             <a:spLocks noGrp="1"/>
           </p:cNvSpPr>
@@ -1685,8 +1674,8 @@
         </p:nvSpPr>
         <p:spPr>
           <a:xfrm>
-            <a:off x="504000" y="1768680"/>
-            <a:ext cx="9072000" cy="2090880"/>
+            <a:off x="360000" y="1980000"/>
+            <a:ext cx="9360000" cy="2403720"/>
           </a:xfrm>
           <a:prstGeom prst="rect">
             <a:avLst/>
@@ -1695,23 +1684,23 @@
         <p:txBody>
           <a:bodyPr lIns="0" rIns="0" tIns="0" bIns="0"/>
           <a:p>
-            <a:endParaRPr b="0" lang="de-DE" sz="3200" spc="-1" strike="noStrike">
-              <a:solidFill>
-                <a:srgbClr val="000000"/>
-              </a:solidFill>
-              <a:uFill>
-                <a:solidFill>
-                  <a:srgbClr val="ffffff"/>
-                </a:solidFill>
-              </a:uFill>
-              <a:latin typeface="Arial"/>
-            </a:endParaRPr>
-          </a:p>
-        </p:txBody>
-      </p:sp>
-      <p:sp>
-        <p:nvSpPr>
-          <p:cNvPr id="67" name="PlaceHolder 3"/>
+            <a:endParaRPr b="1" lang="de-DE" sz="3200" spc="-1" strike="noStrike">
+              <a:solidFill>
+                <a:srgbClr val="2c3e50"/>
+              </a:solidFill>
+              <a:uFill>
+                <a:solidFill>
+                  <a:srgbClr val="ffffff"/>
+                </a:solidFill>
+              </a:uFill>
+              <a:latin typeface="Source Sans Pro Semibold"/>
+            </a:endParaRPr>
+          </a:p>
+        </p:txBody>
+      </p:sp>
+      <p:sp>
+        <p:nvSpPr>
+          <p:cNvPr id="70" name="PlaceHolder 3"/>
           <p:cNvSpPr>
             <a:spLocks noGrp="1"/>
           </p:cNvSpPr>
@@ -1721,8 +1710,8 @@
         </p:nvSpPr>
         <p:spPr>
           <a:xfrm>
-            <a:off x="504000" y="4058640"/>
-            <a:ext cx="9072000" cy="2090880"/>
+            <a:off x="360000" y="4612320"/>
+            <a:ext cx="9360000" cy="2403720"/>
           </a:xfrm>
           <a:prstGeom prst="rect">
             <a:avLst/>
@@ -1731,16 +1720,16 @@
         <p:txBody>
           <a:bodyPr lIns="0" rIns="0" tIns="0" bIns="0"/>
           <a:p>
-            <a:endParaRPr b="0" lang="de-DE" sz="3200" spc="-1" strike="noStrike">
-              <a:solidFill>
-                <a:srgbClr val="000000"/>
-              </a:solidFill>
-              <a:uFill>
-                <a:solidFill>
-                  <a:srgbClr val="ffffff"/>
-                </a:solidFill>
-              </a:uFill>
-              <a:latin typeface="Arial"/>
+            <a:endParaRPr b="1" lang="de-DE" sz="3200" spc="-1" strike="noStrike">
+              <a:solidFill>
+                <a:srgbClr val="2c3e50"/>
+              </a:solidFill>
+              <a:uFill>
+                <a:solidFill>
+                  <a:srgbClr val="ffffff"/>
+                </a:solidFill>
+              </a:uFill>
+              <a:latin typeface="Source Sans Pro Semibold"/>
             </a:endParaRPr>
           </a:p>
         </p:txBody>
@@ -1769,7 +1758,7 @@
       </p:grpSpPr>
       <p:sp>
         <p:nvSpPr>
-          <p:cNvPr id="68" name="PlaceHolder 1"/>
+          <p:cNvPr id="71" name="PlaceHolder 1"/>
           <p:cNvSpPr>
             <a:spLocks noGrp="1"/>
           </p:cNvSpPr>
@@ -1779,8 +1768,8 @@
         </p:nvSpPr>
         <p:spPr>
           <a:xfrm>
-            <a:off x="504000" y="301320"/>
-            <a:ext cx="9072000" cy="1261800"/>
+            <a:off x="360000" y="301320"/>
+            <a:ext cx="9360000" cy="958680"/>
           </a:xfrm>
           <a:prstGeom prst="rect">
             <a:avLst/>
@@ -1789,24 +1778,23 @@
         <p:txBody>
           <a:bodyPr lIns="0" rIns="0" tIns="0" bIns="0" anchor="ctr"/>
           <a:p>
-            <a:pPr algn="ctr"/>
-            <a:endParaRPr b="0" lang="de-DE" sz="4400" spc="-1" strike="noStrike">
-              <a:solidFill>
-                <a:srgbClr val="000000"/>
-              </a:solidFill>
-              <a:uFill>
-                <a:solidFill>
-                  <a:srgbClr val="ffffff"/>
-                </a:solidFill>
-              </a:uFill>
-              <a:latin typeface="Arial"/>
-            </a:endParaRPr>
-          </a:p>
-        </p:txBody>
-      </p:sp>
-      <p:sp>
-        <p:nvSpPr>
-          <p:cNvPr id="69" name="PlaceHolder 2"/>
+            <a:endParaRPr b="1" lang="de-DE" sz="3600" spc="-1" strike="noStrike">
+              <a:solidFill>
+                <a:srgbClr val="ffffff"/>
+              </a:solidFill>
+              <a:uFill>
+                <a:solidFill>
+                  <a:srgbClr val="ffffff"/>
+                </a:solidFill>
+              </a:uFill>
+              <a:latin typeface="Source Sans Pro Black"/>
+            </a:endParaRPr>
+          </a:p>
+        </p:txBody>
+      </p:sp>
+      <p:sp>
+        <p:nvSpPr>
+          <p:cNvPr id="72" name="PlaceHolder 2"/>
           <p:cNvSpPr>
             <a:spLocks noGrp="1"/>
           </p:cNvSpPr>
@@ -1816,8 +1804,8 @@
         </p:nvSpPr>
         <p:spPr>
           <a:xfrm>
-            <a:off x="504000" y="1768680"/>
-            <a:ext cx="4426920" cy="2090880"/>
+            <a:off x="360000" y="1980000"/>
+            <a:ext cx="4567320" cy="2403720"/>
           </a:xfrm>
           <a:prstGeom prst="rect">
             <a:avLst/>
@@ -1826,23 +1814,23 @@
         <p:txBody>
           <a:bodyPr lIns="0" rIns="0" tIns="0" bIns="0"/>
           <a:p>
-            <a:endParaRPr b="0" lang="de-DE" sz="3200" spc="-1" strike="noStrike">
-              <a:solidFill>
-                <a:srgbClr val="000000"/>
-              </a:solidFill>
-              <a:uFill>
-                <a:solidFill>
-                  <a:srgbClr val="ffffff"/>
-                </a:solidFill>
-              </a:uFill>
-              <a:latin typeface="Arial"/>
-            </a:endParaRPr>
-          </a:p>
-        </p:txBody>
-      </p:sp>
-      <p:sp>
-        <p:nvSpPr>
-          <p:cNvPr id="70" name="PlaceHolder 3"/>
+            <a:endParaRPr b="1" lang="de-DE" sz="3200" spc="-1" strike="noStrike">
+              <a:solidFill>
+                <a:srgbClr val="2c3e50"/>
+              </a:solidFill>
+              <a:uFill>
+                <a:solidFill>
+                  <a:srgbClr val="ffffff"/>
+                </a:solidFill>
+              </a:uFill>
+              <a:latin typeface="Source Sans Pro Semibold"/>
+            </a:endParaRPr>
+          </a:p>
+        </p:txBody>
+      </p:sp>
+      <p:sp>
+        <p:nvSpPr>
+          <p:cNvPr id="73" name="PlaceHolder 3"/>
           <p:cNvSpPr>
             <a:spLocks noGrp="1"/>
           </p:cNvSpPr>
@@ -1852,8 +1840,8 @@
         </p:nvSpPr>
         <p:spPr>
           <a:xfrm>
-            <a:off x="5152680" y="1768680"/>
-            <a:ext cx="4426920" cy="2090880"/>
+            <a:off x="5155920" y="1980000"/>
+            <a:ext cx="4567320" cy="2403720"/>
           </a:xfrm>
           <a:prstGeom prst="rect">
             <a:avLst/>
@@ -1862,23 +1850,23 @@
         <p:txBody>
           <a:bodyPr lIns="0" rIns="0" tIns="0" bIns="0"/>
           <a:p>
-            <a:endParaRPr b="0" lang="de-DE" sz="3200" spc="-1" strike="noStrike">
-              <a:solidFill>
-                <a:srgbClr val="000000"/>
-              </a:solidFill>
-              <a:uFill>
-                <a:solidFill>
-                  <a:srgbClr val="ffffff"/>
-                </a:solidFill>
-              </a:uFill>
-              <a:latin typeface="Arial"/>
-            </a:endParaRPr>
-          </a:p>
-        </p:txBody>
-      </p:sp>
-      <p:sp>
-        <p:nvSpPr>
-          <p:cNvPr id="71" name="PlaceHolder 4"/>
+            <a:endParaRPr b="1" lang="de-DE" sz="3200" spc="-1" strike="noStrike">
+              <a:solidFill>
+                <a:srgbClr val="2c3e50"/>
+              </a:solidFill>
+              <a:uFill>
+                <a:solidFill>
+                  <a:srgbClr val="ffffff"/>
+                </a:solidFill>
+              </a:uFill>
+              <a:latin typeface="Source Sans Pro Semibold"/>
+            </a:endParaRPr>
+          </a:p>
+        </p:txBody>
+      </p:sp>
+      <p:sp>
+        <p:nvSpPr>
+          <p:cNvPr id="74" name="PlaceHolder 4"/>
           <p:cNvSpPr>
             <a:spLocks noGrp="1"/>
           </p:cNvSpPr>
@@ -1888,8 +1876,8 @@
         </p:nvSpPr>
         <p:spPr>
           <a:xfrm>
-            <a:off x="5152680" y="4058640"/>
-            <a:ext cx="4426920" cy="2090880"/>
+            <a:off x="5155920" y="4612320"/>
+            <a:ext cx="4567320" cy="2403720"/>
           </a:xfrm>
           <a:prstGeom prst="rect">
             <a:avLst/>
@@ -1898,23 +1886,23 @@
         <p:txBody>
           <a:bodyPr lIns="0" rIns="0" tIns="0" bIns="0"/>
           <a:p>
-            <a:endParaRPr b="0" lang="de-DE" sz="3200" spc="-1" strike="noStrike">
-              <a:solidFill>
-                <a:srgbClr val="000000"/>
-              </a:solidFill>
-              <a:uFill>
-                <a:solidFill>
-                  <a:srgbClr val="ffffff"/>
-                </a:solidFill>
-              </a:uFill>
-              <a:latin typeface="Arial"/>
-            </a:endParaRPr>
-          </a:p>
-        </p:txBody>
-      </p:sp>
-      <p:sp>
-        <p:nvSpPr>
-          <p:cNvPr id="72" name="PlaceHolder 5"/>
+            <a:endParaRPr b="1" lang="de-DE" sz="3200" spc="-1" strike="noStrike">
+              <a:solidFill>
+                <a:srgbClr val="2c3e50"/>
+              </a:solidFill>
+              <a:uFill>
+                <a:solidFill>
+                  <a:srgbClr val="ffffff"/>
+                </a:solidFill>
+              </a:uFill>
+              <a:latin typeface="Source Sans Pro Semibold"/>
+            </a:endParaRPr>
+          </a:p>
+        </p:txBody>
+      </p:sp>
+      <p:sp>
+        <p:nvSpPr>
+          <p:cNvPr id="75" name="PlaceHolder 5"/>
           <p:cNvSpPr>
             <a:spLocks noGrp="1"/>
           </p:cNvSpPr>
@@ -1924,8 +1912,8 @@
         </p:nvSpPr>
         <p:spPr>
           <a:xfrm>
-            <a:off x="504000" y="4058640"/>
-            <a:ext cx="4426920" cy="2090880"/>
+            <a:off x="360000" y="4612320"/>
+            <a:ext cx="4567320" cy="2403720"/>
           </a:xfrm>
           <a:prstGeom prst="rect">
             <a:avLst/>
@@ -1934,16 +1922,16 @@
         <p:txBody>
           <a:bodyPr lIns="0" rIns="0" tIns="0" bIns="0"/>
           <a:p>
-            <a:endParaRPr b="0" lang="de-DE" sz="3200" spc="-1" strike="noStrike">
-              <a:solidFill>
-                <a:srgbClr val="000000"/>
-              </a:solidFill>
-              <a:uFill>
-                <a:solidFill>
-                  <a:srgbClr val="ffffff"/>
-                </a:solidFill>
-              </a:uFill>
-              <a:latin typeface="Arial"/>
+            <a:endParaRPr b="1" lang="de-DE" sz="3200" spc="-1" strike="noStrike">
+              <a:solidFill>
+                <a:srgbClr val="2c3e50"/>
+              </a:solidFill>
+              <a:uFill>
+                <a:solidFill>
+                  <a:srgbClr val="ffffff"/>
+                </a:solidFill>
+              </a:uFill>
+              <a:latin typeface="Source Sans Pro Semibold"/>
             </a:endParaRPr>
           </a:p>
         </p:txBody>
@@ -1972,7 +1960,7 @@
       </p:grpSpPr>
       <p:sp>
         <p:nvSpPr>
-          <p:cNvPr id="73" name="PlaceHolder 1"/>
+          <p:cNvPr id="76" name="PlaceHolder 1"/>
           <p:cNvSpPr>
             <a:spLocks noGrp="1"/>
           </p:cNvSpPr>
@@ -1982,8 +1970,8 @@
         </p:nvSpPr>
         <p:spPr>
           <a:xfrm>
-            <a:off x="504000" y="301320"/>
-            <a:ext cx="9072000" cy="1261800"/>
+            <a:off x="360000" y="301320"/>
+            <a:ext cx="9360000" cy="958680"/>
           </a:xfrm>
           <a:prstGeom prst="rect">
             <a:avLst/>
@@ -1992,24 +1980,23 @@
         <p:txBody>
           <a:bodyPr lIns="0" rIns="0" tIns="0" bIns="0" anchor="ctr"/>
           <a:p>
-            <a:pPr algn="ctr"/>
-            <a:endParaRPr b="0" lang="de-DE" sz="4400" spc="-1" strike="noStrike">
-              <a:solidFill>
-                <a:srgbClr val="000000"/>
-              </a:solidFill>
-              <a:uFill>
-                <a:solidFill>
-                  <a:srgbClr val="ffffff"/>
-                </a:solidFill>
-              </a:uFill>
-              <a:latin typeface="Arial"/>
-            </a:endParaRPr>
-          </a:p>
-        </p:txBody>
-      </p:sp>
-      <p:sp>
-        <p:nvSpPr>
-          <p:cNvPr id="74" name="PlaceHolder 2"/>
+            <a:endParaRPr b="1" lang="de-DE" sz="3600" spc="-1" strike="noStrike">
+              <a:solidFill>
+                <a:srgbClr val="ffffff"/>
+              </a:solidFill>
+              <a:uFill>
+                <a:solidFill>
+                  <a:srgbClr val="ffffff"/>
+                </a:solidFill>
+              </a:uFill>
+              <a:latin typeface="Source Sans Pro Black"/>
+            </a:endParaRPr>
+          </a:p>
+        </p:txBody>
+      </p:sp>
+      <p:sp>
+        <p:nvSpPr>
+          <p:cNvPr id="77" name="PlaceHolder 2"/>
           <p:cNvSpPr>
             <a:spLocks noGrp="1"/>
           </p:cNvSpPr>
@@ -2019,8 +2006,8 @@
         </p:nvSpPr>
         <p:spPr>
           <a:xfrm>
-            <a:off x="504000" y="1768680"/>
-            <a:ext cx="9072000" cy="4384080"/>
+            <a:off x="360000" y="1980000"/>
+            <a:ext cx="9360000" cy="5040000"/>
           </a:xfrm>
           <a:prstGeom prst="rect">
             <a:avLst/>
@@ -2029,23 +2016,23 @@
         <p:txBody>
           <a:bodyPr lIns="0" rIns="0" tIns="0" bIns="0"/>
           <a:p>
-            <a:endParaRPr b="0" lang="de-DE" sz="3200" spc="-1" strike="noStrike">
-              <a:solidFill>
-                <a:srgbClr val="000000"/>
-              </a:solidFill>
-              <a:uFill>
-                <a:solidFill>
-                  <a:srgbClr val="ffffff"/>
-                </a:solidFill>
-              </a:uFill>
-              <a:latin typeface="Arial"/>
-            </a:endParaRPr>
-          </a:p>
-        </p:txBody>
-      </p:sp>
-      <p:sp>
-        <p:nvSpPr>
-          <p:cNvPr id="75" name="PlaceHolder 3"/>
+            <a:endParaRPr b="1" lang="de-DE" sz="3200" spc="-1" strike="noStrike">
+              <a:solidFill>
+                <a:srgbClr val="2c3e50"/>
+              </a:solidFill>
+              <a:uFill>
+                <a:solidFill>
+                  <a:srgbClr val="ffffff"/>
+                </a:solidFill>
+              </a:uFill>
+              <a:latin typeface="Source Sans Pro Semibold"/>
+            </a:endParaRPr>
+          </a:p>
+        </p:txBody>
+      </p:sp>
+      <p:sp>
+        <p:nvSpPr>
+          <p:cNvPr id="78" name="PlaceHolder 3"/>
           <p:cNvSpPr>
             <a:spLocks noGrp="1"/>
           </p:cNvSpPr>
@@ -2055,8 +2042,8 @@
         </p:nvSpPr>
         <p:spPr>
           <a:xfrm>
-            <a:off x="504000" y="1768680"/>
-            <a:ext cx="9072000" cy="4384080"/>
+            <a:off x="360000" y="1980000"/>
+            <a:ext cx="9360000" cy="5040000"/>
           </a:xfrm>
           <a:prstGeom prst="rect">
             <a:avLst/>
@@ -2065,23 +2052,23 @@
         <p:txBody>
           <a:bodyPr lIns="0" rIns="0" tIns="0" bIns="0"/>
           <a:p>
-            <a:endParaRPr b="0" lang="de-DE" sz="3200" spc="-1" strike="noStrike">
-              <a:solidFill>
-                <a:srgbClr val="000000"/>
-              </a:solidFill>
-              <a:uFill>
-                <a:solidFill>
-                  <a:srgbClr val="ffffff"/>
-                </a:solidFill>
-              </a:uFill>
-              <a:latin typeface="Arial"/>
+            <a:endParaRPr b="1" lang="de-DE" sz="3200" spc="-1" strike="noStrike">
+              <a:solidFill>
+                <a:srgbClr val="2c3e50"/>
+              </a:solidFill>
+              <a:uFill>
+                <a:solidFill>
+                  <a:srgbClr val="ffffff"/>
+                </a:solidFill>
+              </a:uFill>
+              <a:latin typeface="Source Sans Pro Semibold"/>
             </a:endParaRPr>
           </a:p>
         </p:txBody>
       </p:sp>
       <p:pic>
         <p:nvPicPr>
-          <p:cNvPr id="76" name="" descr=""/>
+          <p:cNvPr id="79" name="" descr=""/>
           <p:cNvPicPr/>
           <p:nvPr/>
         </p:nvPicPr>
@@ -2091,8 +2078,8 @@
         </p:blipFill>
         <p:spPr>
           <a:xfrm>
-            <a:off x="2292480" y="1768680"/>
-            <a:ext cx="5494680" cy="4384080"/>
+            <a:off x="1881720" y="1980000"/>
+            <a:ext cx="6316560" cy="5040000"/>
           </a:xfrm>
           <a:prstGeom prst="rect">
             <a:avLst/>
@@ -2104,7 +2091,7 @@
       </p:pic>
       <p:pic>
         <p:nvPicPr>
-          <p:cNvPr id="77" name="" descr=""/>
+          <p:cNvPr id="80" name="" descr=""/>
           <p:cNvPicPr/>
           <p:nvPr/>
         </p:nvPicPr>
@@ -2114,8 +2101,8 @@
         </p:blipFill>
         <p:spPr>
           <a:xfrm>
-            <a:off x="2292480" y="1768680"/>
-            <a:ext cx="5494680" cy="4384080"/>
+            <a:off x="1881720" y="1980000"/>
+            <a:ext cx="6316560" cy="5040000"/>
           </a:xfrm>
           <a:prstGeom prst="rect">
             <a:avLst/>
@@ -2159,8 +2146,8 @@
         </p:nvSpPr>
         <p:spPr>
           <a:xfrm>
-            <a:off x="504000" y="301320"/>
-            <a:ext cx="9072000" cy="1261800"/>
+            <a:off x="360000" y="301320"/>
+            <a:ext cx="9360000" cy="958680"/>
           </a:xfrm>
           <a:prstGeom prst="rect">
             <a:avLst/>
@@ -2169,17 +2156,16 @@
         <p:txBody>
           <a:bodyPr lIns="0" rIns="0" tIns="0" bIns="0" anchor="ctr"/>
           <a:p>
-            <a:pPr algn="ctr"/>
-            <a:endParaRPr b="0" lang="de-DE" sz="4400" spc="-1" strike="noStrike">
-              <a:solidFill>
-                <a:srgbClr val="000000"/>
-              </a:solidFill>
-              <a:uFill>
-                <a:solidFill>
-                  <a:srgbClr val="ffffff"/>
-                </a:solidFill>
-              </a:uFill>
-              <a:latin typeface="Arial"/>
+            <a:endParaRPr b="1" lang="de-DE" sz="3600" spc="-1" strike="noStrike">
+              <a:solidFill>
+                <a:srgbClr val="ffffff"/>
+              </a:solidFill>
+              <a:uFill>
+                <a:solidFill>
+                  <a:srgbClr val="ffffff"/>
+                </a:solidFill>
+              </a:uFill>
+              <a:latin typeface="Source Sans Pro Black"/>
             </a:endParaRPr>
           </a:p>
         </p:txBody>
@@ -2196,8 +2182,8 @@
         </p:nvSpPr>
         <p:spPr>
           <a:xfrm>
-            <a:off x="504000" y="1768680"/>
-            <a:ext cx="9072000" cy="4384080"/>
+            <a:off x="360000" y="1980000"/>
+            <a:ext cx="9360000" cy="5040000"/>
           </a:xfrm>
           <a:prstGeom prst="rect">
             <a:avLst/>
@@ -2206,16 +2192,16 @@
         <p:txBody>
           <a:bodyPr lIns="0" rIns="0" tIns="0" bIns="0"/>
           <a:p>
-            <a:endParaRPr b="0" lang="de-DE" sz="3200" spc="-1" strike="noStrike">
-              <a:solidFill>
-                <a:srgbClr val="000000"/>
-              </a:solidFill>
-              <a:uFill>
-                <a:solidFill>
-                  <a:srgbClr val="ffffff"/>
-                </a:solidFill>
-              </a:uFill>
-              <a:latin typeface="Arial"/>
+            <a:endParaRPr b="1" lang="de-DE" sz="3200" spc="-1" strike="noStrike">
+              <a:solidFill>
+                <a:srgbClr val="2c3e50"/>
+              </a:solidFill>
+              <a:uFill>
+                <a:solidFill>
+                  <a:srgbClr val="ffffff"/>
+                </a:solidFill>
+              </a:uFill>
+              <a:latin typeface="Source Sans Pro Semibold"/>
             </a:endParaRPr>
           </a:p>
         </p:txBody>
@@ -2254,8 +2240,8 @@
         </p:nvSpPr>
         <p:spPr>
           <a:xfrm>
-            <a:off x="504000" y="301320"/>
-            <a:ext cx="9072000" cy="1261800"/>
+            <a:off x="360000" y="301320"/>
+            <a:ext cx="9360000" cy="958680"/>
           </a:xfrm>
           <a:prstGeom prst="rect">
             <a:avLst/>
@@ -2264,17 +2250,16 @@
         <p:txBody>
           <a:bodyPr lIns="0" rIns="0" tIns="0" bIns="0" anchor="ctr"/>
           <a:p>
-            <a:pPr algn="ctr"/>
-            <a:endParaRPr b="0" lang="de-DE" sz="4400" spc="-1" strike="noStrike">
-              <a:solidFill>
-                <a:srgbClr val="000000"/>
-              </a:solidFill>
-              <a:uFill>
-                <a:solidFill>
-                  <a:srgbClr val="ffffff"/>
-                </a:solidFill>
-              </a:uFill>
-              <a:latin typeface="Arial"/>
+            <a:endParaRPr b="1" lang="de-DE" sz="3600" spc="-1" strike="noStrike">
+              <a:solidFill>
+                <a:srgbClr val="ffffff"/>
+              </a:solidFill>
+              <a:uFill>
+                <a:solidFill>
+                  <a:srgbClr val="ffffff"/>
+                </a:solidFill>
+              </a:uFill>
+              <a:latin typeface="Source Sans Pro Black"/>
             </a:endParaRPr>
           </a:p>
         </p:txBody>
@@ -2291,8 +2276,8 @@
         </p:nvSpPr>
         <p:spPr>
           <a:xfrm>
-            <a:off x="504000" y="1768680"/>
-            <a:ext cx="4426920" cy="4384080"/>
+            <a:off x="360000" y="1980000"/>
+            <a:ext cx="4567320" cy="5040000"/>
           </a:xfrm>
           <a:prstGeom prst="rect">
             <a:avLst/>
@@ -2301,16 +2286,16 @@
         <p:txBody>
           <a:bodyPr lIns="0" rIns="0" tIns="0" bIns="0"/>
           <a:p>
-            <a:endParaRPr b="0" lang="de-DE" sz="3200" spc="-1" strike="noStrike">
-              <a:solidFill>
-                <a:srgbClr val="000000"/>
-              </a:solidFill>
-              <a:uFill>
-                <a:solidFill>
-                  <a:srgbClr val="ffffff"/>
-                </a:solidFill>
-              </a:uFill>
-              <a:latin typeface="Arial"/>
+            <a:endParaRPr b="1" lang="de-DE" sz="3200" spc="-1" strike="noStrike">
+              <a:solidFill>
+                <a:srgbClr val="2c3e50"/>
+              </a:solidFill>
+              <a:uFill>
+                <a:solidFill>
+                  <a:srgbClr val="ffffff"/>
+                </a:solidFill>
+              </a:uFill>
+              <a:latin typeface="Source Sans Pro Semibold"/>
             </a:endParaRPr>
           </a:p>
         </p:txBody>
@@ -2327,8 +2312,8 @@
         </p:nvSpPr>
         <p:spPr>
           <a:xfrm>
-            <a:off x="5152680" y="1768680"/>
-            <a:ext cx="4426920" cy="4384080"/>
+            <a:off x="5155920" y="1980000"/>
+            <a:ext cx="4567320" cy="5040000"/>
           </a:xfrm>
           <a:prstGeom prst="rect">
             <a:avLst/>
@@ -2337,16 +2322,16 @@
         <p:txBody>
           <a:bodyPr lIns="0" rIns="0" tIns="0" bIns="0"/>
           <a:p>
-            <a:endParaRPr b="0" lang="de-DE" sz="3200" spc="-1" strike="noStrike">
-              <a:solidFill>
-                <a:srgbClr val="000000"/>
-              </a:solidFill>
-              <a:uFill>
-                <a:solidFill>
-                  <a:srgbClr val="ffffff"/>
-                </a:solidFill>
-              </a:uFill>
-              <a:latin typeface="Arial"/>
+            <a:endParaRPr b="1" lang="de-DE" sz="3200" spc="-1" strike="noStrike">
+              <a:solidFill>
+                <a:srgbClr val="2c3e50"/>
+              </a:solidFill>
+              <a:uFill>
+                <a:solidFill>
+                  <a:srgbClr val="ffffff"/>
+                </a:solidFill>
+              </a:uFill>
+              <a:latin typeface="Source Sans Pro Semibold"/>
             </a:endParaRPr>
           </a:p>
         </p:txBody>
@@ -2385,8 +2370,8 @@
         </p:nvSpPr>
         <p:spPr>
           <a:xfrm>
-            <a:off x="504000" y="301320"/>
-            <a:ext cx="9072000" cy="1261800"/>
+            <a:off x="360000" y="301320"/>
+            <a:ext cx="9360000" cy="958680"/>
           </a:xfrm>
           <a:prstGeom prst="rect">
             <a:avLst/>
@@ -2395,17 +2380,16 @@
         <p:txBody>
           <a:bodyPr lIns="0" rIns="0" tIns="0" bIns="0" anchor="ctr"/>
           <a:p>
-            <a:pPr algn="ctr"/>
-            <a:endParaRPr b="0" lang="de-DE" sz="4400" spc="-1" strike="noStrike">
-              <a:solidFill>
-                <a:srgbClr val="000000"/>
-              </a:solidFill>
-              <a:uFill>
-                <a:solidFill>
-                  <a:srgbClr val="ffffff"/>
-                </a:solidFill>
-              </a:uFill>
-              <a:latin typeface="Arial"/>
+            <a:endParaRPr b="1" lang="de-DE" sz="3600" spc="-1" strike="noStrike">
+              <a:solidFill>
+                <a:srgbClr val="ffffff"/>
+              </a:solidFill>
+              <a:uFill>
+                <a:solidFill>
+                  <a:srgbClr val="ffffff"/>
+                </a:solidFill>
+              </a:uFill>
+              <a:latin typeface="Source Sans Pro Black"/>
             </a:endParaRPr>
           </a:p>
         </p:txBody>
@@ -2444,8 +2428,8 @@
         </p:nvSpPr>
         <p:spPr>
           <a:xfrm>
-            <a:off x="504000" y="301320"/>
-            <a:ext cx="9072000" cy="5850360"/>
+            <a:off x="360000" y="301320"/>
+            <a:ext cx="9360000" cy="4445280"/>
           </a:xfrm>
           <a:prstGeom prst="rect">
             <a:avLst/>
@@ -2457,14 +2441,14 @@
             <a:pPr algn="ctr"/>
             <a:endParaRPr b="0" lang="de-DE" sz="3200" spc="-1" strike="noStrike">
               <a:solidFill>
-                <a:srgbClr val="000000"/>
-              </a:solidFill>
-              <a:uFill>
-                <a:solidFill>
-                  <a:srgbClr val="ffffff"/>
-                </a:solidFill>
-              </a:uFill>
-              <a:latin typeface="Arial"/>
+                <a:srgbClr val="2c3e50"/>
+              </a:solidFill>
+              <a:uFill>
+                <a:solidFill>
+                  <a:srgbClr val="ffffff"/>
+                </a:solidFill>
+              </a:uFill>
+              <a:latin typeface="Source Sans Pro"/>
             </a:endParaRPr>
           </a:p>
         </p:txBody>
@@ -2503,8 +2487,8 @@
         </p:nvSpPr>
         <p:spPr>
           <a:xfrm>
-            <a:off x="504000" y="301320"/>
-            <a:ext cx="9072000" cy="1261800"/>
+            <a:off x="360000" y="301320"/>
+            <a:ext cx="9360000" cy="958680"/>
           </a:xfrm>
           <a:prstGeom prst="rect">
             <a:avLst/>
@@ -2513,17 +2497,16 @@
         <p:txBody>
           <a:bodyPr lIns="0" rIns="0" tIns="0" bIns="0" anchor="ctr"/>
           <a:p>
-            <a:pPr algn="ctr"/>
-            <a:endParaRPr b="0" lang="de-DE" sz="4400" spc="-1" strike="noStrike">
-              <a:solidFill>
-                <a:srgbClr val="000000"/>
-              </a:solidFill>
-              <a:uFill>
-                <a:solidFill>
-                  <a:srgbClr val="ffffff"/>
-                </a:solidFill>
-              </a:uFill>
-              <a:latin typeface="Arial"/>
+            <a:endParaRPr b="1" lang="de-DE" sz="3600" spc="-1" strike="noStrike">
+              <a:solidFill>
+                <a:srgbClr val="ffffff"/>
+              </a:solidFill>
+              <a:uFill>
+                <a:solidFill>
+                  <a:srgbClr val="ffffff"/>
+                </a:solidFill>
+              </a:uFill>
+              <a:latin typeface="Source Sans Pro Black"/>
             </a:endParaRPr>
           </a:p>
         </p:txBody>
@@ -2540,8 +2523,8 @@
         </p:nvSpPr>
         <p:spPr>
           <a:xfrm>
-            <a:off x="504000" y="1768680"/>
-            <a:ext cx="4426920" cy="2090880"/>
+            <a:off x="360000" y="1980000"/>
+            <a:ext cx="4567320" cy="2403720"/>
           </a:xfrm>
           <a:prstGeom prst="rect">
             <a:avLst/>
@@ -2550,16 +2533,16 @@
         <p:txBody>
           <a:bodyPr lIns="0" rIns="0" tIns="0" bIns="0"/>
           <a:p>
-            <a:endParaRPr b="0" lang="de-DE" sz="3200" spc="-1" strike="noStrike">
-              <a:solidFill>
-                <a:srgbClr val="000000"/>
-              </a:solidFill>
-              <a:uFill>
-                <a:solidFill>
-                  <a:srgbClr val="ffffff"/>
-                </a:solidFill>
-              </a:uFill>
-              <a:latin typeface="Arial"/>
+            <a:endParaRPr b="1" lang="de-DE" sz="3200" spc="-1" strike="noStrike">
+              <a:solidFill>
+                <a:srgbClr val="2c3e50"/>
+              </a:solidFill>
+              <a:uFill>
+                <a:solidFill>
+                  <a:srgbClr val="ffffff"/>
+                </a:solidFill>
+              </a:uFill>
+              <a:latin typeface="Source Sans Pro Semibold"/>
             </a:endParaRPr>
           </a:p>
         </p:txBody>
@@ -2576,8 +2559,8 @@
         </p:nvSpPr>
         <p:spPr>
           <a:xfrm>
-            <a:off x="504000" y="4058640"/>
-            <a:ext cx="4426920" cy="2090880"/>
+            <a:off x="360000" y="4612320"/>
+            <a:ext cx="4567320" cy="2403720"/>
           </a:xfrm>
           <a:prstGeom prst="rect">
             <a:avLst/>
@@ -2586,16 +2569,16 @@
         <p:txBody>
           <a:bodyPr lIns="0" rIns="0" tIns="0" bIns="0"/>
           <a:p>
-            <a:endParaRPr b="0" lang="de-DE" sz="3200" spc="-1" strike="noStrike">
-              <a:solidFill>
-                <a:srgbClr val="000000"/>
-              </a:solidFill>
-              <a:uFill>
-                <a:solidFill>
-                  <a:srgbClr val="ffffff"/>
-                </a:solidFill>
-              </a:uFill>
-              <a:latin typeface="Arial"/>
+            <a:endParaRPr b="1" lang="de-DE" sz="3200" spc="-1" strike="noStrike">
+              <a:solidFill>
+                <a:srgbClr val="2c3e50"/>
+              </a:solidFill>
+              <a:uFill>
+                <a:solidFill>
+                  <a:srgbClr val="ffffff"/>
+                </a:solidFill>
+              </a:uFill>
+              <a:latin typeface="Source Sans Pro Semibold"/>
             </a:endParaRPr>
           </a:p>
         </p:txBody>
@@ -2612,8 +2595,8 @@
         </p:nvSpPr>
         <p:spPr>
           <a:xfrm>
-            <a:off x="5152680" y="1768680"/>
-            <a:ext cx="4426920" cy="4384080"/>
+            <a:off x="5155920" y="1980000"/>
+            <a:ext cx="4567320" cy="5040000"/>
           </a:xfrm>
           <a:prstGeom prst="rect">
             <a:avLst/>
@@ -2622,16 +2605,16 @@
         <p:txBody>
           <a:bodyPr lIns="0" rIns="0" tIns="0" bIns="0"/>
           <a:p>
-            <a:endParaRPr b="0" lang="de-DE" sz="3200" spc="-1" strike="noStrike">
-              <a:solidFill>
-                <a:srgbClr val="000000"/>
-              </a:solidFill>
-              <a:uFill>
-                <a:solidFill>
-                  <a:srgbClr val="ffffff"/>
-                </a:solidFill>
-              </a:uFill>
-              <a:latin typeface="Arial"/>
+            <a:endParaRPr b="1" lang="de-DE" sz="3200" spc="-1" strike="noStrike">
+              <a:solidFill>
+                <a:srgbClr val="2c3e50"/>
+              </a:solidFill>
+              <a:uFill>
+                <a:solidFill>
+                  <a:srgbClr val="ffffff"/>
+                </a:solidFill>
+              </a:uFill>
+              <a:latin typeface="Source Sans Pro Semibold"/>
             </a:endParaRPr>
           </a:p>
         </p:txBody>
@@ -2670,8 +2653,8 @@
         </p:nvSpPr>
         <p:spPr>
           <a:xfrm>
-            <a:off x="504000" y="301320"/>
-            <a:ext cx="9072000" cy="1261800"/>
+            <a:off x="360000" y="301320"/>
+            <a:ext cx="9360000" cy="958680"/>
           </a:xfrm>
           <a:prstGeom prst="rect">
             <a:avLst/>
@@ -2680,17 +2663,16 @@
         <p:txBody>
           <a:bodyPr lIns="0" rIns="0" tIns="0" bIns="0" anchor="ctr"/>
           <a:p>
-            <a:pPr algn="ctr"/>
-            <a:endParaRPr b="0" lang="de-DE" sz="4400" spc="-1" strike="noStrike">
-              <a:solidFill>
-                <a:srgbClr val="000000"/>
-              </a:solidFill>
-              <a:uFill>
-                <a:solidFill>
-                  <a:srgbClr val="ffffff"/>
-                </a:solidFill>
-              </a:uFill>
-              <a:latin typeface="Arial"/>
+            <a:endParaRPr b="1" lang="de-DE" sz="3600" spc="-1" strike="noStrike">
+              <a:solidFill>
+                <a:srgbClr val="ffffff"/>
+              </a:solidFill>
+              <a:uFill>
+                <a:solidFill>
+                  <a:srgbClr val="ffffff"/>
+                </a:solidFill>
+              </a:uFill>
+              <a:latin typeface="Source Sans Pro Black"/>
             </a:endParaRPr>
           </a:p>
         </p:txBody>
@@ -2707,8 +2689,8 @@
         </p:nvSpPr>
         <p:spPr>
           <a:xfrm>
-            <a:off x="504000" y="1768680"/>
-            <a:ext cx="4426920" cy="4384080"/>
+            <a:off x="360000" y="1980000"/>
+            <a:ext cx="4567320" cy="5040000"/>
           </a:xfrm>
           <a:prstGeom prst="rect">
             <a:avLst/>
@@ -2717,16 +2699,16 @@
         <p:txBody>
           <a:bodyPr lIns="0" rIns="0" tIns="0" bIns="0"/>
           <a:p>
-            <a:endParaRPr b="0" lang="de-DE" sz="3200" spc="-1" strike="noStrike">
-              <a:solidFill>
-                <a:srgbClr val="000000"/>
-              </a:solidFill>
-              <a:uFill>
-                <a:solidFill>
-                  <a:srgbClr val="ffffff"/>
-                </a:solidFill>
-              </a:uFill>
-              <a:latin typeface="Arial"/>
+            <a:endParaRPr b="1" lang="de-DE" sz="3200" spc="-1" strike="noStrike">
+              <a:solidFill>
+                <a:srgbClr val="2c3e50"/>
+              </a:solidFill>
+              <a:uFill>
+                <a:solidFill>
+                  <a:srgbClr val="ffffff"/>
+                </a:solidFill>
+              </a:uFill>
+              <a:latin typeface="Source Sans Pro Semibold"/>
             </a:endParaRPr>
           </a:p>
         </p:txBody>
@@ -2743,8 +2725,8 @@
         </p:nvSpPr>
         <p:spPr>
           <a:xfrm>
-            <a:off x="5152680" y="1768680"/>
-            <a:ext cx="4426920" cy="2090880"/>
+            <a:off x="5155920" y="1980000"/>
+            <a:ext cx="4567320" cy="2403720"/>
           </a:xfrm>
           <a:prstGeom prst="rect">
             <a:avLst/>
@@ -2753,16 +2735,16 @@
         <p:txBody>
           <a:bodyPr lIns="0" rIns="0" tIns="0" bIns="0"/>
           <a:p>
-            <a:endParaRPr b="0" lang="de-DE" sz="3200" spc="-1" strike="noStrike">
-              <a:solidFill>
-                <a:srgbClr val="000000"/>
-              </a:solidFill>
-              <a:uFill>
-                <a:solidFill>
-                  <a:srgbClr val="ffffff"/>
-                </a:solidFill>
-              </a:uFill>
-              <a:latin typeface="Arial"/>
+            <a:endParaRPr b="1" lang="de-DE" sz="3200" spc="-1" strike="noStrike">
+              <a:solidFill>
+                <a:srgbClr val="2c3e50"/>
+              </a:solidFill>
+              <a:uFill>
+                <a:solidFill>
+                  <a:srgbClr val="ffffff"/>
+                </a:solidFill>
+              </a:uFill>
+              <a:latin typeface="Source Sans Pro Semibold"/>
             </a:endParaRPr>
           </a:p>
         </p:txBody>
@@ -2779,8 +2761,8 @@
         </p:nvSpPr>
         <p:spPr>
           <a:xfrm>
-            <a:off x="5152680" y="4058640"/>
-            <a:ext cx="4426920" cy="2090880"/>
+            <a:off x="5155920" y="4612320"/>
+            <a:ext cx="4567320" cy="2403720"/>
           </a:xfrm>
           <a:prstGeom prst="rect">
             <a:avLst/>
@@ -2789,16 +2771,16 @@
         <p:txBody>
           <a:bodyPr lIns="0" rIns="0" tIns="0" bIns="0"/>
           <a:p>
-            <a:endParaRPr b="0" lang="de-DE" sz="3200" spc="-1" strike="noStrike">
-              <a:solidFill>
-                <a:srgbClr val="000000"/>
-              </a:solidFill>
-              <a:uFill>
-                <a:solidFill>
-                  <a:srgbClr val="ffffff"/>
-                </a:solidFill>
-              </a:uFill>
-              <a:latin typeface="Arial"/>
+            <a:endParaRPr b="1" lang="de-DE" sz="3200" spc="-1" strike="noStrike">
+              <a:solidFill>
+                <a:srgbClr val="2c3e50"/>
+              </a:solidFill>
+              <a:uFill>
+                <a:solidFill>
+                  <a:srgbClr val="ffffff"/>
+                </a:solidFill>
+              </a:uFill>
+              <a:latin typeface="Source Sans Pro Semibold"/>
             </a:endParaRPr>
           </a:p>
         </p:txBody>
@@ -2837,8 +2819,8 @@
         </p:nvSpPr>
         <p:spPr>
           <a:xfrm>
-            <a:off x="504000" y="301320"/>
-            <a:ext cx="9072000" cy="1261800"/>
+            <a:off x="360000" y="301320"/>
+            <a:ext cx="9360000" cy="958680"/>
           </a:xfrm>
           <a:prstGeom prst="rect">
             <a:avLst/>
@@ -2847,17 +2829,16 @@
         <p:txBody>
           <a:bodyPr lIns="0" rIns="0" tIns="0" bIns="0" anchor="ctr"/>
           <a:p>
-            <a:pPr algn="ctr"/>
-            <a:endParaRPr b="0" lang="de-DE" sz="4400" spc="-1" strike="noStrike">
-              <a:solidFill>
-                <a:srgbClr val="000000"/>
-              </a:solidFill>
-              <a:uFill>
-                <a:solidFill>
-                  <a:srgbClr val="ffffff"/>
-                </a:solidFill>
-              </a:uFill>
-              <a:latin typeface="Arial"/>
+            <a:endParaRPr b="1" lang="de-DE" sz="3600" spc="-1" strike="noStrike">
+              <a:solidFill>
+                <a:srgbClr val="ffffff"/>
+              </a:solidFill>
+              <a:uFill>
+                <a:solidFill>
+                  <a:srgbClr val="ffffff"/>
+                </a:solidFill>
+              </a:uFill>
+              <a:latin typeface="Source Sans Pro Black"/>
             </a:endParaRPr>
           </a:p>
         </p:txBody>
@@ -2874,8 +2855,8 @@
         </p:nvSpPr>
         <p:spPr>
           <a:xfrm>
-            <a:off x="504000" y="1768680"/>
-            <a:ext cx="4426920" cy="2090880"/>
+            <a:off x="360000" y="1980000"/>
+            <a:ext cx="4567320" cy="2403720"/>
           </a:xfrm>
           <a:prstGeom prst="rect">
             <a:avLst/>
@@ -2884,16 +2865,16 @@
         <p:txBody>
           <a:bodyPr lIns="0" rIns="0" tIns="0" bIns="0"/>
           <a:p>
-            <a:endParaRPr b="0" lang="de-DE" sz="3200" spc="-1" strike="noStrike">
-              <a:solidFill>
-                <a:srgbClr val="000000"/>
-              </a:solidFill>
-              <a:uFill>
-                <a:solidFill>
-                  <a:srgbClr val="ffffff"/>
-                </a:solidFill>
-              </a:uFill>
-              <a:latin typeface="Arial"/>
+            <a:endParaRPr b="1" lang="de-DE" sz="3200" spc="-1" strike="noStrike">
+              <a:solidFill>
+                <a:srgbClr val="2c3e50"/>
+              </a:solidFill>
+              <a:uFill>
+                <a:solidFill>
+                  <a:srgbClr val="ffffff"/>
+                </a:solidFill>
+              </a:uFill>
+              <a:latin typeface="Source Sans Pro Semibold"/>
             </a:endParaRPr>
           </a:p>
         </p:txBody>
@@ -2910,8 +2891,8 @@
         </p:nvSpPr>
         <p:spPr>
           <a:xfrm>
-            <a:off x="5152680" y="1768680"/>
-            <a:ext cx="4426920" cy="2090880"/>
+            <a:off x="5155920" y="1980000"/>
+            <a:ext cx="4567320" cy="2403720"/>
           </a:xfrm>
           <a:prstGeom prst="rect">
             <a:avLst/>
@@ -2920,16 +2901,16 @@
         <p:txBody>
           <a:bodyPr lIns="0" rIns="0" tIns="0" bIns="0"/>
           <a:p>
-            <a:endParaRPr b="0" lang="de-DE" sz="3200" spc="-1" strike="noStrike">
-              <a:solidFill>
-                <a:srgbClr val="000000"/>
-              </a:solidFill>
-              <a:uFill>
-                <a:solidFill>
-                  <a:srgbClr val="ffffff"/>
-                </a:solidFill>
-              </a:uFill>
-              <a:latin typeface="Arial"/>
+            <a:endParaRPr b="1" lang="de-DE" sz="3200" spc="-1" strike="noStrike">
+              <a:solidFill>
+                <a:srgbClr val="2c3e50"/>
+              </a:solidFill>
+              <a:uFill>
+                <a:solidFill>
+                  <a:srgbClr val="ffffff"/>
+                </a:solidFill>
+              </a:uFill>
+              <a:latin typeface="Source Sans Pro Semibold"/>
             </a:endParaRPr>
           </a:p>
         </p:txBody>
@@ -2946,8 +2927,8 @@
         </p:nvSpPr>
         <p:spPr>
           <a:xfrm>
-            <a:off x="504000" y="4058640"/>
-            <a:ext cx="9072000" cy="2090880"/>
+            <a:off x="360000" y="4612320"/>
+            <a:ext cx="9360000" cy="2403720"/>
           </a:xfrm>
           <a:prstGeom prst="rect">
             <a:avLst/>
@@ -2956,16 +2937,16 @@
         <p:txBody>
           <a:bodyPr lIns="0" rIns="0" tIns="0" bIns="0"/>
           <a:p>
-            <a:endParaRPr b="0" lang="de-DE" sz="3200" spc="-1" strike="noStrike">
-              <a:solidFill>
-                <a:srgbClr val="000000"/>
-              </a:solidFill>
-              <a:uFill>
-                <a:solidFill>
-                  <a:srgbClr val="ffffff"/>
-                </a:solidFill>
-              </a:uFill>
-              <a:latin typeface="Arial"/>
+            <a:endParaRPr b="1" lang="de-DE" sz="3200" spc="-1" strike="noStrike">
+              <a:solidFill>
+                <a:srgbClr val="2c3e50"/>
+              </a:solidFill>
+              <a:uFill>
+                <a:solidFill>
+                  <a:srgbClr val="ffffff"/>
+                </a:solidFill>
+              </a:uFill>
+              <a:latin typeface="Source Sans Pro Semibold"/>
             </a:endParaRPr>
           </a:p>
         </p:txBody>
@@ -2994,91 +2975,7 @@
       </p:grpSpPr>
       <p:sp>
         <p:nvSpPr>
-          <p:cNvPr id="0" name="CustomShape 1"/>
-          <p:cNvSpPr/>
-          <p:nvPr/>
-        </p:nvSpPr>
-        <p:spPr>
-          <a:xfrm>
-            <a:off x="0" y="7200000"/>
-            <a:ext cx="10078920" cy="358920"/>
-          </a:xfrm>
-          <a:prstGeom prst="rect">
-            <a:avLst/>
-          </a:prstGeom>
-          <a:solidFill>
-            <a:srgbClr val="2c3e50"/>
-          </a:solidFill>
-          <a:ln w="72000">
-            <a:noFill/>
-          </a:ln>
-        </p:spPr>
-        <p:style>
-          <a:lnRef idx="0"/>
-          <a:fillRef idx="0"/>
-          <a:effectRef idx="0"/>
-          <a:fontRef idx="minor"/>
-        </p:style>
-      </p:sp>
-      <p:sp>
-        <p:nvSpPr>
-          <p:cNvPr id="1" name="CustomShape 2"/>
-          <p:cNvSpPr/>
-          <p:nvPr/>
-        </p:nvSpPr>
-        <p:spPr>
-          <a:xfrm>
-            <a:off x="0" y="0"/>
-            <a:ext cx="10078920" cy="1618920"/>
-          </a:xfrm>
-          <a:prstGeom prst="rect">
-            <a:avLst/>
-          </a:prstGeom>
-          <a:solidFill>
-            <a:srgbClr val="2c3e50"/>
-          </a:solidFill>
-          <a:ln w="72000">
-            <a:noFill/>
-          </a:ln>
-        </p:spPr>
-        <p:style>
-          <a:lnRef idx="0"/>
-          <a:fillRef idx="0"/>
-          <a:effectRef idx="0"/>
-          <a:fontRef idx="minor"/>
-        </p:style>
-      </p:sp>
-      <p:sp>
-        <p:nvSpPr>
-          <p:cNvPr id="2" name="CustomShape 3"/>
-          <p:cNvSpPr/>
-          <p:nvPr/>
-        </p:nvSpPr>
-        <p:spPr>
-          <a:xfrm>
-            <a:off x="9270000" y="6894000"/>
-            <a:ext cx="538920" cy="538920"/>
-          </a:xfrm>
-          <a:prstGeom prst="ellipse">
-            <a:avLst/>
-          </a:prstGeom>
-          <a:solidFill>
-            <a:srgbClr val="1abc9c"/>
-          </a:solidFill>
-          <a:ln w="72000">
-            <a:noFill/>
-          </a:ln>
-        </p:spPr>
-        <p:style>
-          <a:lnRef idx="0"/>
-          <a:fillRef idx="0"/>
-          <a:effectRef idx="0"/>
-          <a:fontRef idx="minor"/>
-        </p:style>
-      </p:sp>
-      <p:sp>
-        <p:nvSpPr>
-          <p:cNvPr id="3" name="PlaceHolder 4"/>
+          <p:cNvPr id="0" name="PlaceHolder 1"/>
           <p:cNvSpPr>
             <a:spLocks noGrp="1"/>
           </p:cNvSpPr>
@@ -3089,7 +2986,7 @@
         <p:spPr>
           <a:xfrm>
             <a:off x="504000" y="301320"/>
-            <a:ext cx="9072000" cy="1261800"/>
+            <a:ext cx="9071640" cy="1262160"/>
           </a:xfrm>
           <a:prstGeom prst="rect">
             <a:avLst/>
@@ -3129,7 +3026,7 @@
       </p:sp>
       <p:sp>
         <p:nvSpPr>
-          <p:cNvPr id="4" name="PlaceHolder 5"/>
+          <p:cNvPr id="1" name="PlaceHolder 2"/>
           <p:cNvSpPr>
             <a:spLocks noGrp="1"/>
           </p:cNvSpPr>
@@ -3139,8 +3036,8 @@
         </p:nvSpPr>
         <p:spPr>
           <a:xfrm>
-            <a:off x="504000" y="1768680"/>
-            <a:ext cx="9072000" cy="4384080"/>
+            <a:off x="504000" y="1769040"/>
+            <a:ext cx="9071640" cy="4384440"/>
           </a:xfrm>
           <a:prstGeom prst="rect">
             <a:avLst/>
@@ -3391,6 +3288,158 @@
                 </a:solidFill>
               </a:uFill>
               <a:latin typeface="Arial"/>
+            </a:endParaRPr>
+          </a:p>
+        </p:txBody>
+      </p:sp>
+      <p:sp>
+        <p:nvSpPr>
+          <p:cNvPr id="2" name="PlaceHolder 3"/>
+          <p:cNvSpPr>
+            <a:spLocks noGrp="1"/>
+          </p:cNvSpPr>
+          <p:nvPr>
+            <p:ph type="dt"/>
+          </p:nvPr>
+        </p:nvSpPr>
+        <p:spPr>
+          <a:xfrm>
+            <a:off x="504000" y="6887160"/>
+            <a:ext cx="2348280" cy="521280"/>
+          </a:xfrm>
+          <a:prstGeom prst="rect">
+            <a:avLst/>
+          </a:prstGeom>
+        </p:spPr>
+        <p:txBody>
+          <a:bodyPr lIns="0" rIns="0" tIns="0" bIns="0"/>
+          <a:p>
+            <a:r>
+              <a:rPr b="0" lang="de-DE" sz="1400" spc="-1" strike="noStrike">
+                <a:solidFill>
+                  <a:srgbClr val="000000"/>
+                </a:solidFill>
+                <a:uFill>
+                  <a:solidFill>
+                    <a:srgbClr val="ffffff"/>
+                  </a:solidFill>
+                </a:uFill>
+                <a:latin typeface="Times New Roman"/>
+              </a:rPr>
+              <a:t>&lt;Datum/Uhrzeit&gt;</a:t>
+            </a:r>
+            <a:endParaRPr b="0" lang="de-DE" sz="1400" spc="-1" strike="noStrike">
+              <a:solidFill>
+                <a:srgbClr val="000000"/>
+              </a:solidFill>
+              <a:uFill>
+                <a:solidFill>
+                  <a:srgbClr val="ffffff"/>
+                </a:solidFill>
+              </a:uFill>
+              <a:latin typeface="Times New Roman"/>
+            </a:endParaRPr>
+          </a:p>
+        </p:txBody>
+      </p:sp>
+      <p:sp>
+        <p:nvSpPr>
+          <p:cNvPr id="3" name="PlaceHolder 4"/>
+          <p:cNvSpPr>
+            <a:spLocks noGrp="1"/>
+          </p:cNvSpPr>
+          <p:nvPr>
+            <p:ph type="ftr"/>
+          </p:nvPr>
+        </p:nvSpPr>
+        <p:spPr>
+          <a:xfrm>
+            <a:off x="3447360" y="6887160"/>
+            <a:ext cx="3195000" cy="521280"/>
+          </a:xfrm>
+          <a:prstGeom prst="rect">
+            <a:avLst/>
+          </a:prstGeom>
+        </p:spPr>
+        <p:txBody>
+          <a:bodyPr lIns="0" rIns="0" tIns="0" bIns="0"/>
+          <a:p>
+            <a:pPr algn="ctr"/>
+            <a:r>
+              <a:rPr b="0" lang="de-DE" sz="1400" spc="-1" strike="noStrike">
+                <a:solidFill>
+                  <a:srgbClr val="000000"/>
+                </a:solidFill>
+                <a:uFill>
+                  <a:solidFill>
+                    <a:srgbClr val="ffffff"/>
+                  </a:solidFill>
+                </a:uFill>
+                <a:latin typeface="Times New Roman"/>
+              </a:rPr>
+              <a:t>&lt;Fußzeile&gt;</a:t>
+            </a:r>
+            <a:endParaRPr b="0" lang="de-DE" sz="1400" spc="-1" strike="noStrike">
+              <a:solidFill>
+                <a:srgbClr val="000000"/>
+              </a:solidFill>
+              <a:uFill>
+                <a:solidFill>
+                  <a:srgbClr val="ffffff"/>
+                </a:solidFill>
+              </a:uFill>
+              <a:latin typeface="Times New Roman"/>
+            </a:endParaRPr>
+          </a:p>
+        </p:txBody>
+      </p:sp>
+      <p:sp>
+        <p:nvSpPr>
+          <p:cNvPr id="4" name="PlaceHolder 5"/>
+          <p:cNvSpPr>
+            <a:spLocks noGrp="1"/>
+          </p:cNvSpPr>
+          <p:nvPr>
+            <p:ph type="sldNum"/>
+          </p:nvPr>
+        </p:nvSpPr>
+        <p:spPr>
+          <a:xfrm>
+            <a:off x="7227360" y="6887160"/>
+            <a:ext cx="2348280" cy="521280"/>
+          </a:xfrm>
+          <a:prstGeom prst="rect">
+            <a:avLst/>
+          </a:prstGeom>
+        </p:spPr>
+        <p:txBody>
+          <a:bodyPr lIns="0" rIns="0" tIns="0" bIns="0"/>
+          <a:p>
+            <a:pPr algn="r"/>
+            <a:fld id="{84E37456-4204-472A-9E76-DB4B54BEE1EB}" type="slidenum">
+              <a:rPr b="0" lang="de-DE" sz="1400" spc="-1" strike="noStrike">
+                <a:solidFill>
+                  <a:srgbClr val="000000"/>
+                </a:solidFill>
+                <a:uFill>
+                  <a:solidFill>
+                    <a:srgbClr val="ffffff"/>
+                  </a:solidFill>
+                </a:uFill>
+                <a:latin typeface="Times New Roman"/>
+              </a:rPr>
+              <a:t>&lt;Foliennummer&gt;</a:t>
+            </a:fld>
+            <a:endParaRPr b="0" lang="de-DE" sz="1400" spc="-1" strike="noStrike">
+              <a:solidFill>
+                <a:srgbClr val="000000"/>
+              </a:solidFill>
+              <a:uFill>
+                <a:solidFill>
+                  <a:srgbClr val="ffffff"/>
+                </a:solidFill>
+              </a:uFill>
+              <a:latin typeface="Times New Roman"/>
             </a:endParaRPr>
           </a:p>
         </p:txBody>
@@ -3441,7 +3490,7 @@
         <p:spPr>
           <a:xfrm>
             <a:off x="0" y="7200000"/>
-            <a:ext cx="10078920" cy="358920"/>
+            <a:ext cx="10080000" cy="360000"/>
           </a:xfrm>
           <a:prstGeom prst="rect">
             <a:avLst/>
@@ -3469,7 +3518,7 @@
         <p:spPr>
           <a:xfrm>
             <a:off x="0" y="0"/>
-            <a:ext cx="10078920" cy="1618920"/>
+            <a:ext cx="10080000" cy="1620000"/>
           </a:xfrm>
           <a:prstGeom prst="rect">
             <a:avLst/>
@@ -3490,14 +3539,433 @@
       </p:sp>
       <p:sp>
         <p:nvSpPr>
-          <p:cNvPr id="41" name="CustomShape 3"/>
+          <p:cNvPr id="41" name="PlaceHolder 3"/>
+          <p:cNvSpPr>
+            <a:spLocks noGrp="1"/>
+          </p:cNvSpPr>
+          <p:nvPr>
+            <p:ph type="title"/>
+          </p:nvPr>
+        </p:nvSpPr>
+        <p:spPr>
+          <a:xfrm>
+            <a:off x="360000" y="301320"/>
+            <a:ext cx="9360000" cy="958680"/>
+          </a:xfrm>
+          <a:prstGeom prst="rect">
+            <a:avLst/>
+          </a:prstGeom>
+        </p:spPr>
+        <p:txBody>
+          <a:bodyPr lIns="0" rIns="0" tIns="0" bIns="0" anchor="ctr"/>
+          <a:p>
+            <a:r>
+              <a:rPr b="1" lang="de-DE" sz="3600" spc="-1" strike="noStrike">
+                <a:solidFill>
+                  <a:srgbClr val="ffffff"/>
+                </a:solidFill>
+                <a:uFill>
+                  <a:solidFill>
+                    <a:srgbClr val="ffffff"/>
+                  </a:solidFill>
+                </a:uFill>
+                <a:latin typeface="Source Sans Pro Black"/>
+              </a:rPr>
+              <a:t>Format des Titeltextes durch Klicken bearbeiten</a:t>
+            </a:r>
+            <a:endParaRPr b="1" lang="de-DE" sz="3600" spc="-1" strike="noStrike">
+              <a:solidFill>
+                <a:srgbClr val="ffffff"/>
+              </a:solidFill>
+              <a:uFill>
+                <a:solidFill>
+                  <a:srgbClr val="ffffff"/>
+                </a:solidFill>
+              </a:uFill>
+              <a:latin typeface="Source Sans Pro Black"/>
+            </a:endParaRPr>
+          </a:p>
+        </p:txBody>
+      </p:sp>
+      <p:sp>
+        <p:nvSpPr>
+          <p:cNvPr id="42" name="PlaceHolder 4"/>
+          <p:cNvSpPr>
+            <a:spLocks noGrp="1"/>
+          </p:cNvSpPr>
+          <p:nvPr>
+            <p:ph type="body"/>
+          </p:nvPr>
+        </p:nvSpPr>
+        <p:spPr>
+          <a:xfrm>
+            <a:off x="360000" y="1980000"/>
+            <a:ext cx="9360000" cy="5040000"/>
+          </a:xfrm>
+          <a:prstGeom prst="rect">
+            <a:avLst/>
+          </a:prstGeom>
+        </p:spPr>
+        <p:txBody>
+          <a:bodyPr lIns="0" rIns="0" tIns="0" bIns="0"/>
+          <a:p>
+            <a:pPr marL="432000" indent="-324000">
+              <a:buClr>
+                <a:srgbClr val="2c3e50"/>
+              </a:buClr>
+              <a:buSzPct val="45000"/>
+              <a:buFont typeface="Wingdings" charset="2"/>
+              <a:buChar char=""/>
+            </a:pPr>
+            <a:r>
+              <a:rPr b="1" lang="de-DE" sz="3200" spc="-1" strike="noStrike">
+                <a:solidFill>
+                  <a:srgbClr val="2c3e50"/>
+                </a:solidFill>
+                <a:uFill>
+                  <a:solidFill>
+                    <a:srgbClr val="ffffff"/>
+                  </a:solidFill>
+                </a:uFill>
+                <a:latin typeface="Source Sans Pro Semibold"/>
+              </a:rPr>
+              <a:t>Format des Gliederungstextes durch Klicken bearbeiten</a:t>
+            </a:r>
+            <a:endParaRPr b="1" lang="de-DE" sz="3200" spc="-1" strike="noStrike">
+              <a:solidFill>
+                <a:srgbClr val="2c3e50"/>
+              </a:solidFill>
+              <a:uFill>
+                <a:solidFill>
+                  <a:srgbClr val="ffffff"/>
+                </a:solidFill>
+              </a:uFill>
+              <a:latin typeface="Source Sans Pro Semibold"/>
+            </a:endParaRPr>
+          </a:p>
+          <a:p>
+            <a:pPr lvl="1" marL="864000" indent="-324000">
+              <a:buClr>
+                <a:srgbClr val="2c3e50"/>
+              </a:buClr>
+              <a:buSzPct val="75000"/>
+              <a:buFont typeface="Symbol" charset="2"/>
+              <a:buChar char=""/>
+            </a:pPr>
+            <a:r>
+              <a:rPr b="0" lang="de-DE" sz="2800" spc="-1" strike="noStrike">
+                <a:solidFill>
+                  <a:srgbClr val="2c3e50"/>
+                </a:solidFill>
+                <a:uFill>
+                  <a:solidFill>
+                    <a:srgbClr val="ffffff"/>
+                  </a:solidFill>
+                </a:uFill>
+                <a:latin typeface="Source Sans Pro"/>
+              </a:rPr>
+              <a:t>Zweite Gliederungsebene</a:t>
+            </a:r>
+            <a:endParaRPr b="0" lang="de-DE" sz="2800" spc="-1" strike="noStrike">
+              <a:solidFill>
+                <a:srgbClr val="2c3e50"/>
+              </a:solidFill>
+              <a:uFill>
+                <a:solidFill>
+                  <a:srgbClr val="ffffff"/>
+                </a:solidFill>
+              </a:uFill>
+              <a:latin typeface="Source Sans Pro"/>
+            </a:endParaRPr>
+          </a:p>
+          <a:p>
+            <a:pPr lvl="2" marL="1296000" indent="-288000">
+              <a:buClr>
+                <a:srgbClr val="2c3e50"/>
+              </a:buClr>
+              <a:buSzPct val="45000"/>
+              <a:buFont typeface="Wingdings" charset="2"/>
+              <a:buChar char=""/>
+            </a:pPr>
+            <a:r>
+              <a:rPr b="0" lang="de-DE" sz="2400" spc="-1" strike="noStrike">
+                <a:solidFill>
+                  <a:srgbClr val="2c3e50"/>
+                </a:solidFill>
+                <a:uFill>
+                  <a:solidFill>
+                    <a:srgbClr val="ffffff"/>
+                  </a:solidFill>
+                </a:uFill>
+                <a:latin typeface="Source Sans Pro"/>
+              </a:rPr>
+              <a:t>Dritte Gliederungsebene</a:t>
+            </a:r>
+            <a:endParaRPr b="0" lang="de-DE" sz="2400" spc="-1" strike="noStrike">
+              <a:solidFill>
+                <a:srgbClr val="2c3e50"/>
+              </a:solidFill>
+              <a:uFill>
+                <a:solidFill>
+                  <a:srgbClr val="ffffff"/>
+                </a:solidFill>
+              </a:uFill>
+              <a:latin typeface="Source Sans Pro"/>
+            </a:endParaRPr>
+          </a:p>
+          <a:p>
+            <a:pPr lvl="3" marL="1728000" indent="-216000">
+              <a:buClr>
+                <a:srgbClr val="2c3e50"/>
+              </a:buClr>
+              <a:buSzPct val="75000"/>
+              <a:buFont typeface="Symbol" charset="2"/>
+              <a:buChar char=""/>
+            </a:pPr>
+            <a:r>
+              <a:rPr b="0" lang="de-DE" sz="2000" spc="-1" strike="noStrike">
+                <a:solidFill>
+                  <a:srgbClr val="2c3e50"/>
+                </a:solidFill>
+                <a:uFill>
+                  <a:solidFill>
+                    <a:srgbClr val="ffffff"/>
+                  </a:solidFill>
+                </a:uFill>
+                <a:latin typeface="Source Sans Pro"/>
+              </a:rPr>
+              <a:t>Vierte Gliederungsebene</a:t>
+            </a:r>
+            <a:endParaRPr b="0" lang="de-DE" sz="2000" spc="-1" strike="noStrike">
+              <a:solidFill>
+                <a:srgbClr val="2c3e50"/>
+              </a:solidFill>
+              <a:uFill>
+                <a:solidFill>
+                  <a:srgbClr val="ffffff"/>
+                </a:solidFill>
+              </a:uFill>
+              <a:latin typeface="Source Sans Pro"/>
+            </a:endParaRPr>
+          </a:p>
+          <a:p>
+            <a:pPr lvl="4" marL="2160000" indent="-216000">
+              <a:buClr>
+                <a:srgbClr val="2c3e50"/>
+              </a:buClr>
+              <a:buSzPct val="45000"/>
+              <a:buFont typeface="Wingdings" charset="2"/>
+              <a:buChar char=""/>
+            </a:pPr>
+            <a:r>
+              <a:rPr b="0" lang="de-DE" sz="2000" spc="-1" strike="noStrike">
+                <a:solidFill>
+                  <a:srgbClr val="2c3e50"/>
+                </a:solidFill>
+                <a:uFill>
+                  <a:solidFill>
+                    <a:srgbClr val="ffffff"/>
+                  </a:solidFill>
+                </a:uFill>
+                <a:latin typeface="Source Sans Pro"/>
+              </a:rPr>
+              <a:t>Fünfte Gliederungsebene</a:t>
+            </a:r>
+            <a:endParaRPr b="0" lang="de-DE" sz="2000" spc="-1" strike="noStrike">
+              <a:solidFill>
+                <a:srgbClr val="2c3e50"/>
+              </a:solidFill>
+              <a:uFill>
+                <a:solidFill>
+                  <a:srgbClr val="ffffff"/>
+                </a:solidFill>
+              </a:uFill>
+              <a:latin typeface="Source Sans Pro"/>
+            </a:endParaRPr>
+          </a:p>
+          <a:p>
+            <a:pPr lvl="5" marL="2592000" indent="-216000">
+              <a:buClr>
+                <a:srgbClr val="2c3e50"/>
+              </a:buClr>
+              <a:buSzPct val="45000"/>
+              <a:buFont typeface="Wingdings" charset="2"/>
+              <a:buChar char=""/>
+            </a:pPr>
+            <a:r>
+              <a:rPr b="0" lang="de-DE" sz="2000" spc="-1" strike="noStrike">
+                <a:solidFill>
+                  <a:srgbClr val="2c3e50"/>
+                </a:solidFill>
+                <a:uFill>
+                  <a:solidFill>
+                    <a:srgbClr val="ffffff"/>
+                  </a:solidFill>
+                </a:uFill>
+                <a:latin typeface="Source Sans Pro"/>
+              </a:rPr>
+              <a:t>Sechste Gliederungsebene</a:t>
+            </a:r>
+            <a:endParaRPr b="0" lang="de-DE" sz="2000" spc="-1" strike="noStrike">
+              <a:solidFill>
+                <a:srgbClr val="2c3e50"/>
+              </a:solidFill>
+              <a:uFill>
+                <a:solidFill>
+                  <a:srgbClr val="ffffff"/>
+                </a:solidFill>
+              </a:uFill>
+              <a:latin typeface="Source Sans Pro"/>
+            </a:endParaRPr>
+          </a:p>
+          <a:p>
+            <a:pPr lvl="6" marL="3024000" indent="-216000">
+              <a:buClr>
+                <a:srgbClr val="2c3e50"/>
+              </a:buClr>
+              <a:buSzPct val="45000"/>
+              <a:buFont typeface="Wingdings" charset="2"/>
+              <a:buChar char=""/>
+            </a:pPr>
+            <a:r>
+              <a:rPr b="0" lang="de-DE" sz="2000" spc="-1" strike="noStrike">
+                <a:solidFill>
+                  <a:srgbClr val="2c3e50"/>
+                </a:solidFill>
+                <a:uFill>
+                  <a:solidFill>
+                    <a:srgbClr val="ffffff"/>
+                  </a:solidFill>
+                </a:uFill>
+                <a:latin typeface="Source Sans Pro"/>
+              </a:rPr>
+              <a:t>Siebte Gliederungsebene</a:t>
+            </a:r>
+            <a:endParaRPr b="0" lang="de-DE" sz="2000" spc="-1" strike="noStrike">
+              <a:solidFill>
+                <a:srgbClr val="2c3e50"/>
+              </a:solidFill>
+              <a:uFill>
+                <a:solidFill>
+                  <a:srgbClr val="ffffff"/>
+                </a:solidFill>
+              </a:uFill>
+              <a:latin typeface="Source Sans Pro"/>
+            </a:endParaRPr>
+          </a:p>
+        </p:txBody>
+      </p:sp>
+      <p:sp>
+        <p:nvSpPr>
+          <p:cNvPr id="43" name="PlaceHolder 5"/>
+          <p:cNvSpPr>
+            <a:spLocks noGrp="1"/>
+          </p:cNvSpPr>
+          <p:nvPr>
+            <p:ph type="dt"/>
+          </p:nvPr>
+        </p:nvSpPr>
+        <p:spPr>
+          <a:xfrm>
+            <a:off x="360000" y="7200000"/>
+            <a:ext cx="2880000" cy="360000"/>
+          </a:xfrm>
+          <a:prstGeom prst="rect">
+            <a:avLst/>
+          </a:prstGeom>
+        </p:spPr>
+        <p:txBody>
+          <a:bodyPr lIns="0" rIns="0" tIns="0" bIns="0"/>
+          <a:p>
+            <a:r>
+              <a:rPr b="1" lang="en-US" sz="1800" spc="-1" strike="noStrike">
+                <a:solidFill>
+                  <a:srgbClr val="ffffff"/>
+                </a:solidFill>
+                <a:uFill>
+                  <a:solidFill>
+                    <a:srgbClr val="ffffff"/>
+                  </a:solidFill>
+                </a:uFill>
+                <a:latin typeface="Source Sans Pro Black"/>
+              </a:rPr>
+              <a:t>&lt;Datum/Uhrzeit&gt;</a:t>
+            </a:r>
+            <a:endParaRPr b="1" lang="de-DE" sz="1800" spc="-1" strike="noStrike">
+              <a:solidFill>
+                <a:srgbClr val="ffffff"/>
+              </a:solidFill>
+              <a:uFill>
+                <a:solidFill>
+                  <a:srgbClr val="ffffff"/>
+                </a:solidFill>
+              </a:uFill>
+              <a:latin typeface="Source Sans Pro Black"/>
+            </a:endParaRPr>
+          </a:p>
+        </p:txBody>
+      </p:sp>
+      <p:sp>
+        <p:nvSpPr>
+          <p:cNvPr id="44" name="PlaceHolder 6"/>
+          <p:cNvSpPr>
+            <a:spLocks noGrp="1"/>
+          </p:cNvSpPr>
+          <p:nvPr>
+            <p:ph type="ftr"/>
+          </p:nvPr>
+        </p:nvSpPr>
+        <p:spPr>
+          <a:xfrm>
+            <a:off x="3420000" y="7200000"/>
+            <a:ext cx="3240000" cy="360000"/>
+          </a:xfrm>
+          <a:prstGeom prst="rect">
+            <a:avLst/>
+          </a:prstGeom>
+        </p:spPr>
+        <p:txBody>
+          <a:bodyPr lIns="0" rIns="0" tIns="0" bIns="0"/>
+          <a:p>
+            <a:pPr algn="ctr"/>
+            <a:r>
+              <a:rPr b="1" lang="de-DE" sz="1800" spc="-1" strike="noStrike">
+                <a:solidFill>
+                  <a:srgbClr val="ffffff"/>
+                </a:solidFill>
+                <a:uFill>
+                  <a:solidFill>
+                    <a:srgbClr val="ffffff"/>
+                  </a:solidFill>
+                </a:uFill>
+                <a:latin typeface="Source Sans Pro Black"/>
+              </a:rPr>
+              <a:t>&lt;Fußzeile&gt;</a:t>
+            </a:r>
+            <a:endParaRPr b="1" lang="de-DE" sz="1800" spc="-1" strike="noStrike">
+              <a:solidFill>
+                <a:srgbClr val="ffffff"/>
+              </a:solidFill>
+              <a:uFill>
+                <a:solidFill>
+                  <a:srgbClr val="ffffff"/>
+                </a:solidFill>
+              </a:uFill>
+              <a:latin typeface="Source Sans Pro Black"/>
+            </a:endParaRPr>
+          </a:p>
+        </p:txBody>
+      </p:sp>
+      <p:sp>
+        <p:nvSpPr>
+          <p:cNvPr id="45" name="CustomShape 7"/>
           <p:cNvSpPr/>
           <p:nvPr/>
         </p:nvSpPr>
         <p:spPr>
           <a:xfrm>
             <a:off x="9270000" y="6894000"/>
-            <a:ext cx="538920" cy="538920"/>
+            <a:ext cx="540000" cy="540000"/>
           </a:xfrm>
           <a:prstGeom prst="ellipse">
             <a:avLst/>
@@ -3518,18 +3986,18 @@
       </p:sp>
       <p:sp>
         <p:nvSpPr>
-          <p:cNvPr id="42" name="PlaceHolder 4"/>
+          <p:cNvPr id="46" name="PlaceHolder 8"/>
           <p:cNvSpPr>
             <a:spLocks noGrp="1"/>
           </p:cNvSpPr>
           <p:nvPr>
-            <p:ph type="title"/>
+            <p:ph type="sldNum"/>
           </p:nvPr>
         </p:nvSpPr>
         <p:spPr>
           <a:xfrm>
-            <a:off x="504000" y="301320"/>
-            <a:ext cx="9072000" cy="1261800"/>
+            <a:off x="9180000" y="6804000"/>
+            <a:ext cx="720000" cy="720000"/>
           </a:xfrm>
           <a:prstGeom prst="rect">
             <a:avLst/>
@@ -3539,298 +4007,30 @@
           <a:bodyPr lIns="0" rIns="0" tIns="0" bIns="0" anchor="ctr"/>
           <a:p>
             <a:pPr algn="ctr"/>
-            <a:r>
-              <a:rPr b="0" lang="de-DE" sz="4400" spc="-1" strike="noStrike">
-                <a:solidFill>
-                  <a:srgbClr val="000000"/>
-                </a:solidFill>
-                <a:uFill>
-                  <a:solidFill>
-                    <a:srgbClr val="ffffff"/>
-                  </a:solidFill>
-                </a:uFill>
-                <a:latin typeface="Arial"/>
-              </a:rPr>
-              <a:t>Format des Titeltextes durch Klicken bearbeiten</a:t>
-            </a:r>
-            <a:endParaRPr b="0" lang="de-DE" sz="4400" spc="-1" strike="noStrike">
-              <a:solidFill>
-                <a:srgbClr val="000000"/>
-              </a:solidFill>
-              <a:uFill>
-                <a:solidFill>
-                  <a:srgbClr val="ffffff"/>
-                </a:solidFill>
-              </a:uFill>
-              <a:latin typeface="Arial"/>
-            </a:endParaRPr>
-          </a:p>
-        </p:txBody>
-      </p:sp>
-      <p:sp>
-        <p:nvSpPr>
-          <p:cNvPr id="43" name="PlaceHolder 5"/>
-          <p:cNvSpPr>
-            <a:spLocks noGrp="1"/>
-          </p:cNvSpPr>
-          <p:nvPr>
-            <p:ph type="body"/>
-          </p:nvPr>
-        </p:nvSpPr>
-        <p:spPr>
-          <a:xfrm>
-            <a:off x="504000" y="1768680"/>
-            <a:ext cx="9072000" cy="4384080"/>
-          </a:xfrm>
-          <a:prstGeom prst="rect">
-            <a:avLst/>
-          </a:prstGeom>
-        </p:spPr>
-        <p:txBody>
-          <a:bodyPr lIns="0" rIns="0" tIns="0" bIns="0"/>
-          <a:p>
-            <a:pPr marL="432000" indent="-324000">
-              <a:buClr>
-                <a:srgbClr val="000000"/>
-              </a:buClr>
-              <a:buSzPct val="45000"/>
-              <a:buFont typeface="Wingdings" charset="2"/>
-              <a:buChar char=""/>
-            </a:pPr>
-            <a:r>
-              <a:rPr b="0" lang="de-DE" sz="3200" spc="-1" strike="noStrike">
-                <a:solidFill>
-                  <a:srgbClr val="000000"/>
-                </a:solidFill>
-                <a:uFill>
-                  <a:solidFill>
-                    <a:srgbClr val="ffffff"/>
-                  </a:solidFill>
-                </a:uFill>
-                <a:latin typeface="Arial"/>
-              </a:rPr>
-              <a:t>Format des Gliederungstextes durch Klicken bearbeiten</a:t>
-            </a:r>
-            <a:endParaRPr b="0" lang="de-DE" sz="3200" spc="-1" strike="noStrike">
-              <a:solidFill>
-                <a:srgbClr val="000000"/>
-              </a:solidFill>
-              <a:uFill>
-                <a:solidFill>
-                  <a:srgbClr val="ffffff"/>
-                </a:solidFill>
-              </a:uFill>
-              <a:latin typeface="Arial"/>
-            </a:endParaRPr>
-          </a:p>
-          <a:p>
-            <a:pPr lvl="1" marL="864000" indent="-324000">
-              <a:buClr>
-                <a:srgbClr val="000000"/>
-              </a:buClr>
-              <a:buSzPct val="75000"/>
-              <a:buFont typeface="Symbol" charset="2"/>
-              <a:buChar char=""/>
-            </a:pPr>
-            <a:r>
-              <a:rPr b="0" lang="de-DE" sz="2800" spc="-1" strike="noStrike">
-                <a:solidFill>
-                  <a:srgbClr val="000000"/>
-                </a:solidFill>
-                <a:uFill>
-                  <a:solidFill>
-                    <a:srgbClr val="ffffff"/>
-                  </a:solidFill>
-                </a:uFill>
-                <a:latin typeface="Arial"/>
-              </a:rPr>
-              <a:t>Zweite Gliederungsebene</a:t>
-            </a:r>
-            <a:endParaRPr b="0" lang="de-DE" sz="2800" spc="-1" strike="noStrike">
-              <a:solidFill>
-                <a:srgbClr val="000000"/>
-              </a:solidFill>
-              <a:uFill>
-                <a:solidFill>
-                  <a:srgbClr val="ffffff"/>
-                </a:solidFill>
-              </a:uFill>
-              <a:latin typeface="Arial"/>
-            </a:endParaRPr>
-          </a:p>
-          <a:p>
-            <a:pPr lvl="2" marL="1296000" indent="-288000">
-              <a:buClr>
-                <a:srgbClr val="000000"/>
-              </a:buClr>
-              <a:buSzPct val="45000"/>
-              <a:buFont typeface="Wingdings" charset="2"/>
-              <a:buChar char=""/>
-            </a:pPr>
-            <a:r>
-              <a:rPr b="0" lang="de-DE" sz="2400" spc="-1" strike="noStrike">
-                <a:solidFill>
-                  <a:srgbClr val="000000"/>
-                </a:solidFill>
-                <a:uFill>
-                  <a:solidFill>
-                    <a:srgbClr val="ffffff"/>
-                  </a:solidFill>
-                </a:uFill>
-                <a:latin typeface="Arial"/>
-              </a:rPr>
-              <a:t>Dritte Gliederungsebene</a:t>
-            </a:r>
-            <a:endParaRPr b="0" lang="de-DE" sz="2400" spc="-1" strike="noStrike">
-              <a:solidFill>
-                <a:srgbClr val="000000"/>
-              </a:solidFill>
-              <a:uFill>
-                <a:solidFill>
-                  <a:srgbClr val="ffffff"/>
-                </a:solidFill>
-              </a:uFill>
-              <a:latin typeface="Arial"/>
-            </a:endParaRPr>
-          </a:p>
-          <a:p>
-            <a:pPr lvl="3" marL="1728000" indent="-216000">
-              <a:buClr>
-                <a:srgbClr val="000000"/>
-              </a:buClr>
-              <a:buSzPct val="75000"/>
-              <a:buFont typeface="Symbol" charset="2"/>
-              <a:buChar char=""/>
-            </a:pPr>
-            <a:r>
-              <a:rPr b="0" lang="de-DE" sz="2000" spc="-1" strike="noStrike">
-                <a:solidFill>
-                  <a:srgbClr val="000000"/>
-                </a:solidFill>
-                <a:uFill>
-                  <a:solidFill>
-                    <a:srgbClr val="ffffff"/>
-                  </a:solidFill>
-                </a:uFill>
-                <a:latin typeface="Arial"/>
-              </a:rPr>
-              <a:t>Vierte Gliederungsebene</a:t>
-            </a:r>
-            <a:endParaRPr b="0" lang="de-DE" sz="2000" spc="-1" strike="noStrike">
-              <a:solidFill>
-                <a:srgbClr val="000000"/>
-              </a:solidFill>
-              <a:uFill>
-                <a:solidFill>
-                  <a:srgbClr val="ffffff"/>
-                </a:solidFill>
-              </a:uFill>
-              <a:latin typeface="Arial"/>
-            </a:endParaRPr>
-          </a:p>
-          <a:p>
-            <a:pPr lvl="4" marL="2160000" indent="-216000">
-              <a:buClr>
-                <a:srgbClr val="000000"/>
-              </a:buClr>
-              <a:buSzPct val="45000"/>
-              <a:buFont typeface="Wingdings" charset="2"/>
-              <a:buChar char=""/>
-            </a:pPr>
-            <a:r>
-              <a:rPr b="0" lang="de-DE" sz="2000" spc="-1" strike="noStrike">
-                <a:solidFill>
-                  <a:srgbClr val="000000"/>
-                </a:solidFill>
-                <a:uFill>
-                  <a:solidFill>
-                    <a:srgbClr val="ffffff"/>
-                  </a:solidFill>
-                </a:uFill>
-                <a:latin typeface="Arial"/>
-              </a:rPr>
-              <a:t>Fünfte Gliederungsebene</a:t>
-            </a:r>
-            <a:endParaRPr b="0" lang="de-DE" sz="2000" spc="-1" strike="noStrike">
-              <a:solidFill>
-                <a:srgbClr val="000000"/>
-              </a:solidFill>
-              <a:uFill>
-                <a:solidFill>
-                  <a:srgbClr val="ffffff"/>
-                </a:solidFill>
-              </a:uFill>
-              <a:latin typeface="Arial"/>
-            </a:endParaRPr>
-          </a:p>
-          <a:p>
-            <a:pPr lvl="5" marL="2592000" indent="-216000">
-              <a:buClr>
-                <a:srgbClr val="000000"/>
-              </a:buClr>
-              <a:buSzPct val="45000"/>
-              <a:buFont typeface="Wingdings" charset="2"/>
-              <a:buChar char=""/>
-            </a:pPr>
-            <a:r>
-              <a:rPr b="0" lang="de-DE" sz="2000" spc="-1" strike="noStrike">
-                <a:solidFill>
-                  <a:srgbClr val="000000"/>
-                </a:solidFill>
-                <a:uFill>
-                  <a:solidFill>
-                    <a:srgbClr val="ffffff"/>
-                  </a:solidFill>
-                </a:uFill>
-                <a:latin typeface="Arial"/>
-              </a:rPr>
-              <a:t>Sechste Gliederungsebene</a:t>
-            </a:r>
-            <a:endParaRPr b="0" lang="de-DE" sz="2000" spc="-1" strike="noStrike">
-              <a:solidFill>
-                <a:srgbClr val="000000"/>
-              </a:solidFill>
-              <a:uFill>
-                <a:solidFill>
-                  <a:srgbClr val="ffffff"/>
-                </a:solidFill>
-              </a:uFill>
-              <a:latin typeface="Arial"/>
-            </a:endParaRPr>
-          </a:p>
-          <a:p>
-            <a:pPr lvl="6" marL="3024000" indent="-216000">
-              <a:buClr>
-                <a:srgbClr val="000000"/>
-              </a:buClr>
-              <a:buSzPct val="45000"/>
-              <a:buFont typeface="Wingdings" charset="2"/>
-              <a:buChar char=""/>
-            </a:pPr>
-            <a:r>
-              <a:rPr b="0" lang="de-DE" sz="2000" spc="-1" strike="noStrike">
-                <a:solidFill>
-                  <a:srgbClr val="000000"/>
-                </a:solidFill>
-                <a:uFill>
-                  <a:solidFill>
-                    <a:srgbClr val="ffffff"/>
-                  </a:solidFill>
-                </a:uFill>
-                <a:latin typeface="Arial"/>
-              </a:rPr>
-              <a:t>Siebte Gliederungsebene</a:t>
-            </a:r>
-            <a:endParaRPr b="0" lang="de-DE" sz="2000" spc="-1" strike="noStrike">
-              <a:solidFill>
-                <a:srgbClr val="000000"/>
-              </a:solidFill>
-              <a:uFill>
-                <a:solidFill>
-                  <a:srgbClr val="ffffff"/>
-                </a:solidFill>
-              </a:uFill>
-              <a:latin typeface="Arial"/>
+            <a:fld id="{E3CFAD35-B5AC-486B-81A9-BE7A7509F947}" type="slidenum">
+              <a:rPr b="1" lang="de-DE" sz="1800" spc="-1" strike="noStrike">
+                <a:solidFill>
+                  <a:srgbClr val="ffffff"/>
+                </a:solidFill>
+                <a:uFill>
+                  <a:solidFill>
+                    <a:srgbClr val="ffffff"/>
+                  </a:solidFill>
+                </a:uFill>
+                <a:latin typeface="Source Sans Pro Black"/>
+              </a:rPr>
+              <a:t>&lt;Foliennummer&gt;</a:t>
+            </a:fld>
+            <a:endParaRPr b="1" lang="de-DE" sz="1800" spc="-1" strike="noStrike">
+              <a:solidFill>
+                <a:srgbClr val="ffffff"/>
+              </a:solidFill>
+              <a:uFill>
+                <a:solidFill>
+                  <a:srgbClr val="ffffff"/>
+                </a:solidFill>
+              </a:uFill>
+              <a:latin typeface="Source Sans Pro Black"/>
             </a:endParaRPr>
           </a:p>
         </p:txBody>
@@ -3874,14 +4074,14 @@
       </p:grpSpPr>
       <p:sp>
         <p:nvSpPr>
-          <p:cNvPr id="78" name="CustomShape 1"/>
-          <p:cNvSpPr/>
+          <p:cNvPr id="81" name="TextShape 1"/>
+          <p:cNvSpPr txBox="1"/>
           <p:nvPr/>
         </p:nvSpPr>
         <p:spPr>
           <a:xfrm>
             <a:off x="360000" y="301320"/>
-            <a:ext cx="9358920" cy="957600"/>
+            <a:ext cx="9360000" cy="958680"/>
           </a:xfrm>
           <a:prstGeom prst="rect">
             <a:avLst/>
@@ -3891,12 +4091,6 @@
             <a:noFill/>
           </a:ln>
         </p:spPr>
-        <p:style>
-          <a:lnRef idx="0"/>
-          <a:fillRef idx="0"/>
-          <a:effectRef idx="0"/>
-          <a:fontRef idx="minor"/>
-        </p:style>
         <p:txBody>
           <a:bodyPr lIns="0" rIns="0" tIns="0" bIns="0" anchor="ctr"/>
           <a:p>
@@ -3911,7 +4105,6 @@
                   </a:solidFill>
                 </a:uFill>
                 <a:latin typeface="Source Sans Pro Black"/>
-                <a:ea typeface="DejaVu Sans"/>
               </a:rPr>
               <a:t>Komplexe Leistung  </a:t>
             </a:r>
@@ -3926,7 +4119,6 @@
                   </a:solidFill>
                 </a:uFill>
                 <a:latin typeface="Source Sans Pro Black"/>
-                <a:ea typeface="DejaVu Sans"/>
               </a:rPr>
               <a:t>	</a:t>
             </a:r>
@@ -3941,7 +4133,6 @@
                   </a:solidFill>
                 </a:uFill>
                 <a:latin typeface="Source Sans Pro Black"/>
-                <a:ea typeface="DejaVu Sans"/>
               </a:rPr>
               <a:t>	</a:t>
             </a:r>
@@ -3956,7 +4147,6 @@
                   </a:solidFill>
                 </a:uFill>
                 <a:latin typeface="Source Sans Pro Black"/>
-                <a:ea typeface="DejaVu Sans"/>
               </a:rPr>
               <a:t>	</a:t>
             </a:r>
@@ -3971,7 +4161,6 @@
                   </a:solidFill>
                 </a:uFill>
                 <a:latin typeface="Source Sans Pro Black"/>
-                <a:ea typeface="DejaVu Sans"/>
               </a:rPr>
               <a:t>	</a:t>
             </a:r>
@@ -3986,7 +4175,6 @@
                   </a:solidFill>
                 </a:uFill>
                 <a:latin typeface="Source Sans Pro Black"/>
-                <a:ea typeface="DejaVu Sans"/>
               </a:rPr>
               <a:t>	</a:t>
             </a:r>
@@ -4001,7 +4189,6 @@
                   </a:solidFill>
                 </a:uFill>
                 <a:latin typeface="Source Sans Pro Black"/>
-                <a:ea typeface="DejaVu Sans"/>
               </a:rPr>
               <a:t>	</a:t>
             </a:r>
@@ -4016,7 +4203,6 @@
                   </a:solidFill>
                 </a:uFill>
                 <a:latin typeface="Source Sans Pro Black"/>
-                <a:ea typeface="DejaVu Sans"/>
               </a:rPr>
               <a:t>    </a:t>
             </a:r>
@@ -4031,34 +4217,33 @@
                   </a:solidFill>
                 </a:uFill>
                 <a:latin typeface="Source Sans Pro Black"/>
-                <a:ea typeface="DejaVu Sans"/>
               </a:rPr>
               <a:t>Moritz Enge 11MA1 </a:t>
             </a:r>
-            <a:endParaRPr b="0" lang="de-DE" sz="1800" spc="-1" strike="noStrike">
-              <a:solidFill>
-                <a:srgbClr val="000000"/>
-              </a:solidFill>
-              <a:uFill>
-                <a:solidFill>
-                  <a:srgbClr val="ffffff"/>
-                </a:solidFill>
-              </a:uFill>
-              <a:latin typeface="Arial"/>
-            </a:endParaRPr>
-          </a:p>
-        </p:txBody>
-      </p:sp>
-      <p:sp>
-        <p:nvSpPr>
-          <p:cNvPr id="79" name="CustomShape 2"/>
-          <p:cNvSpPr/>
+            <a:endParaRPr b="1" lang="de-DE" sz="3600" spc="-1" strike="noStrike">
+              <a:solidFill>
+                <a:srgbClr val="ffffff"/>
+              </a:solidFill>
+              <a:uFill>
+                <a:solidFill>
+                  <a:srgbClr val="ffffff"/>
+                </a:solidFill>
+              </a:uFill>
+              <a:latin typeface="Source Sans Pro Black"/>
+            </a:endParaRPr>
+          </a:p>
+        </p:txBody>
+      </p:sp>
+      <p:sp>
+        <p:nvSpPr>
+          <p:cNvPr id="82" name="TextShape 2"/>
+          <p:cNvSpPr txBox="1"/>
           <p:nvPr/>
         </p:nvSpPr>
         <p:spPr>
           <a:xfrm>
             <a:off x="360000" y="1980000"/>
-            <a:ext cx="9358920" cy="5038920"/>
+            <a:ext cx="9360000" cy="5040000"/>
           </a:xfrm>
           <a:prstGeom prst="rect">
             <a:avLst/>
@@ -4068,20 +4253,10 @@
             <a:noFill/>
           </a:ln>
         </p:spPr>
-        <p:style>
-          <a:lnRef idx="0"/>
-          <a:fillRef idx="0"/>
-          <a:effectRef idx="0"/>
-          <a:fontRef idx="minor"/>
-        </p:style>
         <p:txBody>
           <a:bodyPr lIns="0" rIns="0" tIns="0" bIns="0" anchor="ctr"/>
           <a:p>
-            <a:pPr algn="ctr">
-              <a:lnSpc>
-                <a:spcPct val="100000"/>
-              </a:lnSpc>
-            </a:pPr>
+            <a:pPr algn="ctr"/>
             <a:r>
               <a:rPr b="0" lang="de-DE" sz="3200" spc="-1" strike="noStrike">
                 <a:solidFill>
@@ -4093,26 +4268,37 @@
                   </a:solidFill>
                 </a:uFill>
                 <a:latin typeface="Source Sans Pro"/>
-                <a:ea typeface="DejaVu Sans"/>
               </a:rPr>
               <a:t>Darstellung der Funktionsweise von Verschlüsselungsverfahren</a:t>
             </a:r>
-            <a:endParaRPr b="0" lang="de-DE" sz="1800" spc="-1" strike="noStrike">
-              <a:solidFill>
-                <a:srgbClr val="000000"/>
-              </a:solidFill>
-              <a:uFill>
-                <a:solidFill>
-                  <a:srgbClr val="ffffff"/>
-                </a:solidFill>
-              </a:uFill>
-              <a:latin typeface="Arial"/>
+            <a:endParaRPr b="0" lang="de-DE" sz="3200" spc="-1" strike="noStrike">
+              <a:solidFill>
+                <a:srgbClr val="2c3e50"/>
+              </a:solidFill>
+              <a:uFill>
+                <a:solidFill>
+                  <a:srgbClr val="ffffff"/>
+                </a:solidFill>
+              </a:uFill>
+              <a:latin typeface="Source Sans Pro"/>
             </a:endParaRPr>
           </a:p>
         </p:txBody>
       </p:sp>
     </p:spTree>
   </p:cSld>
+  <mc:AlternateContent>
+    <mc:Choice Requires="p14">
+      <p:transition spd="med">
+        <p14:flip dir="l"/>
+      </p:transition>
+    </mc:Choice>
+    <mc:Fallback>
+      <p:transition spd="med">
+        <p:fade/>
+      </p:transition>
+    </mc:Fallback>
+  </mc:AlternateContent>
   <p:timing>
     <p:tnLst>
       <p:par>
@@ -4162,14 +4348,14 @@
       </p:grpSpPr>
       <p:sp>
         <p:nvSpPr>
-          <p:cNvPr id="96" name="CustomShape 1"/>
-          <p:cNvSpPr/>
+          <p:cNvPr id="101" name="TextShape 1"/>
+          <p:cNvSpPr txBox="1"/>
           <p:nvPr/>
         </p:nvSpPr>
         <p:spPr>
           <a:xfrm>
             <a:off x="360000" y="301320"/>
-            <a:ext cx="9358920" cy="957600"/>
+            <a:ext cx="9360000" cy="958680"/>
           </a:xfrm>
           <a:prstGeom prst="rect">
             <a:avLst/>
@@ -4179,12 +4365,6 @@
             <a:noFill/>
           </a:ln>
         </p:spPr>
-        <p:style>
-          <a:lnRef idx="0"/>
-          <a:fillRef idx="0"/>
-          <a:effectRef idx="0"/>
-          <a:fontRef idx="minor"/>
-        </p:style>
         <p:txBody>
           <a:bodyPr lIns="0" rIns="0" tIns="0" bIns="0" anchor="ctr"/>
           <a:p>
@@ -4199,34 +4379,33 @@
                   </a:solidFill>
                 </a:uFill>
                 <a:latin typeface="Source Sans Pro Black"/>
-                <a:ea typeface="DejaVu Sans"/>
               </a:rPr>
               <a:t>3. Vorstellung zweier Verfahren</a:t>
             </a:r>
-            <a:endParaRPr b="0" lang="de-DE" sz="1800" spc="-1" strike="noStrike">
-              <a:solidFill>
-                <a:srgbClr val="000000"/>
-              </a:solidFill>
-              <a:uFill>
-                <a:solidFill>
-                  <a:srgbClr val="ffffff"/>
-                </a:solidFill>
-              </a:uFill>
-              <a:latin typeface="Arial"/>
-            </a:endParaRPr>
-          </a:p>
-        </p:txBody>
-      </p:sp>
-      <p:sp>
-        <p:nvSpPr>
-          <p:cNvPr id="97" name="CustomShape 2"/>
-          <p:cNvSpPr/>
+            <a:endParaRPr b="1" lang="de-DE" sz="3600" spc="-1" strike="noStrike">
+              <a:solidFill>
+                <a:srgbClr val="ffffff"/>
+              </a:solidFill>
+              <a:uFill>
+                <a:solidFill>
+                  <a:srgbClr val="ffffff"/>
+                </a:solidFill>
+              </a:uFill>
+              <a:latin typeface="Source Sans Pro Black"/>
+            </a:endParaRPr>
+          </a:p>
+        </p:txBody>
+      </p:sp>
+      <p:sp>
+        <p:nvSpPr>
+          <p:cNvPr id="102" name="TextShape 2"/>
+          <p:cNvSpPr txBox="1"/>
           <p:nvPr/>
         </p:nvSpPr>
         <p:spPr>
           <a:xfrm>
             <a:off x="360000" y="1980000"/>
-            <a:ext cx="9358920" cy="5038920"/>
+            <a:ext cx="9360000" cy="5040000"/>
           </a:xfrm>
           <a:prstGeom prst="rect">
             <a:avLst/>
@@ -4236,19 +4415,10 @@
             <a:noFill/>
           </a:ln>
         </p:spPr>
-        <p:style>
-          <a:lnRef idx="0"/>
-          <a:fillRef idx="0"/>
-          <a:effectRef idx="0"/>
-          <a:fontRef idx="minor"/>
-        </p:style>
         <p:txBody>
           <a:bodyPr lIns="0" rIns="0" tIns="0" bIns="0"/>
           <a:p>
-            <a:pPr marL="432000" indent="-322920">
-              <a:lnSpc>
-                <a:spcPct val="100000"/>
-              </a:lnSpc>
+            <a:pPr marL="432000" indent="-324000">
               <a:buClr>
                 <a:srgbClr val="2c3e50"/>
               </a:buClr>
@@ -4257,7 +4427,7 @@
               <a:buChar char=""/>
             </a:pPr>
             <a:r>
-              <a:rPr b="1" lang="de-DE" sz="3200" spc="-1" strike="noStrike" u="sng">
+              <a:rPr b="1" lang="de-DE" sz="3200" spc="-1" strike="noStrike">
                 <a:solidFill>
                   <a:srgbClr val="2c3e50"/>
                 </a:solidFill>
@@ -4267,140 +4437,101 @@
                   </a:solidFill>
                 </a:uFill>
                 <a:latin typeface="Source Sans Pro Semibold"/>
-                <a:ea typeface="DejaVu Sans"/>
               </a:rPr>
               <a:t>Funktionsweise</a:t>
             </a:r>
-            <a:endParaRPr b="0" lang="de-DE" sz="1800" spc="-1" strike="noStrike">
-              <a:solidFill>
-                <a:srgbClr val="000000"/>
-              </a:solidFill>
-              <a:uFill>
-                <a:solidFill>
-                  <a:srgbClr val="ffffff"/>
-                </a:solidFill>
-              </a:uFill>
-              <a:latin typeface="Arial"/>
-            </a:endParaRPr>
-          </a:p>
-          <a:p>
-            <a:pPr marL="432000" indent="-322920">
-              <a:lnSpc>
-                <a:spcPct val="100000"/>
-              </a:lnSpc>
+            <a:endParaRPr b="1" lang="de-DE" sz="3200" spc="-1" strike="noStrike">
+              <a:solidFill>
+                <a:srgbClr val="2c3e50"/>
+              </a:solidFill>
+              <a:uFill>
+                <a:solidFill>
+                  <a:srgbClr val="ffffff"/>
+                </a:solidFill>
+              </a:uFill>
+              <a:latin typeface="Source Sans Pro Semibold"/>
+            </a:endParaRPr>
+          </a:p>
+          <a:p>
+            <a:pPr marL="432000" indent="-324000">
               <a:buClr>
                 <a:srgbClr val="2c3e50"/>
               </a:buClr>
-              <a:buFont typeface="StarSymbol"/>
-              <a:buAutoNum type="arabicPeriod"/>
-            </a:pPr>
-            <a:r>
-              <a:rPr b="1" lang="de-DE" sz="3200" spc="-1" strike="noStrike">
-                <a:solidFill>
-                  <a:srgbClr val="2c3e50"/>
-                </a:solidFill>
-                <a:uFill>
-                  <a:solidFill>
-                    <a:srgbClr val="ffffff"/>
-                  </a:solidFill>
-                </a:uFill>
-                <a:latin typeface="Source Sans Pro Semibold"/>
-                <a:ea typeface="DejaVu Sans"/>
-              </a:rPr>
-              <a:t> </a:t>
-            </a:r>
-            <a:r>
-              <a:rPr b="1" lang="de-DE" sz="3200" spc="-1" strike="noStrike">
-                <a:solidFill>
-                  <a:srgbClr val="2c3e50"/>
-                </a:solidFill>
-                <a:uFill>
-                  <a:solidFill>
-                    <a:srgbClr val="ffffff"/>
-                  </a:solidFill>
-                </a:uFill>
-                <a:latin typeface="Source Sans Pro Semibold"/>
-                <a:ea typeface="DejaVu Sans"/>
-              </a:rPr>
-              <a:t>Auswahl eines Schlüssels</a:t>
-            </a:r>
-            <a:endParaRPr b="0" lang="de-DE" sz="1800" spc="-1" strike="noStrike">
-              <a:solidFill>
-                <a:srgbClr val="000000"/>
-              </a:solidFill>
-              <a:uFill>
-                <a:solidFill>
-                  <a:srgbClr val="ffffff"/>
-                </a:solidFill>
-              </a:uFill>
-              <a:latin typeface="Arial"/>
-            </a:endParaRPr>
-          </a:p>
-          <a:p>
-            <a:pPr marL="432000" indent="-322920">
-              <a:lnSpc>
-                <a:spcPct val="100000"/>
-              </a:lnSpc>
-              <a:buClr>
-                <a:srgbClr val="2c3e50"/>
-              </a:buClr>
-              <a:buFont typeface="StarSymbol"/>
-              <a:buAutoNum type="arabicPeriod"/>
-            </a:pPr>
-            <a:r>
-              <a:rPr b="1" lang="de-DE" sz="3200" spc="-1" strike="noStrike">
-                <a:solidFill>
-                  <a:srgbClr val="2c3e50"/>
-                </a:solidFill>
-                <a:uFill>
-                  <a:solidFill>
-                    <a:srgbClr val="ffffff"/>
-                  </a:solidFill>
-                </a:uFill>
-                <a:latin typeface="Source Sans Pro Semibold"/>
-                <a:ea typeface="DejaVu Sans"/>
-              </a:rPr>
-              <a:t> </a:t>
-            </a:r>
-            <a:r>
-              <a:rPr b="1" lang="de-DE" sz="3200" spc="-1" strike="noStrike">
-                <a:solidFill>
-                  <a:srgbClr val="2c3e50"/>
-                </a:solidFill>
-                <a:uFill>
-                  <a:solidFill>
-                    <a:srgbClr val="ffffff"/>
-                  </a:solidFill>
-                </a:uFill>
-                <a:latin typeface="Source Sans Pro Semibold"/>
-                <a:ea typeface="DejaVu Sans"/>
-              </a:rPr>
-              <a:t>Auswahl der Geheimbuchstaben durch Krezungspunkt des Schlüsselbuchstabens und des Klartextbuchstabens</a:t>
-            </a:r>
-            <a:endParaRPr b="0" lang="de-DE" sz="1800" spc="-1" strike="noStrike">
-              <a:solidFill>
-                <a:srgbClr val="000000"/>
-              </a:solidFill>
-              <a:uFill>
-                <a:solidFill>
-                  <a:srgbClr val="ffffff"/>
-                </a:solidFill>
-              </a:uFill>
-              <a:latin typeface="Arial"/>
-            </a:endParaRPr>
-          </a:p>
-          <a:p>
-            <a:pPr lvl="1" marL="864000" indent="-322920">
-              <a:lnSpc>
-                <a:spcPct val="100000"/>
-              </a:lnSpc>
-              <a:buClr>
-                <a:srgbClr val="2c3e50"/>
-              </a:buClr>
+              <a:buSzPct val="45000"/>
               <a:buFont typeface="Wingdings" charset="2"/>
               <a:buChar char=""/>
             </a:pPr>
             <a:r>
+              <a:rPr b="1" lang="de-DE" sz="3200" spc="-1" strike="noStrike">
+                <a:solidFill>
+                  <a:srgbClr val="2c3e50"/>
+                </a:solidFill>
+                <a:uFill>
+                  <a:solidFill>
+                    <a:srgbClr val="ffffff"/>
+                  </a:solidFill>
+                </a:uFill>
+                <a:latin typeface="Source Sans Pro Semibold"/>
+              </a:rPr>
+              <a:t>1. Auswahl eines Schlüssels</a:t>
+            </a:r>
+            <a:endParaRPr b="1" lang="de-DE" sz="3200" spc="-1" strike="noStrike">
+              <a:solidFill>
+                <a:srgbClr val="2c3e50"/>
+              </a:solidFill>
+              <a:uFill>
+                <a:solidFill>
+                  <a:srgbClr val="ffffff"/>
+                </a:solidFill>
+              </a:uFill>
+              <a:latin typeface="Source Sans Pro Semibold"/>
+            </a:endParaRPr>
+          </a:p>
+          <a:p>
+            <a:pPr marL="432000" indent="-324000">
+              <a:buClr>
+                <a:srgbClr val="2c3e50"/>
+              </a:buClr>
+              <a:buSzPct val="45000"/>
+              <a:buFont typeface="Wingdings" charset="2"/>
+              <a:buChar char=""/>
+            </a:pPr>
+            <a:r>
+              <a:rPr b="1" lang="de-DE" sz="3200" spc="-1" strike="noStrike">
+                <a:solidFill>
+                  <a:srgbClr val="2c3e50"/>
+                </a:solidFill>
+                <a:uFill>
+                  <a:solidFill>
+                    <a:srgbClr val="ffffff"/>
+                  </a:solidFill>
+                </a:uFill>
+                <a:latin typeface="Source Sans Pro Semibold"/>
+              </a:rPr>
+              <a:t>2. Auswahl der Geheimbuchstaben durch Kreuzungspunkt des Schlüsselbuchstabens und des Klartextbuchstabens</a:t>
+            </a:r>
+            <a:endParaRPr b="1" lang="de-DE" sz="3200" spc="-1" strike="noStrike">
+              <a:solidFill>
+                <a:srgbClr val="2c3e50"/>
+              </a:solidFill>
+              <a:uFill>
+                <a:solidFill>
+                  <a:srgbClr val="ffffff"/>
+                </a:solidFill>
+              </a:uFill>
+              <a:latin typeface="Source Sans Pro Semibold"/>
+            </a:endParaRPr>
+          </a:p>
+          <a:p>
+            <a:pPr lvl="1" marL="864000" indent="-324000">
+              <a:buClr>
+                <a:srgbClr val="2c3e50"/>
+              </a:buClr>
+              <a:buSzPct val="75000"/>
+              <a:buFont typeface="Symbol" charset="2"/>
+              <a:buChar char=""/>
+            </a:pPr>
+            <a:r>
               <a:rPr b="0" lang="de-DE" sz="2800" spc="-1" strike="noStrike">
                 <a:solidFill>
                   <a:srgbClr val="2c3e50"/>
@@ -4411,62 +4542,37 @@
                   </a:solidFill>
                 </a:uFill>
                 <a:latin typeface="Source Sans Pro"/>
-                <a:ea typeface="DejaVu Sans"/>
-              </a:rPr>
-              <a:t>Schlüssel wird solange wiederholt , bis der Klartext zu Ende ist</a:t>
-            </a:r>
-            <a:endParaRPr b="0" lang="de-DE" sz="1800" spc="-1" strike="noStrike">
-              <a:solidFill>
-                <a:srgbClr val="000000"/>
-              </a:solidFill>
-              <a:uFill>
-                <a:solidFill>
-                  <a:srgbClr val="ffffff"/>
-                </a:solidFill>
-              </a:uFill>
-              <a:latin typeface="Arial"/>
-            </a:endParaRPr>
-          </a:p>
-          <a:p>
-            <a:pPr>
-              <a:lnSpc>
-                <a:spcPct val="100000"/>
-              </a:lnSpc>
-            </a:pPr>
-            <a:endParaRPr b="0" lang="de-DE" sz="1800" spc="-1" strike="noStrike">
-              <a:solidFill>
-                <a:srgbClr val="000000"/>
-              </a:solidFill>
-              <a:uFill>
-                <a:solidFill>
-                  <a:srgbClr val="ffffff"/>
-                </a:solidFill>
-              </a:uFill>
-              <a:latin typeface="Arial"/>
-            </a:endParaRPr>
-          </a:p>
-          <a:p>
-            <a:pPr>
-              <a:lnSpc>
-                <a:spcPct val="100000"/>
-              </a:lnSpc>
-            </a:pPr>
-            <a:endParaRPr b="0" lang="de-DE" sz="1800" spc="-1" strike="noStrike">
-              <a:solidFill>
-                <a:srgbClr val="000000"/>
-              </a:solidFill>
-              <a:uFill>
-                <a:solidFill>
-                  <a:srgbClr val="ffffff"/>
-                </a:solidFill>
-              </a:uFill>
-              <a:latin typeface="Arial"/>
+              </a:rPr>
+              <a:t>Schlüssel wird solange wiederholt, bis der Klartext am Ende ist</a:t>
+            </a:r>
+            <a:endParaRPr b="0" lang="de-DE" sz="2800" spc="-1" strike="noStrike">
+              <a:solidFill>
+                <a:srgbClr val="2c3e50"/>
+              </a:solidFill>
+              <a:uFill>
+                <a:solidFill>
+                  <a:srgbClr val="ffffff"/>
+                </a:solidFill>
+              </a:uFill>
+              <a:latin typeface="Source Sans Pro"/>
             </a:endParaRPr>
           </a:p>
         </p:txBody>
       </p:sp>
     </p:spTree>
   </p:cSld>
+  <mc:AlternateContent>
+    <mc:Choice Requires="p14">
+      <p:transition spd="med">
+        <p14:flip dir="l"/>
+      </p:transition>
+    </mc:Choice>
+    <mc:Fallback>
+      <p:transition spd="med">
+        <p:fade/>
+      </p:transition>
+    </mc:Fallback>
+  </mc:AlternateContent>
   <p:timing>
     <p:tnLst>
       <p:par>
@@ -4516,14 +4622,14 @@
       </p:grpSpPr>
       <p:sp>
         <p:nvSpPr>
-          <p:cNvPr id="98" name="CustomShape 1"/>
-          <p:cNvSpPr/>
+          <p:cNvPr id="103" name="TextShape 1"/>
+          <p:cNvSpPr txBox="1"/>
           <p:nvPr/>
         </p:nvSpPr>
         <p:spPr>
           <a:xfrm>
             <a:off x="360000" y="301320"/>
-            <a:ext cx="9358920" cy="957600"/>
+            <a:ext cx="9360000" cy="958680"/>
           </a:xfrm>
           <a:prstGeom prst="rect">
             <a:avLst/>
@@ -4533,16 +4639,62 @@
             <a:noFill/>
           </a:ln>
         </p:spPr>
-        <p:style>
-          <a:lnRef idx="0"/>
-          <a:fillRef idx="0"/>
-          <a:effectRef idx="0"/>
-          <a:fontRef idx="minor"/>
-        </p:style>
+        <p:txBody>
+          <a:bodyPr lIns="0" rIns="0" tIns="0" bIns="0" anchor="ctr"/>
+          <a:p>
+            <a:endParaRPr b="1" lang="de-DE" sz="3600" spc="-1" strike="noStrike">
+              <a:solidFill>
+                <a:srgbClr val="ffffff"/>
+              </a:solidFill>
+              <a:uFill>
+                <a:solidFill>
+                  <a:srgbClr val="ffffff"/>
+                </a:solidFill>
+              </a:uFill>
+              <a:latin typeface="Source Sans Pro Black"/>
+            </a:endParaRPr>
+          </a:p>
+        </p:txBody>
+      </p:sp>
+      <p:sp>
+        <p:nvSpPr>
+          <p:cNvPr id="104" name="TextShape 2"/>
+          <p:cNvSpPr txBox="1"/>
+          <p:nvPr/>
+        </p:nvSpPr>
+        <p:spPr>
+          <a:xfrm>
+            <a:off x="360000" y="1980000"/>
+            <a:ext cx="9360000" cy="5040000"/>
+          </a:xfrm>
+          <a:prstGeom prst="rect">
+            <a:avLst/>
+          </a:prstGeom>
+          <a:noFill/>
+          <a:ln>
+            <a:noFill/>
+          </a:ln>
+        </p:spPr>
+        <p:txBody>
+          <a:bodyPr lIns="0" rIns="0" tIns="0" bIns="0"/>
+          <a:p>
+            <a:endParaRPr b="1" lang="de-DE" sz="3200" spc="-1" strike="noStrike">
+              <a:solidFill>
+                <a:srgbClr val="2c3e50"/>
+              </a:solidFill>
+              <a:uFill>
+                <a:solidFill>
+                  <a:srgbClr val="ffffff"/>
+                </a:solidFill>
+              </a:uFill>
+              <a:latin typeface="Source Sans Pro Semibold"/>
+            </a:endParaRPr>
+          </a:p>
+        </p:txBody>
       </p:sp>
       <p:pic>
         <p:nvPicPr>
-          <p:cNvPr id="99" name="" descr=""/>
+          <p:cNvPr id="105" name="" descr=""/>
           <p:cNvPicPr/>
           <p:nvPr/>
         </p:nvPicPr>
@@ -4553,7 +4705,7 @@
         <p:spPr>
           <a:xfrm>
             <a:off x="2628000" y="1980000"/>
-            <a:ext cx="4822920" cy="5038920"/>
+            <a:ext cx="4822560" cy="5038560"/>
           </a:xfrm>
           <a:prstGeom prst="rect">
             <a:avLst/>
@@ -4565,33 +4717,18 @@
       </p:pic>
     </p:spTree>
   </p:cSld>
-  <p:timing>
-    <p:tnLst>
-      <p:par>
-        <p:cTn id="21" dur="indefinite" restart="never" nodeType="tmRoot">
-          <p:childTnLst>
-            <p:seq>
-              <p:cTn id="22" nodeType="mainSeq"/>
-              <p:prevCondLst>
-                <p:cond delay="0" evt="onPrev">
-                  <p:tgtEl>
-                    <p:sldTgt/>
-                  </p:tgtEl>
-                </p:cond>
-              </p:prevCondLst>
-              <p:nextCondLst>
-                <p:cond delay="0" evt="onNext">
-                  <p:tgtEl>
-                    <p:sldTgt/>
-                  </p:tgtEl>
-                </p:cond>
-              </p:nextCondLst>
-            </p:seq>
-          </p:childTnLst>
-        </p:cTn>
-      </p:par>
-    </p:tnLst>
-  </p:timing>
+  <mc:AlternateContent>
+    <mc:Choice Requires="p14">
+      <p:transition spd="med">
+        <p14:flip dir="l"/>
+      </p:transition>
+    </mc:Choice>
+    <mc:Fallback>
+      <p:transition spd="med">
+        <p:fade/>
+      </p:transition>
+    </mc:Fallback>
+  </mc:AlternateContent>
 </p:sld>
 </file>
 
@@ -4614,14 +4751,14 @@
       </p:grpSpPr>
       <p:sp>
         <p:nvSpPr>
-          <p:cNvPr id="100" name="CustomShape 1"/>
-          <p:cNvSpPr/>
+          <p:cNvPr id="106" name="TextShape 1"/>
+          <p:cNvSpPr txBox="1"/>
           <p:nvPr/>
         </p:nvSpPr>
         <p:spPr>
           <a:xfrm>
             <a:off x="360000" y="301320"/>
-            <a:ext cx="9358920" cy="957600"/>
+            <a:ext cx="9360000" cy="958680"/>
           </a:xfrm>
           <a:prstGeom prst="rect">
             <a:avLst/>
@@ -4631,12 +4768,6 @@
             <a:noFill/>
           </a:ln>
         </p:spPr>
-        <p:style>
-          <a:lnRef idx="0"/>
-          <a:fillRef idx="0"/>
-          <a:effectRef idx="0"/>
-          <a:fontRef idx="minor"/>
-        </p:style>
         <p:txBody>
           <a:bodyPr lIns="0" rIns="0" tIns="0" bIns="0" anchor="ctr"/>
           <a:p>
@@ -4651,34 +4782,33 @@
                   </a:solidFill>
                 </a:uFill>
                 <a:latin typeface="Source Sans Pro Black"/>
-                <a:ea typeface="DejaVu Sans"/>
               </a:rPr>
               <a:t>3. Vorstellung zweier Verfahren</a:t>
             </a:r>
-            <a:endParaRPr b="0" lang="de-DE" sz="1800" spc="-1" strike="noStrike">
-              <a:solidFill>
-                <a:srgbClr val="000000"/>
-              </a:solidFill>
-              <a:uFill>
-                <a:solidFill>
-                  <a:srgbClr val="ffffff"/>
-                </a:solidFill>
-              </a:uFill>
-              <a:latin typeface="Arial"/>
-            </a:endParaRPr>
-          </a:p>
-        </p:txBody>
-      </p:sp>
-      <p:sp>
-        <p:nvSpPr>
-          <p:cNvPr id="101" name="CustomShape 2"/>
-          <p:cNvSpPr/>
+            <a:endParaRPr b="1" lang="de-DE" sz="3600" spc="-1" strike="noStrike">
+              <a:solidFill>
+                <a:srgbClr val="ffffff"/>
+              </a:solidFill>
+              <a:uFill>
+                <a:solidFill>
+                  <a:srgbClr val="ffffff"/>
+                </a:solidFill>
+              </a:uFill>
+              <a:latin typeface="Source Sans Pro Black"/>
+            </a:endParaRPr>
+          </a:p>
+        </p:txBody>
+      </p:sp>
+      <p:sp>
+        <p:nvSpPr>
+          <p:cNvPr id="107" name="TextShape 2"/>
+          <p:cNvSpPr txBox="1"/>
           <p:nvPr/>
         </p:nvSpPr>
         <p:spPr>
           <a:xfrm>
             <a:off x="360000" y="1980000"/>
-            <a:ext cx="9358920" cy="5038920"/>
+            <a:ext cx="9360000" cy="5040000"/>
           </a:xfrm>
           <a:prstGeom prst="rect">
             <a:avLst/>
@@ -4688,19 +4818,10 @@
             <a:noFill/>
           </a:ln>
         </p:spPr>
-        <p:style>
-          <a:lnRef idx="0"/>
-          <a:fillRef idx="0"/>
-          <a:effectRef idx="0"/>
-          <a:fontRef idx="minor"/>
-        </p:style>
         <p:txBody>
           <a:bodyPr lIns="0" rIns="0" tIns="0" bIns="0"/>
           <a:p>
-            <a:pPr marL="432000" indent="-322920">
-              <a:lnSpc>
-                <a:spcPct val="100000"/>
-              </a:lnSpc>
+            <a:pPr marL="432000" indent="-324000">
               <a:buClr>
                 <a:srgbClr val="2c3e50"/>
               </a:buClr>
@@ -4719,27 +4840,23 @@
                   </a:solidFill>
                 </a:uFill>
                 <a:latin typeface="Source Sans Pro Semibold"/>
-                <a:ea typeface="DejaVu Sans"/>
-              </a:rPr>
-              <a:t>3.2. RSA-Verfahren</a:t>
-            </a:r>
-            <a:endParaRPr b="0" lang="de-DE" sz="1800" spc="-1" strike="noStrike">
-              <a:solidFill>
-                <a:srgbClr val="000000"/>
-              </a:solidFill>
-              <a:uFill>
-                <a:solidFill>
-                  <a:srgbClr val="ffffff"/>
-                </a:solidFill>
-              </a:uFill>
-              <a:latin typeface="Arial"/>
-            </a:endParaRPr>
-          </a:p>
-          <a:p>
-            <a:pPr marL="432000" indent="-322920">
-              <a:lnSpc>
-                <a:spcPct val="100000"/>
-              </a:lnSpc>
+              </a:rPr>
+              <a:t>3.2 RSA-Verfahren</a:t>
+            </a:r>
+            <a:endParaRPr b="1" lang="de-DE" sz="3200" spc="-1" strike="noStrike">
+              <a:solidFill>
+                <a:srgbClr val="2c3e50"/>
+              </a:solidFill>
+              <a:uFill>
+                <a:solidFill>
+                  <a:srgbClr val="ffffff"/>
+                </a:solidFill>
+              </a:uFill>
+              <a:latin typeface="Source Sans Pro Semibold"/>
+            </a:endParaRPr>
+          </a:p>
+          <a:p>
+            <a:pPr marL="432000" indent="-324000">
               <a:buClr>
                 <a:srgbClr val="2c3e50"/>
               </a:buClr>
@@ -4758,27 +4875,23 @@
                   </a:solidFill>
                 </a:uFill>
                 <a:latin typeface="Source Sans Pro Semibold"/>
-                <a:ea typeface="DejaVu Sans"/>
               </a:rPr>
               <a:t>Eines der sichersten Verschlüsselungsalgorithmen der Welt</a:t>
             </a:r>
-            <a:endParaRPr b="0" lang="de-DE" sz="1800" spc="-1" strike="noStrike">
-              <a:solidFill>
-                <a:srgbClr val="000000"/>
-              </a:solidFill>
-              <a:uFill>
-                <a:solidFill>
-                  <a:srgbClr val="ffffff"/>
-                </a:solidFill>
-              </a:uFill>
-              <a:latin typeface="Arial"/>
-            </a:endParaRPr>
-          </a:p>
-          <a:p>
-            <a:pPr marL="432000" indent="-322920">
-              <a:lnSpc>
-                <a:spcPct val="100000"/>
-              </a:lnSpc>
+            <a:endParaRPr b="1" lang="de-DE" sz="3200" spc="-1" strike="noStrike">
+              <a:solidFill>
+                <a:srgbClr val="2c3e50"/>
+              </a:solidFill>
+              <a:uFill>
+                <a:solidFill>
+                  <a:srgbClr val="ffffff"/>
+                </a:solidFill>
+              </a:uFill>
+              <a:latin typeface="Source Sans Pro Semibold"/>
+            </a:endParaRPr>
+          </a:p>
+          <a:p>
+            <a:pPr marL="432000" indent="-324000">
               <a:buClr>
                 <a:srgbClr val="2c3e50"/>
               </a:buClr>
@@ -4797,27 +4910,23 @@
                   </a:solidFill>
                 </a:uFill>
                 <a:latin typeface="Source Sans Pro Semibold"/>
-                <a:ea typeface="DejaVu Sans"/>
               </a:rPr>
               <a:t>Das erste veröffentlichte asymmetrische Verschlüsselungsverfahren</a:t>
             </a:r>
-            <a:endParaRPr b="0" lang="de-DE" sz="1800" spc="-1" strike="noStrike">
-              <a:solidFill>
-                <a:srgbClr val="000000"/>
-              </a:solidFill>
-              <a:uFill>
-                <a:solidFill>
-                  <a:srgbClr val="ffffff"/>
-                </a:solidFill>
-              </a:uFill>
-              <a:latin typeface="Arial"/>
-            </a:endParaRPr>
-          </a:p>
-          <a:p>
-            <a:pPr marL="432000" indent="-322920">
-              <a:lnSpc>
-                <a:spcPct val="100000"/>
-              </a:lnSpc>
+            <a:endParaRPr b="1" lang="de-DE" sz="3200" spc="-1" strike="noStrike">
+              <a:solidFill>
+                <a:srgbClr val="2c3e50"/>
+              </a:solidFill>
+              <a:uFill>
+                <a:solidFill>
+                  <a:srgbClr val="ffffff"/>
+                </a:solidFill>
+              </a:uFill>
+              <a:latin typeface="Source Sans Pro Semibold"/>
+            </a:endParaRPr>
+          </a:p>
+          <a:p>
+            <a:pPr marL="432000" indent="-324000">
               <a:buClr>
                 <a:srgbClr val="2c3e50"/>
               </a:buClr>
@@ -4836,33 +4945,44 @@
                   </a:solidFill>
                 </a:uFill>
                 <a:latin typeface="Source Sans Pro Semibold"/>
-                <a:ea typeface="DejaVu Sans"/>
-              </a:rPr>
-              <a:t>Erfunden von Ronald Rivest, Adi Shamir und Max Adleman =&gt; RSA</a:t>
-            </a:r>
-            <a:endParaRPr b="0" lang="de-DE" sz="1800" spc="-1" strike="noStrike">
-              <a:solidFill>
-                <a:srgbClr val="000000"/>
-              </a:solidFill>
-              <a:uFill>
-                <a:solidFill>
-                  <a:srgbClr val="ffffff"/>
-                </a:solidFill>
-              </a:uFill>
-              <a:latin typeface="Arial"/>
+              </a:rPr>
+              <a:t>Erfunden von Ronald Rivest, Adi Shamir  und Max Adleman =&gt; RSA</a:t>
+            </a:r>
+            <a:endParaRPr b="1" lang="de-DE" sz="3200" spc="-1" strike="noStrike">
+              <a:solidFill>
+                <a:srgbClr val="2c3e50"/>
+              </a:solidFill>
+              <a:uFill>
+                <a:solidFill>
+                  <a:srgbClr val="ffffff"/>
+                </a:solidFill>
+              </a:uFill>
+              <a:latin typeface="Source Sans Pro Semibold"/>
             </a:endParaRPr>
           </a:p>
         </p:txBody>
       </p:sp>
     </p:spTree>
   </p:cSld>
+  <mc:AlternateContent>
+    <mc:Choice Requires="p14">
+      <p:transition spd="med">
+        <p14:flip dir="l"/>
+      </p:transition>
+    </mc:Choice>
+    <mc:Fallback>
+      <p:transition spd="med">
+        <p:fade/>
+      </p:transition>
+    </mc:Fallback>
+  </mc:AlternateContent>
   <p:timing>
     <p:tnLst>
       <p:par>
-        <p:cTn id="23" dur="indefinite" restart="never" nodeType="tmRoot">
+        <p:cTn id="21" dur="indefinite" restart="never" nodeType="tmRoot">
           <p:childTnLst>
             <p:seq>
-              <p:cTn id="24" nodeType="mainSeq"/>
+              <p:cTn id="22" nodeType="mainSeq"/>
               <p:prevCondLst>
                 <p:cond delay="0" evt="onPrev">
                   <p:tgtEl>
@@ -4905,14 +5025,14 @@
       </p:grpSpPr>
       <p:sp>
         <p:nvSpPr>
-          <p:cNvPr id="102" name="CustomShape 1"/>
-          <p:cNvSpPr/>
+          <p:cNvPr id="108" name="TextShape 1"/>
+          <p:cNvSpPr txBox="1"/>
           <p:nvPr/>
         </p:nvSpPr>
         <p:spPr>
           <a:xfrm>
             <a:off x="360000" y="301320"/>
-            <a:ext cx="9358920" cy="957600"/>
+            <a:ext cx="9360000" cy="958680"/>
           </a:xfrm>
           <a:prstGeom prst="rect">
             <a:avLst/>
@@ -4922,12 +5042,6 @@
             <a:noFill/>
           </a:ln>
         </p:spPr>
-        <p:style>
-          <a:lnRef idx="0"/>
-          <a:fillRef idx="0"/>
-          <a:effectRef idx="0"/>
-          <a:fontRef idx="minor"/>
-        </p:style>
         <p:txBody>
           <a:bodyPr lIns="0" rIns="0" tIns="0" bIns="0" anchor="ctr"/>
           <a:p>
@@ -4942,34 +5056,33 @@
                   </a:solidFill>
                 </a:uFill>
                 <a:latin typeface="Source Sans Pro Black"/>
-                <a:ea typeface="DejaVu Sans"/>
               </a:rPr>
               <a:t>3. Vorstellung zweier Verfahren</a:t>
             </a:r>
-            <a:endParaRPr b="0" lang="de-DE" sz="1800" spc="-1" strike="noStrike">
-              <a:solidFill>
-                <a:srgbClr val="000000"/>
-              </a:solidFill>
-              <a:uFill>
-                <a:solidFill>
-                  <a:srgbClr val="ffffff"/>
-                </a:solidFill>
-              </a:uFill>
-              <a:latin typeface="Arial"/>
-            </a:endParaRPr>
-          </a:p>
-        </p:txBody>
-      </p:sp>
-      <p:sp>
-        <p:nvSpPr>
-          <p:cNvPr id="103" name="CustomShape 2"/>
-          <p:cNvSpPr/>
+            <a:endParaRPr b="1" lang="de-DE" sz="3600" spc="-1" strike="noStrike">
+              <a:solidFill>
+                <a:srgbClr val="ffffff"/>
+              </a:solidFill>
+              <a:uFill>
+                <a:solidFill>
+                  <a:srgbClr val="ffffff"/>
+                </a:solidFill>
+              </a:uFill>
+              <a:latin typeface="Source Sans Pro Black"/>
+            </a:endParaRPr>
+          </a:p>
+        </p:txBody>
+      </p:sp>
+      <p:sp>
+        <p:nvSpPr>
+          <p:cNvPr id="109" name="TextShape 2"/>
+          <p:cNvSpPr txBox="1"/>
           <p:nvPr/>
         </p:nvSpPr>
         <p:spPr>
           <a:xfrm>
             <a:off x="360000" y="1980000"/>
-            <a:ext cx="9358920" cy="5038920"/>
+            <a:ext cx="9360000" cy="5040000"/>
           </a:xfrm>
           <a:prstGeom prst="rect">
             <a:avLst/>
@@ -4979,19 +5092,10 @@
             <a:noFill/>
           </a:ln>
         </p:spPr>
-        <p:style>
-          <a:lnRef idx="0"/>
-          <a:fillRef idx="0"/>
-          <a:effectRef idx="0"/>
-          <a:fontRef idx="minor"/>
-        </p:style>
         <p:txBody>
           <a:bodyPr lIns="0" rIns="0" tIns="0" bIns="0"/>
           <a:p>
-            <a:pPr marL="432000" indent="-322920">
-              <a:lnSpc>
-                <a:spcPct val="100000"/>
-              </a:lnSpc>
+            <a:pPr marL="432000" indent="-324000">
               <a:buClr>
                 <a:srgbClr val="2c3e50"/>
               </a:buClr>
@@ -5000,7 +5104,7 @@
               <a:buChar char=""/>
             </a:pPr>
             <a:r>
-              <a:rPr b="1" lang="de-DE" sz="3200" spc="-1" strike="noStrike" u="sng">
+              <a:rPr b="1" lang="de-DE" sz="3200" spc="-1" strike="noStrike">
                 <a:solidFill>
                   <a:srgbClr val="2c3e50"/>
                 </a:solidFill>
@@ -5010,27 +5114,23 @@
                   </a:solidFill>
                 </a:uFill>
                 <a:latin typeface="Source Sans Pro Semibold"/>
-                <a:ea typeface="DejaVu Sans"/>
               </a:rPr>
               <a:t>Funktionsweise</a:t>
             </a:r>
-            <a:endParaRPr b="0" lang="de-DE" sz="1800" spc="-1" strike="noStrike">
-              <a:solidFill>
-                <a:srgbClr val="000000"/>
-              </a:solidFill>
-              <a:uFill>
-                <a:solidFill>
-                  <a:srgbClr val="ffffff"/>
-                </a:solidFill>
-              </a:uFill>
-              <a:latin typeface="Arial"/>
-            </a:endParaRPr>
-          </a:p>
-          <a:p>
-            <a:pPr marL="432000" indent="-322920">
-              <a:lnSpc>
-                <a:spcPct val="100000"/>
-              </a:lnSpc>
+            <a:endParaRPr b="1" lang="de-DE" sz="3200" spc="-1" strike="noStrike">
+              <a:solidFill>
+                <a:srgbClr val="2c3e50"/>
+              </a:solidFill>
+              <a:uFill>
+                <a:solidFill>
+                  <a:srgbClr val="ffffff"/>
+                </a:solidFill>
+              </a:uFill>
+              <a:latin typeface="Source Sans Pro Semibold"/>
+            </a:endParaRPr>
+          </a:p>
+          <a:p>
+            <a:pPr marL="432000" indent="-324000">
               <a:buClr>
                 <a:srgbClr val="2c3e50"/>
               </a:buClr>
@@ -5049,53 +5149,37 @@
                   </a:solidFill>
                 </a:uFill>
                 <a:latin typeface="Source Sans Pro Semibold"/>
-                <a:ea typeface="DejaVu Sans"/>
-              </a:rPr>
-              <a:t>Komplizierte Algorithmen zur Schlüsselgenerierung und zur Verschlüsselung</a:t>
-            </a:r>
-            <a:endParaRPr b="0" lang="de-DE" sz="1800" spc="-1" strike="noStrike">
-              <a:solidFill>
-                <a:srgbClr val="000000"/>
-              </a:solidFill>
-              <a:uFill>
-                <a:solidFill>
-                  <a:srgbClr val="ffffff"/>
-                </a:solidFill>
-              </a:uFill>
-              <a:latin typeface="Arial"/>
+              </a:rPr>
+              <a:t>Komplizierte Algorithmen zur Schlüsselgenerierung und zur Ver- bzw. Entschlüsselung</a:t>
+            </a:r>
+            <a:endParaRPr b="1" lang="de-DE" sz="3200" spc="-1" strike="noStrike">
+              <a:solidFill>
+                <a:srgbClr val="2c3e50"/>
+              </a:solidFill>
+              <a:uFill>
+                <a:solidFill>
+                  <a:srgbClr val="ffffff"/>
+                </a:solidFill>
+              </a:uFill>
+              <a:latin typeface="Source Sans Pro Semibold"/>
             </a:endParaRPr>
           </a:p>
         </p:txBody>
       </p:sp>
     </p:spTree>
   </p:cSld>
-  <p:timing>
-    <p:tnLst>
-      <p:par>
-        <p:cTn id="25" dur="indefinite" restart="never" nodeType="tmRoot">
-          <p:childTnLst>
-            <p:seq>
-              <p:cTn id="26" nodeType="mainSeq"/>
-              <p:prevCondLst>
-                <p:cond delay="0" evt="onPrev">
-                  <p:tgtEl>
-                    <p:sldTgt/>
-                  </p:tgtEl>
-                </p:cond>
-              </p:prevCondLst>
-              <p:nextCondLst>
-                <p:cond delay="0" evt="onNext">
-                  <p:tgtEl>
-                    <p:sldTgt/>
-                  </p:tgtEl>
-                </p:cond>
-              </p:nextCondLst>
-            </p:seq>
-          </p:childTnLst>
-        </p:cTn>
-      </p:par>
-    </p:tnLst>
-  </p:timing>
+  <mc:AlternateContent>
+    <mc:Choice Requires="p14">
+      <p:transition spd="med">
+        <p14:flip dir="l"/>
+      </p:transition>
+    </mc:Choice>
+    <mc:Fallback>
+      <p:transition spd="med">
+        <p:fade/>
+      </p:transition>
+    </mc:Fallback>
+  </mc:AlternateContent>
 </p:sld>
 </file>
 
@@ -5118,14 +5202,14 @@
       </p:grpSpPr>
       <p:sp>
         <p:nvSpPr>
-          <p:cNvPr id="104" name="CustomShape 1"/>
-          <p:cNvSpPr/>
+          <p:cNvPr id="110" name="TextShape 1"/>
+          <p:cNvSpPr txBox="1"/>
           <p:nvPr/>
         </p:nvSpPr>
         <p:spPr>
           <a:xfrm>
             <a:off x="360000" y="301320"/>
-            <a:ext cx="9358920" cy="957600"/>
+            <a:ext cx="9360000" cy="958680"/>
           </a:xfrm>
           <a:prstGeom prst="rect">
             <a:avLst/>
@@ -5135,12 +5219,6 @@
             <a:noFill/>
           </a:ln>
         </p:spPr>
-        <p:style>
-          <a:lnRef idx="0"/>
-          <a:fillRef idx="0"/>
-          <a:effectRef idx="0"/>
-          <a:fontRef idx="minor"/>
-        </p:style>
         <p:txBody>
           <a:bodyPr lIns="0" rIns="0" tIns="0" bIns="0" anchor="ctr"/>
           <a:p>
@@ -5155,34 +5233,33 @@
                   </a:solidFill>
                 </a:uFill>
                 <a:latin typeface="Source Sans Pro Black"/>
-                <a:ea typeface="DejaVu Sans"/>
               </a:rPr>
               <a:t>4. Präsentation der Eigenleistung</a:t>
             </a:r>
-            <a:endParaRPr b="0" lang="de-DE" sz="1800" spc="-1" strike="noStrike">
-              <a:solidFill>
-                <a:srgbClr val="000000"/>
-              </a:solidFill>
-              <a:uFill>
-                <a:solidFill>
-                  <a:srgbClr val="ffffff"/>
-                </a:solidFill>
-              </a:uFill>
-              <a:latin typeface="Arial"/>
-            </a:endParaRPr>
-          </a:p>
-        </p:txBody>
-      </p:sp>
-      <p:sp>
-        <p:nvSpPr>
-          <p:cNvPr id="105" name="CustomShape 2"/>
-          <p:cNvSpPr/>
+            <a:endParaRPr b="1" lang="de-DE" sz="3600" spc="-1" strike="noStrike">
+              <a:solidFill>
+                <a:srgbClr val="ffffff"/>
+              </a:solidFill>
+              <a:uFill>
+                <a:solidFill>
+                  <a:srgbClr val="ffffff"/>
+                </a:solidFill>
+              </a:uFill>
+              <a:latin typeface="Source Sans Pro Black"/>
+            </a:endParaRPr>
+          </a:p>
+        </p:txBody>
+      </p:sp>
+      <p:sp>
+        <p:nvSpPr>
+          <p:cNvPr id="111" name="TextShape 2"/>
+          <p:cNvSpPr txBox="1"/>
           <p:nvPr/>
         </p:nvSpPr>
         <p:spPr>
           <a:xfrm>
             <a:off x="360000" y="1980000"/>
-            <a:ext cx="9358920" cy="5038920"/>
+            <a:ext cx="9360000" cy="5040000"/>
           </a:xfrm>
           <a:prstGeom prst="rect">
             <a:avLst/>
@@ -5192,19 +5269,10 @@
             <a:noFill/>
           </a:ln>
         </p:spPr>
-        <p:style>
-          <a:lnRef idx="0"/>
-          <a:fillRef idx="0"/>
-          <a:effectRef idx="0"/>
-          <a:fontRef idx="minor"/>
-        </p:style>
         <p:txBody>
           <a:bodyPr lIns="0" rIns="0" tIns="0" bIns="0"/>
           <a:p>
-            <a:pPr marL="432000" indent="-322920">
-              <a:lnSpc>
-                <a:spcPct val="100000"/>
-              </a:lnSpc>
+            <a:pPr marL="432000" indent="-324000">
               <a:buClr>
                 <a:srgbClr val="2c3e50"/>
               </a:buClr>
@@ -5223,27 +5291,23 @@
                   </a:solidFill>
                 </a:uFill>
                 <a:latin typeface="Source Sans Pro Semibold"/>
-                <a:ea typeface="DejaVu Sans"/>
               </a:rPr>
               <a:t>Entwicklung eines Programms in der Programmiersprache „Java“</a:t>
             </a:r>
-            <a:endParaRPr b="0" lang="de-DE" sz="1800" spc="-1" strike="noStrike">
-              <a:solidFill>
-                <a:srgbClr val="000000"/>
-              </a:solidFill>
-              <a:uFill>
-                <a:solidFill>
-                  <a:srgbClr val="ffffff"/>
-                </a:solidFill>
-              </a:uFill>
-              <a:latin typeface="Arial"/>
-            </a:endParaRPr>
-          </a:p>
-          <a:p>
-            <a:pPr marL="432000" indent="-322920">
-              <a:lnSpc>
-                <a:spcPct val="100000"/>
-              </a:lnSpc>
+            <a:endParaRPr b="1" lang="de-DE" sz="3200" spc="-1" strike="noStrike">
+              <a:solidFill>
+                <a:srgbClr val="2c3e50"/>
+              </a:solidFill>
+              <a:uFill>
+                <a:solidFill>
+                  <a:srgbClr val="ffffff"/>
+                </a:solidFill>
+              </a:uFill>
+              <a:latin typeface="Source Sans Pro Semibold"/>
+            </a:endParaRPr>
+          </a:p>
+          <a:p>
+            <a:pPr marL="432000" indent="-324000">
               <a:buClr>
                 <a:srgbClr val="2c3e50"/>
               </a:buClr>
@@ -5262,27 +5326,23 @@
                   </a:solidFill>
                 </a:uFill>
                 <a:latin typeface="Source Sans Pro Semibold"/>
-                <a:ea typeface="DejaVu Sans"/>
               </a:rPr>
               <a:t>Mit Hilfe des Programms kann man, drei Verfahren testen</a:t>
             </a:r>
-            <a:endParaRPr b="0" lang="de-DE" sz="1800" spc="-1" strike="noStrike">
-              <a:solidFill>
-                <a:srgbClr val="000000"/>
-              </a:solidFill>
-              <a:uFill>
-                <a:solidFill>
-                  <a:srgbClr val="ffffff"/>
-                </a:solidFill>
-              </a:uFill>
-              <a:latin typeface="Arial"/>
-            </a:endParaRPr>
-          </a:p>
-          <a:p>
-            <a:pPr marL="432000" indent="-322920">
-              <a:lnSpc>
-                <a:spcPct val="100000"/>
-              </a:lnSpc>
+            <a:endParaRPr b="1" lang="de-DE" sz="3200" spc="-1" strike="noStrike">
+              <a:solidFill>
+                <a:srgbClr val="2c3e50"/>
+              </a:solidFill>
+              <a:uFill>
+                <a:solidFill>
+                  <a:srgbClr val="ffffff"/>
+                </a:solidFill>
+              </a:uFill>
+              <a:latin typeface="Source Sans Pro Semibold"/>
+            </a:endParaRPr>
+          </a:p>
+          <a:p>
+            <a:pPr marL="432000" indent="-324000">
               <a:buClr>
                 <a:srgbClr val="2c3e50"/>
               </a:buClr>
@@ -5301,218 +5361,37 @@
                   </a:solidFill>
                 </a:uFill>
                 <a:latin typeface="Source Sans Pro Semibold"/>
-                <a:ea typeface="DejaVu Sans"/>
-              </a:rPr>
-              <a:t>Es wurde das Framework „JavaFX“, </a:t>
-            </a:r>
-            <a:r>
-              <a:rPr b="1" lang="de-DE" sz="3200" spc="-1" strike="noStrike">
-                <a:solidFill>
-                  <a:srgbClr val="2c3e50"/>
-                </a:solidFill>
-                <a:uFill>
-                  <a:solidFill>
-                    <a:srgbClr val="ffffff"/>
-                  </a:solidFill>
-                </a:uFill>
-                <a:latin typeface="Source Sans Pro Semibold"/>
-                <a:ea typeface="DejaVu Sans"/>
-              </a:rPr>
-              <a:t>	</a:t>
-            </a:r>
-            <a:r>
-              <a:rPr b="1" lang="de-DE" sz="3200" spc="-1" strike="noStrike">
-                <a:solidFill>
-                  <a:srgbClr val="2c3e50"/>
-                </a:solidFill>
-                <a:uFill>
-                  <a:solidFill>
-                    <a:srgbClr val="ffffff"/>
-                  </a:solidFill>
-                </a:uFill>
-                <a:latin typeface="Source Sans Pro Semibold"/>
-                <a:ea typeface="DejaVu Sans"/>
-              </a:rPr>
-              <a:t>	</a:t>
-            </a:r>
-            <a:r>
-              <a:rPr b="1" lang="de-DE" sz="3200" spc="-1" strike="noStrike">
-                <a:solidFill>
-                  <a:srgbClr val="2c3e50"/>
-                </a:solidFill>
-                <a:uFill>
-                  <a:solidFill>
-                    <a:srgbClr val="ffffff"/>
-                  </a:solidFill>
-                </a:uFill>
-                <a:latin typeface="Source Sans Pro Semibold"/>
-                <a:ea typeface="DejaVu Sans"/>
-              </a:rPr>
-              <a:t>	</a:t>
-            </a:r>
-            <a:r>
-              <a:rPr b="1" lang="de-DE" sz="3200" spc="-1" strike="noStrike">
-                <a:solidFill>
-                  <a:srgbClr val="2c3e50"/>
-                </a:solidFill>
-                <a:uFill>
-                  <a:solidFill>
-                    <a:srgbClr val="ffffff"/>
-                  </a:solidFill>
-                </a:uFill>
-                <a:latin typeface="Source Sans Pro Semibold"/>
-                <a:ea typeface="DejaVu Sans"/>
-              </a:rPr>
-              <a:t>	</a:t>
-            </a:r>
-            <a:r>
-              <a:rPr b="1" lang="de-DE" sz="3200" spc="-1" strike="noStrike">
-                <a:solidFill>
-                  <a:srgbClr val="2c3e50"/>
-                </a:solidFill>
-                <a:uFill>
-                  <a:solidFill>
-                    <a:srgbClr val="ffffff"/>
-                  </a:solidFill>
-                </a:uFill>
-                <a:latin typeface="Source Sans Pro Semibold"/>
-                <a:ea typeface="DejaVu Sans"/>
-              </a:rPr>
-              <a:t>	</a:t>
-            </a:r>
-            <a:r>
-              <a:rPr b="1" lang="de-DE" sz="3200" spc="-1" strike="noStrike">
-                <a:solidFill>
-                  <a:srgbClr val="2c3e50"/>
-                </a:solidFill>
-                <a:uFill>
-                  <a:solidFill>
-                    <a:srgbClr val="ffffff"/>
-                  </a:solidFill>
-                </a:uFill>
-                <a:latin typeface="Source Sans Pro Semibold"/>
-                <a:ea typeface="DejaVu Sans"/>
-              </a:rPr>
-              <a:t>	</a:t>
-            </a:r>
-            <a:r>
-              <a:rPr b="1" lang="de-DE" sz="3200" spc="-1" strike="noStrike">
-                <a:solidFill>
-                  <a:srgbClr val="2c3e50"/>
-                </a:solidFill>
-                <a:uFill>
-                  <a:solidFill>
-                    <a:srgbClr val="ffffff"/>
-                  </a:solidFill>
-                </a:uFill>
-                <a:latin typeface="Source Sans Pro Semibold"/>
-                <a:ea typeface="DejaVu Sans"/>
-              </a:rPr>
-              <a:t>die IDE „IntelliJ“ und das Programm </a:t>
-            </a:r>
-            <a:r>
-              <a:rPr b="1" lang="de-DE" sz="3200" spc="-1" strike="noStrike">
-                <a:solidFill>
-                  <a:srgbClr val="2c3e50"/>
-                </a:solidFill>
-                <a:uFill>
-                  <a:solidFill>
-                    <a:srgbClr val="ffffff"/>
-                  </a:solidFill>
-                </a:uFill>
-                <a:latin typeface="Source Sans Pro Semibold"/>
-                <a:ea typeface="DejaVu Sans"/>
-              </a:rPr>
-              <a:t>	</a:t>
-            </a:r>
-            <a:r>
-              <a:rPr b="1" lang="de-DE" sz="3200" spc="-1" strike="noStrike">
-                <a:solidFill>
-                  <a:srgbClr val="2c3e50"/>
-                </a:solidFill>
-                <a:uFill>
-                  <a:solidFill>
-                    <a:srgbClr val="ffffff"/>
-                  </a:solidFill>
-                </a:uFill>
-                <a:latin typeface="Source Sans Pro Semibold"/>
-                <a:ea typeface="DejaVu Sans"/>
-              </a:rPr>
-              <a:t>	</a:t>
-            </a:r>
-            <a:r>
-              <a:rPr b="1" lang="de-DE" sz="3200" spc="-1" strike="noStrike">
-                <a:solidFill>
-                  <a:srgbClr val="2c3e50"/>
-                </a:solidFill>
-                <a:uFill>
-                  <a:solidFill>
-                    <a:srgbClr val="ffffff"/>
-                  </a:solidFill>
-                </a:uFill>
-                <a:latin typeface="Source Sans Pro Semibold"/>
-                <a:ea typeface="DejaVu Sans"/>
-              </a:rPr>
-              <a:t>	</a:t>
-            </a:r>
-            <a:r>
-              <a:rPr b="1" lang="de-DE" sz="3200" spc="-1" strike="noStrike">
-                <a:solidFill>
-                  <a:srgbClr val="2c3e50"/>
-                </a:solidFill>
-                <a:uFill>
-                  <a:solidFill>
-                    <a:srgbClr val="ffffff"/>
-                  </a:solidFill>
-                </a:uFill>
-                <a:latin typeface="Source Sans Pro Semibold"/>
-                <a:ea typeface="DejaVu Sans"/>
-              </a:rPr>
-              <a:t>„JavaFX Scene Builder 2.0“  verwendet</a:t>
-            </a:r>
-            <a:endParaRPr b="0" lang="de-DE" sz="1800" spc="-1" strike="noStrike">
-              <a:solidFill>
-                <a:srgbClr val="000000"/>
-              </a:solidFill>
-              <a:uFill>
-                <a:solidFill>
-                  <a:srgbClr val="ffffff"/>
-                </a:solidFill>
-              </a:uFill>
-              <a:latin typeface="Arial"/>
+              </a:rPr>
+              <a:t>Es wurde das Framework „JavaFX“, die IDE „IntelliJ“ und das Programm „JavaFX Scene Builder 2.0“ verwendet</a:t>
+            </a:r>
+            <a:endParaRPr b="1" lang="de-DE" sz="3200" spc="-1" strike="noStrike">
+              <a:solidFill>
+                <a:srgbClr val="2c3e50"/>
+              </a:solidFill>
+              <a:uFill>
+                <a:solidFill>
+                  <a:srgbClr val="ffffff"/>
+                </a:solidFill>
+              </a:uFill>
+              <a:latin typeface="Source Sans Pro Semibold"/>
             </a:endParaRPr>
           </a:p>
         </p:txBody>
       </p:sp>
     </p:spTree>
   </p:cSld>
-  <p:timing>
-    <p:tnLst>
-      <p:par>
-        <p:cTn id="27" dur="indefinite" restart="never" nodeType="tmRoot">
-          <p:childTnLst>
-            <p:seq>
-              <p:cTn id="28" nodeType="mainSeq"/>
-              <p:prevCondLst>
-                <p:cond delay="0" evt="onPrev">
-                  <p:tgtEl>
-                    <p:sldTgt/>
-                  </p:tgtEl>
-                </p:cond>
-              </p:prevCondLst>
-              <p:nextCondLst>
-                <p:cond delay="0" evt="onNext">
-                  <p:tgtEl>
-                    <p:sldTgt/>
-                  </p:tgtEl>
-                </p:cond>
-              </p:nextCondLst>
-            </p:seq>
-          </p:childTnLst>
-        </p:cTn>
-      </p:par>
-    </p:tnLst>
-  </p:timing>
+  <mc:AlternateContent>
+    <mc:Choice Requires="p14">
+      <p:transition spd="med">
+        <p14:flip dir="l"/>
+      </p:transition>
+    </mc:Choice>
+    <mc:Fallback>
+      <p:transition spd="med">
+        <p:fade/>
+      </p:transition>
+    </mc:Fallback>
+  </mc:AlternateContent>
 </p:sld>
 </file>
 
@@ -5535,14 +5414,14 @@
       </p:grpSpPr>
       <p:sp>
         <p:nvSpPr>
-          <p:cNvPr id="106" name="CustomShape 1"/>
-          <p:cNvSpPr/>
+          <p:cNvPr id="112" name="TextShape 1"/>
+          <p:cNvSpPr txBox="1"/>
           <p:nvPr/>
         </p:nvSpPr>
         <p:spPr>
           <a:xfrm>
             <a:off x="360000" y="301320"/>
-            <a:ext cx="9358920" cy="957600"/>
+            <a:ext cx="9360000" cy="958680"/>
           </a:xfrm>
           <a:prstGeom prst="rect">
             <a:avLst/>
@@ -5552,12 +5431,6 @@
             <a:noFill/>
           </a:ln>
         </p:spPr>
-        <p:style>
-          <a:lnRef idx="0"/>
-          <a:fillRef idx="0"/>
-          <a:effectRef idx="0"/>
-          <a:fontRef idx="minor"/>
-        </p:style>
         <p:txBody>
           <a:bodyPr lIns="0" rIns="0" tIns="0" bIns="0" anchor="ctr"/>
           <a:p>
@@ -5572,34 +5445,33 @@
                   </a:solidFill>
                 </a:uFill>
                 <a:latin typeface="Source Sans Pro Black"/>
-                <a:ea typeface="DejaVu Sans"/>
-              </a:rPr>
-              <a:t>5. Quellen</a:t>
-            </a:r>
-            <a:endParaRPr b="0" lang="de-DE" sz="1800" spc="-1" strike="noStrike">
-              <a:solidFill>
-                <a:srgbClr val="000000"/>
-              </a:solidFill>
-              <a:uFill>
-                <a:solidFill>
-                  <a:srgbClr val="ffffff"/>
-                </a:solidFill>
-              </a:uFill>
-              <a:latin typeface="Arial"/>
-            </a:endParaRPr>
-          </a:p>
-        </p:txBody>
-      </p:sp>
-      <p:sp>
-        <p:nvSpPr>
-          <p:cNvPr id="107" name="CustomShape 2"/>
-          <p:cNvSpPr/>
+              </a:rPr>
+              <a:t>5. Fazit</a:t>
+            </a:r>
+            <a:endParaRPr b="1" lang="de-DE" sz="3600" spc="-1" strike="noStrike">
+              <a:solidFill>
+                <a:srgbClr val="ffffff"/>
+              </a:solidFill>
+              <a:uFill>
+                <a:solidFill>
+                  <a:srgbClr val="ffffff"/>
+                </a:solidFill>
+              </a:uFill>
+              <a:latin typeface="Source Sans Pro Black"/>
+            </a:endParaRPr>
+          </a:p>
+        </p:txBody>
+      </p:sp>
+      <p:sp>
+        <p:nvSpPr>
+          <p:cNvPr id="113" name="TextShape 2"/>
+          <p:cNvSpPr txBox="1"/>
           <p:nvPr/>
         </p:nvSpPr>
         <p:spPr>
           <a:xfrm>
             <a:off x="360000" y="1980000"/>
-            <a:ext cx="9358920" cy="5038920"/>
+            <a:ext cx="9360000" cy="5040000"/>
           </a:xfrm>
           <a:prstGeom prst="rect">
             <a:avLst/>
@@ -5609,19 +5481,10 @@
             <a:noFill/>
           </a:ln>
         </p:spPr>
-        <p:style>
-          <a:lnRef idx="0"/>
-          <a:fillRef idx="0"/>
-          <a:effectRef idx="0"/>
-          <a:fontRef idx="minor"/>
-        </p:style>
         <p:txBody>
           <a:bodyPr lIns="0" rIns="0" tIns="0" bIns="0"/>
           <a:p>
-            <a:pPr marL="432000" indent="-322920">
-              <a:lnSpc>
-                <a:spcPct val="100000"/>
-              </a:lnSpc>
+            <a:pPr marL="432000" indent="-324000">
               <a:buClr>
                 <a:srgbClr val="2c3e50"/>
               </a:buClr>
@@ -5640,27 +5503,23 @@
                   </a:solidFill>
                 </a:uFill>
                 <a:latin typeface="Source Sans Pro Semibold"/>
-                <a:ea typeface="DejaVu Sans"/>
-              </a:rPr>
-              <a:t>https://upload.wikimedia.org/wikipedia/commons/3/3d/Code-1076536.jpg</a:t>
-            </a:r>
-            <a:endParaRPr b="0" lang="de-DE" sz="1800" spc="-1" strike="noStrike">
-              <a:solidFill>
-                <a:srgbClr val="000000"/>
-              </a:solidFill>
-              <a:uFill>
-                <a:solidFill>
-                  <a:srgbClr val="ffffff"/>
-                </a:solidFill>
-              </a:uFill>
-              <a:latin typeface="Arial"/>
-            </a:endParaRPr>
-          </a:p>
-          <a:p>
-            <a:pPr marL="432000" indent="-322920">
-              <a:lnSpc>
-                <a:spcPct val="100000"/>
-              </a:lnSpc>
+              </a:rPr>
+              <a:t>Verschlüsselung ist aus dem Leben nicht mehr wegzudenken</a:t>
+            </a:r>
+            <a:endParaRPr b="1" lang="de-DE" sz="3200" spc="-1" strike="noStrike">
+              <a:solidFill>
+                <a:srgbClr val="2c3e50"/>
+              </a:solidFill>
+              <a:uFill>
+                <a:solidFill>
+                  <a:srgbClr val="ffffff"/>
+                </a:solidFill>
+              </a:uFill>
+              <a:latin typeface="Source Sans Pro Semibold"/>
+            </a:endParaRPr>
+          </a:p>
+          <a:p>
+            <a:pPr marL="432000" indent="-324000">
               <a:buClr>
                 <a:srgbClr val="2c3e50"/>
               </a:buClr>
@@ -5679,27 +5538,130 @@
                   </a:solidFill>
                 </a:uFill>
                 <a:latin typeface="Source Sans Pro Semibold"/>
-                <a:ea typeface="DejaVu Sans"/>
-              </a:rPr>
-              <a:t>https://pixabay.com/p-1294045/?no_redirect</a:t>
-            </a:r>
-            <a:endParaRPr b="0" lang="de-DE" sz="1800" spc="-1" strike="noStrike">
-              <a:solidFill>
-                <a:srgbClr val="000000"/>
-              </a:solidFill>
-              <a:uFill>
-                <a:solidFill>
-                  <a:srgbClr val="ffffff"/>
-                </a:solidFill>
-              </a:uFill>
-              <a:latin typeface="Arial"/>
-            </a:endParaRPr>
-          </a:p>
-          <a:p>
-            <a:pPr marL="432000" indent="-322920">
-              <a:lnSpc>
-                <a:spcPct val="100000"/>
-              </a:lnSpc>
+              </a:rPr>
+              <a:t>Stetige Arbeit an sicheren Verfahren</a:t>
+            </a:r>
+            <a:endParaRPr b="1" lang="de-DE" sz="3200" spc="-1" strike="noStrike">
+              <a:solidFill>
+                <a:srgbClr val="2c3e50"/>
+              </a:solidFill>
+              <a:uFill>
+                <a:solidFill>
+                  <a:srgbClr val="ffffff"/>
+                </a:solidFill>
+              </a:uFill>
+              <a:latin typeface="Source Sans Pro Semibold"/>
+            </a:endParaRPr>
+          </a:p>
+        </p:txBody>
+      </p:sp>
+    </p:spTree>
+  </p:cSld>
+  <mc:AlternateContent>
+    <mc:Choice Requires="p14">
+      <p:transition spd="med">
+        <p14:flip dir="l"/>
+      </p:transition>
+    </mc:Choice>
+    <mc:Fallback>
+      <p:transition spd="med">
+        <p:fade/>
+      </p:transition>
+    </mc:Fallback>
+  </mc:AlternateContent>
+</p:sld>
+</file>
+
+<file path=ppt/slides/slide16.xml><?xml version="1.0" encoding="utf-8"?>
+<p:sld xmlns:a="http://schemas.openxmlformats.org/drawingml/2006/main" xmlns:p="http://schemas.openxmlformats.org/presentationml/2006/main" xmlns:r="http://schemas.openxmlformats.org/officeDocument/2006/relationships" xmlns:p14="http://schemas.microsoft.com/office/powerpoint/2010/main" xmlns:p15="http://schemas.microsoft.com/office/powerpoint/2012/main" xmlns:mc="http://schemas.openxmlformats.org/markup-compatibility/2006">
+  <p:cSld>
+    <p:spTree>
+      <p:nvGrpSpPr>
+        <p:cNvPr id="1" name=""/>
+        <p:cNvGrpSpPr/>
+        <p:nvPr/>
+      </p:nvGrpSpPr>
+      <p:grpSpPr>
+        <a:xfrm>
+          <a:off x="0" y="0"/>
+          <a:ext cx="0" cy="0"/>
+          <a:chOff x="0" y="0"/>
+          <a:chExt cx="0" cy="0"/>
+        </a:xfrm>
+      </p:grpSpPr>
+      <p:sp>
+        <p:nvSpPr>
+          <p:cNvPr id="114" name="TextShape 1"/>
+          <p:cNvSpPr txBox="1"/>
+          <p:nvPr/>
+        </p:nvSpPr>
+        <p:spPr>
+          <a:xfrm>
+            <a:off x="360000" y="301320"/>
+            <a:ext cx="9360000" cy="958680"/>
+          </a:xfrm>
+          <a:prstGeom prst="rect">
+            <a:avLst/>
+          </a:prstGeom>
+          <a:noFill/>
+          <a:ln>
+            <a:noFill/>
+          </a:ln>
+        </p:spPr>
+        <p:txBody>
+          <a:bodyPr lIns="0" rIns="0" tIns="0" bIns="0" anchor="ctr"/>
+          <a:p>
+            <a:r>
+              <a:rPr b="1" lang="de-DE" sz="3600" spc="-1" strike="noStrike">
+                <a:solidFill>
+                  <a:srgbClr val="ffffff"/>
+                </a:solidFill>
+                <a:uFill>
+                  <a:solidFill>
+                    <a:srgbClr val="ffffff"/>
+                  </a:solidFill>
+                </a:uFill>
+                <a:latin typeface="Source Sans Pro Black"/>
+              </a:rPr>
+              <a:t>6. Quellen</a:t>
+            </a:r>
+            <a:endParaRPr b="1" lang="de-DE" sz="3600" spc="-1" strike="noStrike">
+              <a:solidFill>
+                <a:srgbClr val="ffffff"/>
+              </a:solidFill>
+              <a:uFill>
+                <a:solidFill>
+                  <a:srgbClr val="ffffff"/>
+                </a:solidFill>
+              </a:uFill>
+              <a:latin typeface="Source Sans Pro Black"/>
+            </a:endParaRPr>
+          </a:p>
+        </p:txBody>
+      </p:sp>
+      <p:sp>
+        <p:nvSpPr>
+          <p:cNvPr id="115" name="TextShape 2"/>
+          <p:cNvSpPr txBox="1"/>
+          <p:nvPr/>
+        </p:nvSpPr>
+        <p:spPr>
+          <a:xfrm>
+            <a:off x="360000" y="1980000"/>
+            <a:ext cx="9360000" cy="5040000"/>
+          </a:xfrm>
+          <a:prstGeom prst="rect">
+            <a:avLst/>
+          </a:prstGeom>
+          <a:noFill/>
+          <a:ln>
+            <a:noFill/>
+          </a:ln>
+        </p:spPr>
+        <p:txBody>
+          <a:bodyPr lIns="0" rIns="0" tIns="0" bIns="0"/>
+          <a:p>
+            <a:pPr marL="432000" indent="-324000">
               <a:buClr>
                 <a:srgbClr val="2c3e50"/>
               </a:buClr>
@@ -5718,27 +5680,23 @@
                   </a:solidFill>
                 </a:uFill>
                 <a:latin typeface="Source Sans Pro Semibold"/>
-                <a:ea typeface="DejaVu Sans"/>
-              </a:rPr>
-              <a:t>https://de.wikipedia.org/wiki/Hybride_Verschl%C3%BCsselung#/media/File:Hybride_Verschl%C3%BCsselung.png</a:t>
-            </a:r>
-            <a:endParaRPr b="0" lang="de-DE" sz="1800" spc="-1" strike="noStrike">
-              <a:solidFill>
-                <a:srgbClr val="000000"/>
-              </a:solidFill>
-              <a:uFill>
-                <a:solidFill>
-                  <a:srgbClr val="ffffff"/>
-                </a:solidFill>
-              </a:uFill>
-              <a:latin typeface="Arial"/>
-            </a:endParaRPr>
-          </a:p>
-          <a:p>
-            <a:pPr marL="432000" indent="-322920">
-              <a:lnSpc>
-                <a:spcPct val="100000"/>
-              </a:lnSpc>
+              </a:rPr>
+              <a:t>https://upload.wikimedia.org/wikipedia/commons/3/3d/Code-1076536.jpg</a:t>
+            </a:r>
+            <a:endParaRPr b="1" lang="de-DE" sz="3200" spc="-1" strike="noStrike">
+              <a:solidFill>
+                <a:srgbClr val="2c3e50"/>
+              </a:solidFill>
+              <a:uFill>
+                <a:solidFill>
+                  <a:srgbClr val="ffffff"/>
+                </a:solidFill>
+              </a:uFill>
+              <a:latin typeface="Source Sans Pro Semibold"/>
+            </a:endParaRPr>
+          </a:p>
+          <a:p>
+            <a:pPr marL="432000" indent="-324000">
               <a:buClr>
                 <a:srgbClr val="2c3e50"/>
               </a:buClr>
@@ -5757,33 +5715,114 @@
                   </a:solidFill>
                 </a:uFill>
                 <a:latin typeface="Source Sans Pro Semibold"/>
-                <a:ea typeface="DejaVu Sans"/>
+              </a:rPr>
+              <a:t>https://pixabay.com/p-1294045/?no_redirect</a:t>
+            </a:r>
+            <a:endParaRPr b="1" lang="de-DE" sz="3200" spc="-1" strike="noStrike">
+              <a:solidFill>
+                <a:srgbClr val="2c3e50"/>
+              </a:solidFill>
+              <a:uFill>
+                <a:solidFill>
+                  <a:srgbClr val="ffffff"/>
+                </a:solidFill>
+              </a:uFill>
+              <a:latin typeface="Source Sans Pro Semibold"/>
+            </a:endParaRPr>
+          </a:p>
+          <a:p>
+            <a:pPr marL="432000" indent="-324000">
+              <a:buClr>
+                <a:srgbClr val="2c3e50"/>
+              </a:buClr>
+              <a:buSzPct val="45000"/>
+              <a:buFont typeface="Wingdings" charset="2"/>
+              <a:buChar char=""/>
+            </a:pPr>
+            <a:r>
+              <a:rPr b="1" lang="de-DE" sz="3200" spc="-1" strike="noStrike">
+                <a:solidFill>
+                  <a:srgbClr val="2c3e50"/>
+                </a:solidFill>
+                <a:uFill>
+                  <a:solidFill>
+                    <a:srgbClr val="ffffff"/>
+                  </a:solidFill>
+                </a:uFill>
+                <a:latin typeface="Source Sans Pro Semibold"/>
+              </a:rPr>
+              <a:t>https://de.wikipedia.org/wiki/Hybride_Verschl%C3%Bcsselung#/media/File:Hybride_Verschl%C3%Bcsselung.png</a:t>
+            </a:r>
+            <a:endParaRPr b="1" lang="de-DE" sz="3200" spc="-1" strike="noStrike">
+              <a:solidFill>
+                <a:srgbClr val="2c3e50"/>
+              </a:solidFill>
+              <a:uFill>
+                <a:solidFill>
+                  <a:srgbClr val="ffffff"/>
+                </a:solidFill>
+              </a:uFill>
+              <a:latin typeface="Source Sans Pro Semibold"/>
+            </a:endParaRPr>
+          </a:p>
+          <a:p>
+            <a:pPr marL="432000" indent="-324000">
+              <a:buClr>
+                <a:srgbClr val="2c3e50"/>
+              </a:buClr>
+              <a:buSzPct val="45000"/>
+              <a:buFont typeface="Wingdings" charset="2"/>
+              <a:buChar char=""/>
+            </a:pPr>
+            <a:r>
+              <a:rPr b="1" lang="de-DE" sz="3200" spc="-1" strike="noStrike">
+                <a:solidFill>
+                  <a:srgbClr val="2c3e50"/>
+                </a:solidFill>
+                <a:uFill>
+                  <a:solidFill>
+                    <a:srgbClr val="ffffff"/>
+                  </a:solidFill>
+                </a:uFill>
+                <a:latin typeface="Source Sans Pro Semibold"/>
               </a:rPr>
               <a:t>Meine Komplexe Leistung</a:t>
             </a:r>
-            <a:endParaRPr b="0" lang="de-DE" sz="1800" spc="-1" strike="noStrike">
-              <a:solidFill>
-                <a:srgbClr val="000000"/>
-              </a:solidFill>
-              <a:uFill>
-                <a:solidFill>
-                  <a:srgbClr val="ffffff"/>
-                </a:solidFill>
-              </a:uFill>
-              <a:latin typeface="Arial"/>
+            <a:endParaRPr b="1" lang="de-DE" sz="3200" spc="-1" strike="noStrike">
+              <a:solidFill>
+                <a:srgbClr val="2c3e50"/>
+              </a:solidFill>
+              <a:uFill>
+                <a:solidFill>
+                  <a:srgbClr val="ffffff"/>
+                </a:solidFill>
+              </a:uFill>
+              <a:latin typeface="Source Sans Pro Semibold"/>
             </a:endParaRPr>
           </a:p>
         </p:txBody>
       </p:sp>
     </p:spTree>
   </p:cSld>
+  <mc:AlternateContent>
+    <mc:Choice Requires="p14">
+      <p:transition spd="med">
+        <p14:flip dir="l"/>
+      </p:transition>
+    </mc:Choice>
+    <mc:Fallback>
+      <p:transition spd="med">
+        <p:fade/>
+      </p:transition>
+    </mc:Fallback>
+  </mc:AlternateContent>
   <p:timing>
     <p:tnLst>
       <p:par>
-        <p:cTn id="29" dur="indefinite" restart="never" nodeType="tmRoot">
+        <p:cTn id="23" dur="indefinite" restart="never" nodeType="tmRoot">
           <p:childTnLst>
             <p:seq>
-              <p:cTn id="30" nodeType="mainSeq"/>
+              <p:cTn id="24" nodeType="mainSeq"/>
               <p:prevCondLst>
                 <p:cond delay="0" evt="onPrev">
                   <p:tgtEl>
@@ -5826,14 +5865,14 @@
       </p:grpSpPr>
       <p:sp>
         <p:nvSpPr>
-          <p:cNvPr id="80" name="CustomShape 1"/>
-          <p:cNvSpPr/>
+          <p:cNvPr id="83" name="TextShape 1"/>
+          <p:cNvSpPr txBox="1"/>
           <p:nvPr/>
         </p:nvSpPr>
         <p:spPr>
           <a:xfrm>
             <a:off x="360000" y="301320"/>
-            <a:ext cx="9358920" cy="957600"/>
+            <a:ext cx="9360000" cy="958680"/>
           </a:xfrm>
           <a:prstGeom prst="rect">
             <a:avLst/>
@@ -5843,12 +5882,6 @@
             <a:noFill/>
           </a:ln>
         </p:spPr>
-        <p:style>
-          <a:lnRef idx="0"/>
-          <a:fillRef idx="0"/>
-          <a:effectRef idx="0"/>
-          <a:fontRef idx="minor"/>
-        </p:style>
         <p:txBody>
           <a:bodyPr lIns="0" rIns="0" tIns="0" bIns="0" anchor="ctr"/>
           <a:p>
@@ -5863,34 +5896,33 @@
                   </a:solidFill>
                 </a:uFill>
                 <a:latin typeface="Source Sans Pro Black"/>
-                <a:ea typeface="DejaVu Sans"/>
               </a:rPr>
               <a:t>Gliederung</a:t>
             </a:r>
-            <a:endParaRPr b="0" lang="de-DE" sz="1800" spc="-1" strike="noStrike">
-              <a:solidFill>
-                <a:srgbClr val="000000"/>
-              </a:solidFill>
-              <a:uFill>
-                <a:solidFill>
-                  <a:srgbClr val="ffffff"/>
-                </a:solidFill>
-              </a:uFill>
-              <a:latin typeface="Arial"/>
-            </a:endParaRPr>
-          </a:p>
-        </p:txBody>
-      </p:sp>
-      <p:sp>
-        <p:nvSpPr>
-          <p:cNvPr id="81" name="CustomShape 2"/>
-          <p:cNvSpPr/>
+            <a:endParaRPr b="1" lang="de-DE" sz="3600" spc="-1" strike="noStrike">
+              <a:solidFill>
+                <a:srgbClr val="ffffff"/>
+              </a:solidFill>
+              <a:uFill>
+                <a:solidFill>
+                  <a:srgbClr val="ffffff"/>
+                </a:solidFill>
+              </a:uFill>
+              <a:latin typeface="Source Sans Pro Black"/>
+            </a:endParaRPr>
+          </a:p>
+        </p:txBody>
+      </p:sp>
+      <p:sp>
+        <p:nvSpPr>
+          <p:cNvPr id="84" name="TextShape 2"/>
+          <p:cNvSpPr txBox="1"/>
           <p:nvPr/>
         </p:nvSpPr>
         <p:spPr>
           <a:xfrm>
             <a:off x="504000" y="1769040"/>
-            <a:ext cx="9070560" cy="4383360"/>
+            <a:ext cx="9071640" cy="4384440"/>
           </a:xfrm>
           <a:prstGeom prst="rect">
             <a:avLst/>
@@ -5900,19 +5932,10 @@
             <a:noFill/>
           </a:ln>
         </p:spPr>
-        <p:style>
-          <a:lnRef idx="0"/>
-          <a:fillRef idx="0"/>
-          <a:effectRef idx="0"/>
-          <a:fontRef idx="minor"/>
-        </p:style>
         <p:txBody>
           <a:bodyPr lIns="0" rIns="0" tIns="0" bIns="0"/>
           <a:p>
-            <a:pPr marL="432000" indent="-322920">
-              <a:lnSpc>
-                <a:spcPct val="100000"/>
-              </a:lnSpc>
+            <a:pPr marL="432000" indent="-324000">
               <a:buClr>
                 <a:srgbClr val="000000"/>
               </a:buClr>
@@ -5930,7 +5953,6 @@
                   </a:solidFill>
                 </a:uFill>
                 <a:latin typeface="Source Sans Pro Semibold"/>
-                <a:ea typeface="DejaVu Sans"/>
               </a:rPr>
               <a:t> </a:t>
             </a:r>
@@ -5945,27 +5967,23 @@
                   </a:solidFill>
                 </a:uFill>
                 <a:latin typeface="Source Sans Pro Semibold"/>
-                <a:ea typeface="DejaVu Sans"/>
               </a:rPr>
               <a:t>Einleitung</a:t>
             </a:r>
-            <a:endParaRPr b="0" lang="de-DE" sz="1800" spc="-1" strike="noStrike">
-              <a:solidFill>
-                <a:srgbClr val="000000"/>
-              </a:solidFill>
-              <a:uFill>
-                <a:solidFill>
-                  <a:srgbClr val="ffffff"/>
-                </a:solidFill>
-              </a:uFill>
-              <a:latin typeface="Arial"/>
-            </a:endParaRPr>
-          </a:p>
-          <a:p>
-            <a:pPr marL="432000" indent="-322920">
-              <a:lnSpc>
-                <a:spcPct val="100000"/>
-              </a:lnSpc>
+            <a:endParaRPr b="1" lang="de-DE" sz="3200" spc="-1" strike="noStrike">
+              <a:solidFill>
+                <a:srgbClr val="2c3e50"/>
+              </a:solidFill>
+              <a:uFill>
+                <a:solidFill>
+                  <a:srgbClr val="ffffff"/>
+                </a:solidFill>
+              </a:uFill>
+              <a:latin typeface="Source Sans Pro Semibold"/>
+            </a:endParaRPr>
+          </a:p>
+          <a:p>
+            <a:pPr marL="432000" indent="-324000">
               <a:buClr>
                 <a:srgbClr val="000000"/>
               </a:buClr>
@@ -5983,27 +6001,23 @@
                   </a:solidFill>
                 </a:uFill>
                 <a:latin typeface="Source Sans Pro Semibold"/>
-                <a:ea typeface="DejaVu Sans"/>
               </a:rPr>
               <a:t>Arten der Verschlüsselung</a:t>
             </a:r>
-            <a:endParaRPr b="0" lang="de-DE" sz="1800" spc="-1" strike="noStrike">
-              <a:solidFill>
-                <a:srgbClr val="000000"/>
-              </a:solidFill>
-              <a:uFill>
-                <a:solidFill>
-                  <a:srgbClr val="ffffff"/>
-                </a:solidFill>
-              </a:uFill>
-              <a:latin typeface="Arial"/>
-            </a:endParaRPr>
-          </a:p>
-          <a:p>
-            <a:pPr lvl="1" marL="864000" indent="-322920">
-              <a:lnSpc>
-                <a:spcPct val="100000"/>
-              </a:lnSpc>
+            <a:endParaRPr b="1" lang="de-DE" sz="3200" spc="-1" strike="noStrike">
+              <a:solidFill>
+                <a:srgbClr val="2c3e50"/>
+              </a:solidFill>
+              <a:uFill>
+                <a:solidFill>
+                  <a:srgbClr val="ffffff"/>
+                </a:solidFill>
+              </a:uFill>
+              <a:latin typeface="Source Sans Pro Semibold"/>
+            </a:endParaRPr>
+          </a:p>
+          <a:p>
+            <a:pPr lvl="1" marL="864000" indent="-324000">
               <a:buClr>
                 <a:srgbClr val="000000"/>
               </a:buClr>
@@ -6021,27 +6035,23 @@
                   </a:solidFill>
                 </a:uFill>
                 <a:latin typeface="Source Sans Pro"/>
-                <a:ea typeface="DejaVu Sans"/>
               </a:rPr>
               <a:t>Symmetrische Verschlüsselung</a:t>
             </a:r>
-            <a:endParaRPr b="0" lang="de-DE" sz="1800" spc="-1" strike="noStrike">
-              <a:solidFill>
-                <a:srgbClr val="000000"/>
-              </a:solidFill>
-              <a:uFill>
-                <a:solidFill>
-                  <a:srgbClr val="ffffff"/>
-                </a:solidFill>
-              </a:uFill>
-              <a:latin typeface="Arial"/>
-            </a:endParaRPr>
-          </a:p>
-          <a:p>
-            <a:pPr lvl="1" marL="864000" indent="-322920">
-              <a:lnSpc>
-                <a:spcPct val="100000"/>
-              </a:lnSpc>
+            <a:endParaRPr b="0" lang="de-DE" sz="2800" spc="-1" strike="noStrike">
+              <a:solidFill>
+                <a:srgbClr val="2c3e50"/>
+              </a:solidFill>
+              <a:uFill>
+                <a:solidFill>
+                  <a:srgbClr val="ffffff"/>
+                </a:solidFill>
+              </a:uFill>
+              <a:latin typeface="Source Sans Pro"/>
+            </a:endParaRPr>
+          </a:p>
+          <a:p>
+            <a:pPr lvl="1" marL="864000" indent="-324000">
               <a:buClr>
                 <a:srgbClr val="000000"/>
               </a:buClr>
@@ -6059,27 +6069,23 @@
                   </a:solidFill>
                 </a:uFill>
                 <a:latin typeface="Source Sans Pro"/>
-                <a:ea typeface="DejaVu Sans"/>
               </a:rPr>
               <a:t>Asymmetrische Verschlüsselung</a:t>
             </a:r>
-            <a:endParaRPr b="0" lang="de-DE" sz="1800" spc="-1" strike="noStrike">
-              <a:solidFill>
-                <a:srgbClr val="000000"/>
-              </a:solidFill>
-              <a:uFill>
-                <a:solidFill>
-                  <a:srgbClr val="ffffff"/>
-                </a:solidFill>
-              </a:uFill>
-              <a:latin typeface="Arial"/>
-            </a:endParaRPr>
-          </a:p>
-          <a:p>
-            <a:pPr lvl="1" marL="864000" indent="-322920">
-              <a:lnSpc>
-                <a:spcPct val="100000"/>
-              </a:lnSpc>
+            <a:endParaRPr b="0" lang="de-DE" sz="2800" spc="-1" strike="noStrike">
+              <a:solidFill>
+                <a:srgbClr val="2c3e50"/>
+              </a:solidFill>
+              <a:uFill>
+                <a:solidFill>
+                  <a:srgbClr val="ffffff"/>
+                </a:solidFill>
+              </a:uFill>
+              <a:latin typeface="Source Sans Pro"/>
+            </a:endParaRPr>
+          </a:p>
+          <a:p>
+            <a:pPr lvl="1" marL="864000" indent="-324000">
               <a:buClr>
                 <a:srgbClr val="000000"/>
               </a:buClr>
@@ -6097,27 +6103,23 @@
                   </a:solidFill>
                 </a:uFill>
                 <a:latin typeface="Source Sans Pro"/>
-                <a:ea typeface="DejaVu Sans"/>
               </a:rPr>
               <a:t>Hybride Verschlüsselung</a:t>
             </a:r>
-            <a:endParaRPr b="0" lang="de-DE" sz="1800" spc="-1" strike="noStrike">
-              <a:solidFill>
-                <a:srgbClr val="000000"/>
-              </a:solidFill>
-              <a:uFill>
-                <a:solidFill>
-                  <a:srgbClr val="ffffff"/>
-                </a:solidFill>
-              </a:uFill>
-              <a:latin typeface="Arial"/>
-            </a:endParaRPr>
-          </a:p>
-          <a:p>
-            <a:pPr marL="432000" indent="-322920">
-              <a:lnSpc>
-                <a:spcPct val="100000"/>
-              </a:lnSpc>
+            <a:endParaRPr b="0" lang="de-DE" sz="2800" spc="-1" strike="noStrike">
+              <a:solidFill>
+                <a:srgbClr val="2c3e50"/>
+              </a:solidFill>
+              <a:uFill>
+                <a:solidFill>
+                  <a:srgbClr val="ffffff"/>
+                </a:solidFill>
+              </a:uFill>
+              <a:latin typeface="Source Sans Pro"/>
+            </a:endParaRPr>
+          </a:p>
+          <a:p>
+            <a:pPr marL="432000" indent="-324000">
               <a:buClr>
                 <a:srgbClr val="000000"/>
               </a:buClr>
@@ -6135,7 +6137,6 @@
                   </a:solidFill>
                 </a:uFill>
                 <a:latin typeface="Source Sans Pro Semibold"/>
-                <a:ea typeface="DejaVu Sans"/>
               </a:rPr>
               <a:t> </a:t>
             </a:r>
@@ -6150,27 +6151,23 @@
                   </a:solidFill>
                 </a:uFill>
                 <a:latin typeface="Source Sans Pro Semibold"/>
-                <a:ea typeface="DejaVu Sans"/>
               </a:rPr>
               <a:t>Vorstellung zweier Verfahren</a:t>
             </a:r>
-            <a:endParaRPr b="0" lang="de-DE" sz="1800" spc="-1" strike="noStrike">
-              <a:solidFill>
-                <a:srgbClr val="000000"/>
-              </a:solidFill>
-              <a:uFill>
-                <a:solidFill>
-                  <a:srgbClr val="ffffff"/>
-                </a:solidFill>
-              </a:uFill>
-              <a:latin typeface="Arial"/>
-            </a:endParaRPr>
-          </a:p>
-          <a:p>
-            <a:pPr lvl="1" marL="864000" indent="-322920">
-              <a:lnSpc>
-                <a:spcPct val="100000"/>
-              </a:lnSpc>
+            <a:endParaRPr b="1" lang="de-DE" sz="3200" spc="-1" strike="noStrike">
+              <a:solidFill>
+                <a:srgbClr val="2c3e50"/>
+              </a:solidFill>
+              <a:uFill>
+                <a:solidFill>
+                  <a:srgbClr val="ffffff"/>
+                </a:solidFill>
+              </a:uFill>
+              <a:latin typeface="Source Sans Pro Semibold"/>
+            </a:endParaRPr>
+          </a:p>
+          <a:p>
+            <a:pPr lvl="1" marL="864000" indent="-324000">
               <a:buClr>
                 <a:srgbClr val="000000"/>
               </a:buClr>
@@ -6188,27 +6185,23 @@
                   </a:solidFill>
                 </a:uFill>
                 <a:latin typeface="Source Sans Pro"/>
-                <a:ea typeface="DejaVu Sans"/>
               </a:rPr>
               <a:t>Vigenère - Chiffre</a:t>
             </a:r>
-            <a:endParaRPr b="0" lang="de-DE" sz="1800" spc="-1" strike="noStrike">
-              <a:solidFill>
-                <a:srgbClr val="000000"/>
-              </a:solidFill>
-              <a:uFill>
-                <a:solidFill>
-                  <a:srgbClr val="ffffff"/>
-                </a:solidFill>
-              </a:uFill>
-              <a:latin typeface="Arial"/>
-            </a:endParaRPr>
-          </a:p>
-          <a:p>
-            <a:pPr lvl="1" marL="864000" indent="-322920">
-              <a:lnSpc>
-                <a:spcPct val="100000"/>
-              </a:lnSpc>
+            <a:endParaRPr b="0" lang="de-DE" sz="2800" spc="-1" strike="noStrike">
+              <a:solidFill>
+                <a:srgbClr val="2c3e50"/>
+              </a:solidFill>
+              <a:uFill>
+                <a:solidFill>
+                  <a:srgbClr val="ffffff"/>
+                </a:solidFill>
+              </a:uFill>
+              <a:latin typeface="Source Sans Pro"/>
+            </a:endParaRPr>
+          </a:p>
+          <a:p>
+            <a:pPr lvl="1" marL="864000" indent="-324000">
               <a:buClr>
                 <a:srgbClr val="000000"/>
               </a:buClr>
@@ -6226,27 +6219,23 @@
                   </a:solidFill>
                 </a:uFill>
                 <a:latin typeface="Source Sans Pro"/>
-                <a:ea typeface="DejaVu Sans"/>
               </a:rPr>
               <a:t>RSA - Verschlüsselung</a:t>
             </a:r>
-            <a:endParaRPr b="0" lang="de-DE" sz="1800" spc="-1" strike="noStrike">
-              <a:solidFill>
-                <a:srgbClr val="000000"/>
-              </a:solidFill>
-              <a:uFill>
-                <a:solidFill>
-                  <a:srgbClr val="ffffff"/>
-                </a:solidFill>
-              </a:uFill>
-              <a:latin typeface="Arial"/>
-            </a:endParaRPr>
-          </a:p>
-          <a:p>
-            <a:pPr marL="432000" indent="-322920">
-              <a:lnSpc>
-                <a:spcPct val="100000"/>
-              </a:lnSpc>
+            <a:endParaRPr b="0" lang="de-DE" sz="2800" spc="-1" strike="noStrike">
+              <a:solidFill>
+                <a:srgbClr val="2c3e50"/>
+              </a:solidFill>
+              <a:uFill>
+                <a:solidFill>
+                  <a:srgbClr val="ffffff"/>
+                </a:solidFill>
+              </a:uFill>
+              <a:latin typeface="Source Sans Pro"/>
+            </a:endParaRPr>
+          </a:p>
+          <a:p>
+            <a:pPr marL="432000" indent="-324000">
               <a:buClr>
                 <a:srgbClr val="000000"/>
               </a:buClr>
@@ -6264,7 +6253,6 @@
                   </a:solidFill>
                 </a:uFill>
                 <a:latin typeface="Source Sans Pro Semibold"/>
-                <a:ea typeface="DejaVu Sans"/>
               </a:rPr>
               <a:t> </a:t>
             </a:r>
@@ -6279,27 +6267,23 @@
                   </a:solidFill>
                 </a:uFill>
                 <a:latin typeface="Source Sans Pro Semibold"/>
-                <a:ea typeface="DejaVu Sans"/>
               </a:rPr>
               <a:t>Präsentation der Eigenleistung</a:t>
             </a:r>
-            <a:endParaRPr b="0" lang="de-DE" sz="1800" spc="-1" strike="noStrike">
-              <a:solidFill>
-                <a:srgbClr val="000000"/>
-              </a:solidFill>
-              <a:uFill>
-                <a:solidFill>
-                  <a:srgbClr val="ffffff"/>
-                </a:solidFill>
-              </a:uFill>
-              <a:latin typeface="Arial"/>
-            </a:endParaRPr>
-          </a:p>
-          <a:p>
-            <a:pPr marL="432000" indent="-322920">
-              <a:lnSpc>
-                <a:spcPct val="100000"/>
-              </a:lnSpc>
+            <a:endParaRPr b="1" lang="de-DE" sz="3200" spc="-1" strike="noStrike">
+              <a:solidFill>
+                <a:srgbClr val="2c3e50"/>
+              </a:solidFill>
+              <a:uFill>
+                <a:solidFill>
+                  <a:srgbClr val="ffffff"/>
+                </a:solidFill>
+              </a:uFill>
+              <a:latin typeface="Source Sans Pro Semibold"/>
+            </a:endParaRPr>
+          </a:p>
+          <a:p>
+            <a:pPr marL="432000" indent="-324000">
               <a:buClr>
                 <a:srgbClr val="000000"/>
               </a:buClr>
@@ -6317,26 +6301,71 @@
                   </a:solidFill>
                 </a:uFill>
                 <a:latin typeface="Source Sans Pro Semibold"/>
-                <a:ea typeface="DejaVu Sans"/>
+              </a:rPr>
+              <a:t>Fazit</a:t>
+            </a:r>
+            <a:endParaRPr b="1" lang="de-DE" sz="3200" spc="-1" strike="noStrike">
+              <a:solidFill>
+                <a:srgbClr val="2c3e50"/>
+              </a:solidFill>
+              <a:uFill>
+                <a:solidFill>
+                  <a:srgbClr val="ffffff"/>
+                </a:solidFill>
+              </a:uFill>
+              <a:latin typeface="Source Sans Pro Semibold"/>
+            </a:endParaRPr>
+          </a:p>
+          <a:p>
+            <a:pPr marL="432000" indent="-324000">
+              <a:buClr>
+                <a:srgbClr val="000000"/>
+              </a:buClr>
+              <a:buFont typeface="StarSymbol"/>
+              <a:buAutoNum type="arabicPeriod"/>
+            </a:pPr>
+            <a:r>
+              <a:rPr b="1" lang="de-DE" sz="3200" spc="-1" strike="noStrike">
+                <a:solidFill>
+                  <a:srgbClr val="2c3e50"/>
+                </a:solidFill>
+                <a:uFill>
+                  <a:solidFill>
+                    <a:srgbClr val="ffffff"/>
+                  </a:solidFill>
+                </a:uFill>
+                <a:latin typeface="Source Sans Pro Semibold"/>
               </a:rPr>
               <a:t>Quellen</a:t>
             </a:r>
-            <a:endParaRPr b="0" lang="de-DE" sz="1800" spc="-1" strike="noStrike">
-              <a:solidFill>
-                <a:srgbClr val="000000"/>
-              </a:solidFill>
-              <a:uFill>
-                <a:solidFill>
-                  <a:srgbClr val="ffffff"/>
-                </a:solidFill>
-              </a:uFill>
-              <a:latin typeface="Arial"/>
+            <a:endParaRPr b="1" lang="de-DE" sz="3200" spc="-1" strike="noStrike">
+              <a:solidFill>
+                <a:srgbClr val="2c3e50"/>
+              </a:solidFill>
+              <a:uFill>
+                <a:solidFill>
+                  <a:srgbClr val="ffffff"/>
+                </a:solidFill>
+              </a:uFill>
+              <a:latin typeface="Source Sans Pro Semibold"/>
             </a:endParaRPr>
           </a:p>
         </p:txBody>
       </p:sp>
     </p:spTree>
   </p:cSld>
+  <mc:AlternateContent>
+    <mc:Choice Requires="p14">
+      <p:transition spd="med">
+        <p14:flip dir="l"/>
+      </p:transition>
+    </mc:Choice>
+    <mc:Fallback>
+      <p:transition spd="med">
+        <p:fade/>
+      </p:transition>
+    </mc:Fallback>
+  </mc:AlternateContent>
   <p:timing>
     <p:tnLst>
       <p:par>
@@ -6386,14 +6415,14 @@
       </p:grpSpPr>
       <p:sp>
         <p:nvSpPr>
-          <p:cNvPr id="82" name="CustomShape 1"/>
-          <p:cNvSpPr/>
+          <p:cNvPr id="85" name="TextShape 1"/>
+          <p:cNvSpPr txBox="1"/>
           <p:nvPr/>
         </p:nvSpPr>
         <p:spPr>
           <a:xfrm>
             <a:off x="360000" y="301320"/>
-            <a:ext cx="9358920" cy="957600"/>
+            <a:ext cx="9360000" cy="958680"/>
           </a:xfrm>
           <a:prstGeom prst="rect">
             <a:avLst/>
@@ -6403,12 +6432,6 @@
             <a:noFill/>
           </a:ln>
         </p:spPr>
-        <p:style>
-          <a:lnRef idx="0"/>
-          <a:fillRef idx="0"/>
-          <a:effectRef idx="0"/>
-          <a:fontRef idx="minor"/>
-        </p:style>
         <p:txBody>
           <a:bodyPr lIns="0" rIns="0" tIns="0" bIns="0" anchor="ctr"/>
           <a:p>
@@ -6423,34 +6446,33 @@
                   </a:solidFill>
                 </a:uFill>
                 <a:latin typeface="Source Sans Pro Black"/>
-                <a:ea typeface="DejaVu Sans"/>
-              </a:rPr>
-              <a:t>1 . Einleitung</a:t>
-            </a:r>
-            <a:endParaRPr b="0" lang="de-DE" sz="1800" spc="-1" strike="noStrike">
-              <a:solidFill>
-                <a:srgbClr val="000000"/>
-              </a:solidFill>
-              <a:uFill>
-                <a:solidFill>
-                  <a:srgbClr val="ffffff"/>
-                </a:solidFill>
-              </a:uFill>
-              <a:latin typeface="Arial"/>
-            </a:endParaRPr>
-          </a:p>
-        </p:txBody>
-      </p:sp>
-      <p:sp>
-        <p:nvSpPr>
-          <p:cNvPr id="83" name="CustomShape 2"/>
-          <p:cNvSpPr/>
+              </a:rPr>
+              <a:t>1. Einleitung</a:t>
+            </a:r>
+            <a:endParaRPr b="1" lang="de-DE" sz="3600" spc="-1" strike="noStrike">
+              <a:solidFill>
+                <a:srgbClr val="ffffff"/>
+              </a:solidFill>
+              <a:uFill>
+                <a:solidFill>
+                  <a:srgbClr val="ffffff"/>
+                </a:solidFill>
+              </a:uFill>
+              <a:latin typeface="Source Sans Pro Black"/>
+            </a:endParaRPr>
+          </a:p>
+        </p:txBody>
+      </p:sp>
+      <p:sp>
+        <p:nvSpPr>
+          <p:cNvPr id="86" name="TextShape 2"/>
+          <p:cNvSpPr txBox="1"/>
           <p:nvPr/>
         </p:nvSpPr>
         <p:spPr>
           <a:xfrm>
             <a:off x="360000" y="1980000"/>
-            <a:ext cx="9358920" cy="5038920"/>
+            <a:ext cx="9360000" cy="5040000"/>
           </a:xfrm>
           <a:prstGeom prst="rect">
             <a:avLst/>
@@ -6460,19 +6482,10 @@
             <a:noFill/>
           </a:ln>
         </p:spPr>
-        <p:style>
-          <a:lnRef idx="0"/>
-          <a:fillRef idx="0"/>
-          <a:effectRef idx="0"/>
-          <a:fontRef idx="minor"/>
-        </p:style>
         <p:txBody>
           <a:bodyPr lIns="0" rIns="0" tIns="0" bIns="0"/>
           <a:p>
-            <a:pPr marL="432000" indent="-322920">
-              <a:lnSpc>
-                <a:spcPct val="100000"/>
-              </a:lnSpc>
+            <a:pPr marL="432000" indent="-324000">
               <a:buClr>
                 <a:srgbClr val="2c3e50"/>
               </a:buClr>
@@ -6491,27 +6504,23 @@
                   </a:solidFill>
                 </a:uFill>
                 <a:latin typeface="Source Sans Pro Semibold"/>
-                <a:ea typeface="DejaVu Sans"/>
               </a:rPr>
               <a:t>Essentielle Errungenschaft der Neuzeit</a:t>
             </a:r>
-            <a:endParaRPr b="0" lang="de-DE" sz="1800" spc="-1" strike="noStrike">
-              <a:solidFill>
-                <a:srgbClr val="000000"/>
-              </a:solidFill>
-              <a:uFill>
-                <a:solidFill>
-                  <a:srgbClr val="ffffff"/>
-                </a:solidFill>
-              </a:uFill>
-              <a:latin typeface="Arial"/>
-            </a:endParaRPr>
-          </a:p>
-          <a:p>
-            <a:pPr marL="432000" indent="-322920">
-              <a:lnSpc>
-                <a:spcPct val="100000"/>
-              </a:lnSpc>
+            <a:endParaRPr b="1" lang="de-DE" sz="3200" spc="-1" strike="noStrike">
+              <a:solidFill>
+                <a:srgbClr val="2c3e50"/>
+              </a:solidFill>
+              <a:uFill>
+                <a:solidFill>
+                  <a:srgbClr val="ffffff"/>
+                </a:solidFill>
+              </a:uFill>
+              <a:latin typeface="Source Sans Pro Semibold"/>
+            </a:endParaRPr>
+          </a:p>
+          <a:p>
+            <a:pPr marL="432000" indent="-324000">
               <a:buClr>
                 <a:srgbClr val="2c3e50"/>
               </a:buClr>
@@ -6530,27 +6539,23 @@
                   </a:solidFill>
                 </a:uFill>
                 <a:latin typeface="Source Sans Pro Semibold"/>
-                <a:ea typeface="DejaVu Sans"/>
               </a:rPr>
               <a:t>Beginn war circa 1900 vor Christus in Ägypten</a:t>
             </a:r>
-            <a:endParaRPr b="0" lang="de-DE" sz="1800" spc="-1" strike="noStrike">
-              <a:solidFill>
-                <a:srgbClr val="000000"/>
-              </a:solidFill>
-              <a:uFill>
-                <a:solidFill>
-                  <a:srgbClr val="ffffff"/>
-                </a:solidFill>
-              </a:uFill>
-              <a:latin typeface="Arial"/>
-            </a:endParaRPr>
-          </a:p>
-          <a:p>
-            <a:pPr marL="432000" indent="-322920">
-              <a:lnSpc>
-                <a:spcPct val="100000"/>
-              </a:lnSpc>
+            <a:endParaRPr b="1" lang="de-DE" sz="3200" spc="-1" strike="noStrike">
+              <a:solidFill>
+                <a:srgbClr val="2c3e50"/>
+              </a:solidFill>
+              <a:uFill>
+                <a:solidFill>
+                  <a:srgbClr val="ffffff"/>
+                </a:solidFill>
+              </a:uFill>
+              <a:latin typeface="Source Sans Pro Semibold"/>
+            </a:endParaRPr>
+          </a:p>
+          <a:p>
+            <a:pPr marL="432000" indent="-324000">
               <a:buClr>
                 <a:srgbClr val="2c3e50"/>
               </a:buClr>
@@ -6569,27 +6574,23 @@
                   </a:solidFill>
                 </a:uFill>
                 <a:latin typeface="Source Sans Pro Semibold"/>
-                <a:ea typeface="DejaVu Sans"/>
               </a:rPr>
               <a:t>Einsatz der ENIGMA im zweiten Weltkrieg</a:t>
             </a:r>
-            <a:endParaRPr b="0" lang="de-DE" sz="1800" spc="-1" strike="noStrike">
-              <a:solidFill>
-                <a:srgbClr val="000000"/>
-              </a:solidFill>
-              <a:uFill>
-                <a:solidFill>
-                  <a:srgbClr val="ffffff"/>
-                </a:solidFill>
-              </a:uFill>
-              <a:latin typeface="Arial"/>
-            </a:endParaRPr>
-          </a:p>
-          <a:p>
-            <a:pPr marL="432000" indent="-322920">
-              <a:lnSpc>
-                <a:spcPct val="100000"/>
-              </a:lnSpc>
+            <a:endParaRPr b="1" lang="de-DE" sz="3200" spc="-1" strike="noStrike">
+              <a:solidFill>
+                <a:srgbClr val="2c3e50"/>
+              </a:solidFill>
+              <a:uFill>
+                <a:solidFill>
+                  <a:srgbClr val="ffffff"/>
+                </a:solidFill>
+              </a:uFill>
+              <a:latin typeface="Source Sans Pro Semibold"/>
+            </a:endParaRPr>
+          </a:p>
+          <a:p>
+            <a:pPr marL="432000" indent="-324000">
               <a:buClr>
                 <a:srgbClr val="2c3e50"/>
               </a:buClr>
@@ -6608,32 +6609,28 @@
                   </a:solidFill>
                 </a:uFill>
                 <a:latin typeface="Source Sans Pro Semibold"/>
-                <a:ea typeface="DejaVu Sans"/>
               </a:rPr>
               <a:t>Einteilung der Verschlüsselung in drei Teile</a:t>
             </a:r>
-            <a:endParaRPr b="0" lang="de-DE" sz="1800" spc="-1" strike="noStrike">
-              <a:solidFill>
-                <a:srgbClr val="000000"/>
-              </a:solidFill>
-              <a:uFill>
-                <a:solidFill>
-                  <a:srgbClr val="ffffff"/>
-                </a:solidFill>
-              </a:uFill>
-              <a:latin typeface="Arial"/>
-            </a:endParaRPr>
-          </a:p>
-          <a:p>
-            <a:pPr lvl="1" marL="864000" indent="-322920">
-              <a:lnSpc>
-                <a:spcPct val="100000"/>
-              </a:lnSpc>
+            <a:endParaRPr b="1" lang="de-DE" sz="3200" spc="-1" strike="noStrike">
+              <a:solidFill>
+                <a:srgbClr val="2c3e50"/>
+              </a:solidFill>
+              <a:uFill>
+                <a:solidFill>
+                  <a:srgbClr val="ffffff"/>
+                </a:solidFill>
+              </a:uFill>
+              <a:latin typeface="Source Sans Pro Semibold"/>
+            </a:endParaRPr>
+          </a:p>
+          <a:p>
+            <a:pPr lvl="1" marL="864000" indent="-324000">
               <a:buClr>
                 <a:srgbClr val="2c3e50"/>
               </a:buClr>
               <a:buSzPct val="75000"/>
-              <a:buFont typeface="Symbol"/>
+              <a:buFont typeface="Symbol" charset="2"/>
               <a:buChar char=""/>
             </a:pPr>
             <a:r>
@@ -6647,32 +6644,28 @@
                   </a:solidFill>
                 </a:uFill>
                 <a:latin typeface="Source Sans Pro"/>
-                <a:ea typeface="DejaVu Sans"/>
               </a:rPr>
               <a:t>Schlüsselerzeugung</a:t>
             </a:r>
-            <a:endParaRPr b="0" lang="de-DE" sz="1800" spc="-1" strike="noStrike">
-              <a:solidFill>
-                <a:srgbClr val="000000"/>
-              </a:solidFill>
-              <a:uFill>
-                <a:solidFill>
-                  <a:srgbClr val="ffffff"/>
-                </a:solidFill>
-              </a:uFill>
-              <a:latin typeface="Arial"/>
-            </a:endParaRPr>
-          </a:p>
-          <a:p>
-            <a:pPr lvl="1" marL="864000" indent="-322920">
-              <a:lnSpc>
-                <a:spcPct val="100000"/>
-              </a:lnSpc>
+            <a:endParaRPr b="0" lang="de-DE" sz="2800" spc="-1" strike="noStrike">
+              <a:solidFill>
+                <a:srgbClr val="2c3e50"/>
+              </a:solidFill>
+              <a:uFill>
+                <a:solidFill>
+                  <a:srgbClr val="ffffff"/>
+                </a:solidFill>
+              </a:uFill>
+              <a:latin typeface="Source Sans Pro"/>
+            </a:endParaRPr>
+          </a:p>
+          <a:p>
+            <a:pPr lvl="1" marL="864000" indent="-324000">
               <a:buClr>
                 <a:srgbClr val="2c3e50"/>
               </a:buClr>
               <a:buSzPct val="75000"/>
-              <a:buFont typeface="Symbol"/>
+              <a:buFont typeface="Symbol" charset="2"/>
               <a:buChar char=""/>
             </a:pPr>
             <a:r>
@@ -6686,32 +6679,28 @@
                   </a:solidFill>
                 </a:uFill>
                 <a:latin typeface="Source Sans Pro"/>
-                <a:ea typeface="DejaVu Sans"/>
               </a:rPr>
               <a:t>Verschlüsselung</a:t>
             </a:r>
-            <a:endParaRPr b="0" lang="de-DE" sz="1800" spc="-1" strike="noStrike">
-              <a:solidFill>
-                <a:srgbClr val="000000"/>
-              </a:solidFill>
-              <a:uFill>
-                <a:solidFill>
-                  <a:srgbClr val="ffffff"/>
-                </a:solidFill>
-              </a:uFill>
-              <a:latin typeface="Arial"/>
-            </a:endParaRPr>
-          </a:p>
-          <a:p>
-            <a:pPr lvl="1" marL="864000" indent="-322920">
-              <a:lnSpc>
-                <a:spcPct val="100000"/>
-              </a:lnSpc>
+            <a:endParaRPr b="0" lang="de-DE" sz="2800" spc="-1" strike="noStrike">
+              <a:solidFill>
+                <a:srgbClr val="2c3e50"/>
+              </a:solidFill>
+              <a:uFill>
+                <a:solidFill>
+                  <a:srgbClr val="ffffff"/>
+                </a:solidFill>
+              </a:uFill>
+              <a:latin typeface="Source Sans Pro"/>
+            </a:endParaRPr>
+          </a:p>
+          <a:p>
+            <a:pPr lvl="1" marL="864000" indent="-324000">
               <a:buClr>
                 <a:srgbClr val="2c3e50"/>
               </a:buClr>
               <a:buSzPct val="75000"/>
-              <a:buFont typeface="Symbol"/>
+              <a:buFont typeface="Symbol" charset="2"/>
               <a:buChar char=""/>
             </a:pPr>
             <a:r>
@@ -6725,26 +6714,37 @@
                   </a:solidFill>
                 </a:uFill>
                 <a:latin typeface="Source Sans Pro"/>
-                <a:ea typeface="DejaVu Sans"/>
               </a:rPr>
               <a:t>Entschlüsselung</a:t>
             </a:r>
-            <a:endParaRPr b="0" lang="de-DE" sz="1800" spc="-1" strike="noStrike">
-              <a:solidFill>
-                <a:srgbClr val="000000"/>
-              </a:solidFill>
-              <a:uFill>
-                <a:solidFill>
-                  <a:srgbClr val="ffffff"/>
-                </a:solidFill>
-              </a:uFill>
-              <a:latin typeface="Arial"/>
+            <a:endParaRPr b="0" lang="de-DE" sz="2800" spc="-1" strike="noStrike">
+              <a:solidFill>
+                <a:srgbClr val="2c3e50"/>
+              </a:solidFill>
+              <a:uFill>
+                <a:solidFill>
+                  <a:srgbClr val="ffffff"/>
+                </a:solidFill>
+              </a:uFill>
+              <a:latin typeface="Source Sans Pro"/>
             </a:endParaRPr>
           </a:p>
         </p:txBody>
       </p:sp>
     </p:spTree>
   </p:cSld>
+  <mc:AlternateContent>
+    <mc:Choice Requires="p14">
+      <p:transition spd="med">
+        <p14:flip dir="l"/>
+      </p:transition>
+    </mc:Choice>
+    <mc:Fallback>
+      <p:transition spd="med">
+        <p:fade/>
+      </p:transition>
+    </mc:Fallback>
+  </mc:AlternateContent>
   <p:timing>
     <p:tnLst>
       <p:par>
@@ -6794,14 +6794,14 @@
       </p:grpSpPr>
       <p:sp>
         <p:nvSpPr>
-          <p:cNvPr id="84" name="CustomShape 1"/>
-          <p:cNvSpPr/>
+          <p:cNvPr id="87" name="TextShape 1"/>
+          <p:cNvSpPr txBox="1"/>
           <p:nvPr/>
         </p:nvSpPr>
         <p:spPr>
           <a:xfrm>
             <a:off x="360000" y="301320"/>
-            <a:ext cx="9358920" cy="957600"/>
+            <a:ext cx="9360000" cy="958680"/>
           </a:xfrm>
           <a:prstGeom prst="rect">
             <a:avLst/>
@@ -6811,12 +6811,6 @@
             <a:noFill/>
           </a:ln>
         </p:spPr>
-        <p:style>
-          <a:lnRef idx="0"/>
-          <a:fillRef idx="0"/>
-          <a:effectRef idx="0"/>
-          <a:fontRef idx="minor"/>
-        </p:style>
         <p:txBody>
           <a:bodyPr lIns="0" rIns="0" tIns="0" bIns="0" anchor="ctr"/>
           <a:p>
@@ -6831,34 +6825,33 @@
                   </a:solidFill>
                 </a:uFill>
                 <a:latin typeface="Source Sans Pro Black"/>
-                <a:ea typeface="DejaVu Sans"/>
               </a:rPr>
               <a:t>2. Arten der Verschlüsselung</a:t>
             </a:r>
-            <a:endParaRPr b="0" lang="de-DE" sz="1800" spc="-1" strike="noStrike">
-              <a:solidFill>
-                <a:srgbClr val="000000"/>
-              </a:solidFill>
-              <a:uFill>
-                <a:solidFill>
-                  <a:srgbClr val="ffffff"/>
-                </a:solidFill>
-              </a:uFill>
-              <a:latin typeface="Arial"/>
-            </a:endParaRPr>
-          </a:p>
-        </p:txBody>
-      </p:sp>
-      <p:sp>
-        <p:nvSpPr>
-          <p:cNvPr id="85" name="CustomShape 2"/>
-          <p:cNvSpPr/>
+            <a:endParaRPr b="1" lang="de-DE" sz="3600" spc="-1" strike="noStrike">
+              <a:solidFill>
+                <a:srgbClr val="ffffff"/>
+              </a:solidFill>
+              <a:uFill>
+                <a:solidFill>
+                  <a:srgbClr val="ffffff"/>
+                </a:solidFill>
+              </a:uFill>
+              <a:latin typeface="Source Sans Pro Black"/>
+            </a:endParaRPr>
+          </a:p>
+        </p:txBody>
+      </p:sp>
+      <p:sp>
+        <p:nvSpPr>
+          <p:cNvPr id="88" name="TextShape 2"/>
+          <p:cNvSpPr txBox="1"/>
           <p:nvPr/>
         </p:nvSpPr>
         <p:spPr>
           <a:xfrm>
             <a:off x="360000" y="1980000"/>
-            <a:ext cx="9358920" cy="5038920"/>
+            <a:ext cx="9360000" cy="5040000"/>
           </a:xfrm>
           <a:prstGeom prst="rect">
             <a:avLst/>
@@ -6868,19 +6861,10 @@
             <a:noFill/>
           </a:ln>
         </p:spPr>
-        <p:style>
-          <a:lnRef idx="0"/>
-          <a:fillRef idx="0"/>
-          <a:effectRef idx="0"/>
-          <a:fontRef idx="minor"/>
-        </p:style>
         <p:txBody>
           <a:bodyPr lIns="0" rIns="0" tIns="0" bIns="0"/>
           <a:p>
-            <a:pPr marL="432000" indent="-322920">
-              <a:lnSpc>
-                <a:spcPct val="100000"/>
-              </a:lnSpc>
+            <a:pPr marL="432000" indent="-324000">
               <a:buClr>
                 <a:srgbClr val="2c3e50"/>
               </a:buClr>
@@ -6899,27 +6883,23 @@
                   </a:solidFill>
                 </a:uFill>
                 <a:latin typeface="Source Sans Pro Semibold"/>
-                <a:ea typeface="DejaVu Sans"/>
               </a:rPr>
               <a:t>2.1. Symmetrische Verschlüsselung</a:t>
             </a:r>
-            <a:endParaRPr b="0" lang="de-DE" sz="1800" spc="-1" strike="noStrike">
-              <a:solidFill>
-                <a:srgbClr val="000000"/>
-              </a:solidFill>
-              <a:uFill>
-                <a:solidFill>
-                  <a:srgbClr val="ffffff"/>
-                </a:solidFill>
-              </a:uFill>
-              <a:latin typeface="Arial"/>
-            </a:endParaRPr>
-          </a:p>
-          <a:p>
-            <a:pPr marL="432000" indent="-322920">
-              <a:lnSpc>
-                <a:spcPct val="100000"/>
-              </a:lnSpc>
+            <a:endParaRPr b="1" lang="de-DE" sz="3200" spc="-1" strike="noStrike">
+              <a:solidFill>
+                <a:srgbClr val="2c3e50"/>
+              </a:solidFill>
+              <a:uFill>
+                <a:solidFill>
+                  <a:srgbClr val="ffffff"/>
+                </a:solidFill>
+              </a:uFill>
+              <a:latin typeface="Source Sans Pro Semibold"/>
+            </a:endParaRPr>
+          </a:p>
+          <a:p>
+            <a:pPr marL="432000" indent="-324000">
               <a:buClr>
                 <a:srgbClr val="2c3e50"/>
               </a:buClr>
@@ -6938,27 +6918,23 @@
                   </a:solidFill>
                 </a:uFill>
                 <a:latin typeface="Source Sans Pro Semibold"/>
-                <a:ea typeface="DejaVu Sans"/>
               </a:rPr>
               <a:t>Beide Teilnehmer haben meistens den selben Schlüssel</a:t>
             </a:r>
-            <a:endParaRPr b="0" lang="de-DE" sz="1800" spc="-1" strike="noStrike">
-              <a:solidFill>
-                <a:srgbClr val="000000"/>
-              </a:solidFill>
-              <a:uFill>
-                <a:solidFill>
-                  <a:srgbClr val="ffffff"/>
-                </a:solidFill>
-              </a:uFill>
-              <a:latin typeface="Arial"/>
-            </a:endParaRPr>
-          </a:p>
-          <a:p>
-            <a:pPr marL="432000" indent="-322920">
-              <a:lnSpc>
-                <a:spcPct val="100000"/>
-              </a:lnSpc>
+            <a:endParaRPr b="1" lang="de-DE" sz="3200" spc="-1" strike="noStrike">
+              <a:solidFill>
+                <a:srgbClr val="2c3e50"/>
+              </a:solidFill>
+              <a:uFill>
+                <a:solidFill>
+                  <a:srgbClr val="ffffff"/>
+                </a:solidFill>
+              </a:uFill>
+              <a:latin typeface="Source Sans Pro Semibold"/>
+            </a:endParaRPr>
+          </a:p>
+          <a:p>
+            <a:pPr marL="432000" indent="-324000">
               <a:buClr>
                 <a:srgbClr val="2c3e50"/>
               </a:buClr>
@@ -6977,27 +6953,23 @@
                   </a:solidFill>
                 </a:uFill>
                 <a:latin typeface="Source Sans Pro Semibold"/>
-                <a:ea typeface="DejaVu Sans"/>
               </a:rPr>
               <a:t>Einteilung in Block- und Stromchiffren</a:t>
             </a:r>
-            <a:endParaRPr b="0" lang="de-DE" sz="1800" spc="-1" strike="noStrike">
-              <a:solidFill>
-                <a:srgbClr val="000000"/>
-              </a:solidFill>
-              <a:uFill>
-                <a:solidFill>
-                  <a:srgbClr val="ffffff"/>
-                </a:solidFill>
-              </a:uFill>
-              <a:latin typeface="Arial"/>
-            </a:endParaRPr>
-          </a:p>
-          <a:p>
-            <a:pPr marL="432000" indent="-322920">
-              <a:lnSpc>
-                <a:spcPct val="100000"/>
-              </a:lnSpc>
+            <a:endParaRPr b="1" lang="de-DE" sz="3200" spc="-1" strike="noStrike">
+              <a:solidFill>
+                <a:srgbClr val="2c3e50"/>
+              </a:solidFill>
+              <a:uFill>
+                <a:solidFill>
+                  <a:srgbClr val="ffffff"/>
+                </a:solidFill>
+              </a:uFill>
+              <a:latin typeface="Source Sans Pro Semibold"/>
+            </a:endParaRPr>
+          </a:p>
+          <a:p>
+            <a:pPr marL="432000" indent="-324000">
               <a:buClr>
                 <a:srgbClr val="2c3e50"/>
               </a:buClr>
@@ -7016,32 +6988,28 @@
                   </a:solidFill>
                 </a:uFill>
                 <a:latin typeface="Source Sans Pro Semibold"/>
-                <a:ea typeface="DejaVu Sans"/>
               </a:rPr>
               <a:t>Nachteil ist der Transport des Schlüssels</a:t>
             </a:r>
-            <a:endParaRPr b="0" lang="de-DE" sz="1800" spc="-1" strike="noStrike">
-              <a:solidFill>
-                <a:srgbClr val="000000"/>
-              </a:solidFill>
-              <a:uFill>
-                <a:solidFill>
-                  <a:srgbClr val="ffffff"/>
-                </a:solidFill>
-              </a:uFill>
-              <a:latin typeface="Arial"/>
-            </a:endParaRPr>
-          </a:p>
-          <a:p>
-            <a:pPr lvl="1" marL="864000" indent="-322920">
-              <a:lnSpc>
-                <a:spcPct val="100000"/>
-              </a:lnSpc>
+            <a:endParaRPr b="1" lang="de-DE" sz="3200" spc="-1" strike="noStrike">
+              <a:solidFill>
+                <a:srgbClr val="2c3e50"/>
+              </a:solidFill>
+              <a:uFill>
+                <a:solidFill>
+                  <a:srgbClr val="ffffff"/>
+                </a:solidFill>
+              </a:uFill>
+              <a:latin typeface="Source Sans Pro Semibold"/>
+            </a:endParaRPr>
+          </a:p>
+          <a:p>
+            <a:pPr lvl="1" marL="864000" indent="-324000">
               <a:buClr>
                 <a:srgbClr val="2c3e50"/>
               </a:buClr>
               <a:buSzPct val="75000"/>
-              <a:buFont typeface="Symbol"/>
+              <a:buFont typeface="Symbol" charset="2"/>
               <a:buChar char=""/>
             </a:pPr>
             <a:r>
@@ -7055,62 +7023,79 @@
                   </a:solidFill>
                 </a:uFill>
                 <a:latin typeface="Source Sans Pro"/>
-                <a:ea typeface="DejaVu Sans"/>
               </a:rPr>
               <a:t>=&gt; Lösung liegt in hybrider Verschlüsselung</a:t>
             </a:r>
-            <a:endParaRPr b="0" lang="de-DE" sz="1800" spc="-1" strike="noStrike">
-              <a:solidFill>
-                <a:srgbClr val="000000"/>
-              </a:solidFill>
-              <a:uFill>
-                <a:solidFill>
-                  <a:srgbClr val="ffffff"/>
-                </a:solidFill>
-              </a:uFill>
-              <a:latin typeface="Arial"/>
-            </a:endParaRPr>
-          </a:p>
-          <a:p>
-            <a:pPr>
-              <a:lnSpc>
-                <a:spcPct val="100000"/>
-              </a:lnSpc>
+            <a:endParaRPr b="0" lang="de-DE" sz="2800" spc="-1" strike="noStrike">
+              <a:solidFill>
+                <a:srgbClr val="2c3e50"/>
+              </a:solidFill>
+              <a:uFill>
+                <a:solidFill>
+                  <a:srgbClr val="ffffff"/>
+                </a:solidFill>
+              </a:uFill>
+              <a:latin typeface="Source Sans Pro"/>
+            </a:endParaRPr>
+          </a:p>
+          <a:p>
+            <a:pPr lvl="1" marL="864000" indent="-324000">
+              <a:buClr>
+                <a:srgbClr val="2c3e50"/>
+              </a:buClr>
+              <a:buSzPct val="75000"/>
+              <a:buFont typeface="Symbol" charset="2"/>
+              <a:buChar char=""/>
             </a:pPr>
-            <a:endParaRPr b="0" lang="de-DE" sz="1800" spc="-1" strike="noStrike">
-              <a:solidFill>
-                <a:srgbClr val="000000"/>
-              </a:solidFill>
-              <a:uFill>
-                <a:solidFill>
-                  <a:srgbClr val="ffffff"/>
-                </a:solidFill>
-              </a:uFill>
-              <a:latin typeface="Arial"/>
-            </a:endParaRPr>
-          </a:p>
-          <a:p>
-            <a:pPr>
-              <a:lnSpc>
-                <a:spcPct val="100000"/>
-              </a:lnSpc>
+            <a:endParaRPr b="0" lang="de-DE" sz="2800" spc="-1" strike="noStrike">
+              <a:solidFill>
+                <a:srgbClr val="2c3e50"/>
+              </a:solidFill>
+              <a:uFill>
+                <a:solidFill>
+                  <a:srgbClr val="ffffff"/>
+                </a:solidFill>
+              </a:uFill>
+              <a:latin typeface="Source Sans Pro"/>
+            </a:endParaRPr>
+          </a:p>
+          <a:p>
+            <a:pPr marL="432000" indent="-324000">
+              <a:buClr>
+                <a:srgbClr val="2c3e50"/>
+              </a:buClr>
+              <a:buSzPct val="45000"/>
+              <a:buFont typeface="Wingdings" charset="2"/>
+              <a:buChar char=""/>
             </a:pPr>
-            <a:endParaRPr b="0" lang="de-DE" sz="1800" spc="-1" strike="noStrike">
-              <a:solidFill>
-                <a:srgbClr val="000000"/>
-              </a:solidFill>
-              <a:uFill>
-                <a:solidFill>
-                  <a:srgbClr val="ffffff"/>
-                </a:solidFill>
-              </a:uFill>
-              <a:latin typeface="Arial"/>
+            <a:endParaRPr b="1" lang="de-DE" sz="3200" spc="-1" strike="noStrike">
+              <a:solidFill>
+                <a:srgbClr val="2c3e50"/>
+              </a:solidFill>
+              <a:uFill>
+                <a:solidFill>
+                  <a:srgbClr val="ffffff"/>
+                </a:solidFill>
+              </a:uFill>
+              <a:latin typeface="Source Sans Pro Semibold"/>
             </a:endParaRPr>
           </a:p>
         </p:txBody>
       </p:sp>
     </p:spTree>
   </p:cSld>
+  <mc:AlternateContent>
+    <mc:Choice Requires="p14">
+      <p:transition spd="med">
+        <p14:flip dir="l"/>
+      </p:transition>
+    </mc:Choice>
+    <mc:Fallback>
+      <p:transition spd="med">
+        <p:fade/>
+      </p:transition>
+    </mc:Fallback>
+  </mc:AlternateContent>
   <p:timing>
     <p:tnLst>
       <p:par>
@@ -7160,14 +7145,14 @@
       </p:grpSpPr>
       <p:sp>
         <p:nvSpPr>
-          <p:cNvPr id="86" name="CustomShape 1"/>
-          <p:cNvSpPr/>
+          <p:cNvPr id="89" name="TextShape 1"/>
+          <p:cNvSpPr txBox="1"/>
           <p:nvPr/>
         </p:nvSpPr>
         <p:spPr>
           <a:xfrm>
             <a:off x="360000" y="301320"/>
-            <a:ext cx="9358920" cy="957600"/>
+            <a:ext cx="9360000" cy="958680"/>
           </a:xfrm>
           <a:prstGeom prst="rect">
             <a:avLst/>
@@ -7177,12 +7162,6 @@
             <a:noFill/>
           </a:ln>
         </p:spPr>
-        <p:style>
-          <a:lnRef idx="0"/>
-          <a:fillRef idx="0"/>
-          <a:effectRef idx="0"/>
-          <a:fontRef idx="minor"/>
-        </p:style>
         <p:txBody>
           <a:bodyPr lIns="0" rIns="0" tIns="0" bIns="0" anchor="ctr"/>
           <a:p>
@@ -7197,34 +7176,33 @@
                   </a:solidFill>
                 </a:uFill>
                 <a:latin typeface="Source Sans Pro Black"/>
-                <a:ea typeface="DejaVu Sans"/>
               </a:rPr>
               <a:t>2. Arten der Verschlüsselung</a:t>
             </a:r>
-            <a:endParaRPr b="0" lang="de-DE" sz="1800" spc="-1" strike="noStrike">
-              <a:solidFill>
-                <a:srgbClr val="000000"/>
-              </a:solidFill>
-              <a:uFill>
-                <a:solidFill>
-                  <a:srgbClr val="ffffff"/>
-                </a:solidFill>
-              </a:uFill>
-              <a:latin typeface="Arial"/>
-            </a:endParaRPr>
-          </a:p>
-        </p:txBody>
-      </p:sp>
-      <p:sp>
-        <p:nvSpPr>
-          <p:cNvPr id="87" name="CustomShape 2"/>
-          <p:cNvSpPr/>
+            <a:endParaRPr b="1" lang="de-DE" sz="3600" spc="-1" strike="noStrike">
+              <a:solidFill>
+                <a:srgbClr val="ffffff"/>
+              </a:solidFill>
+              <a:uFill>
+                <a:solidFill>
+                  <a:srgbClr val="ffffff"/>
+                </a:solidFill>
+              </a:uFill>
+              <a:latin typeface="Source Sans Pro Black"/>
+            </a:endParaRPr>
+          </a:p>
+        </p:txBody>
+      </p:sp>
+      <p:sp>
+        <p:nvSpPr>
+          <p:cNvPr id="90" name="TextShape 2"/>
+          <p:cNvSpPr txBox="1"/>
           <p:nvPr/>
         </p:nvSpPr>
         <p:spPr>
           <a:xfrm>
             <a:off x="360000" y="1980000"/>
-            <a:ext cx="9358920" cy="5038920"/>
+            <a:ext cx="9360000" cy="5040000"/>
           </a:xfrm>
           <a:prstGeom prst="rect">
             <a:avLst/>
@@ -7234,19 +7212,10 @@
             <a:noFill/>
           </a:ln>
         </p:spPr>
-        <p:style>
-          <a:lnRef idx="0"/>
-          <a:fillRef idx="0"/>
-          <a:effectRef idx="0"/>
-          <a:fontRef idx="minor"/>
-        </p:style>
         <p:txBody>
           <a:bodyPr lIns="0" rIns="0" tIns="0" bIns="0"/>
           <a:p>
-            <a:pPr marL="432000" indent="-322920">
-              <a:lnSpc>
-                <a:spcPct val="100000"/>
-              </a:lnSpc>
+            <a:pPr marL="432000" indent="-324000">
               <a:buClr>
                 <a:srgbClr val="2c3e50"/>
               </a:buClr>
@@ -7265,27 +7234,23 @@
                   </a:solidFill>
                 </a:uFill>
                 <a:latin typeface="Source Sans Pro Semibold"/>
-                <a:ea typeface="DejaVu Sans"/>
               </a:rPr>
               <a:t>2.2 Asymmetrische Verschlüsselung</a:t>
             </a:r>
-            <a:endParaRPr b="0" lang="de-DE" sz="1800" spc="-1" strike="noStrike">
-              <a:solidFill>
-                <a:srgbClr val="000000"/>
-              </a:solidFill>
-              <a:uFill>
-                <a:solidFill>
-                  <a:srgbClr val="ffffff"/>
-                </a:solidFill>
-              </a:uFill>
-              <a:latin typeface="Arial"/>
-            </a:endParaRPr>
-          </a:p>
-          <a:p>
-            <a:pPr marL="432000" indent="-322920">
-              <a:lnSpc>
-                <a:spcPct val="100000"/>
-              </a:lnSpc>
+            <a:endParaRPr b="1" lang="de-DE" sz="3200" spc="-1" strike="noStrike">
+              <a:solidFill>
+                <a:srgbClr val="2c3e50"/>
+              </a:solidFill>
+              <a:uFill>
+                <a:solidFill>
+                  <a:srgbClr val="ffffff"/>
+                </a:solidFill>
+              </a:uFill>
+              <a:latin typeface="Source Sans Pro Semibold"/>
+            </a:endParaRPr>
+          </a:p>
+          <a:p>
+            <a:pPr marL="432000" indent="-324000">
               <a:buClr>
                 <a:srgbClr val="2c3e50"/>
               </a:buClr>
@@ -7304,27 +7269,23 @@
                   </a:solidFill>
                 </a:uFill>
                 <a:latin typeface="Source Sans Pro Semibold"/>
-                <a:ea typeface="DejaVu Sans"/>
               </a:rPr>
               <a:t>Jeder Teilnehmer hat einen anderen Schlüssel</a:t>
             </a:r>
-            <a:endParaRPr b="0" lang="de-DE" sz="1800" spc="-1" strike="noStrike">
-              <a:solidFill>
-                <a:srgbClr val="000000"/>
-              </a:solidFill>
-              <a:uFill>
-                <a:solidFill>
-                  <a:srgbClr val="ffffff"/>
-                </a:solidFill>
-              </a:uFill>
-              <a:latin typeface="Arial"/>
-            </a:endParaRPr>
-          </a:p>
-          <a:p>
-            <a:pPr marL="432000" indent="-322920">
-              <a:lnSpc>
-                <a:spcPct val="100000"/>
-              </a:lnSpc>
+            <a:endParaRPr b="1" lang="de-DE" sz="3200" spc="-1" strike="noStrike">
+              <a:solidFill>
+                <a:srgbClr val="2c3e50"/>
+              </a:solidFill>
+              <a:uFill>
+                <a:solidFill>
+                  <a:srgbClr val="ffffff"/>
+                </a:solidFill>
+              </a:uFill>
+              <a:latin typeface="Source Sans Pro Semibold"/>
+            </a:endParaRPr>
+          </a:p>
+          <a:p>
+            <a:pPr marL="432000" indent="-324000">
               <a:buClr>
                 <a:srgbClr val="2c3e50"/>
               </a:buClr>
@@ -7343,27 +7304,23 @@
                   </a:solidFill>
                 </a:uFill>
                 <a:latin typeface="Source Sans Pro Semibold"/>
-                <a:ea typeface="DejaVu Sans"/>
               </a:rPr>
               <a:t>Öffentlicher Schlüssel : Klartext → Geheimtext</a:t>
             </a:r>
-            <a:endParaRPr b="0" lang="de-DE" sz="1800" spc="-1" strike="noStrike">
-              <a:solidFill>
-                <a:srgbClr val="000000"/>
-              </a:solidFill>
-              <a:uFill>
-                <a:solidFill>
-                  <a:srgbClr val="ffffff"/>
-                </a:solidFill>
-              </a:uFill>
-              <a:latin typeface="Arial"/>
-            </a:endParaRPr>
-          </a:p>
-          <a:p>
-            <a:pPr marL="432000" indent="-322920">
-              <a:lnSpc>
-                <a:spcPct val="100000"/>
-              </a:lnSpc>
+            <a:endParaRPr b="1" lang="de-DE" sz="3200" spc="-1" strike="noStrike">
+              <a:solidFill>
+                <a:srgbClr val="2c3e50"/>
+              </a:solidFill>
+              <a:uFill>
+                <a:solidFill>
+                  <a:srgbClr val="ffffff"/>
+                </a:solidFill>
+              </a:uFill>
+              <a:latin typeface="Source Sans Pro Semibold"/>
+            </a:endParaRPr>
+          </a:p>
+          <a:p>
+            <a:pPr marL="432000" indent="-324000">
               <a:buClr>
                 <a:srgbClr val="2c3e50"/>
               </a:buClr>
@@ -7382,27 +7339,23 @@
                   </a:solidFill>
                 </a:uFill>
                 <a:latin typeface="Source Sans Pro Semibold"/>
-                <a:ea typeface="DejaVu Sans"/>
               </a:rPr>
               <a:t>Privater Schlüssel : Geheimtext → Klartext</a:t>
             </a:r>
-            <a:endParaRPr b="0" lang="de-DE" sz="1800" spc="-1" strike="noStrike">
-              <a:solidFill>
-                <a:srgbClr val="000000"/>
-              </a:solidFill>
-              <a:uFill>
-                <a:solidFill>
-                  <a:srgbClr val="ffffff"/>
-                </a:solidFill>
-              </a:uFill>
-              <a:latin typeface="Arial"/>
-            </a:endParaRPr>
-          </a:p>
-          <a:p>
-            <a:pPr marL="432000" indent="-322920">
-              <a:lnSpc>
-                <a:spcPct val="100000"/>
-              </a:lnSpc>
+            <a:endParaRPr b="1" lang="de-DE" sz="3200" spc="-1" strike="noStrike">
+              <a:solidFill>
+                <a:srgbClr val="2c3e50"/>
+              </a:solidFill>
+              <a:uFill>
+                <a:solidFill>
+                  <a:srgbClr val="ffffff"/>
+                </a:solidFill>
+              </a:uFill>
+              <a:latin typeface="Source Sans Pro Semibold"/>
+            </a:endParaRPr>
+          </a:p>
+          <a:p>
+            <a:pPr marL="432000" indent="-324000">
               <a:buClr>
                 <a:srgbClr val="2c3e50"/>
               </a:buClr>
@@ -7421,32 +7374,28 @@
                   </a:solidFill>
                 </a:uFill>
                 <a:latin typeface="Source Sans Pro Semibold"/>
-                <a:ea typeface="DejaVu Sans"/>
               </a:rPr>
               <a:t>Mindestens drei Algorithmen</a:t>
             </a:r>
-            <a:endParaRPr b="0" lang="de-DE" sz="1800" spc="-1" strike="noStrike">
-              <a:solidFill>
-                <a:srgbClr val="000000"/>
-              </a:solidFill>
-              <a:uFill>
-                <a:solidFill>
-                  <a:srgbClr val="ffffff"/>
-                </a:solidFill>
-              </a:uFill>
-              <a:latin typeface="Arial"/>
-            </a:endParaRPr>
-          </a:p>
-          <a:p>
-            <a:pPr lvl="1" marL="864000" indent="-322920">
-              <a:lnSpc>
-                <a:spcPct val="100000"/>
-              </a:lnSpc>
+            <a:endParaRPr b="1" lang="de-DE" sz="3200" spc="-1" strike="noStrike">
+              <a:solidFill>
+                <a:srgbClr val="2c3e50"/>
+              </a:solidFill>
+              <a:uFill>
+                <a:solidFill>
+                  <a:srgbClr val="ffffff"/>
+                </a:solidFill>
+              </a:uFill>
+              <a:latin typeface="Source Sans Pro Semibold"/>
+            </a:endParaRPr>
+          </a:p>
+          <a:p>
+            <a:pPr lvl="1" marL="864000" indent="-324000">
               <a:buClr>
                 <a:srgbClr val="2c3e50"/>
               </a:buClr>
               <a:buSzPct val="75000"/>
-              <a:buFont typeface="Symbol"/>
+              <a:buFont typeface="Symbol" charset="2"/>
               <a:buChar char=""/>
             </a:pPr>
             <a:r>
@@ -7460,32 +7409,28 @@
                   </a:solidFill>
                 </a:uFill>
                 <a:latin typeface="Source Sans Pro"/>
-                <a:ea typeface="DejaVu Sans"/>
               </a:rPr>
               <a:t>Schlüsselerzeugung</a:t>
             </a:r>
-            <a:endParaRPr b="0" lang="de-DE" sz="1800" spc="-1" strike="noStrike">
-              <a:solidFill>
-                <a:srgbClr val="000000"/>
-              </a:solidFill>
-              <a:uFill>
-                <a:solidFill>
-                  <a:srgbClr val="ffffff"/>
-                </a:solidFill>
-              </a:uFill>
-              <a:latin typeface="Arial"/>
-            </a:endParaRPr>
-          </a:p>
-          <a:p>
-            <a:pPr lvl="1" marL="864000" indent="-322920">
-              <a:lnSpc>
-                <a:spcPct val="100000"/>
-              </a:lnSpc>
+            <a:endParaRPr b="0" lang="de-DE" sz="2800" spc="-1" strike="noStrike">
+              <a:solidFill>
+                <a:srgbClr val="2c3e50"/>
+              </a:solidFill>
+              <a:uFill>
+                <a:solidFill>
+                  <a:srgbClr val="ffffff"/>
+                </a:solidFill>
+              </a:uFill>
+              <a:latin typeface="Source Sans Pro"/>
+            </a:endParaRPr>
+          </a:p>
+          <a:p>
+            <a:pPr lvl="1" marL="864000" indent="-324000">
               <a:buClr>
                 <a:srgbClr val="2c3e50"/>
               </a:buClr>
               <a:buSzPct val="75000"/>
-              <a:buFont typeface="Symbol"/>
+              <a:buFont typeface="Symbol" charset="2"/>
               <a:buChar char=""/>
             </a:pPr>
             <a:r>
@@ -7499,32 +7444,28 @@
                   </a:solidFill>
                 </a:uFill>
                 <a:latin typeface="Source Sans Pro"/>
-                <a:ea typeface="DejaVu Sans"/>
               </a:rPr>
               <a:t>Verschlüsselung</a:t>
             </a:r>
-            <a:endParaRPr b="0" lang="de-DE" sz="1800" spc="-1" strike="noStrike">
-              <a:solidFill>
-                <a:srgbClr val="000000"/>
-              </a:solidFill>
-              <a:uFill>
-                <a:solidFill>
-                  <a:srgbClr val="ffffff"/>
-                </a:solidFill>
-              </a:uFill>
-              <a:latin typeface="Arial"/>
-            </a:endParaRPr>
-          </a:p>
-          <a:p>
-            <a:pPr lvl="1" marL="864000" indent="-322920">
-              <a:lnSpc>
-                <a:spcPct val="100000"/>
-              </a:lnSpc>
+            <a:endParaRPr b="0" lang="de-DE" sz="2800" spc="-1" strike="noStrike">
+              <a:solidFill>
+                <a:srgbClr val="2c3e50"/>
+              </a:solidFill>
+              <a:uFill>
+                <a:solidFill>
+                  <a:srgbClr val="ffffff"/>
+                </a:solidFill>
+              </a:uFill>
+              <a:latin typeface="Source Sans Pro"/>
+            </a:endParaRPr>
+          </a:p>
+          <a:p>
+            <a:pPr lvl="1" marL="864000" indent="-324000">
               <a:buClr>
                 <a:srgbClr val="2c3e50"/>
               </a:buClr>
               <a:buSzPct val="75000"/>
-              <a:buFont typeface="Symbol"/>
+              <a:buFont typeface="Symbol" charset="2"/>
               <a:buChar char=""/>
             </a:pPr>
             <a:r>
@@ -7538,26 +7479,37 @@
                   </a:solidFill>
                 </a:uFill>
                 <a:latin typeface="Source Sans Pro"/>
-                <a:ea typeface="DejaVu Sans"/>
               </a:rPr>
               <a:t>Entschlüsselung</a:t>
             </a:r>
-            <a:endParaRPr b="0" lang="de-DE" sz="1800" spc="-1" strike="noStrike">
-              <a:solidFill>
-                <a:srgbClr val="000000"/>
-              </a:solidFill>
-              <a:uFill>
-                <a:solidFill>
-                  <a:srgbClr val="ffffff"/>
-                </a:solidFill>
-              </a:uFill>
-              <a:latin typeface="Arial"/>
+            <a:endParaRPr b="0" lang="de-DE" sz="2800" spc="-1" strike="noStrike">
+              <a:solidFill>
+                <a:srgbClr val="2c3e50"/>
+              </a:solidFill>
+              <a:uFill>
+                <a:solidFill>
+                  <a:srgbClr val="ffffff"/>
+                </a:solidFill>
+              </a:uFill>
+              <a:latin typeface="Source Sans Pro"/>
             </a:endParaRPr>
           </a:p>
         </p:txBody>
       </p:sp>
     </p:spTree>
   </p:cSld>
+  <mc:AlternateContent>
+    <mc:Choice Requires="p14">
+      <p:transition spd="med">
+        <p14:flip dir="l"/>
+      </p:transition>
+    </mc:Choice>
+    <mc:Fallback>
+      <p:transition spd="med">
+        <p:fade/>
+      </p:transition>
+    </mc:Fallback>
+  </mc:AlternateContent>
   <p:timing>
     <p:tnLst>
       <p:par>
@@ -7607,14 +7559,14 @@
       </p:grpSpPr>
       <p:sp>
         <p:nvSpPr>
-          <p:cNvPr id="88" name="CustomShape 1"/>
-          <p:cNvSpPr/>
+          <p:cNvPr id="91" name="TextShape 1"/>
+          <p:cNvSpPr txBox="1"/>
           <p:nvPr/>
         </p:nvSpPr>
         <p:spPr>
           <a:xfrm>
             <a:off x="360000" y="301320"/>
-            <a:ext cx="9358920" cy="957600"/>
+            <a:ext cx="9360000" cy="958680"/>
           </a:xfrm>
           <a:prstGeom prst="rect">
             <a:avLst/>
@@ -7624,12 +7576,6 @@
             <a:noFill/>
           </a:ln>
         </p:spPr>
-        <p:style>
-          <a:lnRef idx="0"/>
-          <a:fillRef idx="0"/>
-          <a:effectRef idx="0"/>
-          <a:fontRef idx="minor"/>
-        </p:style>
         <p:txBody>
           <a:bodyPr lIns="0" rIns="0" tIns="0" bIns="0" anchor="ctr"/>
           <a:p>
@@ -7644,34 +7590,33 @@
                   </a:solidFill>
                 </a:uFill>
                 <a:latin typeface="Source Sans Pro Black"/>
-                <a:ea typeface="DejaVu Sans"/>
               </a:rPr>
               <a:t>2. Arten der Verschlüsselung</a:t>
             </a:r>
-            <a:endParaRPr b="0" lang="de-DE" sz="1800" spc="-1" strike="noStrike">
-              <a:solidFill>
-                <a:srgbClr val="000000"/>
-              </a:solidFill>
-              <a:uFill>
-                <a:solidFill>
-                  <a:srgbClr val="ffffff"/>
-                </a:solidFill>
-              </a:uFill>
-              <a:latin typeface="Arial"/>
-            </a:endParaRPr>
-          </a:p>
-        </p:txBody>
-      </p:sp>
-      <p:sp>
-        <p:nvSpPr>
-          <p:cNvPr id="89" name="CustomShape 2"/>
-          <p:cNvSpPr/>
+            <a:endParaRPr b="1" lang="de-DE" sz="3600" spc="-1" strike="noStrike">
+              <a:solidFill>
+                <a:srgbClr val="ffffff"/>
+              </a:solidFill>
+              <a:uFill>
+                <a:solidFill>
+                  <a:srgbClr val="ffffff"/>
+                </a:solidFill>
+              </a:uFill>
+              <a:latin typeface="Source Sans Pro Black"/>
+            </a:endParaRPr>
+          </a:p>
+        </p:txBody>
+      </p:sp>
+      <p:sp>
+        <p:nvSpPr>
+          <p:cNvPr id="92" name="TextShape 2"/>
+          <p:cNvSpPr txBox="1"/>
           <p:nvPr/>
         </p:nvSpPr>
         <p:spPr>
           <a:xfrm>
             <a:off x="360000" y="1980000"/>
-            <a:ext cx="9358920" cy="5038920"/>
+            <a:ext cx="9360000" cy="5040000"/>
           </a:xfrm>
           <a:prstGeom prst="rect">
             <a:avLst/>
@@ -7681,19 +7626,10 @@
             <a:noFill/>
           </a:ln>
         </p:spPr>
-        <p:style>
-          <a:lnRef idx="0"/>
-          <a:fillRef idx="0"/>
-          <a:effectRef idx="0"/>
-          <a:fontRef idx="minor"/>
-        </p:style>
         <p:txBody>
           <a:bodyPr lIns="0" rIns="0" tIns="0" bIns="0"/>
           <a:p>
-            <a:pPr marL="432000" indent="-322920">
-              <a:lnSpc>
-                <a:spcPct val="100000"/>
-              </a:lnSpc>
+            <a:pPr marL="432000" indent="-324000">
               <a:buClr>
                 <a:srgbClr val="2c3e50"/>
               </a:buClr>
@@ -7712,27 +7648,23 @@
                   </a:solidFill>
                 </a:uFill>
                 <a:latin typeface="Source Sans Pro Semibold"/>
-                <a:ea typeface="DejaVu Sans"/>
               </a:rPr>
               <a:t>2.3 Hybride Verschlüsselung</a:t>
             </a:r>
-            <a:endParaRPr b="0" lang="de-DE" sz="1800" spc="-1" strike="noStrike">
-              <a:solidFill>
-                <a:srgbClr val="000000"/>
-              </a:solidFill>
-              <a:uFill>
-                <a:solidFill>
-                  <a:srgbClr val="ffffff"/>
-                </a:solidFill>
-              </a:uFill>
-              <a:latin typeface="Arial"/>
-            </a:endParaRPr>
-          </a:p>
-          <a:p>
-            <a:pPr marL="432000" indent="-322920">
-              <a:lnSpc>
-                <a:spcPct val="100000"/>
-              </a:lnSpc>
+            <a:endParaRPr b="1" lang="de-DE" sz="3200" spc="-1" strike="noStrike">
+              <a:solidFill>
+                <a:srgbClr val="2c3e50"/>
+              </a:solidFill>
+              <a:uFill>
+                <a:solidFill>
+                  <a:srgbClr val="ffffff"/>
+                </a:solidFill>
+              </a:uFill>
+              <a:latin typeface="Source Sans Pro Semibold"/>
+            </a:endParaRPr>
+          </a:p>
+          <a:p>
+            <a:pPr marL="432000" indent="-324000">
               <a:buClr>
                 <a:srgbClr val="2c3e50"/>
               </a:buClr>
@@ -7753,25 +7685,22 @@
                 <a:latin typeface="Source Sans Pro Semibold"/>
                 <a:ea typeface="DejaVu Sans"/>
               </a:rPr>
-              <a:t>Kombination aus symmetrischer und asymmetrischer Verschlüsselung</a:t>
-            </a:r>
-            <a:endParaRPr b="0" lang="de-DE" sz="1800" spc="-1" strike="noStrike">
-              <a:solidFill>
-                <a:srgbClr val="000000"/>
-              </a:solidFill>
-              <a:uFill>
-                <a:solidFill>
-                  <a:srgbClr val="ffffff"/>
-                </a:solidFill>
-              </a:uFill>
-              <a:latin typeface="Arial"/>
-            </a:endParaRPr>
-          </a:p>
-          <a:p>
-            <a:pPr marL="432000" indent="-322920">
-              <a:lnSpc>
-                <a:spcPct val="100000"/>
-              </a:lnSpc>
+              <a:t>Kombination aus symmetrischer Verschlüsselung und asymmetrischer Verschlüsselung</a:t>
+            </a:r>
+            <a:endParaRPr b="1" lang="de-DE" sz="3200" spc="-1" strike="noStrike">
+              <a:solidFill>
+                <a:srgbClr val="2c3e50"/>
+              </a:solidFill>
+              <a:uFill>
+                <a:solidFill>
+                  <a:srgbClr val="ffffff"/>
+                </a:solidFill>
+              </a:uFill>
+              <a:latin typeface="Source Sans Pro Semibold"/>
+            </a:endParaRPr>
+          </a:p>
+          <a:p>
+            <a:pPr marL="432000" indent="-324000">
               <a:buClr>
                 <a:srgbClr val="2c3e50"/>
               </a:buClr>
@@ -7794,23 +7723,20 @@
               </a:rPr>
               <a:t>Klartext wird symmetrisch verschlüsselt</a:t>
             </a:r>
-            <a:endParaRPr b="0" lang="de-DE" sz="1800" spc="-1" strike="noStrike">
-              <a:solidFill>
-                <a:srgbClr val="000000"/>
-              </a:solidFill>
-              <a:uFill>
-                <a:solidFill>
-                  <a:srgbClr val="ffffff"/>
-                </a:solidFill>
-              </a:uFill>
-              <a:latin typeface="Arial"/>
-            </a:endParaRPr>
-          </a:p>
-          <a:p>
-            <a:pPr marL="432000" indent="-322920">
-              <a:lnSpc>
-                <a:spcPct val="100000"/>
-              </a:lnSpc>
+            <a:endParaRPr b="1" lang="de-DE" sz="3200" spc="-1" strike="noStrike">
+              <a:solidFill>
+                <a:srgbClr val="2c3e50"/>
+              </a:solidFill>
+              <a:uFill>
+                <a:solidFill>
+                  <a:srgbClr val="ffffff"/>
+                </a:solidFill>
+              </a:uFill>
+              <a:latin typeface="Source Sans Pro Semibold"/>
+            </a:endParaRPr>
+          </a:p>
+          <a:p>
+            <a:pPr marL="432000" indent="-324000">
               <a:buClr>
                 <a:srgbClr val="2c3e50"/>
               </a:buClr>
@@ -7833,22 +7759,34 @@
               </a:rPr>
               <a:t>Schlüssel wird asymmetrisch verschlüsselt</a:t>
             </a:r>
-            <a:endParaRPr b="0" lang="de-DE" sz="1800" spc="-1" strike="noStrike">
-              <a:solidFill>
-                <a:srgbClr val="000000"/>
-              </a:solidFill>
-              <a:uFill>
-                <a:solidFill>
-                  <a:srgbClr val="ffffff"/>
-                </a:solidFill>
-              </a:uFill>
-              <a:latin typeface="Arial"/>
+            <a:endParaRPr b="1" lang="de-DE" sz="3200" spc="-1" strike="noStrike">
+              <a:solidFill>
+                <a:srgbClr val="2c3e50"/>
+              </a:solidFill>
+              <a:uFill>
+                <a:solidFill>
+                  <a:srgbClr val="ffffff"/>
+                </a:solidFill>
+              </a:uFill>
+              <a:latin typeface="Source Sans Pro Semibold"/>
             </a:endParaRPr>
           </a:p>
         </p:txBody>
       </p:sp>
     </p:spTree>
   </p:cSld>
+  <mc:AlternateContent>
+    <mc:Choice Requires="p14">
+      <p:transition spd="med">
+        <p14:flip dir="l"/>
+      </p:transition>
+    </mc:Choice>
+    <mc:Fallback>
+      <p:transition spd="med">
+        <p:fade/>
+      </p:transition>
+    </mc:Fallback>
+  </mc:AlternateContent>
   <p:timing>
     <p:tnLst>
       <p:par>
@@ -7898,14 +7836,14 @@
       </p:grpSpPr>
       <p:sp>
         <p:nvSpPr>
-          <p:cNvPr id="90" name="CustomShape 1"/>
-          <p:cNvSpPr/>
+          <p:cNvPr id="93" name="TextShape 1"/>
+          <p:cNvSpPr txBox="1"/>
           <p:nvPr/>
         </p:nvSpPr>
         <p:spPr>
           <a:xfrm>
             <a:off x="360000" y="301320"/>
-            <a:ext cx="9358920" cy="957600"/>
+            <a:ext cx="9360000" cy="958680"/>
           </a:xfrm>
           <a:prstGeom prst="rect">
             <a:avLst/>
@@ -7915,16 +7853,62 @@
             <a:noFill/>
           </a:ln>
         </p:spPr>
-        <p:style>
-          <a:lnRef idx="0"/>
-          <a:fillRef idx="0"/>
-          <a:effectRef idx="0"/>
-          <a:fontRef idx="minor"/>
-        </p:style>
+        <p:txBody>
+          <a:bodyPr lIns="0" rIns="0" tIns="0" bIns="0" anchor="ctr"/>
+          <a:p>
+            <a:endParaRPr b="1" lang="de-DE" sz="3600" spc="-1" strike="noStrike">
+              <a:solidFill>
+                <a:srgbClr val="ffffff"/>
+              </a:solidFill>
+              <a:uFill>
+                <a:solidFill>
+                  <a:srgbClr val="ffffff"/>
+                </a:solidFill>
+              </a:uFill>
+              <a:latin typeface="Source Sans Pro Black"/>
+            </a:endParaRPr>
+          </a:p>
+        </p:txBody>
+      </p:sp>
+      <p:sp>
+        <p:nvSpPr>
+          <p:cNvPr id="94" name="TextShape 2"/>
+          <p:cNvSpPr txBox="1"/>
+          <p:nvPr/>
+        </p:nvSpPr>
+        <p:spPr>
+          <a:xfrm>
+            <a:off x="360000" y="1980000"/>
+            <a:ext cx="9360000" cy="5040000"/>
+          </a:xfrm>
+          <a:prstGeom prst="rect">
+            <a:avLst/>
+          </a:prstGeom>
+          <a:noFill/>
+          <a:ln>
+            <a:noFill/>
+          </a:ln>
+        </p:spPr>
+        <p:txBody>
+          <a:bodyPr lIns="0" rIns="0" tIns="0" bIns="0"/>
+          <a:p>
+            <a:endParaRPr b="1" lang="de-DE" sz="3200" spc="-1" strike="noStrike">
+              <a:solidFill>
+                <a:srgbClr val="2c3e50"/>
+              </a:solidFill>
+              <a:uFill>
+                <a:solidFill>
+                  <a:srgbClr val="ffffff"/>
+                </a:solidFill>
+              </a:uFill>
+              <a:latin typeface="Source Sans Pro Semibold"/>
+            </a:endParaRPr>
+          </a:p>
+        </p:txBody>
       </p:sp>
       <p:pic>
         <p:nvPicPr>
-          <p:cNvPr id="91" name="" descr=""/>
+          <p:cNvPr id="95" name="" descr=""/>
           <p:cNvPicPr/>
           <p:nvPr/>
         </p:nvPicPr>
@@ -7934,8 +7918,8 @@
         </p:blipFill>
         <p:spPr>
           <a:xfrm>
-            <a:off x="1321560" y="1980000"/>
-            <a:ext cx="7435440" cy="5038920"/>
+            <a:off x="1321920" y="1980000"/>
+            <a:ext cx="7435080" cy="5038560"/>
           </a:xfrm>
           <a:prstGeom prst="rect">
             <a:avLst/>
@@ -7947,6 +7931,18 @@
       </p:pic>
     </p:spTree>
   </p:cSld>
+  <mc:AlternateContent>
+    <mc:Choice Requires="p14">
+      <p:transition spd="med">
+        <p14:flip dir="l"/>
+      </p:transition>
+    </mc:Choice>
+    <mc:Fallback>
+      <p:transition spd="med">
+        <p:fade/>
+      </p:transition>
+    </mc:Fallback>
+  </mc:AlternateContent>
   <p:timing>
     <p:tnLst>
       <p:par>
@@ -7996,14 +7992,14 @@
       </p:grpSpPr>
       <p:sp>
         <p:nvSpPr>
-          <p:cNvPr id="92" name="CustomShape 1"/>
-          <p:cNvSpPr/>
+          <p:cNvPr id="96" name="TextShape 1"/>
+          <p:cNvSpPr txBox="1"/>
           <p:nvPr/>
         </p:nvSpPr>
         <p:spPr>
           <a:xfrm>
             <a:off x="360000" y="301320"/>
-            <a:ext cx="9358920" cy="957600"/>
+            <a:ext cx="9360000" cy="958680"/>
           </a:xfrm>
           <a:prstGeom prst="rect">
             <a:avLst/>
@@ -8013,12 +8009,6 @@
             <a:noFill/>
           </a:ln>
         </p:spPr>
-        <p:style>
-          <a:lnRef idx="0"/>
-          <a:fillRef idx="0"/>
-          <a:effectRef idx="0"/>
-          <a:fontRef idx="minor"/>
-        </p:style>
         <p:txBody>
           <a:bodyPr lIns="0" rIns="0" tIns="0" bIns="0" anchor="ctr"/>
           <a:p>
@@ -8033,34 +8023,33 @@
                   </a:solidFill>
                 </a:uFill>
                 <a:latin typeface="Source Sans Pro Black"/>
-                <a:ea typeface="DejaVu Sans"/>
               </a:rPr>
               <a:t>3. Vorstellung zweier Verfahren</a:t>
             </a:r>
-            <a:endParaRPr b="0" lang="de-DE" sz="1800" spc="-1" strike="noStrike">
-              <a:solidFill>
-                <a:srgbClr val="000000"/>
-              </a:solidFill>
-              <a:uFill>
-                <a:solidFill>
-                  <a:srgbClr val="ffffff"/>
-                </a:solidFill>
-              </a:uFill>
-              <a:latin typeface="Arial"/>
-            </a:endParaRPr>
-          </a:p>
-        </p:txBody>
-      </p:sp>
-      <p:sp>
-        <p:nvSpPr>
-          <p:cNvPr id="93" name="CustomShape 2"/>
-          <p:cNvSpPr/>
+            <a:endParaRPr b="1" lang="de-DE" sz="3600" spc="-1" strike="noStrike">
+              <a:solidFill>
+                <a:srgbClr val="ffffff"/>
+              </a:solidFill>
+              <a:uFill>
+                <a:solidFill>
+                  <a:srgbClr val="ffffff"/>
+                </a:solidFill>
+              </a:uFill>
+              <a:latin typeface="Source Sans Pro Black"/>
+            </a:endParaRPr>
+          </a:p>
+        </p:txBody>
+      </p:sp>
+      <p:sp>
+        <p:nvSpPr>
+          <p:cNvPr id="97" name="TextShape 2"/>
+          <p:cNvSpPr txBox="1"/>
           <p:nvPr/>
         </p:nvSpPr>
         <p:spPr>
           <a:xfrm>
             <a:off x="360000" y="1980000"/>
-            <a:ext cx="9358920" cy="5038920"/>
+            <a:ext cx="9360000" cy="5040000"/>
           </a:xfrm>
           <a:prstGeom prst="rect">
             <a:avLst/>
@@ -8070,19 +8059,10 @@
             <a:noFill/>
           </a:ln>
         </p:spPr>
-        <p:style>
-          <a:lnRef idx="0"/>
-          <a:fillRef idx="0"/>
-          <a:effectRef idx="0"/>
-          <a:fontRef idx="minor"/>
-        </p:style>
         <p:txBody>
           <a:bodyPr lIns="0" rIns="0" tIns="0" bIns="0"/>
           <a:p>
-            <a:pPr marL="432000" indent="-322920">
-              <a:lnSpc>
-                <a:spcPct val="100000"/>
-              </a:lnSpc>
+            <a:pPr marL="432000" indent="-324000">
               <a:buClr>
                 <a:srgbClr val="2c3e50"/>
               </a:buClr>
@@ -8101,27 +8081,23 @@
                   </a:solidFill>
                 </a:uFill>
                 <a:latin typeface="Source Sans Pro Semibold"/>
-                <a:ea typeface="DejaVu Sans"/>
-              </a:rPr>
-              <a:t>3.1 Vigenère – Chiffre</a:t>
-            </a:r>
-            <a:endParaRPr b="0" lang="de-DE" sz="1800" spc="-1" strike="noStrike">
-              <a:solidFill>
-                <a:srgbClr val="000000"/>
-              </a:solidFill>
-              <a:uFill>
-                <a:solidFill>
-                  <a:srgbClr val="ffffff"/>
-                </a:solidFill>
-              </a:uFill>
-              <a:latin typeface="Arial"/>
-            </a:endParaRPr>
-          </a:p>
-          <a:p>
-            <a:pPr marL="432000" indent="-322920">
-              <a:lnSpc>
-                <a:spcPct val="100000"/>
-              </a:lnSpc>
+              </a:rPr>
+              <a:t>3.1 Vigenère -Chiffre</a:t>
+            </a:r>
+            <a:endParaRPr b="1" lang="de-DE" sz="3200" spc="-1" strike="noStrike">
+              <a:solidFill>
+                <a:srgbClr val="2c3e50"/>
+              </a:solidFill>
+              <a:uFill>
+                <a:solidFill>
+                  <a:srgbClr val="ffffff"/>
+                </a:solidFill>
+              </a:uFill>
+              <a:latin typeface="Source Sans Pro Semibold"/>
+            </a:endParaRPr>
+          </a:p>
+          <a:p>
+            <a:pPr marL="432000" indent="-324000">
               <a:buClr>
                 <a:srgbClr val="2c3e50"/>
               </a:buClr>
@@ -8140,27 +8116,23 @@
                   </a:solidFill>
                 </a:uFill>
                 <a:latin typeface="Source Sans Pro Semibold"/>
-                <a:ea typeface="DejaVu Sans"/>
-              </a:rPr>
-              <a:t>Entstanden im 16.Jahrhundert und bennant nach dem Erfinder Blaise de Vigenère</a:t>
-            </a:r>
-            <a:endParaRPr b="0" lang="de-DE" sz="1800" spc="-1" strike="noStrike">
-              <a:solidFill>
-                <a:srgbClr val="000000"/>
-              </a:solidFill>
-              <a:uFill>
-                <a:solidFill>
-                  <a:srgbClr val="ffffff"/>
-                </a:solidFill>
-              </a:uFill>
-              <a:latin typeface="Arial"/>
-            </a:endParaRPr>
-          </a:p>
-          <a:p>
-            <a:pPr marL="432000" indent="-322920">
-              <a:lnSpc>
-                <a:spcPct val="100000"/>
-              </a:lnSpc>
+              </a:rPr>
+              <a:t>Entstanden im 16. Jahrhundert und benannt nach dem Erfinder Blaise de Vigenère</a:t>
+            </a:r>
+            <a:endParaRPr b="1" lang="de-DE" sz="3200" spc="-1" strike="noStrike">
+              <a:solidFill>
+                <a:srgbClr val="2c3e50"/>
+              </a:solidFill>
+              <a:uFill>
+                <a:solidFill>
+                  <a:srgbClr val="ffffff"/>
+                </a:solidFill>
+              </a:uFill>
+              <a:latin typeface="Source Sans Pro Semibold"/>
+            </a:endParaRPr>
+          </a:p>
+          <a:p>
+            <a:pPr marL="432000" indent="-324000">
               <a:buClr>
                 <a:srgbClr val="2c3e50"/>
               </a:buClr>
@@ -8179,27 +8151,23 @@
                   </a:solidFill>
                 </a:uFill>
                 <a:latin typeface="Source Sans Pro Semibold"/>
-                <a:ea typeface="DejaVu Sans"/>
               </a:rPr>
               <a:t>Stromchiffre</a:t>
             </a:r>
-            <a:endParaRPr b="0" lang="de-DE" sz="1800" spc="-1" strike="noStrike">
-              <a:solidFill>
-                <a:srgbClr val="000000"/>
-              </a:solidFill>
-              <a:uFill>
-                <a:solidFill>
-                  <a:srgbClr val="ffffff"/>
-                </a:solidFill>
-              </a:uFill>
-              <a:latin typeface="Arial"/>
-            </a:endParaRPr>
-          </a:p>
-          <a:p>
-            <a:pPr marL="432000" indent="-322920">
-              <a:lnSpc>
-                <a:spcPct val="100000"/>
-              </a:lnSpc>
+            <a:endParaRPr b="1" lang="de-DE" sz="3200" spc="-1" strike="noStrike">
+              <a:solidFill>
+                <a:srgbClr val="2c3e50"/>
+              </a:solidFill>
+              <a:uFill>
+                <a:solidFill>
+                  <a:srgbClr val="ffffff"/>
+                </a:solidFill>
+              </a:uFill>
+              <a:latin typeface="Source Sans Pro Semibold"/>
+            </a:endParaRPr>
+          </a:p>
+          <a:p>
+            <a:pPr marL="432000" indent="-324000">
               <a:buClr>
                 <a:srgbClr val="2c3e50"/>
               </a:buClr>
@@ -8218,26 +8186,37 @@
                   </a:solidFill>
                 </a:uFill>
                 <a:latin typeface="Source Sans Pro Semibold"/>
-                <a:ea typeface="DejaVu Sans"/>
               </a:rPr>
               <a:t>Substituierte Geheimzeichen werden durch das Vigenère-Quadrat bestimmt</a:t>
             </a:r>
-            <a:endParaRPr b="0" lang="de-DE" sz="1800" spc="-1" strike="noStrike">
-              <a:solidFill>
-                <a:srgbClr val="000000"/>
-              </a:solidFill>
-              <a:uFill>
-                <a:solidFill>
-                  <a:srgbClr val="ffffff"/>
-                </a:solidFill>
-              </a:uFill>
-              <a:latin typeface="Arial"/>
+            <a:endParaRPr b="1" lang="de-DE" sz="3200" spc="-1" strike="noStrike">
+              <a:solidFill>
+                <a:srgbClr val="2c3e50"/>
+              </a:solidFill>
+              <a:uFill>
+                <a:solidFill>
+                  <a:srgbClr val="ffffff"/>
+                </a:solidFill>
+              </a:uFill>
+              <a:latin typeface="Source Sans Pro Semibold"/>
             </a:endParaRPr>
           </a:p>
         </p:txBody>
       </p:sp>
     </p:spTree>
   </p:cSld>
+  <mc:AlternateContent>
+    <mc:Choice Requires="p14">
+      <p:transition spd="med">
+        <p14:flip dir="l"/>
+      </p:transition>
+    </mc:Choice>
+    <mc:Fallback>
+      <p:transition spd="med">
+        <p:fade/>
+      </p:transition>
+    </mc:Fallback>
+  </mc:AlternateContent>
   <p:timing>
     <p:tnLst>
       <p:par>
@@ -8287,14 +8266,14 @@
       </p:grpSpPr>
       <p:sp>
         <p:nvSpPr>
-          <p:cNvPr id="94" name="CustomShape 1"/>
-          <p:cNvSpPr/>
+          <p:cNvPr id="98" name="TextShape 1"/>
+          <p:cNvSpPr txBox="1"/>
           <p:nvPr/>
         </p:nvSpPr>
         <p:spPr>
           <a:xfrm>
             <a:off x="360000" y="301320"/>
-            <a:ext cx="9358920" cy="957600"/>
+            <a:ext cx="9360000" cy="958680"/>
           </a:xfrm>
           <a:prstGeom prst="rect">
             <a:avLst/>
@@ -8304,16 +8283,62 @@
             <a:noFill/>
           </a:ln>
         </p:spPr>
-        <p:style>
-          <a:lnRef idx="0"/>
-          <a:fillRef idx="0"/>
-          <a:effectRef idx="0"/>
-          <a:fontRef idx="minor"/>
-        </p:style>
+        <p:txBody>
+          <a:bodyPr lIns="0" rIns="0" tIns="0" bIns="0" anchor="ctr"/>
+          <a:p>
+            <a:endParaRPr b="1" lang="de-DE" sz="3600" spc="-1" strike="noStrike">
+              <a:solidFill>
+                <a:srgbClr val="ffffff"/>
+              </a:solidFill>
+              <a:uFill>
+                <a:solidFill>
+                  <a:srgbClr val="ffffff"/>
+                </a:solidFill>
+              </a:uFill>
+              <a:latin typeface="Source Sans Pro Black"/>
+            </a:endParaRPr>
+          </a:p>
+        </p:txBody>
+      </p:sp>
+      <p:sp>
+        <p:nvSpPr>
+          <p:cNvPr id="99" name="TextShape 2"/>
+          <p:cNvSpPr txBox="1"/>
+          <p:nvPr/>
+        </p:nvSpPr>
+        <p:spPr>
+          <a:xfrm>
+            <a:off x="360000" y="1980000"/>
+            <a:ext cx="9360000" cy="5040000"/>
+          </a:xfrm>
+          <a:prstGeom prst="rect">
+            <a:avLst/>
+          </a:prstGeom>
+          <a:noFill/>
+          <a:ln>
+            <a:noFill/>
+          </a:ln>
+        </p:spPr>
+        <p:txBody>
+          <a:bodyPr lIns="0" rIns="0" tIns="0" bIns="0"/>
+          <a:p>
+            <a:endParaRPr b="1" lang="de-DE" sz="3200" spc="-1" strike="noStrike">
+              <a:solidFill>
+                <a:srgbClr val="2c3e50"/>
+              </a:solidFill>
+              <a:uFill>
+                <a:solidFill>
+                  <a:srgbClr val="ffffff"/>
+                </a:solidFill>
+              </a:uFill>
+              <a:latin typeface="Source Sans Pro Semibold"/>
+            </a:endParaRPr>
+          </a:p>
+        </p:txBody>
       </p:sp>
       <p:pic>
         <p:nvPicPr>
-          <p:cNvPr id="95" name="" descr=""/>
+          <p:cNvPr id="100" name="" descr=""/>
           <p:cNvPicPr/>
           <p:nvPr/>
         </p:nvPicPr>
@@ -8324,7 +8349,7 @@
         <p:spPr>
           <a:xfrm>
             <a:off x="2628000" y="1980000"/>
-            <a:ext cx="4822920" cy="5038920"/>
+            <a:ext cx="4822560" cy="5038560"/>
           </a:xfrm>
           <a:prstGeom prst="rect">
             <a:avLst/>
@@ -8336,6 +8361,18 @@
       </p:pic>
     </p:spTree>
   </p:cSld>
+  <mc:AlternateContent>
+    <mc:Choice Requires="p14">
+      <p:transition spd="med">
+        <p14:flip dir="l"/>
+      </p:transition>
+    </mc:Choice>
+    <mc:Fallback>
+      <p:transition spd="med">
+        <p:fade/>
+      </p:transition>
+    </mc:Fallback>
+  </mc:AlternateContent>
   <p:timing>
     <p:tnLst>
       <p:par>
